--- a/2023_11_20.pptx
+++ b/2023_11_20.pptx
@@ -1,60 +1,67 @@
 
 <file path=ppt/presentation.xml><?xml version="1.0" encoding="utf-8"?>
-<p:presentation xmlns:a="http://schemas.openxmlformats.org/drawingml/2006/main" xmlns:r="http://schemas.openxmlformats.org/officeDocument/2006/relationships" xmlns:mc="http://schemas.openxmlformats.org/markup-compatibility/2006" xmlns:mv="urn:schemas-microsoft-com:mac:vml" xmlns:p="http://schemas.openxmlformats.org/presentationml/2006/main" xmlns:c="http://schemas.openxmlformats.org/drawingml/2006/chart" xmlns:dgm="http://schemas.openxmlformats.org/drawingml/2006/diagram" xmlns:o="urn:schemas-microsoft-com:office:office" xmlns:v="urn:schemas-microsoft-com:vml" xmlns:pvml="urn:schemas-microsoft-com:office:powerpoint" xmlns:com="http://schemas.openxmlformats.org/drawingml/2006/compatibility" xmlns:p14="http://schemas.microsoft.com/office/powerpoint/2010/main" xmlns:p15="http://schemas.microsoft.com/office/powerpoint/2012/main" xmlns:ahyp="http://schemas.microsoft.com/office/drawing/2018/hyperlinkcolor" autoCompressPictures="0" embedTrueTypeFonts="1" strictFirstAndLastChars="0" saveSubsetFonts="1">
+<p:presentation xmlns:a="http://schemas.openxmlformats.org/drawingml/2006/main" xmlns:r="http://schemas.openxmlformats.org/officeDocument/2006/relationships" xmlns:p="http://schemas.openxmlformats.org/presentationml/2006/main" strictFirstAndLastChars="0" embedTrueTypeFonts="1" saveSubsetFonts="1" autoCompressPictures="0">
   <p:sldMasterIdLst>
-    <p:sldMasterId id="2147483659" r:id="rId4"/>
+    <p:sldMasterId id="2147483659" r:id="rId1"/>
   </p:sldMasterIdLst>
   <p:notesMasterIdLst>
-    <p:notesMasterId r:id="rId5"/>
+    <p:notesMasterId r:id="rId28"/>
   </p:notesMasterIdLst>
   <p:sldIdLst>
-    <p:sldId id="256" r:id="rId6"/>
-    <p:sldId id="257" r:id="rId7"/>
-    <p:sldId id="258" r:id="rId8"/>
-    <p:sldId id="259" r:id="rId9"/>
-    <p:sldId id="260" r:id="rId10"/>
-    <p:sldId id="261" r:id="rId11"/>
-    <p:sldId id="262" r:id="rId12"/>
-    <p:sldId id="263" r:id="rId13"/>
-    <p:sldId id="264" r:id="rId14"/>
-    <p:sldId id="265" r:id="rId15"/>
-    <p:sldId id="266" r:id="rId16"/>
-    <p:sldId id="267" r:id="rId17"/>
-    <p:sldId id="268" r:id="rId18"/>
-    <p:sldId id="269" r:id="rId19"/>
-    <p:sldId id="270" r:id="rId20"/>
-    <p:sldId id="271" r:id="rId21"/>
-    <p:sldId id="272" r:id="rId22"/>
-    <p:sldId id="273" r:id="rId23"/>
-    <p:sldId id="274" r:id="rId24"/>
-    <p:sldId id="275" r:id="rId25"/>
-    <p:sldId id="276" r:id="rId26"/>
-    <p:sldId id="277" r:id="rId27"/>
-    <p:sldId id="278" r:id="rId28"/>
-    <p:sldId id="279" r:id="rId29"/>
-    <p:sldId id="280" r:id="rId30"/>
-    <p:sldId id="281" r:id="rId31"/>
+    <p:sldId id="256" r:id="rId2"/>
+    <p:sldId id="257" r:id="rId3"/>
+    <p:sldId id="258" r:id="rId4"/>
+    <p:sldId id="259" r:id="rId5"/>
+    <p:sldId id="260" r:id="rId6"/>
+    <p:sldId id="261" r:id="rId7"/>
+    <p:sldId id="262" r:id="rId8"/>
+    <p:sldId id="263" r:id="rId9"/>
+    <p:sldId id="264" r:id="rId10"/>
+    <p:sldId id="265" r:id="rId11"/>
+    <p:sldId id="266" r:id="rId12"/>
+    <p:sldId id="267" r:id="rId13"/>
+    <p:sldId id="268" r:id="rId14"/>
+    <p:sldId id="269" r:id="rId15"/>
+    <p:sldId id="270" r:id="rId16"/>
+    <p:sldId id="271" r:id="rId17"/>
+    <p:sldId id="272" r:id="rId18"/>
+    <p:sldId id="273" r:id="rId19"/>
+    <p:sldId id="274" r:id="rId20"/>
+    <p:sldId id="275" r:id="rId21"/>
+    <p:sldId id="276" r:id="rId22"/>
+    <p:sldId id="277" r:id="rId23"/>
+    <p:sldId id="278" r:id="rId24"/>
+    <p:sldId id="279" r:id="rId25"/>
+    <p:sldId id="280" r:id="rId26"/>
+    <p:sldId id="281" r:id="rId27"/>
   </p:sldIdLst>
-  <p:sldSz cy="5143500" cx="9144000"/>
+  <p:sldSz cx="9144000" cy="5143500" type="screen16x9"/>
   <p:notesSz cx="6858000" cy="9144000"/>
   <p:embeddedFontLst>
     <p:embeddedFont>
-      <p:font typeface="Raleway"/>
-      <p:regular r:id="rId32"/>
-      <p:bold r:id="rId33"/>
-      <p:italic r:id="rId34"/>
-      <p:boldItalic r:id="rId35"/>
+      <p:font typeface="Comic Sans MS" panose="030F0702030302020204" pitchFamily="66" charset="0"/>
+      <p:regular r:id="rId29"/>
+      <p:bold r:id="rId30"/>
+      <p:italic r:id="rId31"/>
+      <p:boldItalic r:id="rId32"/>
     </p:embeddedFont>
     <p:embeddedFont>
-      <p:font typeface="Lato"/>
-      <p:regular r:id="rId36"/>
-      <p:bold r:id="rId37"/>
-      <p:italic r:id="rId38"/>
-      <p:boldItalic r:id="rId39"/>
+      <p:font typeface="Lato" panose="020F0502020204030203" pitchFamily="34" charset="0"/>
+      <p:regular r:id="rId33"/>
+      <p:bold r:id="rId34"/>
+      <p:italic r:id="rId35"/>
+      <p:boldItalic r:id="rId36"/>
+    </p:embeddedFont>
+    <p:embeddedFont>
+      <p:font typeface="Raleway" pitchFamily="2" charset="0"/>
+      <p:regular r:id="rId37"/>
+      <p:bold r:id="rId38"/>
+      <p:italic r:id="rId39"/>
+      <p:boldItalic r:id="rId40"/>
     </p:embeddedFont>
   </p:embeddedFontLst>
   <p:defaultTextStyle>
-    <a:defPPr lvl="0" marR="0" rtl="0" algn="l">
+    <a:defPPr marR="0" lvl="0" algn="l" rtl="0">
       <a:lnSpc>
         <a:spcPct val="100000"/>
       </a:lnSpc>
@@ -65,7 +72,7 @@
         <a:spcPts val="0"/>
       </a:spcAft>
     </a:defPPr>
-    <a:lvl1pPr lvl="0" marR="0" rtl="0" algn="l">
+    <a:lvl1pPr marR="0" lvl="0" algn="l" rtl="0">
       <a:lnSpc>
         <a:spcPct val="100000"/>
       </a:lnSpc>
@@ -79,7 +86,7 @@
         <a:srgbClr val="000000"/>
       </a:buClr>
       <a:buFont typeface="Arial"/>
-      <a:defRPr b="0" i="0" sz="1400" u="none" cap="none" strike="noStrike">
+      <a:defRPr sz="1400" b="0" i="0" u="none" strike="noStrike" cap="none">
         <a:solidFill>
           <a:srgbClr val="000000"/>
         </a:solidFill>
@@ -89,7 +96,7 @@
         <a:sym typeface="Arial"/>
       </a:defRPr>
     </a:lvl1pPr>
-    <a:lvl2pPr lvl="1" marR="0" rtl="0" algn="l">
+    <a:lvl2pPr marR="0" lvl="1" algn="l" rtl="0">
       <a:lnSpc>
         <a:spcPct val="100000"/>
       </a:lnSpc>
@@ -103,7 +110,7 @@
         <a:srgbClr val="000000"/>
       </a:buClr>
       <a:buFont typeface="Arial"/>
-      <a:defRPr b="0" i="0" sz="1400" u="none" cap="none" strike="noStrike">
+      <a:defRPr sz="1400" b="0" i="0" u="none" strike="noStrike" cap="none">
         <a:solidFill>
           <a:srgbClr val="000000"/>
         </a:solidFill>
@@ -113,7 +120,7 @@
         <a:sym typeface="Arial"/>
       </a:defRPr>
     </a:lvl2pPr>
-    <a:lvl3pPr lvl="2" marR="0" rtl="0" algn="l">
+    <a:lvl3pPr marR="0" lvl="2" algn="l" rtl="0">
       <a:lnSpc>
         <a:spcPct val="100000"/>
       </a:lnSpc>
@@ -127,7 +134,7 @@
         <a:srgbClr val="000000"/>
       </a:buClr>
       <a:buFont typeface="Arial"/>
-      <a:defRPr b="0" i="0" sz="1400" u="none" cap="none" strike="noStrike">
+      <a:defRPr sz="1400" b="0" i="0" u="none" strike="noStrike" cap="none">
         <a:solidFill>
           <a:srgbClr val="000000"/>
         </a:solidFill>
@@ -137,7 +144,7 @@
         <a:sym typeface="Arial"/>
       </a:defRPr>
     </a:lvl3pPr>
-    <a:lvl4pPr lvl="3" marR="0" rtl="0" algn="l">
+    <a:lvl4pPr marR="0" lvl="3" algn="l" rtl="0">
       <a:lnSpc>
         <a:spcPct val="100000"/>
       </a:lnSpc>
@@ -151,7 +158,7 @@
         <a:srgbClr val="000000"/>
       </a:buClr>
       <a:buFont typeface="Arial"/>
-      <a:defRPr b="0" i="0" sz="1400" u="none" cap="none" strike="noStrike">
+      <a:defRPr sz="1400" b="0" i="0" u="none" strike="noStrike" cap="none">
         <a:solidFill>
           <a:srgbClr val="000000"/>
         </a:solidFill>
@@ -161,7 +168,7 @@
         <a:sym typeface="Arial"/>
       </a:defRPr>
     </a:lvl4pPr>
-    <a:lvl5pPr lvl="4" marR="0" rtl="0" algn="l">
+    <a:lvl5pPr marR="0" lvl="4" algn="l" rtl="0">
       <a:lnSpc>
         <a:spcPct val="100000"/>
       </a:lnSpc>
@@ -175,7 +182,7 @@
         <a:srgbClr val="000000"/>
       </a:buClr>
       <a:buFont typeface="Arial"/>
-      <a:defRPr b="0" i="0" sz="1400" u="none" cap="none" strike="noStrike">
+      <a:defRPr sz="1400" b="0" i="0" u="none" strike="noStrike" cap="none">
         <a:solidFill>
           <a:srgbClr val="000000"/>
         </a:solidFill>
@@ -185,7 +192,7 @@
         <a:sym typeface="Arial"/>
       </a:defRPr>
     </a:lvl5pPr>
-    <a:lvl6pPr lvl="5" marR="0" rtl="0" algn="l">
+    <a:lvl6pPr marR="0" lvl="5" algn="l" rtl="0">
       <a:lnSpc>
         <a:spcPct val="100000"/>
       </a:lnSpc>
@@ -199,7 +206,7 @@
         <a:srgbClr val="000000"/>
       </a:buClr>
       <a:buFont typeface="Arial"/>
-      <a:defRPr b="0" i="0" sz="1400" u="none" cap="none" strike="noStrike">
+      <a:defRPr sz="1400" b="0" i="0" u="none" strike="noStrike" cap="none">
         <a:solidFill>
           <a:srgbClr val="000000"/>
         </a:solidFill>
@@ -209,7 +216,7 @@
         <a:sym typeface="Arial"/>
       </a:defRPr>
     </a:lvl6pPr>
-    <a:lvl7pPr lvl="6" marR="0" rtl="0" algn="l">
+    <a:lvl7pPr marR="0" lvl="6" algn="l" rtl="0">
       <a:lnSpc>
         <a:spcPct val="100000"/>
       </a:lnSpc>
@@ -223,7 +230,7 @@
         <a:srgbClr val="000000"/>
       </a:buClr>
       <a:buFont typeface="Arial"/>
-      <a:defRPr b="0" i="0" sz="1400" u="none" cap="none" strike="noStrike">
+      <a:defRPr sz="1400" b="0" i="0" u="none" strike="noStrike" cap="none">
         <a:solidFill>
           <a:srgbClr val="000000"/>
         </a:solidFill>
@@ -233,7 +240,7 @@
         <a:sym typeface="Arial"/>
       </a:defRPr>
     </a:lvl7pPr>
-    <a:lvl8pPr lvl="7" marR="0" rtl="0" algn="l">
+    <a:lvl8pPr marR="0" lvl="7" algn="l" rtl="0">
       <a:lnSpc>
         <a:spcPct val="100000"/>
       </a:lnSpc>
@@ -247,7 +254,7 @@
         <a:srgbClr val="000000"/>
       </a:buClr>
       <a:buFont typeface="Arial"/>
-      <a:defRPr b="0" i="0" sz="1400" u="none" cap="none" strike="noStrike">
+      <a:defRPr sz="1400" b="0" i="0" u="none" strike="noStrike" cap="none">
         <a:solidFill>
           <a:srgbClr val="000000"/>
         </a:solidFill>
@@ -257,7 +264,7 @@
         <a:sym typeface="Arial"/>
       </a:defRPr>
     </a:lvl8pPr>
-    <a:lvl9pPr lvl="8" marR="0" rtl="0" algn="l">
+    <a:lvl9pPr marR="0" lvl="8" algn="l" rtl="0">
       <a:lnSpc>
         <a:spcPct val="100000"/>
       </a:lnSpc>
@@ -271,7 +278,7 @@
         <a:srgbClr val="000000"/>
       </a:buClr>
       <a:buFont typeface="Arial"/>
-      <a:defRPr b="0" i="0" sz="1400" u="none" cap="none" strike="noStrike">
+      <a:defRPr sz="1400" b="0" i="0" u="none" strike="noStrike" cap="none">
         <a:solidFill>
           <a:srgbClr val="000000"/>
         </a:solidFill>
@@ -284,7 +291,7 @@
   </p:defaultTextStyle>
   <p:extLst>
     <p:ext uri="{EFAFB233-063F-42B5-8137-9DF3F51BA10A}">
-      <p15:sldGuideLst>
+      <p15:sldGuideLst xmlns:p15="http://schemas.microsoft.com/office/powerpoint/2012/main">
         <p15:guide id="1" orient="horz" pos="1620">
           <p15:clr>
             <a:srgbClr val="747775"/>
@@ -302,11 +309,16 @@
 </file>
 
 <file path=ppt/notesMasters/notesMaster1.xml><?xml version="1.0" encoding="utf-8"?>
-<p:notesMaster xmlns:a="http://schemas.openxmlformats.org/drawingml/2006/main" xmlns:r="http://schemas.openxmlformats.org/officeDocument/2006/relationships" xmlns:mc="http://schemas.openxmlformats.org/markup-compatibility/2006" xmlns:mv="urn:schemas-microsoft-com:mac:vml" xmlns:p="http://schemas.openxmlformats.org/presentationml/2006/main" xmlns:c="http://schemas.openxmlformats.org/drawingml/2006/chart" xmlns:dgm="http://schemas.openxmlformats.org/drawingml/2006/diagram" xmlns:o="urn:schemas-microsoft-com:office:office" xmlns:v="urn:schemas-microsoft-com:vml" xmlns:pvml="urn:schemas-microsoft-com:office:powerpoint" xmlns:com="http://schemas.openxmlformats.org/drawingml/2006/compatibility" xmlns:p14="http://schemas.microsoft.com/office/powerpoint/2010/main" xmlns:p15="http://schemas.microsoft.com/office/powerpoint/2012/main" xmlns:ahyp="http://schemas.microsoft.com/office/drawing/2018/hyperlinkcolor">
+<p:notesMaster xmlns:a="http://schemas.openxmlformats.org/drawingml/2006/main" xmlns:r="http://schemas.openxmlformats.org/officeDocument/2006/relationships" xmlns:p="http://schemas.openxmlformats.org/presentationml/2006/main">
   <p:cSld>
+    <p:bg>
+      <p:bgRef idx="1001">
+        <a:schemeClr val="bg1"/>
+      </p:bgRef>
+    </p:bg>
     <p:spTree>
       <p:nvGrpSpPr>
-        <p:cNvPr id="2" name="Shape 2"/>
+        <p:cNvPr id="1" name="Shape 2"/>
         <p:cNvGrpSpPr/>
         <p:nvPr/>
       </p:nvGrpSpPr>
@@ -321,9 +333,11 @@
       <p:sp>
         <p:nvSpPr>
           <p:cNvPr id="3" name="Google Shape;3;n"/>
-          <p:cNvSpPr/>
+          <p:cNvSpPr>
+            <a:spLocks noGrp="1" noRot="1" noChangeAspect="1"/>
+          </p:cNvSpPr>
           <p:nvPr>
-            <p:ph idx="2" type="sldImg"/>
+            <p:ph type="sldImg" idx="2"/>
           </p:nvPr>
         </p:nvSpPr>
         <p:spPr>
@@ -332,9 +346,13 @@
             <a:ext cx="6096075" cy="3429000"/>
           </a:xfrm>
           <a:custGeom>
-            <a:rect b="b" l="l" r="r" t="t"/>
+            <a:avLst/>
+            <a:gdLst/>
+            <a:ahLst/>
+            <a:cxnLst/>
+            <a:rect l="l" t="t" r="r" b="b"/>
             <a:pathLst>
-              <a:path extrusionOk="0" h="120000" w="120000">
+              <a:path w="120000" h="120000" extrusionOk="0">
                 <a:moveTo>
                   <a:pt x="0" y="0"/>
                 </a:moveTo>
@@ -352,23 +370,25 @@
             </a:pathLst>
           </a:custGeom>
           <a:noFill/>
-          <a:ln cap="flat" cmpd="sng" w="9525">
+          <a:ln w="9525" cap="flat" cmpd="sng">
             <a:solidFill>
               <a:srgbClr val="000000"/>
             </a:solidFill>
             <a:prstDash val="solid"/>
             <a:round/>
-            <a:headEnd len="sm" w="sm" type="none"/>
-            <a:tailEnd len="sm" w="sm" type="none"/>
+            <a:headEnd type="none" w="sm" len="sm"/>
+            <a:tailEnd type="none" w="sm" len="sm"/>
           </a:ln>
         </p:spPr>
       </p:sp>
       <p:sp>
         <p:nvSpPr>
           <p:cNvPr id="4" name="Google Shape;4;n"/>
-          <p:cNvSpPr txBox="1"/>
+          <p:cNvSpPr txBox="1">
+            <a:spLocks noGrp="1"/>
+          </p:cNvSpPr>
           <p:nvPr>
-            <p:ph idx="1" type="body"/>
+            <p:ph type="body" idx="1"/>
           </p:nvPr>
         </p:nvSpPr>
         <p:spPr>
@@ -385,11 +405,11 @@
           </a:ln>
         </p:spPr>
         <p:txBody>
-          <a:bodyPr anchorCtr="0" anchor="t" bIns="91425" lIns="91425" spcFirstLastPara="1" rIns="91425" wrap="square" tIns="91425">
+          <a:bodyPr spcFirstLastPara="1" wrap="square" lIns="91425" tIns="91425" rIns="91425" bIns="91425" anchor="t" anchorCtr="0">
             <a:noAutofit/>
           </a:bodyPr>
           <a:lstStyle>
-            <a:lvl1pPr indent="-298450" lvl="0" marL="457200">
+            <a:lvl1pPr marL="457200" lvl="0" indent="-298450">
               <a:spcBef>
                 <a:spcPts val="0"/>
               </a:spcBef>
@@ -400,7 +420,7 @@
               <a:buChar char="●"/>
               <a:defRPr sz="1100"/>
             </a:lvl1pPr>
-            <a:lvl2pPr indent="-298450" lvl="1" marL="914400">
+            <a:lvl2pPr marL="914400" lvl="1" indent="-298450">
               <a:spcBef>
                 <a:spcPts val="0"/>
               </a:spcBef>
@@ -411,7 +431,7 @@
               <a:buChar char="○"/>
               <a:defRPr sz="1100"/>
             </a:lvl2pPr>
-            <a:lvl3pPr indent="-298450" lvl="2" marL="1371600">
+            <a:lvl3pPr marL="1371600" lvl="2" indent="-298450">
               <a:spcBef>
                 <a:spcPts val="0"/>
               </a:spcBef>
@@ -422,7 +442,7 @@
               <a:buChar char="■"/>
               <a:defRPr sz="1100"/>
             </a:lvl3pPr>
-            <a:lvl4pPr indent="-298450" lvl="3" marL="1828800">
+            <a:lvl4pPr marL="1828800" lvl="3" indent="-298450">
               <a:spcBef>
                 <a:spcPts val="0"/>
               </a:spcBef>
@@ -433,7 +453,7 @@
               <a:buChar char="●"/>
               <a:defRPr sz="1100"/>
             </a:lvl4pPr>
-            <a:lvl5pPr indent="-298450" lvl="4" marL="2286000">
+            <a:lvl5pPr marL="2286000" lvl="4" indent="-298450">
               <a:spcBef>
                 <a:spcPts val="0"/>
               </a:spcBef>
@@ -444,7 +464,7 @@
               <a:buChar char="○"/>
               <a:defRPr sz="1100"/>
             </a:lvl5pPr>
-            <a:lvl6pPr indent="-298450" lvl="5" marL="2743200">
+            <a:lvl6pPr marL="2743200" lvl="5" indent="-298450">
               <a:spcBef>
                 <a:spcPts val="0"/>
               </a:spcBef>
@@ -455,7 +475,7 @@
               <a:buChar char="■"/>
               <a:defRPr sz="1100"/>
             </a:lvl6pPr>
-            <a:lvl7pPr indent="-298450" lvl="6" marL="3200400">
+            <a:lvl7pPr marL="3200400" lvl="6" indent="-298450">
               <a:spcBef>
                 <a:spcPts val="0"/>
               </a:spcBef>
@@ -466,7 +486,7 @@
               <a:buChar char="●"/>
               <a:defRPr sz="1100"/>
             </a:lvl7pPr>
-            <a:lvl8pPr indent="-298450" lvl="7" marL="3657600">
+            <a:lvl8pPr marL="3657600" lvl="7" indent="-298450">
               <a:spcBef>
                 <a:spcPts val="0"/>
               </a:spcBef>
@@ -477,7 +497,7 @@
               <a:buChar char="○"/>
               <a:defRPr sz="1100"/>
             </a:lvl8pPr>
-            <a:lvl9pPr indent="-298450" lvl="8" marL="4114800">
+            <a:lvl9pPr marL="4114800" lvl="8" indent="-298450">
               <a:spcBef>
                 <a:spcPts val="0"/>
               </a:spcBef>
@@ -489,14 +509,16 @@
               <a:defRPr sz="1100"/>
             </a:lvl9pPr>
           </a:lstStyle>
-          <a:p/>
+          <a:p>
+            <a:endParaRPr/>
+          </a:p>
         </p:txBody>
       </p:sp>
     </p:spTree>
   </p:cSld>
-  <p:clrMap accent1="accent1" accent2="accent2" accent3="accent3" accent4="accent4" accent5="accent5" accent6="accent6" bg1="lt1" bg2="dk2" tx1="dk1" tx2="lt2" folHlink="folHlink" hlink="hlink"/>
+  <p:clrMap bg1="lt1" tx1="dk1" bg2="dk2" tx2="lt2" accent1="accent1" accent2="accent2" accent3="accent3" accent4="accent4" accent5="accent5" accent6="accent6" hlink="hlink" folHlink="folHlink"/>
   <p:notesStyle>
-    <a:defPPr lvl="0" marR="0" rtl="0" algn="l">
+    <a:defPPr marR="0" lvl="0" algn="l" rtl="0">
       <a:lnSpc>
         <a:spcPct val="100000"/>
       </a:lnSpc>
@@ -507,7 +529,7 @@
         <a:spcPts val="0"/>
       </a:spcAft>
     </a:defPPr>
-    <a:lvl1pPr lvl="0" marR="0" rtl="0" algn="l">
+    <a:lvl1pPr marR="0" lvl="0" algn="l" rtl="0">
       <a:lnSpc>
         <a:spcPct val="100000"/>
       </a:lnSpc>
@@ -521,7 +543,7 @@
         <a:srgbClr val="000000"/>
       </a:buClr>
       <a:buFont typeface="Arial"/>
-      <a:defRPr b="0" i="0" sz="1400" u="none" cap="none" strike="noStrike">
+      <a:defRPr sz="1400" b="0" i="0" u="none" strike="noStrike" cap="none">
         <a:solidFill>
           <a:srgbClr val="000000"/>
         </a:solidFill>
@@ -531,7 +553,7 @@
         <a:sym typeface="Arial"/>
       </a:defRPr>
     </a:lvl1pPr>
-    <a:lvl2pPr lvl="1" marR="0" rtl="0" algn="l">
+    <a:lvl2pPr marR="0" lvl="1" algn="l" rtl="0">
       <a:lnSpc>
         <a:spcPct val="100000"/>
       </a:lnSpc>
@@ -545,7 +567,7 @@
         <a:srgbClr val="000000"/>
       </a:buClr>
       <a:buFont typeface="Arial"/>
-      <a:defRPr b="0" i="0" sz="1400" u="none" cap="none" strike="noStrike">
+      <a:defRPr sz="1400" b="0" i="0" u="none" strike="noStrike" cap="none">
         <a:solidFill>
           <a:srgbClr val="000000"/>
         </a:solidFill>
@@ -555,7 +577,7 @@
         <a:sym typeface="Arial"/>
       </a:defRPr>
     </a:lvl2pPr>
-    <a:lvl3pPr lvl="2" marR="0" rtl="0" algn="l">
+    <a:lvl3pPr marR="0" lvl="2" algn="l" rtl="0">
       <a:lnSpc>
         <a:spcPct val="100000"/>
       </a:lnSpc>
@@ -569,7 +591,7 @@
         <a:srgbClr val="000000"/>
       </a:buClr>
       <a:buFont typeface="Arial"/>
-      <a:defRPr b="0" i="0" sz="1400" u="none" cap="none" strike="noStrike">
+      <a:defRPr sz="1400" b="0" i="0" u="none" strike="noStrike" cap="none">
         <a:solidFill>
           <a:srgbClr val="000000"/>
         </a:solidFill>
@@ -579,7 +601,7 @@
         <a:sym typeface="Arial"/>
       </a:defRPr>
     </a:lvl3pPr>
-    <a:lvl4pPr lvl="3" marR="0" rtl="0" algn="l">
+    <a:lvl4pPr marR="0" lvl="3" algn="l" rtl="0">
       <a:lnSpc>
         <a:spcPct val="100000"/>
       </a:lnSpc>
@@ -593,7 +615,7 @@
         <a:srgbClr val="000000"/>
       </a:buClr>
       <a:buFont typeface="Arial"/>
-      <a:defRPr b="0" i="0" sz="1400" u="none" cap="none" strike="noStrike">
+      <a:defRPr sz="1400" b="0" i="0" u="none" strike="noStrike" cap="none">
         <a:solidFill>
           <a:srgbClr val="000000"/>
         </a:solidFill>
@@ -603,7 +625,7 @@
         <a:sym typeface="Arial"/>
       </a:defRPr>
     </a:lvl4pPr>
-    <a:lvl5pPr lvl="4" marR="0" rtl="0" algn="l">
+    <a:lvl5pPr marR="0" lvl="4" algn="l" rtl="0">
       <a:lnSpc>
         <a:spcPct val="100000"/>
       </a:lnSpc>
@@ -617,7 +639,7 @@
         <a:srgbClr val="000000"/>
       </a:buClr>
       <a:buFont typeface="Arial"/>
-      <a:defRPr b="0" i="0" sz="1400" u="none" cap="none" strike="noStrike">
+      <a:defRPr sz="1400" b="0" i="0" u="none" strike="noStrike" cap="none">
         <a:solidFill>
           <a:srgbClr val="000000"/>
         </a:solidFill>
@@ -627,7 +649,7 @@
         <a:sym typeface="Arial"/>
       </a:defRPr>
     </a:lvl5pPr>
-    <a:lvl6pPr lvl="5" marR="0" rtl="0" algn="l">
+    <a:lvl6pPr marR="0" lvl="5" algn="l" rtl="0">
       <a:lnSpc>
         <a:spcPct val="100000"/>
       </a:lnSpc>
@@ -641,7 +663,7 @@
         <a:srgbClr val="000000"/>
       </a:buClr>
       <a:buFont typeface="Arial"/>
-      <a:defRPr b="0" i="0" sz="1400" u="none" cap="none" strike="noStrike">
+      <a:defRPr sz="1400" b="0" i="0" u="none" strike="noStrike" cap="none">
         <a:solidFill>
           <a:srgbClr val="000000"/>
         </a:solidFill>
@@ -651,7 +673,7 @@
         <a:sym typeface="Arial"/>
       </a:defRPr>
     </a:lvl6pPr>
-    <a:lvl7pPr lvl="6" marR="0" rtl="0" algn="l">
+    <a:lvl7pPr marR="0" lvl="6" algn="l" rtl="0">
       <a:lnSpc>
         <a:spcPct val="100000"/>
       </a:lnSpc>
@@ -665,7 +687,7 @@
         <a:srgbClr val="000000"/>
       </a:buClr>
       <a:buFont typeface="Arial"/>
-      <a:defRPr b="0" i="0" sz="1400" u="none" cap="none" strike="noStrike">
+      <a:defRPr sz="1400" b="0" i="0" u="none" strike="noStrike" cap="none">
         <a:solidFill>
           <a:srgbClr val="000000"/>
         </a:solidFill>
@@ -675,7 +697,7 @@
         <a:sym typeface="Arial"/>
       </a:defRPr>
     </a:lvl7pPr>
-    <a:lvl8pPr lvl="7" marR="0" rtl="0" algn="l">
+    <a:lvl8pPr marR="0" lvl="7" algn="l" rtl="0">
       <a:lnSpc>
         <a:spcPct val="100000"/>
       </a:lnSpc>
@@ -689,7 +711,7 @@
         <a:srgbClr val="000000"/>
       </a:buClr>
       <a:buFont typeface="Arial"/>
-      <a:defRPr b="0" i="0" sz="1400" u="none" cap="none" strike="noStrike">
+      <a:defRPr sz="1400" b="0" i="0" u="none" strike="noStrike" cap="none">
         <a:solidFill>
           <a:srgbClr val="000000"/>
         </a:solidFill>
@@ -699,7 +721,7 @@
         <a:sym typeface="Arial"/>
       </a:defRPr>
     </a:lvl8pPr>
-    <a:lvl9pPr lvl="8" marR="0" rtl="0" algn="l">
+    <a:lvl9pPr marR="0" lvl="8" algn="l" rtl="0">
       <a:lnSpc>
         <a:spcPct val="100000"/>
       </a:lnSpc>
@@ -713,7 +735,7 @@
         <a:srgbClr val="000000"/>
       </a:buClr>
       <a:buFont typeface="Arial"/>
-      <a:defRPr b="0" i="0" sz="1400" u="none" cap="none" strike="noStrike">
+      <a:defRPr sz="1400" b="0" i="0" u="none" strike="noStrike" cap="none">
         <a:solidFill>
           <a:srgbClr val="000000"/>
         </a:solidFill>
@@ -728,11 +750,11 @@
 </file>
 
 <file path=ppt/notesSlides/notesSlide1.xml><?xml version="1.0" encoding="utf-8"?>
-<p:notes xmlns:a="http://schemas.openxmlformats.org/drawingml/2006/main" xmlns:r="http://schemas.openxmlformats.org/officeDocument/2006/relationships" xmlns:mc="http://schemas.openxmlformats.org/markup-compatibility/2006" xmlns:mv="urn:schemas-microsoft-com:mac:vml" xmlns:p="http://schemas.openxmlformats.org/presentationml/2006/main" xmlns:c="http://schemas.openxmlformats.org/drawingml/2006/chart" xmlns:dgm="http://schemas.openxmlformats.org/drawingml/2006/diagram" xmlns:o="urn:schemas-microsoft-com:office:office" xmlns:v="urn:schemas-microsoft-com:vml" xmlns:pvml="urn:schemas-microsoft-com:office:powerpoint" xmlns:com="http://schemas.openxmlformats.org/drawingml/2006/compatibility" xmlns:p14="http://schemas.microsoft.com/office/powerpoint/2010/main" xmlns:p15="http://schemas.microsoft.com/office/powerpoint/2012/main" xmlns:ahyp="http://schemas.microsoft.com/office/drawing/2018/hyperlinkcolor" showMasterPhAnim="0" showMasterSp="0">
+<p:notes xmlns:a="http://schemas.openxmlformats.org/drawingml/2006/main" xmlns:r="http://schemas.openxmlformats.org/officeDocument/2006/relationships" xmlns:p="http://schemas.openxmlformats.org/presentationml/2006/main" showMasterSp="0" showMasterPhAnim="0">
   <p:cSld>
     <p:spTree>
       <p:nvGrpSpPr>
-        <p:cNvPr id="82" name="Shape 82"/>
+        <p:cNvPr id="1" name="Shape 82"/>
         <p:cNvGrpSpPr/>
         <p:nvPr/>
       </p:nvGrpSpPr>
@@ -747,9 +769,11 @@
       <p:sp>
         <p:nvSpPr>
           <p:cNvPr id="83" name="Google Shape;83;p:notes"/>
-          <p:cNvSpPr/>
+          <p:cNvSpPr>
+            <a:spLocks noGrp="1" noRot="1" noChangeAspect="1"/>
+          </p:cNvSpPr>
           <p:nvPr>
-            <p:ph idx="2" type="sldImg"/>
+            <p:ph type="sldImg" idx="2"/>
           </p:nvPr>
         </p:nvSpPr>
         <p:spPr>
@@ -758,9 +782,13 @@
             <a:ext cx="6096075" cy="3429000"/>
           </a:xfrm>
           <a:custGeom>
-            <a:rect b="b" l="l" r="r" t="t"/>
+            <a:avLst/>
+            <a:gdLst/>
+            <a:ahLst/>
+            <a:cxnLst/>
+            <a:rect l="l" t="t" r="r" b="b"/>
             <a:pathLst>
-              <a:path extrusionOk="0" h="120000" w="120000">
+              <a:path w="120000" h="120000" extrusionOk="0">
                 <a:moveTo>
                   <a:pt x="0" y="0"/>
                 </a:moveTo>
@@ -782,9 +810,11 @@
       <p:sp>
         <p:nvSpPr>
           <p:cNvPr id="84" name="Google Shape;84;p:notes"/>
-          <p:cNvSpPr txBox="1"/>
+          <p:cNvSpPr txBox="1">
+            <a:spLocks noGrp="1"/>
+          </p:cNvSpPr>
           <p:nvPr>
-            <p:ph idx="1" type="body"/>
+            <p:ph type="body" idx="1"/>
           </p:nvPr>
         </p:nvSpPr>
         <p:spPr>
@@ -797,12 +827,12 @@
           </a:prstGeom>
         </p:spPr>
         <p:txBody>
-          <a:bodyPr anchorCtr="0" anchor="t" bIns="91425" lIns="91425" spcFirstLastPara="1" rIns="91425" wrap="square" tIns="91425">
+          <a:bodyPr spcFirstLastPara="1" wrap="square" lIns="91425" tIns="91425" rIns="91425" bIns="91425" anchor="t" anchorCtr="0">
             <a:noAutofit/>
           </a:bodyPr>
           <a:lstStyle/>
           <a:p>
-            <a:pPr indent="0" lvl="0" marL="0" rtl="0" algn="l">
+            <a:pPr marL="0" lvl="0" indent="0" algn="l" rtl="0">
               <a:spcBef>
                 <a:spcPts val="0"/>
               </a:spcBef>
@@ -811,9 +841,6 @@
               </a:spcAft>
               <a:buNone/>
             </a:pPr>
-            <a:r>
-              <a:t/>
-            </a:r>
             <a:endParaRPr/>
           </a:p>
         </p:txBody>
@@ -827,11 +854,11 @@
 </file>
 
 <file path=ppt/notesSlides/notesSlide10.xml><?xml version="1.0" encoding="utf-8"?>
-<p:notes xmlns:a="http://schemas.openxmlformats.org/drawingml/2006/main" xmlns:r="http://schemas.openxmlformats.org/officeDocument/2006/relationships" xmlns:mc="http://schemas.openxmlformats.org/markup-compatibility/2006" xmlns:mv="urn:schemas-microsoft-com:mac:vml" xmlns:p="http://schemas.openxmlformats.org/presentationml/2006/main" xmlns:c="http://schemas.openxmlformats.org/drawingml/2006/chart" xmlns:dgm="http://schemas.openxmlformats.org/drawingml/2006/diagram" xmlns:o="urn:schemas-microsoft-com:office:office" xmlns:v="urn:schemas-microsoft-com:vml" xmlns:pvml="urn:schemas-microsoft-com:office:powerpoint" xmlns:com="http://schemas.openxmlformats.org/drawingml/2006/compatibility" xmlns:p14="http://schemas.microsoft.com/office/powerpoint/2010/main" xmlns:p15="http://schemas.microsoft.com/office/powerpoint/2012/main" xmlns:ahyp="http://schemas.microsoft.com/office/drawing/2018/hyperlinkcolor" showMasterPhAnim="0" showMasterSp="0">
+<p:notes xmlns:a="http://schemas.openxmlformats.org/drawingml/2006/main" xmlns:r="http://schemas.openxmlformats.org/officeDocument/2006/relationships" xmlns:p="http://schemas.openxmlformats.org/presentationml/2006/main" showMasterSp="0" showMasterPhAnim="0">
   <p:cSld>
     <p:spTree>
       <p:nvGrpSpPr>
-        <p:cNvPr id="138" name="Shape 138"/>
+        <p:cNvPr id="1" name="Shape 138"/>
         <p:cNvGrpSpPr/>
         <p:nvPr/>
       </p:nvGrpSpPr>
@@ -846,9 +873,11 @@
       <p:sp>
         <p:nvSpPr>
           <p:cNvPr id="139" name="Google Shape;139;g261bfa69d2c_0_40:notes"/>
-          <p:cNvSpPr/>
+          <p:cNvSpPr>
+            <a:spLocks noGrp="1" noRot="1" noChangeAspect="1"/>
+          </p:cNvSpPr>
           <p:nvPr>
-            <p:ph idx="2" type="sldImg"/>
+            <p:ph type="sldImg" idx="2"/>
           </p:nvPr>
         </p:nvSpPr>
         <p:spPr>
@@ -857,9 +886,13 @@
             <a:ext cx="6096000" cy="3429000"/>
           </a:xfrm>
           <a:custGeom>
-            <a:rect b="b" l="l" r="r" t="t"/>
+            <a:avLst/>
+            <a:gdLst/>
+            <a:ahLst/>
+            <a:cxnLst/>
+            <a:rect l="l" t="t" r="r" b="b"/>
             <a:pathLst>
-              <a:path extrusionOk="0" h="120000" w="120000">
+              <a:path w="120000" h="120000" extrusionOk="0">
                 <a:moveTo>
                   <a:pt x="0" y="0"/>
                 </a:moveTo>
@@ -881,9 +914,11 @@
       <p:sp>
         <p:nvSpPr>
           <p:cNvPr id="140" name="Google Shape;140;g261bfa69d2c_0_40:notes"/>
-          <p:cNvSpPr txBox="1"/>
+          <p:cNvSpPr txBox="1">
+            <a:spLocks noGrp="1"/>
+          </p:cNvSpPr>
           <p:nvPr>
-            <p:ph idx="1" type="body"/>
+            <p:ph type="body" idx="1"/>
           </p:nvPr>
         </p:nvSpPr>
         <p:spPr>
@@ -896,12 +931,12 @@
           </a:prstGeom>
         </p:spPr>
         <p:txBody>
-          <a:bodyPr anchorCtr="0" anchor="t" bIns="91425" lIns="91425" spcFirstLastPara="1" rIns="91425" wrap="square" tIns="91425">
+          <a:bodyPr spcFirstLastPara="1" wrap="square" lIns="91425" tIns="91425" rIns="91425" bIns="91425" anchor="t" anchorCtr="0">
             <a:noAutofit/>
           </a:bodyPr>
           <a:lstStyle/>
           <a:p>
-            <a:pPr indent="0" lvl="0" marL="0" rtl="0" algn="l">
+            <a:pPr marL="0" lvl="0" indent="0" algn="l" rtl="0">
               <a:spcBef>
                 <a:spcPts val="0"/>
               </a:spcBef>
@@ -910,9 +945,6 @@
               </a:spcAft>
               <a:buNone/>
             </a:pPr>
-            <a:r>
-              <a:t/>
-            </a:r>
             <a:endParaRPr/>
           </a:p>
         </p:txBody>
@@ -926,11 +958,11 @@
 </file>
 
 <file path=ppt/notesSlides/notesSlide11.xml><?xml version="1.0" encoding="utf-8"?>
-<p:notes xmlns:a="http://schemas.openxmlformats.org/drawingml/2006/main" xmlns:r="http://schemas.openxmlformats.org/officeDocument/2006/relationships" xmlns:mc="http://schemas.openxmlformats.org/markup-compatibility/2006" xmlns:mv="urn:schemas-microsoft-com:mac:vml" xmlns:p="http://schemas.openxmlformats.org/presentationml/2006/main" xmlns:c="http://schemas.openxmlformats.org/drawingml/2006/chart" xmlns:dgm="http://schemas.openxmlformats.org/drawingml/2006/diagram" xmlns:o="urn:schemas-microsoft-com:office:office" xmlns:v="urn:schemas-microsoft-com:vml" xmlns:pvml="urn:schemas-microsoft-com:office:powerpoint" xmlns:com="http://schemas.openxmlformats.org/drawingml/2006/compatibility" xmlns:p14="http://schemas.microsoft.com/office/powerpoint/2010/main" xmlns:p15="http://schemas.microsoft.com/office/powerpoint/2012/main" xmlns:ahyp="http://schemas.microsoft.com/office/drawing/2018/hyperlinkcolor" showMasterPhAnim="0" showMasterSp="0">
+<p:notes xmlns:a="http://schemas.openxmlformats.org/drawingml/2006/main" xmlns:r="http://schemas.openxmlformats.org/officeDocument/2006/relationships" xmlns:p="http://schemas.openxmlformats.org/presentationml/2006/main" showMasterSp="0" showMasterPhAnim="0">
   <p:cSld>
     <p:spTree>
       <p:nvGrpSpPr>
-        <p:cNvPr id="144" name="Shape 144"/>
+        <p:cNvPr id="1" name="Shape 144"/>
         <p:cNvGrpSpPr/>
         <p:nvPr/>
       </p:nvGrpSpPr>
@@ -945,9 +977,11 @@
       <p:sp>
         <p:nvSpPr>
           <p:cNvPr id="145" name="Google Shape;145;g261bfa69d2c_0_52:notes"/>
-          <p:cNvSpPr/>
+          <p:cNvSpPr>
+            <a:spLocks noGrp="1" noRot="1" noChangeAspect="1"/>
+          </p:cNvSpPr>
           <p:nvPr>
-            <p:ph idx="2" type="sldImg"/>
+            <p:ph type="sldImg" idx="2"/>
           </p:nvPr>
         </p:nvSpPr>
         <p:spPr>
@@ -956,9 +990,13 @@
             <a:ext cx="6096000" cy="3429000"/>
           </a:xfrm>
           <a:custGeom>
-            <a:rect b="b" l="l" r="r" t="t"/>
+            <a:avLst/>
+            <a:gdLst/>
+            <a:ahLst/>
+            <a:cxnLst/>
+            <a:rect l="l" t="t" r="r" b="b"/>
             <a:pathLst>
-              <a:path extrusionOk="0" h="120000" w="120000">
+              <a:path w="120000" h="120000" extrusionOk="0">
                 <a:moveTo>
                   <a:pt x="0" y="0"/>
                 </a:moveTo>
@@ -980,9 +1018,11 @@
       <p:sp>
         <p:nvSpPr>
           <p:cNvPr id="146" name="Google Shape;146;g261bfa69d2c_0_52:notes"/>
-          <p:cNvSpPr txBox="1"/>
+          <p:cNvSpPr txBox="1">
+            <a:spLocks noGrp="1"/>
+          </p:cNvSpPr>
           <p:nvPr>
-            <p:ph idx="1" type="body"/>
+            <p:ph type="body" idx="1"/>
           </p:nvPr>
         </p:nvSpPr>
         <p:spPr>
@@ -995,12 +1035,12 @@
           </a:prstGeom>
         </p:spPr>
         <p:txBody>
-          <a:bodyPr anchorCtr="0" anchor="t" bIns="91425" lIns="91425" spcFirstLastPara="1" rIns="91425" wrap="square" tIns="91425">
+          <a:bodyPr spcFirstLastPara="1" wrap="square" lIns="91425" tIns="91425" rIns="91425" bIns="91425" anchor="t" anchorCtr="0">
             <a:noAutofit/>
           </a:bodyPr>
           <a:lstStyle/>
           <a:p>
-            <a:pPr indent="0" lvl="0" marL="0" rtl="0" algn="l">
+            <a:pPr marL="0" lvl="0" indent="0" algn="l" rtl="0">
               <a:spcBef>
                 <a:spcPts val="0"/>
               </a:spcBef>
@@ -1009,9 +1049,6 @@
               </a:spcAft>
               <a:buNone/>
             </a:pPr>
-            <a:r>
-              <a:t/>
-            </a:r>
             <a:endParaRPr/>
           </a:p>
         </p:txBody>
@@ -1025,11 +1062,11 @@
 </file>
 
 <file path=ppt/notesSlides/notesSlide12.xml><?xml version="1.0" encoding="utf-8"?>
-<p:notes xmlns:a="http://schemas.openxmlformats.org/drawingml/2006/main" xmlns:r="http://schemas.openxmlformats.org/officeDocument/2006/relationships" xmlns:mc="http://schemas.openxmlformats.org/markup-compatibility/2006" xmlns:mv="urn:schemas-microsoft-com:mac:vml" xmlns:p="http://schemas.openxmlformats.org/presentationml/2006/main" xmlns:c="http://schemas.openxmlformats.org/drawingml/2006/chart" xmlns:dgm="http://schemas.openxmlformats.org/drawingml/2006/diagram" xmlns:o="urn:schemas-microsoft-com:office:office" xmlns:v="urn:schemas-microsoft-com:vml" xmlns:pvml="urn:schemas-microsoft-com:office:powerpoint" xmlns:com="http://schemas.openxmlformats.org/drawingml/2006/compatibility" xmlns:p14="http://schemas.microsoft.com/office/powerpoint/2010/main" xmlns:p15="http://schemas.microsoft.com/office/powerpoint/2012/main" xmlns:ahyp="http://schemas.microsoft.com/office/drawing/2018/hyperlinkcolor" showMasterPhAnim="0" showMasterSp="0">
+<p:notes xmlns:a="http://schemas.openxmlformats.org/drawingml/2006/main" xmlns:r="http://schemas.openxmlformats.org/officeDocument/2006/relationships" xmlns:p="http://schemas.openxmlformats.org/presentationml/2006/main" showMasterSp="0" showMasterPhAnim="0">
   <p:cSld>
     <p:spTree>
       <p:nvGrpSpPr>
-        <p:cNvPr id="150" name="Shape 150"/>
+        <p:cNvPr id="1" name="Shape 150"/>
         <p:cNvGrpSpPr/>
         <p:nvPr/>
       </p:nvGrpSpPr>
@@ -1044,20 +1081,26 @@
       <p:sp>
         <p:nvSpPr>
           <p:cNvPr id="151" name="Google Shape;151;g261bfa69d2c_0_87:notes"/>
-          <p:cNvSpPr/>
+          <p:cNvSpPr>
+            <a:spLocks noGrp="1" noRot="1" noChangeAspect="1"/>
+          </p:cNvSpPr>
           <p:nvPr>
-            <p:ph idx="2" type="sldImg"/>
+            <p:ph type="sldImg" idx="2"/>
           </p:nvPr>
         </p:nvSpPr>
         <p:spPr>
           <a:xfrm>
-            <a:off x="381300" y="685800"/>
+            <a:off x="381000" y="685800"/>
             <a:ext cx="6096000" cy="3429000"/>
           </a:xfrm>
           <a:custGeom>
-            <a:rect b="b" l="l" r="r" t="t"/>
+            <a:avLst/>
+            <a:gdLst/>
+            <a:ahLst/>
+            <a:cxnLst/>
+            <a:rect l="l" t="t" r="r" b="b"/>
             <a:pathLst>
-              <a:path extrusionOk="0" h="120000" w="120000">
+              <a:path w="120000" h="120000" extrusionOk="0">
                 <a:moveTo>
                   <a:pt x="0" y="0"/>
                 </a:moveTo>
@@ -1079,9 +1122,11 @@
       <p:sp>
         <p:nvSpPr>
           <p:cNvPr id="152" name="Google Shape;152;g261bfa69d2c_0_87:notes"/>
-          <p:cNvSpPr txBox="1"/>
+          <p:cNvSpPr txBox="1">
+            <a:spLocks noGrp="1"/>
+          </p:cNvSpPr>
           <p:nvPr>
-            <p:ph idx="1" type="body"/>
+            <p:ph type="body" idx="1"/>
           </p:nvPr>
         </p:nvSpPr>
         <p:spPr>
@@ -1094,12 +1139,12 @@
           </a:prstGeom>
         </p:spPr>
         <p:txBody>
-          <a:bodyPr anchorCtr="0" anchor="t" bIns="91425" lIns="91425" spcFirstLastPara="1" rIns="91425" wrap="square" tIns="91425">
+          <a:bodyPr spcFirstLastPara="1" wrap="square" lIns="91425" tIns="91425" rIns="91425" bIns="91425" anchor="t" anchorCtr="0">
             <a:noAutofit/>
           </a:bodyPr>
           <a:lstStyle/>
           <a:p>
-            <a:pPr indent="0" lvl="0" marL="0" rtl="0" algn="l">
+            <a:pPr marL="0" lvl="0" indent="0" algn="l" rtl="0">
               <a:spcBef>
                 <a:spcPts val="0"/>
               </a:spcBef>
@@ -1108,9 +1153,6 @@
               </a:spcAft>
               <a:buNone/>
             </a:pPr>
-            <a:r>
-              <a:t/>
-            </a:r>
             <a:endParaRPr/>
           </a:p>
         </p:txBody>
@@ -1124,11 +1166,11 @@
 </file>
 
 <file path=ppt/notesSlides/notesSlide13.xml><?xml version="1.0" encoding="utf-8"?>
-<p:notes xmlns:a="http://schemas.openxmlformats.org/drawingml/2006/main" xmlns:r="http://schemas.openxmlformats.org/officeDocument/2006/relationships" xmlns:mc="http://schemas.openxmlformats.org/markup-compatibility/2006" xmlns:mv="urn:schemas-microsoft-com:mac:vml" xmlns:p="http://schemas.openxmlformats.org/presentationml/2006/main" xmlns:c="http://schemas.openxmlformats.org/drawingml/2006/chart" xmlns:dgm="http://schemas.openxmlformats.org/drawingml/2006/diagram" xmlns:o="urn:schemas-microsoft-com:office:office" xmlns:v="urn:schemas-microsoft-com:vml" xmlns:pvml="urn:schemas-microsoft-com:office:powerpoint" xmlns:com="http://schemas.openxmlformats.org/drawingml/2006/compatibility" xmlns:p14="http://schemas.microsoft.com/office/powerpoint/2010/main" xmlns:p15="http://schemas.microsoft.com/office/powerpoint/2012/main" xmlns:ahyp="http://schemas.microsoft.com/office/drawing/2018/hyperlinkcolor" showMasterPhAnim="0" showMasterSp="0">
+<p:notes xmlns:a="http://schemas.openxmlformats.org/drawingml/2006/main" xmlns:r="http://schemas.openxmlformats.org/officeDocument/2006/relationships" xmlns:p="http://schemas.openxmlformats.org/presentationml/2006/main" showMasterSp="0" showMasterPhAnim="0">
   <p:cSld>
     <p:spTree>
       <p:nvGrpSpPr>
-        <p:cNvPr id="156" name="Shape 156"/>
+        <p:cNvPr id="1" name="Shape 156"/>
         <p:cNvGrpSpPr/>
         <p:nvPr/>
       </p:nvGrpSpPr>
@@ -1143,9 +1185,11 @@
       <p:sp>
         <p:nvSpPr>
           <p:cNvPr id="157" name="Google Shape;157;g261bfa69d2c_0_93:notes"/>
-          <p:cNvSpPr/>
+          <p:cNvSpPr>
+            <a:spLocks noGrp="1" noRot="1" noChangeAspect="1"/>
+          </p:cNvSpPr>
           <p:nvPr>
-            <p:ph idx="2" type="sldImg"/>
+            <p:ph type="sldImg" idx="2"/>
           </p:nvPr>
         </p:nvSpPr>
         <p:spPr>
@@ -1154,9 +1198,13 @@
             <a:ext cx="6096000" cy="3429000"/>
           </a:xfrm>
           <a:custGeom>
-            <a:rect b="b" l="l" r="r" t="t"/>
+            <a:avLst/>
+            <a:gdLst/>
+            <a:ahLst/>
+            <a:cxnLst/>
+            <a:rect l="l" t="t" r="r" b="b"/>
             <a:pathLst>
-              <a:path extrusionOk="0" h="120000" w="120000">
+              <a:path w="120000" h="120000" extrusionOk="0">
                 <a:moveTo>
                   <a:pt x="0" y="0"/>
                 </a:moveTo>
@@ -1178,9 +1226,11 @@
       <p:sp>
         <p:nvSpPr>
           <p:cNvPr id="158" name="Google Shape;158;g261bfa69d2c_0_93:notes"/>
-          <p:cNvSpPr txBox="1"/>
+          <p:cNvSpPr txBox="1">
+            <a:spLocks noGrp="1"/>
+          </p:cNvSpPr>
           <p:nvPr>
-            <p:ph idx="1" type="body"/>
+            <p:ph type="body" idx="1"/>
           </p:nvPr>
         </p:nvSpPr>
         <p:spPr>
@@ -1193,12 +1243,12 @@
           </a:prstGeom>
         </p:spPr>
         <p:txBody>
-          <a:bodyPr anchorCtr="0" anchor="t" bIns="91425" lIns="91425" spcFirstLastPara="1" rIns="91425" wrap="square" tIns="91425">
+          <a:bodyPr spcFirstLastPara="1" wrap="square" lIns="91425" tIns="91425" rIns="91425" bIns="91425" anchor="t" anchorCtr="0">
             <a:noAutofit/>
           </a:bodyPr>
           <a:lstStyle/>
           <a:p>
-            <a:pPr indent="0" lvl="0" marL="0" rtl="0" algn="l">
+            <a:pPr marL="0" lvl="0" indent="0" algn="l" rtl="0">
               <a:spcBef>
                 <a:spcPts val="0"/>
               </a:spcBef>
@@ -1207,9 +1257,6 @@
               </a:spcAft>
               <a:buNone/>
             </a:pPr>
-            <a:r>
-              <a:t/>
-            </a:r>
             <a:endParaRPr/>
           </a:p>
         </p:txBody>
@@ -1223,11 +1270,11 @@
 </file>
 
 <file path=ppt/notesSlides/notesSlide14.xml><?xml version="1.0" encoding="utf-8"?>
-<p:notes xmlns:a="http://schemas.openxmlformats.org/drawingml/2006/main" xmlns:r="http://schemas.openxmlformats.org/officeDocument/2006/relationships" xmlns:mc="http://schemas.openxmlformats.org/markup-compatibility/2006" xmlns:mv="urn:schemas-microsoft-com:mac:vml" xmlns:p="http://schemas.openxmlformats.org/presentationml/2006/main" xmlns:c="http://schemas.openxmlformats.org/drawingml/2006/chart" xmlns:dgm="http://schemas.openxmlformats.org/drawingml/2006/diagram" xmlns:o="urn:schemas-microsoft-com:office:office" xmlns:v="urn:schemas-microsoft-com:vml" xmlns:pvml="urn:schemas-microsoft-com:office:powerpoint" xmlns:com="http://schemas.openxmlformats.org/drawingml/2006/compatibility" xmlns:p14="http://schemas.microsoft.com/office/powerpoint/2010/main" xmlns:p15="http://schemas.microsoft.com/office/powerpoint/2012/main" xmlns:ahyp="http://schemas.microsoft.com/office/drawing/2018/hyperlinkcolor" showMasterPhAnim="0" showMasterSp="0">
+<p:notes xmlns:a="http://schemas.openxmlformats.org/drawingml/2006/main" xmlns:r="http://schemas.openxmlformats.org/officeDocument/2006/relationships" xmlns:p="http://schemas.openxmlformats.org/presentationml/2006/main" showMasterSp="0" showMasterPhAnim="0">
   <p:cSld>
     <p:spTree>
       <p:nvGrpSpPr>
-        <p:cNvPr id="162" name="Shape 162"/>
+        <p:cNvPr id="1" name="Shape 162"/>
         <p:cNvGrpSpPr/>
         <p:nvPr/>
       </p:nvGrpSpPr>
@@ -1242,9 +1289,11 @@
       <p:sp>
         <p:nvSpPr>
           <p:cNvPr id="163" name="Google Shape;163;g261bfa69d2c_0_60:notes"/>
-          <p:cNvSpPr/>
+          <p:cNvSpPr>
+            <a:spLocks noGrp="1" noRot="1" noChangeAspect="1"/>
+          </p:cNvSpPr>
           <p:nvPr>
-            <p:ph idx="2" type="sldImg"/>
+            <p:ph type="sldImg" idx="2"/>
           </p:nvPr>
         </p:nvSpPr>
         <p:spPr>
@@ -1253,9 +1302,13 @@
             <a:ext cx="6096000" cy="3429000"/>
           </a:xfrm>
           <a:custGeom>
-            <a:rect b="b" l="l" r="r" t="t"/>
+            <a:avLst/>
+            <a:gdLst/>
+            <a:ahLst/>
+            <a:cxnLst/>
+            <a:rect l="l" t="t" r="r" b="b"/>
             <a:pathLst>
-              <a:path extrusionOk="0" h="120000" w="120000">
+              <a:path w="120000" h="120000" extrusionOk="0">
                 <a:moveTo>
                   <a:pt x="0" y="0"/>
                 </a:moveTo>
@@ -1277,9 +1330,11 @@
       <p:sp>
         <p:nvSpPr>
           <p:cNvPr id="164" name="Google Shape;164;g261bfa69d2c_0_60:notes"/>
-          <p:cNvSpPr txBox="1"/>
+          <p:cNvSpPr txBox="1">
+            <a:spLocks noGrp="1"/>
+          </p:cNvSpPr>
           <p:nvPr>
-            <p:ph idx="1" type="body"/>
+            <p:ph type="body" idx="1"/>
           </p:nvPr>
         </p:nvSpPr>
         <p:spPr>
@@ -1292,12 +1347,12 @@
           </a:prstGeom>
         </p:spPr>
         <p:txBody>
-          <a:bodyPr anchorCtr="0" anchor="t" bIns="91425" lIns="91425" spcFirstLastPara="1" rIns="91425" wrap="square" tIns="91425">
+          <a:bodyPr spcFirstLastPara="1" wrap="square" lIns="91425" tIns="91425" rIns="91425" bIns="91425" anchor="t" anchorCtr="0">
             <a:noAutofit/>
           </a:bodyPr>
           <a:lstStyle/>
           <a:p>
-            <a:pPr indent="0" lvl="0" marL="0" rtl="0" algn="l">
+            <a:pPr marL="0" lvl="0" indent="0" algn="l" rtl="0">
               <a:spcBef>
                 <a:spcPts val="0"/>
               </a:spcBef>
@@ -1306,9 +1361,6 @@
               </a:spcAft>
               <a:buNone/>
             </a:pPr>
-            <a:r>
-              <a:t/>
-            </a:r>
             <a:endParaRPr/>
           </a:p>
         </p:txBody>
@@ -1322,11 +1374,11 @@
 </file>
 
 <file path=ppt/notesSlides/notesSlide15.xml><?xml version="1.0" encoding="utf-8"?>
-<p:notes xmlns:a="http://schemas.openxmlformats.org/drawingml/2006/main" xmlns:r="http://schemas.openxmlformats.org/officeDocument/2006/relationships" xmlns:mc="http://schemas.openxmlformats.org/markup-compatibility/2006" xmlns:mv="urn:schemas-microsoft-com:mac:vml" xmlns:p="http://schemas.openxmlformats.org/presentationml/2006/main" xmlns:c="http://schemas.openxmlformats.org/drawingml/2006/chart" xmlns:dgm="http://schemas.openxmlformats.org/drawingml/2006/diagram" xmlns:o="urn:schemas-microsoft-com:office:office" xmlns:v="urn:schemas-microsoft-com:vml" xmlns:pvml="urn:schemas-microsoft-com:office:powerpoint" xmlns:com="http://schemas.openxmlformats.org/drawingml/2006/compatibility" xmlns:p14="http://schemas.microsoft.com/office/powerpoint/2010/main" xmlns:p15="http://schemas.microsoft.com/office/powerpoint/2012/main" xmlns:ahyp="http://schemas.microsoft.com/office/drawing/2018/hyperlinkcolor" showMasterPhAnim="0" showMasterSp="0">
+<p:notes xmlns:a="http://schemas.openxmlformats.org/drawingml/2006/main" xmlns:r="http://schemas.openxmlformats.org/officeDocument/2006/relationships" xmlns:p="http://schemas.openxmlformats.org/presentationml/2006/main" showMasterSp="0" showMasterPhAnim="0">
   <p:cSld>
     <p:spTree>
       <p:nvGrpSpPr>
-        <p:cNvPr id="168" name="Shape 168"/>
+        <p:cNvPr id="1" name="Shape 168"/>
         <p:cNvGrpSpPr/>
         <p:nvPr/>
       </p:nvGrpSpPr>
@@ -1341,20 +1393,26 @@
       <p:sp>
         <p:nvSpPr>
           <p:cNvPr id="169" name="Google Shape;169;g261bfa69d2c_0_100:notes"/>
-          <p:cNvSpPr/>
+          <p:cNvSpPr>
+            <a:spLocks noGrp="1" noRot="1" noChangeAspect="1"/>
+          </p:cNvSpPr>
           <p:nvPr>
-            <p:ph idx="2" type="sldImg"/>
+            <p:ph type="sldImg" idx="2"/>
           </p:nvPr>
         </p:nvSpPr>
         <p:spPr>
           <a:xfrm>
-            <a:off x="381300" y="685800"/>
+            <a:off x="381000" y="685800"/>
             <a:ext cx="6096000" cy="3429000"/>
           </a:xfrm>
           <a:custGeom>
-            <a:rect b="b" l="l" r="r" t="t"/>
+            <a:avLst/>
+            <a:gdLst/>
+            <a:ahLst/>
+            <a:cxnLst/>
+            <a:rect l="l" t="t" r="r" b="b"/>
             <a:pathLst>
-              <a:path extrusionOk="0" h="120000" w="120000">
+              <a:path w="120000" h="120000" extrusionOk="0">
                 <a:moveTo>
                   <a:pt x="0" y="0"/>
                 </a:moveTo>
@@ -1376,9 +1434,11 @@
       <p:sp>
         <p:nvSpPr>
           <p:cNvPr id="170" name="Google Shape;170;g261bfa69d2c_0_100:notes"/>
-          <p:cNvSpPr txBox="1"/>
+          <p:cNvSpPr txBox="1">
+            <a:spLocks noGrp="1"/>
+          </p:cNvSpPr>
           <p:nvPr>
-            <p:ph idx="1" type="body"/>
+            <p:ph type="body" idx="1"/>
           </p:nvPr>
         </p:nvSpPr>
         <p:spPr>
@@ -1391,12 +1451,12 @@
           </a:prstGeom>
         </p:spPr>
         <p:txBody>
-          <a:bodyPr anchorCtr="0" anchor="t" bIns="91425" lIns="91425" spcFirstLastPara="1" rIns="91425" wrap="square" tIns="91425">
+          <a:bodyPr spcFirstLastPara="1" wrap="square" lIns="91425" tIns="91425" rIns="91425" bIns="91425" anchor="t" anchorCtr="0">
             <a:noAutofit/>
           </a:bodyPr>
           <a:lstStyle/>
           <a:p>
-            <a:pPr indent="0" lvl="0" marL="0" rtl="0" algn="l">
+            <a:pPr marL="0" lvl="0" indent="0" algn="l" rtl="0">
               <a:spcBef>
                 <a:spcPts val="0"/>
               </a:spcBef>
@@ -1405,9 +1465,6 @@
               </a:spcAft>
               <a:buNone/>
             </a:pPr>
-            <a:r>
-              <a:t/>
-            </a:r>
             <a:endParaRPr/>
           </a:p>
         </p:txBody>
@@ -1421,11 +1478,11 @@
 </file>
 
 <file path=ppt/notesSlides/notesSlide16.xml><?xml version="1.0" encoding="utf-8"?>
-<p:notes xmlns:a="http://schemas.openxmlformats.org/drawingml/2006/main" xmlns:r="http://schemas.openxmlformats.org/officeDocument/2006/relationships" xmlns:mc="http://schemas.openxmlformats.org/markup-compatibility/2006" xmlns:mv="urn:schemas-microsoft-com:mac:vml" xmlns:p="http://schemas.openxmlformats.org/presentationml/2006/main" xmlns:c="http://schemas.openxmlformats.org/drawingml/2006/chart" xmlns:dgm="http://schemas.openxmlformats.org/drawingml/2006/diagram" xmlns:o="urn:schemas-microsoft-com:office:office" xmlns:v="urn:schemas-microsoft-com:vml" xmlns:pvml="urn:schemas-microsoft-com:office:powerpoint" xmlns:com="http://schemas.openxmlformats.org/drawingml/2006/compatibility" xmlns:p14="http://schemas.microsoft.com/office/powerpoint/2010/main" xmlns:p15="http://schemas.microsoft.com/office/powerpoint/2012/main" xmlns:ahyp="http://schemas.microsoft.com/office/drawing/2018/hyperlinkcolor" showMasterPhAnim="0" showMasterSp="0">
+<p:notes xmlns:a="http://schemas.openxmlformats.org/drawingml/2006/main" xmlns:r="http://schemas.openxmlformats.org/officeDocument/2006/relationships" xmlns:p="http://schemas.openxmlformats.org/presentationml/2006/main" showMasterSp="0" showMasterPhAnim="0">
   <p:cSld>
     <p:spTree>
       <p:nvGrpSpPr>
-        <p:cNvPr id="174" name="Shape 174"/>
+        <p:cNvPr id="1" name="Shape 174"/>
         <p:cNvGrpSpPr/>
         <p:nvPr/>
       </p:nvGrpSpPr>
@@ -1440,9 +1497,11 @@
       <p:sp>
         <p:nvSpPr>
           <p:cNvPr id="175" name="Google Shape;175;g261bfa69d2c_0_65:notes"/>
-          <p:cNvSpPr/>
+          <p:cNvSpPr>
+            <a:spLocks noGrp="1" noRot="1" noChangeAspect="1"/>
+          </p:cNvSpPr>
           <p:nvPr>
-            <p:ph idx="2" type="sldImg"/>
+            <p:ph type="sldImg" idx="2"/>
           </p:nvPr>
         </p:nvSpPr>
         <p:spPr>
@@ -1451,9 +1510,13 @@
             <a:ext cx="6096000" cy="3429000"/>
           </a:xfrm>
           <a:custGeom>
-            <a:rect b="b" l="l" r="r" t="t"/>
+            <a:avLst/>
+            <a:gdLst/>
+            <a:ahLst/>
+            <a:cxnLst/>
+            <a:rect l="l" t="t" r="r" b="b"/>
             <a:pathLst>
-              <a:path extrusionOk="0" h="120000" w="120000">
+              <a:path w="120000" h="120000" extrusionOk="0">
                 <a:moveTo>
                   <a:pt x="0" y="0"/>
                 </a:moveTo>
@@ -1475,9 +1538,11 @@
       <p:sp>
         <p:nvSpPr>
           <p:cNvPr id="176" name="Google Shape;176;g261bfa69d2c_0_65:notes"/>
-          <p:cNvSpPr txBox="1"/>
+          <p:cNvSpPr txBox="1">
+            <a:spLocks noGrp="1"/>
+          </p:cNvSpPr>
           <p:nvPr>
-            <p:ph idx="1" type="body"/>
+            <p:ph type="body" idx="1"/>
           </p:nvPr>
         </p:nvSpPr>
         <p:spPr>
@@ -1490,12 +1555,12 @@
           </a:prstGeom>
         </p:spPr>
         <p:txBody>
-          <a:bodyPr anchorCtr="0" anchor="t" bIns="91425" lIns="91425" spcFirstLastPara="1" rIns="91425" wrap="square" tIns="91425">
+          <a:bodyPr spcFirstLastPara="1" wrap="square" lIns="91425" tIns="91425" rIns="91425" bIns="91425" anchor="t" anchorCtr="0">
             <a:noAutofit/>
           </a:bodyPr>
           <a:lstStyle/>
           <a:p>
-            <a:pPr indent="0" lvl="0" marL="0" rtl="0" algn="l">
+            <a:pPr marL="0" lvl="0" indent="0" algn="l" rtl="0">
               <a:spcBef>
                 <a:spcPts val="0"/>
               </a:spcBef>
@@ -1504,9 +1569,6 @@
               </a:spcAft>
               <a:buNone/>
             </a:pPr>
-            <a:r>
-              <a:t/>
-            </a:r>
             <a:endParaRPr/>
           </a:p>
         </p:txBody>
@@ -1520,11 +1582,11 @@
 </file>
 
 <file path=ppt/notesSlides/notesSlide17.xml><?xml version="1.0" encoding="utf-8"?>
-<p:notes xmlns:a="http://schemas.openxmlformats.org/drawingml/2006/main" xmlns:r="http://schemas.openxmlformats.org/officeDocument/2006/relationships" xmlns:mc="http://schemas.openxmlformats.org/markup-compatibility/2006" xmlns:mv="urn:schemas-microsoft-com:mac:vml" xmlns:p="http://schemas.openxmlformats.org/presentationml/2006/main" xmlns:c="http://schemas.openxmlformats.org/drawingml/2006/chart" xmlns:dgm="http://schemas.openxmlformats.org/drawingml/2006/diagram" xmlns:o="urn:schemas-microsoft-com:office:office" xmlns:v="urn:schemas-microsoft-com:vml" xmlns:pvml="urn:schemas-microsoft-com:office:powerpoint" xmlns:com="http://schemas.openxmlformats.org/drawingml/2006/compatibility" xmlns:p14="http://schemas.microsoft.com/office/powerpoint/2010/main" xmlns:p15="http://schemas.microsoft.com/office/powerpoint/2012/main" xmlns:ahyp="http://schemas.microsoft.com/office/drawing/2018/hyperlinkcolor" showMasterPhAnim="0" showMasterSp="0">
+<p:notes xmlns:a="http://schemas.openxmlformats.org/drawingml/2006/main" xmlns:r="http://schemas.openxmlformats.org/officeDocument/2006/relationships" xmlns:p="http://schemas.openxmlformats.org/presentationml/2006/main" showMasterSp="0" showMasterPhAnim="0">
   <p:cSld>
     <p:spTree>
       <p:nvGrpSpPr>
-        <p:cNvPr id="180" name="Shape 180"/>
+        <p:cNvPr id="1" name="Shape 180"/>
         <p:cNvGrpSpPr/>
         <p:nvPr/>
       </p:nvGrpSpPr>
@@ -1539,9 +1601,11 @@
       <p:sp>
         <p:nvSpPr>
           <p:cNvPr id="181" name="Google Shape;181;g261bfa69d2c_0_70:notes"/>
-          <p:cNvSpPr/>
+          <p:cNvSpPr>
+            <a:spLocks noGrp="1" noRot="1" noChangeAspect="1"/>
+          </p:cNvSpPr>
           <p:nvPr>
-            <p:ph idx="2" type="sldImg"/>
+            <p:ph type="sldImg" idx="2"/>
           </p:nvPr>
         </p:nvSpPr>
         <p:spPr>
@@ -1550,9 +1614,13 @@
             <a:ext cx="6096000" cy="3429000"/>
           </a:xfrm>
           <a:custGeom>
-            <a:rect b="b" l="l" r="r" t="t"/>
+            <a:avLst/>
+            <a:gdLst/>
+            <a:ahLst/>
+            <a:cxnLst/>
+            <a:rect l="l" t="t" r="r" b="b"/>
             <a:pathLst>
-              <a:path extrusionOk="0" h="120000" w="120000">
+              <a:path w="120000" h="120000" extrusionOk="0">
                 <a:moveTo>
                   <a:pt x="0" y="0"/>
                 </a:moveTo>
@@ -1574,9 +1642,11 @@
       <p:sp>
         <p:nvSpPr>
           <p:cNvPr id="182" name="Google Shape;182;g261bfa69d2c_0_70:notes"/>
-          <p:cNvSpPr txBox="1"/>
+          <p:cNvSpPr txBox="1">
+            <a:spLocks noGrp="1"/>
+          </p:cNvSpPr>
           <p:nvPr>
-            <p:ph idx="1" type="body"/>
+            <p:ph type="body" idx="1"/>
           </p:nvPr>
         </p:nvSpPr>
         <p:spPr>
@@ -1589,12 +1659,12 @@
           </a:prstGeom>
         </p:spPr>
         <p:txBody>
-          <a:bodyPr anchorCtr="0" anchor="t" bIns="91425" lIns="91425" spcFirstLastPara="1" rIns="91425" wrap="square" tIns="91425">
+          <a:bodyPr spcFirstLastPara="1" wrap="square" lIns="91425" tIns="91425" rIns="91425" bIns="91425" anchor="t" anchorCtr="0">
             <a:noAutofit/>
           </a:bodyPr>
           <a:lstStyle/>
           <a:p>
-            <a:pPr indent="0" lvl="0" marL="0" rtl="0" algn="l">
+            <a:pPr marL="0" lvl="0" indent="0" algn="l" rtl="0">
               <a:spcBef>
                 <a:spcPts val="0"/>
               </a:spcBef>
@@ -1603,9 +1673,6 @@
               </a:spcAft>
               <a:buNone/>
             </a:pPr>
-            <a:r>
-              <a:t/>
-            </a:r>
             <a:endParaRPr/>
           </a:p>
         </p:txBody>
@@ -1619,11 +1686,11 @@
 </file>
 
 <file path=ppt/notesSlides/notesSlide18.xml><?xml version="1.0" encoding="utf-8"?>
-<p:notes xmlns:a="http://schemas.openxmlformats.org/drawingml/2006/main" xmlns:r="http://schemas.openxmlformats.org/officeDocument/2006/relationships" xmlns:mc="http://schemas.openxmlformats.org/markup-compatibility/2006" xmlns:mv="urn:schemas-microsoft-com:mac:vml" xmlns:p="http://schemas.openxmlformats.org/presentationml/2006/main" xmlns:c="http://schemas.openxmlformats.org/drawingml/2006/chart" xmlns:dgm="http://schemas.openxmlformats.org/drawingml/2006/diagram" xmlns:o="urn:schemas-microsoft-com:office:office" xmlns:v="urn:schemas-microsoft-com:vml" xmlns:pvml="urn:schemas-microsoft-com:office:powerpoint" xmlns:com="http://schemas.openxmlformats.org/drawingml/2006/compatibility" xmlns:p14="http://schemas.microsoft.com/office/powerpoint/2010/main" xmlns:p15="http://schemas.microsoft.com/office/powerpoint/2012/main" xmlns:ahyp="http://schemas.microsoft.com/office/drawing/2018/hyperlinkcolor" showMasterPhAnim="0" showMasterSp="0">
+<p:notes xmlns:a="http://schemas.openxmlformats.org/drawingml/2006/main" xmlns:r="http://schemas.openxmlformats.org/officeDocument/2006/relationships" xmlns:p="http://schemas.openxmlformats.org/presentationml/2006/main" showMasterSp="0" showMasterPhAnim="0">
   <p:cSld>
     <p:spTree>
       <p:nvGrpSpPr>
-        <p:cNvPr id="186" name="Shape 186"/>
+        <p:cNvPr id="1" name="Shape 186"/>
         <p:cNvGrpSpPr/>
         <p:nvPr/>
       </p:nvGrpSpPr>
@@ -1638,9 +1705,11 @@
       <p:sp>
         <p:nvSpPr>
           <p:cNvPr id="187" name="Google Shape;187;g261bfa69d2c_0_75:notes"/>
-          <p:cNvSpPr/>
+          <p:cNvSpPr>
+            <a:spLocks noGrp="1" noRot="1" noChangeAspect="1"/>
+          </p:cNvSpPr>
           <p:nvPr>
-            <p:ph idx="2" type="sldImg"/>
+            <p:ph type="sldImg" idx="2"/>
           </p:nvPr>
         </p:nvSpPr>
         <p:spPr>
@@ -1649,9 +1718,13 @@
             <a:ext cx="6096000" cy="3429000"/>
           </a:xfrm>
           <a:custGeom>
-            <a:rect b="b" l="l" r="r" t="t"/>
+            <a:avLst/>
+            <a:gdLst/>
+            <a:ahLst/>
+            <a:cxnLst/>
+            <a:rect l="l" t="t" r="r" b="b"/>
             <a:pathLst>
-              <a:path extrusionOk="0" h="120000" w="120000">
+              <a:path w="120000" h="120000" extrusionOk="0">
                 <a:moveTo>
                   <a:pt x="0" y="0"/>
                 </a:moveTo>
@@ -1673,9 +1746,11 @@
       <p:sp>
         <p:nvSpPr>
           <p:cNvPr id="188" name="Google Shape;188;g261bfa69d2c_0_75:notes"/>
-          <p:cNvSpPr txBox="1"/>
+          <p:cNvSpPr txBox="1">
+            <a:spLocks noGrp="1"/>
+          </p:cNvSpPr>
           <p:nvPr>
-            <p:ph idx="1" type="body"/>
+            <p:ph type="body" idx="1"/>
           </p:nvPr>
         </p:nvSpPr>
         <p:spPr>
@@ -1688,12 +1763,12 @@
           </a:prstGeom>
         </p:spPr>
         <p:txBody>
-          <a:bodyPr anchorCtr="0" anchor="t" bIns="91425" lIns="91425" spcFirstLastPara="1" rIns="91425" wrap="square" tIns="91425">
+          <a:bodyPr spcFirstLastPara="1" wrap="square" lIns="91425" tIns="91425" rIns="91425" bIns="91425" anchor="t" anchorCtr="0">
             <a:noAutofit/>
           </a:bodyPr>
           <a:lstStyle/>
           <a:p>
-            <a:pPr indent="0" lvl="0" marL="0" rtl="0" algn="l">
+            <a:pPr marL="0" lvl="0" indent="0" algn="l" rtl="0">
               <a:spcBef>
                 <a:spcPts val="0"/>
               </a:spcBef>
@@ -1702,9 +1777,6 @@
               </a:spcAft>
               <a:buNone/>
             </a:pPr>
-            <a:r>
-              <a:t/>
-            </a:r>
             <a:endParaRPr/>
           </a:p>
         </p:txBody>
@@ -1718,11 +1790,11 @@
 </file>
 
 <file path=ppt/notesSlides/notesSlide19.xml><?xml version="1.0" encoding="utf-8"?>
-<p:notes xmlns:a="http://schemas.openxmlformats.org/drawingml/2006/main" xmlns:r="http://schemas.openxmlformats.org/officeDocument/2006/relationships" xmlns:mc="http://schemas.openxmlformats.org/markup-compatibility/2006" xmlns:mv="urn:schemas-microsoft-com:mac:vml" xmlns:p="http://schemas.openxmlformats.org/presentationml/2006/main" xmlns:c="http://schemas.openxmlformats.org/drawingml/2006/chart" xmlns:dgm="http://schemas.openxmlformats.org/drawingml/2006/diagram" xmlns:o="urn:schemas-microsoft-com:office:office" xmlns:v="urn:schemas-microsoft-com:vml" xmlns:pvml="urn:schemas-microsoft-com:office:powerpoint" xmlns:com="http://schemas.openxmlformats.org/drawingml/2006/compatibility" xmlns:p14="http://schemas.microsoft.com/office/powerpoint/2010/main" xmlns:p15="http://schemas.microsoft.com/office/powerpoint/2012/main" xmlns:ahyp="http://schemas.microsoft.com/office/drawing/2018/hyperlinkcolor" showMasterPhAnim="0" showMasterSp="0">
+<p:notes xmlns:a="http://schemas.openxmlformats.org/drawingml/2006/main" xmlns:r="http://schemas.openxmlformats.org/officeDocument/2006/relationships" xmlns:p="http://schemas.openxmlformats.org/presentationml/2006/main" showMasterSp="0" showMasterPhAnim="0">
   <p:cSld>
     <p:spTree>
       <p:nvGrpSpPr>
-        <p:cNvPr id="192" name="Shape 192"/>
+        <p:cNvPr id="1" name="Shape 192"/>
         <p:cNvGrpSpPr/>
         <p:nvPr/>
       </p:nvGrpSpPr>
@@ -1737,9 +1809,11 @@
       <p:sp>
         <p:nvSpPr>
           <p:cNvPr id="193" name="Google Shape;193;g261bfa69d2c_0_80:notes"/>
-          <p:cNvSpPr/>
+          <p:cNvSpPr>
+            <a:spLocks noGrp="1" noRot="1" noChangeAspect="1"/>
+          </p:cNvSpPr>
           <p:nvPr>
-            <p:ph idx="2" type="sldImg"/>
+            <p:ph type="sldImg" idx="2"/>
           </p:nvPr>
         </p:nvSpPr>
         <p:spPr>
@@ -1748,9 +1822,13 @@
             <a:ext cx="6096000" cy="3429000"/>
           </a:xfrm>
           <a:custGeom>
-            <a:rect b="b" l="l" r="r" t="t"/>
+            <a:avLst/>
+            <a:gdLst/>
+            <a:ahLst/>
+            <a:cxnLst/>
+            <a:rect l="l" t="t" r="r" b="b"/>
             <a:pathLst>
-              <a:path extrusionOk="0" h="120000" w="120000">
+              <a:path w="120000" h="120000" extrusionOk="0">
                 <a:moveTo>
                   <a:pt x="0" y="0"/>
                 </a:moveTo>
@@ -1772,9 +1850,11 @@
       <p:sp>
         <p:nvSpPr>
           <p:cNvPr id="194" name="Google Shape;194;g261bfa69d2c_0_80:notes"/>
-          <p:cNvSpPr txBox="1"/>
+          <p:cNvSpPr txBox="1">
+            <a:spLocks noGrp="1"/>
+          </p:cNvSpPr>
           <p:nvPr>
-            <p:ph idx="1" type="body"/>
+            <p:ph type="body" idx="1"/>
           </p:nvPr>
         </p:nvSpPr>
         <p:spPr>
@@ -1787,12 +1867,12 @@
           </a:prstGeom>
         </p:spPr>
         <p:txBody>
-          <a:bodyPr anchorCtr="0" anchor="t" bIns="91425" lIns="91425" spcFirstLastPara="1" rIns="91425" wrap="square" tIns="91425">
+          <a:bodyPr spcFirstLastPara="1" wrap="square" lIns="91425" tIns="91425" rIns="91425" bIns="91425" anchor="t" anchorCtr="0">
             <a:noAutofit/>
           </a:bodyPr>
           <a:lstStyle/>
           <a:p>
-            <a:pPr indent="0" lvl="0" marL="0" rtl="0" algn="l">
+            <a:pPr marL="0" lvl="0" indent="0" algn="l" rtl="0">
               <a:spcBef>
                 <a:spcPts val="0"/>
               </a:spcBef>
@@ -1801,9 +1881,6 @@
               </a:spcAft>
               <a:buNone/>
             </a:pPr>
-            <a:r>
-              <a:t/>
-            </a:r>
             <a:endParaRPr/>
           </a:p>
         </p:txBody>
@@ -1817,11 +1894,11 @@
 </file>
 
 <file path=ppt/notesSlides/notesSlide2.xml><?xml version="1.0" encoding="utf-8"?>
-<p:notes xmlns:a="http://schemas.openxmlformats.org/drawingml/2006/main" xmlns:r="http://schemas.openxmlformats.org/officeDocument/2006/relationships" xmlns:mc="http://schemas.openxmlformats.org/markup-compatibility/2006" xmlns:mv="urn:schemas-microsoft-com:mac:vml" xmlns:p="http://schemas.openxmlformats.org/presentationml/2006/main" xmlns:c="http://schemas.openxmlformats.org/drawingml/2006/chart" xmlns:dgm="http://schemas.openxmlformats.org/drawingml/2006/diagram" xmlns:o="urn:schemas-microsoft-com:office:office" xmlns:v="urn:schemas-microsoft-com:vml" xmlns:pvml="urn:schemas-microsoft-com:office:powerpoint" xmlns:com="http://schemas.openxmlformats.org/drawingml/2006/compatibility" xmlns:p14="http://schemas.microsoft.com/office/powerpoint/2010/main" xmlns:p15="http://schemas.microsoft.com/office/powerpoint/2012/main" xmlns:ahyp="http://schemas.microsoft.com/office/drawing/2018/hyperlinkcolor" showMasterPhAnim="0" showMasterSp="0">
+<p:notes xmlns:a="http://schemas.openxmlformats.org/drawingml/2006/main" xmlns:r="http://schemas.openxmlformats.org/officeDocument/2006/relationships" xmlns:p="http://schemas.openxmlformats.org/presentationml/2006/main" showMasterSp="0" showMasterPhAnim="0">
   <p:cSld>
     <p:spTree>
       <p:nvGrpSpPr>
-        <p:cNvPr id="88" name="Shape 88"/>
+        <p:cNvPr id="1" name="Shape 88"/>
         <p:cNvGrpSpPr/>
         <p:nvPr/>
       </p:nvGrpSpPr>
@@ -1836,9 +1913,11 @@
       <p:sp>
         <p:nvSpPr>
           <p:cNvPr id="89" name="Google Shape;89;g261bfa69d2c_0_2:notes"/>
-          <p:cNvSpPr/>
+          <p:cNvSpPr>
+            <a:spLocks noGrp="1" noRot="1" noChangeAspect="1"/>
+          </p:cNvSpPr>
           <p:nvPr>
-            <p:ph idx="2" type="sldImg"/>
+            <p:ph type="sldImg" idx="2"/>
           </p:nvPr>
         </p:nvSpPr>
         <p:spPr>
@@ -1847,9 +1926,13 @@
             <a:ext cx="6096000" cy="3429000"/>
           </a:xfrm>
           <a:custGeom>
-            <a:rect b="b" l="l" r="r" t="t"/>
+            <a:avLst/>
+            <a:gdLst/>
+            <a:ahLst/>
+            <a:cxnLst/>
+            <a:rect l="l" t="t" r="r" b="b"/>
             <a:pathLst>
-              <a:path extrusionOk="0" h="120000" w="120000">
+              <a:path w="120000" h="120000" extrusionOk="0">
                 <a:moveTo>
                   <a:pt x="0" y="0"/>
                 </a:moveTo>
@@ -1871,9 +1954,11 @@
       <p:sp>
         <p:nvSpPr>
           <p:cNvPr id="90" name="Google Shape;90;g261bfa69d2c_0_2:notes"/>
-          <p:cNvSpPr txBox="1"/>
+          <p:cNvSpPr txBox="1">
+            <a:spLocks noGrp="1"/>
+          </p:cNvSpPr>
           <p:nvPr>
-            <p:ph idx="1" type="body"/>
+            <p:ph type="body" idx="1"/>
           </p:nvPr>
         </p:nvSpPr>
         <p:spPr>
@@ -1886,12 +1971,12 @@
           </a:prstGeom>
         </p:spPr>
         <p:txBody>
-          <a:bodyPr anchorCtr="0" anchor="t" bIns="91425" lIns="91425" spcFirstLastPara="1" rIns="91425" wrap="square" tIns="91425">
+          <a:bodyPr spcFirstLastPara="1" wrap="square" lIns="91425" tIns="91425" rIns="91425" bIns="91425" anchor="t" anchorCtr="0">
             <a:noAutofit/>
           </a:bodyPr>
           <a:lstStyle/>
           <a:p>
-            <a:pPr indent="0" lvl="0" marL="0" rtl="0" algn="l">
+            <a:pPr marL="0" lvl="0" indent="0" algn="l" rtl="0">
               <a:spcBef>
                 <a:spcPts val="0"/>
               </a:spcBef>
@@ -1900,9 +1985,6 @@
               </a:spcAft>
               <a:buNone/>
             </a:pPr>
-            <a:r>
-              <a:t/>
-            </a:r>
             <a:endParaRPr/>
           </a:p>
         </p:txBody>
@@ -1916,11 +1998,11 @@
 </file>
 
 <file path=ppt/notesSlides/notesSlide20.xml><?xml version="1.0" encoding="utf-8"?>
-<p:notes xmlns:a="http://schemas.openxmlformats.org/drawingml/2006/main" xmlns:r="http://schemas.openxmlformats.org/officeDocument/2006/relationships" xmlns:mc="http://schemas.openxmlformats.org/markup-compatibility/2006" xmlns:mv="urn:schemas-microsoft-com:mac:vml" xmlns:p="http://schemas.openxmlformats.org/presentationml/2006/main" xmlns:c="http://schemas.openxmlformats.org/drawingml/2006/chart" xmlns:dgm="http://schemas.openxmlformats.org/drawingml/2006/diagram" xmlns:o="urn:schemas-microsoft-com:office:office" xmlns:v="urn:schemas-microsoft-com:vml" xmlns:pvml="urn:schemas-microsoft-com:office:powerpoint" xmlns:com="http://schemas.openxmlformats.org/drawingml/2006/compatibility" xmlns:p14="http://schemas.microsoft.com/office/powerpoint/2010/main" xmlns:p15="http://schemas.microsoft.com/office/powerpoint/2012/main" xmlns:ahyp="http://schemas.microsoft.com/office/drawing/2018/hyperlinkcolor" showMasterPhAnim="0" showMasterSp="0">
+<p:notes xmlns:a="http://schemas.openxmlformats.org/drawingml/2006/main" xmlns:r="http://schemas.openxmlformats.org/officeDocument/2006/relationships" xmlns:p="http://schemas.openxmlformats.org/presentationml/2006/main" showMasterSp="0" showMasterPhAnim="0">
   <p:cSld>
     <p:spTree>
       <p:nvGrpSpPr>
-        <p:cNvPr id="198" name="Shape 198"/>
+        <p:cNvPr id="1" name="Shape 198"/>
         <p:cNvGrpSpPr/>
         <p:nvPr/>
       </p:nvGrpSpPr>
@@ -1935,9 +2017,11 @@
       <p:sp>
         <p:nvSpPr>
           <p:cNvPr id="199" name="Google Shape;199;g261bfa69d2c_0_111:notes"/>
-          <p:cNvSpPr/>
+          <p:cNvSpPr>
+            <a:spLocks noGrp="1" noRot="1" noChangeAspect="1"/>
+          </p:cNvSpPr>
           <p:nvPr>
-            <p:ph idx="2" type="sldImg"/>
+            <p:ph type="sldImg" idx="2"/>
           </p:nvPr>
         </p:nvSpPr>
         <p:spPr>
@@ -1946,9 +2030,13 @@
             <a:ext cx="6096000" cy="3429000"/>
           </a:xfrm>
           <a:custGeom>
-            <a:rect b="b" l="l" r="r" t="t"/>
+            <a:avLst/>
+            <a:gdLst/>
+            <a:ahLst/>
+            <a:cxnLst/>
+            <a:rect l="l" t="t" r="r" b="b"/>
             <a:pathLst>
-              <a:path extrusionOk="0" h="120000" w="120000">
+              <a:path w="120000" h="120000" extrusionOk="0">
                 <a:moveTo>
                   <a:pt x="0" y="0"/>
                 </a:moveTo>
@@ -1970,9 +2058,11 @@
       <p:sp>
         <p:nvSpPr>
           <p:cNvPr id="200" name="Google Shape;200;g261bfa69d2c_0_111:notes"/>
-          <p:cNvSpPr txBox="1"/>
+          <p:cNvSpPr txBox="1">
+            <a:spLocks noGrp="1"/>
+          </p:cNvSpPr>
           <p:nvPr>
-            <p:ph idx="1" type="body"/>
+            <p:ph type="body" idx="1"/>
           </p:nvPr>
         </p:nvSpPr>
         <p:spPr>
@@ -1985,12 +2075,12 @@
           </a:prstGeom>
         </p:spPr>
         <p:txBody>
-          <a:bodyPr anchorCtr="0" anchor="t" bIns="91425" lIns="91425" spcFirstLastPara="1" rIns="91425" wrap="square" tIns="91425">
+          <a:bodyPr spcFirstLastPara="1" wrap="square" lIns="91425" tIns="91425" rIns="91425" bIns="91425" anchor="t" anchorCtr="0">
             <a:noAutofit/>
           </a:bodyPr>
           <a:lstStyle/>
           <a:p>
-            <a:pPr indent="0" lvl="0" marL="0" rtl="0" algn="l">
+            <a:pPr marL="0" lvl="0" indent="0" algn="l" rtl="0">
               <a:spcBef>
                 <a:spcPts val="0"/>
               </a:spcBef>
@@ -1999,9 +2089,6 @@
               </a:spcAft>
               <a:buNone/>
             </a:pPr>
-            <a:r>
-              <a:t/>
-            </a:r>
             <a:endParaRPr/>
           </a:p>
         </p:txBody>
@@ -2015,11 +2102,11 @@
 </file>
 
 <file path=ppt/notesSlides/notesSlide21.xml><?xml version="1.0" encoding="utf-8"?>
-<p:notes xmlns:a="http://schemas.openxmlformats.org/drawingml/2006/main" xmlns:r="http://schemas.openxmlformats.org/officeDocument/2006/relationships" xmlns:mc="http://schemas.openxmlformats.org/markup-compatibility/2006" xmlns:mv="urn:schemas-microsoft-com:mac:vml" xmlns:p="http://schemas.openxmlformats.org/presentationml/2006/main" xmlns:c="http://schemas.openxmlformats.org/drawingml/2006/chart" xmlns:dgm="http://schemas.openxmlformats.org/drawingml/2006/diagram" xmlns:o="urn:schemas-microsoft-com:office:office" xmlns:v="urn:schemas-microsoft-com:vml" xmlns:pvml="urn:schemas-microsoft-com:office:powerpoint" xmlns:com="http://schemas.openxmlformats.org/drawingml/2006/compatibility" xmlns:p14="http://schemas.microsoft.com/office/powerpoint/2010/main" xmlns:p15="http://schemas.microsoft.com/office/powerpoint/2012/main" xmlns:ahyp="http://schemas.microsoft.com/office/drawing/2018/hyperlinkcolor" showMasterPhAnim="0" showMasterSp="0">
+<p:notes xmlns:a="http://schemas.openxmlformats.org/drawingml/2006/main" xmlns:r="http://schemas.openxmlformats.org/officeDocument/2006/relationships" xmlns:p="http://schemas.openxmlformats.org/presentationml/2006/main" showMasterSp="0" showMasterPhAnim="0">
   <p:cSld>
     <p:spTree>
       <p:nvGrpSpPr>
-        <p:cNvPr id="203" name="Shape 203"/>
+        <p:cNvPr id="1" name="Shape 203"/>
         <p:cNvGrpSpPr/>
         <p:nvPr/>
       </p:nvGrpSpPr>
@@ -2034,9 +2121,11 @@
       <p:sp>
         <p:nvSpPr>
           <p:cNvPr id="204" name="Google Shape;204;g261d2ea2bc8_8_5:notes"/>
-          <p:cNvSpPr/>
+          <p:cNvSpPr>
+            <a:spLocks noGrp="1" noRot="1" noChangeAspect="1"/>
+          </p:cNvSpPr>
           <p:nvPr>
-            <p:ph idx="2" type="sldImg"/>
+            <p:ph type="sldImg" idx="2"/>
           </p:nvPr>
         </p:nvSpPr>
         <p:spPr>
@@ -2045,9 +2134,13 @@
             <a:ext cx="6096000" cy="3429000"/>
           </a:xfrm>
           <a:custGeom>
-            <a:rect b="b" l="l" r="r" t="t"/>
+            <a:avLst/>
+            <a:gdLst/>
+            <a:ahLst/>
+            <a:cxnLst/>
+            <a:rect l="l" t="t" r="r" b="b"/>
             <a:pathLst>
-              <a:path extrusionOk="0" h="120000" w="120000">
+              <a:path w="120000" h="120000" extrusionOk="0">
                 <a:moveTo>
                   <a:pt x="0" y="0"/>
                 </a:moveTo>
@@ -2069,9 +2162,11 @@
       <p:sp>
         <p:nvSpPr>
           <p:cNvPr id="205" name="Google Shape;205;g261d2ea2bc8_8_5:notes"/>
-          <p:cNvSpPr txBox="1"/>
+          <p:cNvSpPr txBox="1">
+            <a:spLocks noGrp="1"/>
+          </p:cNvSpPr>
           <p:nvPr>
-            <p:ph idx="1" type="body"/>
+            <p:ph type="body" idx="1"/>
           </p:nvPr>
         </p:nvSpPr>
         <p:spPr>
@@ -2084,12 +2179,12 @@
           </a:prstGeom>
         </p:spPr>
         <p:txBody>
-          <a:bodyPr anchorCtr="0" anchor="t" bIns="91425" lIns="91425" spcFirstLastPara="1" rIns="91425" wrap="square" tIns="91425">
+          <a:bodyPr spcFirstLastPara="1" wrap="square" lIns="91425" tIns="91425" rIns="91425" bIns="91425" anchor="t" anchorCtr="0">
             <a:noAutofit/>
           </a:bodyPr>
           <a:lstStyle/>
           <a:p>
-            <a:pPr indent="0" lvl="0" marL="0" rtl="0" algn="l">
+            <a:pPr marL="0" lvl="0" indent="0" algn="l" rtl="0">
               <a:spcBef>
                 <a:spcPts val="0"/>
               </a:spcBef>
@@ -2098,9 +2193,6 @@
               </a:spcAft>
               <a:buNone/>
             </a:pPr>
-            <a:r>
-              <a:t/>
-            </a:r>
             <a:endParaRPr/>
           </a:p>
         </p:txBody>
@@ -2114,11 +2206,11 @@
 </file>
 
 <file path=ppt/notesSlides/notesSlide22.xml><?xml version="1.0" encoding="utf-8"?>
-<p:notes xmlns:a="http://schemas.openxmlformats.org/drawingml/2006/main" xmlns:r="http://schemas.openxmlformats.org/officeDocument/2006/relationships" xmlns:mc="http://schemas.openxmlformats.org/markup-compatibility/2006" xmlns:mv="urn:schemas-microsoft-com:mac:vml" xmlns:p="http://schemas.openxmlformats.org/presentationml/2006/main" xmlns:c="http://schemas.openxmlformats.org/drawingml/2006/chart" xmlns:dgm="http://schemas.openxmlformats.org/drawingml/2006/diagram" xmlns:o="urn:schemas-microsoft-com:office:office" xmlns:v="urn:schemas-microsoft-com:vml" xmlns:pvml="urn:schemas-microsoft-com:office:powerpoint" xmlns:com="http://schemas.openxmlformats.org/drawingml/2006/compatibility" xmlns:p14="http://schemas.microsoft.com/office/powerpoint/2010/main" xmlns:p15="http://schemas.microsoft.com/office/powerpoint/2012/main" xmlns:ahyp="http://schemas.microsoft.com/office/drawing/2018/hyperlinkcolor" showMasterPhAnim="0" showMasterSp="0">
+<p:notes xmlns:a="http://schemas.openxmlformats.org/drawingml/2006/main" xmlns:r="http://schemas.openxmlformats.org/officeDocument/2006/relationships" xmlns:p="http://schemas.openxmlformats.org/presentationml/2006/main" showMasterSp="0" showMasterPhAnim="0">
   <p:cSld>
     <p:spTree>
       <p:nvGrpSpPr>
-        <p:cNvPr id="208" name="Shape 208"/>
+        <p:cNvPr id="1" name="Shape 208"/>
         <p:cNvGrpSpPr/>
         <p:nvPr/>
       </p:nvGrpSpPr>
@@ -2133,9 +2225,11 @@
       <p:sp>
         <p:nvSpPr>
           <p:cNvPr id="209" name="Google Shape;209;g261bfa69d2c_0_116:notes"/>
-          <p:cNvSpPr/>
+          <p:cNvSpPr>
+            <a:spLocks noGrp="1" noRot="1" noChangeAspect="1"/>
+          </p:cNvSpPr>
           <p:nvPr>
-            <p:ph idx="2" type="sldImg"/>
+            <p:ph type="sldImg" idx="2"/>
           </p:nvPr>
         </p:nvSpPr>
         <p:spPr>
@@ -2144,9 +2238,13 @@
             <a:ext cx="6096000" cy="3429000"/>
           </a:xfrm>
           <a:custGeom>
-            <a:rect b="b" l="l" r="r" t="t"/>
+            <a:avLst/>
+            <a:gdLst/>
+            <a:ahLst/>
+            <a:cxnLst/>
+            <a:rect l="l" t="t" r="r" b="b"/>
             <a:pathLst>
-              <a:path extrusionOk="0" h="120000" w="120000">
+              <a:path w="120000" h="120000" extrusionOk="0">
                 <a:moveTo>
                   <a:pt x="0" y="0"/>
                 </a:moveTo>
@@ -2168,9 +2266,11 @@
       <p:sp>
         <p:nvSpPr>
           <p:cNvPr id="210" name="Google Shape;210;g261bfa69d2c_0_116:notes"/>
-          <p:cNvSpPr txBox="1"/>
+          <p:cNvSpPr txBox="1">
+            <a:spLocks noGrp="1"/>
+          </p:cNvSpPr>
           <p:nvPr>
-            <p:ph idx="1" type="body"/>
+            <p:ph type="body" idx="1"/>
           </p:nvPr>
         </p:nvSpPr>
         <p:spPr>
@@ -2183,12 +2283,12 @@
           </a:prstGeom>
         </p:spPr>
         <p:txBody>
-          <a:bodyPr anchorCtr="0" anchor="t" bIns="91425" lIns="91425" spcFirstLastPara="1" rIns="91425" wrap="square" tIns="91425">
+          <a:bodyPr spcFirstLastPara="1" wrap="square" lIns="91425" tIns="91425" rIns="91425" bIns="91425" anchor="t" anchorCtr="0">
             <a:noAutofit/>
           </a:bodyPr>
           <a:lstStyle/>
           <a:p>
-            <a:pPr indent="0" lvl="0" marL="0" rtl="0" algn="l">
+            <a:pPr marL="0" lvl="0" indent="0" algn="l" rtl="0">
               <a:spcBef>
                 <a:spcPts val="0"/>
               </a:spcBef>
@@ -2197,9 +2297,6 @@
               </a:spcAft>
               <a:buNone/>
             </a:pPr>
-            <a:r>
-              <a:t/>
-            </a:r>
             <a:endParaRPr/>
           </a:p>
         </p:txBody>
@@ -2213,11 +2310,11 @@
 </file>
 
 <file path=ppt/notesSlides/notesSlide23.xml><?xml version="1.0" encoding="utf-8"?>
-<p:notes xmlns:a="http://schemas.openxmlformats.org/drawingml/2006/main" xmlns:r="http://schemas.openxmlformats.org/officeDocument/2006/relationships" xmlns:mc="http://schemas.openxmlformats.org/markup-compatibility/2006" xmlns:mv="urn:schemas-microsoft-com:mac:vml" xmlns:p="http://schemas.openxmlformats.org/presentationml/2006/main" xmlns:c="http://schemas.openxmlformats.org/drawingml/2006/chart" xmlns:dgm="http://schemas.openxmlformats.org/drawingml/2006/diagram" xmlns:o="urn:schemas-microsoft-com:office:office" xmlns:v="urn:schemas-microsoft-com:vml" xmlns:pvml="urn:schemas-microsoft-com:office:powerpoint" xmlns:com="http://schemas.openxmlformats.org/drawingml/2006/compatibility" xmlns:p14="http://schemas.microsoft.com/office/powerpoint/2010/main" xmlns:p15="http://schemas.microsoft.com/office/powerpoint/2012/main" xmlns:ahyp="http://schemas.microsoft.com/office/drawing/2018/hyperlinkcolor" showMasterPhAnim="0" showMasterSp="0">
+<p:notes xmlns:a="http://schemas.openxmlformats.org/drawingml/2006/main" xmlns:r="http://schemas.openxmlformats.org/officeDocument/2006/relationships" xmlns:p="http://schemas.openxmlformats.org/presentationml/2006/main" showMasterSp="0" showMasterPhAnim="0">
   <p:cSld>
     <p:spTree>
       <p:nvGrpSpPr>
-        <p:cNvPr id="214" name="Shape 214"/>
+        <p:cNvPr id="1" name="Shape 214"/>
         <p:cNvGrpSpPr/>
         <p:nvPr/>
       </p:nvGrpSpPr>
@@ -2232,9 +2329,11 @@
       <p:sp>
         <p:nvSpPr>
           <p:cNvPr id="215" name="Google Shape;215;g261bfa69d2c_0_121:notes"/>
-          <p:cNvSpPr/>
+          <p:cNvSpPr>
+            <a:spLocks noGrp="1" noRot="1" noChangeAspect="1"/>
+          </p:cNvSpPr>
           <p:nvPr>
-            <p:ph idx="2" type="sldImg"/>
+            <p:ph type="sldImg" idx="2"/>
           </p:nvPr>
         </p:nvSpPr>
         <p:spPr>
@@ -2243,9 +2342,13 @@
             <a:ext cx="6096000" cy="3429000"/>
           </a:xfrm>
           <a:custGeom>
-            <a:rect b="b" l="l" r="r" t="t"/>
+            <a:avLst/>
+            <a:gdLst/>
+            <a:ahLst/>
+            <a:cxnLst/>
+            <a:rect l="l" t="t" r="r" b="b"/>
             <a:pathLst>
-              <a:path extrusionOk="0" h="120000" w="120000">
+              <a:path w="120000" h="120000" extrusionOk="0">
                 <a:moveTo>
                   <a:pt x="0" y="0"/>
                 </a:moveTo>
@@ -2267,9 +2370,11 @@
       <p:sp>
         <p:nvSpPr>
           <p:cNvPr id="216" name="Google Shape;216;g261bfa69d2c_0_121:notes"/>
-          <p:cNvSpPr txBox="1"/>
+          <p:cNvSpPr txBox="1">
+            <a:spLocks noGrp="1"/>
+          </p:cNvSpPr>
           <p:nvPr>
-            <p:ph idx="1" type="body"/>
+            <p:ph type="body" idx="1"/>
           </p:nvPr>
         </p:nvSpPr>
         <p:spPr>
@@ -2282,12 +2387,12 @@
           </a:prstGeom>
         </p:spPr>
         <p:txBody>
-          <a:bodyPr anchorCtr="0" anchor="t" bIns="91425" lIns="91425" spcFirstLastPara="1" rIns="91425" wrap="square" tIns="91425">
+          <a:bodyPr spcFirstLastPara="1" wrap="square" lIns="91425" tIns="91425" rIns="91425" bIns="91425" anchor="t" anchorCtr="0">
             <a:noAutofit/>
           </a:bodyPr>
           <a:lstStyle/>
           <a:p>
-            <a:pPr indent="0" lvl="0" marL="0" rtl="0" algn="l">
+            <a:pPr marL="0" lvl="0" indent="0" algn="l" rtl="0">
               <a:spcBef>
                 <a:spcPts val="0"/>
               </a:spcBef>
@@ -2296,9 +2401,6 @@
               </a:spcAft>
               <a:buNone/>
             </a:pPr>
-            <a:r>
-              <a:t/>
-            </a:r>
             <a:endParaRPr/>
           </a:p>
         </p:txBody>
@@ -2312,11 +2414,11 @@
 </file>
 
 <file path=ppt/notesSlides/notesSlide24.xml><?xml version="1.0" encoding="utf-8"?>
-<p:notes xmlns:a="http://schemas.openxmlformats.org/drawingml/2006/main" xmlns:r="http://schemas.openxmlformats.org/officeDocument/2006/relationships" xmlns:mc="http://schemas.openxmlformats.org/markup-compatibility/2006" xmlns:mv="urn:schemas-microsoft-com:mac:vml" xmlns:p="http://schemas.openxmlformats.org/presentationml/2006/main" xmlns:c="http://schemas.openxmlformats.org/drawingml/2006/chart" xmlns:dgm="http://schemas.openxmlformats.org/drawingml/2006/diagram" xmlns:o="urn:schemas-microsoft-com:office:office" xmlns:v="urn:schemas-microsoft-com:vml" xmlns:pvml="urn:schemas-microsoft-com:office:powerpoint" xmlns:com="http://schemas.openxmlformats.org/drawingml/2006/compatibility" xmlns:p14="http://schemas.microsoft.com/office/powerpoint/2010/main" xmlns:p15="http://schemas.microsoft.com/office/powerpoint/2012/main" xmlns:ahyp="http://schemas.microsoft.com/office/drawing/2018/hyperlinkcolor" showMasterPhAnim="0" showMasterSp="0">
+<p:notes xmlns:a="http://schemas.openxmlformats.org/drawingml/2006/main" xmlns:r="http://schemas.openxmlformats.org/officeDocument/2006/relationships" xmlns:p="http://schemas.openxmlformats.org/presentationml/2006/main" showMasterSp="0" showMasterPhAnim="0">
   <p:cSld>
     <p:spTree>
       <p:nvGrpSpPr>
-        <p:cNvPr id="219" name="Shape 219"/>
+        <p:cNvPr id="1" name="Shape 219"/>
         <p:cNvGrpSpPr/>
         <p:nvPr/>
       </p:nvGrpSpPr>
@@ -2331,9 +2433,11 @@
       <p:sp>
         <p:nvSpPr>
           <p:cNvPr id="220" name="Google Shape;220;g261bfa69d2c_0_140:notes"/>
-          <p:cNvSpPr/>
+          <p:cNvSpPr>
+            <a:spLocks noGrp="1" noRot="1" noChangeAspect="1"/>
+          </p:cNvSpPr>
           <p:nvPr>
-            <p:ph idx="2" type="sldImg"/>
+            <p:ph type="sldImg" idx="2"/>
           </p:nvPr>
         </p:nvSpPr>
         <p:spPr>
@@ -2342,9 +2446,13 @@
             <a:ext cx="6096000" cy="3429000"/>
           </a:xfrm>
           <a:custGeom>
-            <a:rect b="b" l="l" r="r" t="t"/>
+            <a:avLst/>
+            <a:gdLst/>
+            <a:ahLst/>
+            <a:cxnLst/>
+            <a:rect l="l" t="t" r="r" b="b"/>
             <a:pathLst>
-              <a:path extrusionOk="0" h="120000" w="120000">
+              <a:path w="120000" h="120000" extrusionOk="0">
                 <a:moveTo>
                   <a:pt x="0" y="0"/>
                 </a:moveTo>
@@ -2366,9 +2474,11 @@
       <p:sp>
         <p:nvSpPr>
           <p:cNvPr id="221" name="Google Shape;221;g261bfa69d2c_0_140:notes"/>
-          <p:cNvSpPr txBox="1"/>
+          <p:cNvSpPr txBox="1">
+            <a:spLocks noGrp="1"/>
+          </p:cNvSpPr>
           <p:nvPr>
-            <p:ph idx="1" type="body"/>
+            <p:ph type="body" idx="1"/>
           </p:nvPr>
         </p:nvSpPr>
         <p:spPr>
@@ -2381,12 +2491,12 @@
           </a:prstGeom>
         </p:spPr>
         <p:txBody>
-          <a:bodyPr anchorCtr="0" anchor="t" bIns="91425" lIns="91425" spcFirstLastPara="1" rIns="91425" wrap="square" tIns="91425">
+          <a:bodyPr spcFirstLastPara="1" wrap="square" lIns="91425" tIns="91425" rIns="91425" bIns="91425" anchor="t" anchorCtr="0">
             <a:noAutofit/>
           </a:bodyPr>
           <a:lstStyle/>
           <a:p>
-            <a:pPr indent="0" lvl="0" marL="0" rtl="0" algn="l">
+            <a:pPr marL="0" lvl="0" indent="0" algn="l" rtl="0">
               <a:spcBef>
                 <a:spcPts val="0"/>
               </a:spcBef>
@@ -2395,9 +2505,6 @@
               </a:spcAft>
               <a:buNone/>
             </a:pPr>
-            <a:r>
-              <a:t/>
-            </a:r>
             <a:endParaRPr/>
           </a:p>
         </p:txBody>
@@ -2411,11 +2518,11 @@
 </file>
 
 <file path=ppt/notesSlides/notesSlide25.xml><?xml version="1.0" encoding="utf-8"?>
-<p:notes xmlns:a="http://schemas.openxmlformats.org/drawingml/2006/main" xmlns:r="http://schemas.openxmlformats.org/officeDocument/2006/relationships" xmlns:mc="http://schemas.openxmlformats.org/markup-compatibility/2006" xmlns:mv="urn:schemas-microsoft-com:mac:vml" xmlns:p="http://schemas.openxmlformats.org/presentationml/2006/main" xmlns:c="http://schemas.openxmlformats.org/drawingml/2006/chart" xmlns:dgm="http://schemas.openxmlformats.org/drawingml/2006/diagram" xmlns:o="urn:schemas-microsoft-com:office:office" xmlns:v="urn:schemas-microsoft-com:vml" xmlns:pvml="urn:schemas-microsoft-com:office:powerpoint" xmlns:com="http://schemas.openxmlformats.org/drawingml/2006/compatibility" xmlns:p14="http://schemas.microsoft.com/office/powerpoint/2010/main" xmlns:p15="http://schemas.microsoft.com/office/powerpoint/2012/main" xmlns:ahyp="http://schemas.microsoft.com/office/drawing/2018/hyperlinkcolor" showMasterPhAnim="0" showMasterSp="0">
+<p:notes xmlns:a="http://schemas.openxmlformats.org/drawingml/2006/main" xmlns:r="http://schemas.openxmlformats.org/officeDocument/2006/relationships" xmlns:p="http://schemas.openxmlformats.org/presentationml/2006/main" showMasterSp="0" showMasterPhAnim="0">
   <p:cSld>
     <p:spTree>
       <p:nvGrpSpPr>
-        <p:cNvPr id="226" name="Shape 226"/>
+        <p:cNvPr id="1" name="Shape 226"/>
         <p:cNvGrpSpPr/>
         <p:nvPr/>
       </p:nvGrpSpPr>
@@ -2430,9 +2537,11 @@
       <p:sp>
         <p:nvSpPr>
           <p:cNvPr id="227" name="Google Shape;227;g261bfa69d2c_0_126:notes"/>
-          <p:cNvSpPr/>
+          <p:cNvSpPr>
+            <a:spLocks noGrp="1" noRot="1" noChangeAspect="1"/>
+          </p:cNvSpPr>
           <p:nvPr>
-            <p:ph idx="2" type="sldImg"/>
+            <p:ph type="sldImg" idx="2"/>
           </p:nvPr>
         </p:nvSpPr>
         <p:spPr>
@@ -2441,9 +2550,13 @@
             <a:ext cx="6096000" cy="3429000"/>
           </a:xfrm>
           <a:custGeom>
-            <a:rect b="b" l="l" r="r" t="t"/>
+            <a:avLst/>
+            <a:gdLst/>
+            <a:ahLst/>
+            <a:cxnLst/>
+            <a:rect l="l" t="t" r="r" b="b"/>
             <a:pathLst>
-              <a:path extrusionOk="0" h="120000" w="120000">
+              <a:path w="120000" h="120000" extrusionOk="0">
                 <a:moveTo>
                   <a:pt x="0" y="0"/>
                 </a:moveTo>
@@ -2465,9 +2578,11 @@
       <p:sp>
         <p:nvSpPr>
           <p:cNvPr id="228" name="Google Shape;228;g261bfa69d2c_0_126:notes"/>
-          <p:cNvSpPr txBox="1"/>
+          <p:cNvSpPr txBox="1">
+            <a:spLocks noGrp="1"/>
+          </p:cNvSpPr>
           <p:nvPr>
-            <p:ph idx="1" type="body"/>
+            <p:ph type="body" idx="1"/>
           </p:nvPr>
         </p:nvSpPr>
         <p:spPr>
@@ -2480,12 +2595,12 @@
           </a:prstGeom>
         </p:spPr>
         <p:txBody>
-          <a:bodyPr anchorCtr="0" anchor="t" bIns="91425" lIns="91425" spcFirstLastPara="1" rIns="91425" wrap="square" tIns="91425">
+          <a:bodyPr spcFirstLastPara="1" wrap="square" lIns="91425" tIns="91425" rIns="91425" bIns="91425" anchor="t" anchorCtr="0">
             <a:noAutofit/>
           </a:bodyPr>
           <a:lstStyle/>
           <a:p>
-            <a:pPr indent="0" lvl="0" marL="0" rtl="0" algn="l">
+            <a:pPr marL="0" lvl="0" indent="0" algn="l" rtl="0">
               <a:spcBef>
                 <a:spcPts val="0"/>
               </a:spcBef>
@@ -2494,9 +2609,6 @@
               </a:spcAft>
               <a:buNone/>
             </a:pPr>
-            <a:r>
-              <a:t/>
-            </a:r>
             <a:endParaRPr/>
           </a:p>
         </p:txBody>
@@ -2510,11 +2622,11 @@
 </file>
 
 <file path=ppt/notesSlides/notesSlide26.xml><?xml version="1.0" encoding="utf-8"?>
-<p:notes xmlns:a="http://schemas.openxmlformats.org/drawingml/2006/main" xmlns:r="http://schemas.openxmlformats.org/officeDocument/2006/relationships" xmlns:mc="http://schemas.openxmlformats.org/markup-compatibility/2006" xmlns:mv="urn:schemas-microsoft-com:mac:vml" xmlns:p="http://schemas.openxmlformats.org/presentationml/2006/main" xmlns:c="http://schemas.openxmlformats.org/drawingml/2006/chart" xmlns:dgm="http://schemas.openxmlformats.org/drawingml/2006/diagram" xmlns:o="urn:schemas-microsoft-com:office:office" xmlns:v="urn:schemas-microsoft-com:vml" xmlns:pvml="urn:schemas-microsoft-com:office:powerpoint" xmlns:com="http://schemas.openxmlformats.org/drawingml/2006/compatibility" xmlns:p14="http://schemas.microsoft.com/office/powerpoint/2010/main" xmlns:p15="http://schemas.microsoft.com/office/powerpoint/2012/main" xmlns:ahyp="http://schemas.microsoft.com/office/drawing/2018/hyperlinkcolor" showMasterPhAnim="0" showMasterSp="0">
+<p:notes xmlns:a="http://schemas.openxmlformats.org/drawingml/2006/main" xmlns:r="http://schemas.openxmlformats.org/officeDocument/2006/relationships" xmlns:p="http://schemas.openxmlformats.org/presentationml/2006/main" showMasterSp="0" showMasterPhAnim="0">
   <p:cSld>
     <p:spTree>
       <p:nvGrpSpPr>
-        <p:cNvPr id="233" name="Shape 233"/>
+        <p:cNvPr id="1" name="Shape 233"/>
         <p:cNvGrpSpPr/>
         <p:nvPr/>
       </p:nvGrpSpPr>
@@ -2529,9 +2641,11 @@
       <p:sp>
         <p:nvSpPr>
           <p:cNvPr id="234" name="Google Shape;234;g261bfa69d2c_0_135:notes"/>
-          <p:cNvSpPr/>
+          <p:cNvSpPr>
+            <a:spLocks noGrp="1" noRot="1" noChangeAspect="1"/>
+          </p:cNvSpPr>
           <p:nvPr>
-            <p:ph idx="2" type="sldImg"/>
+            <p:ph type="sldImg" idx="2"/>
           </p:nvPr>
         </p:nvSpPr>
         <p:spPr>
@@ -2540,9 +2654,13 @@
             <a:ext cx="6096000" cy="3429000"/>
           </a:xfrm>
           <a:custGeom>
-            <a:rect b="b" l="l" r="r" t="t"/>
+            <a:avLst/>
+            <a:gdLst/>
+            <a:ahLst/>
+            <a:cxnLst/>
+            <a:rect l="l" t="t" r="r" b="b"/>
             <a:pathLst>
-              <a:path extrusionOk="0" h="120000" w="120000">
+              <a:path w="120000" h="120000" extrusionOk="0">
                 <a:moveTo>
                   <a:pt x="0" y="0"/>
                 </a:moveTo>
@@ -2564,9 +2682,11 @@
       <p:sp>
         <p:nvSpPr>
           <p:cNvPr id="235" name="Google Shape;235;g261bfa69d2c_0_135:notes"/>
-          <p:cNvSpPr txBox="1"/>
+          <p:cNvSpPr txBox="1">
+            <a:spLocks noGrp="1"/>
+          </p:cNvSpPr>
           <p:nvPr>
-            <p:ph idx="1" type="body"/>
+            <p:ph type="body" idx="1"/>
           </p:nvPr>
         </p:nvSpPr>
         <p:spPr>
@@ -2579,12 +2699,12 @@
           </a:prstGeom>
         </p:spPr>
         <p:txBody>
-          <a:bodyPr anchorCtr="0" anchor="t" bIns="91425" lIns="91425" spcFirstLastPara="1" rIns="91425" wrap="square" tIns="91425">
+          <a:bodyPr spcFirstLastPara="1" wrap="square" lIns="91425" tIns="91425" rIns="91425" bIns="91425" anchor="t" anchorCtr="0">
             <a:noAutofit/>
           </a:bodyPr>
           <a:lstStyle/>
           <a:p>
-            <a:pPr indent="0" lvl="0" marL="0" rtl="0" algn="l">
+            <a:pPr marL="0" lvl="0" indent="0" algn="l" rtl="0">
               <a:spcBef>
                 <a:spcPts val="0"/>
               </a:spcBef>
@@ -2593,9 +2713,6 @@
               </a:spcAft>
               <a:buNone/>
             </a:pPr>
-            <a:r>
-              <a:t/>
-            </a:r>
             <a:endParaRPr/>
           </a:p>
         </p:txBody>
@@ -2609,11 +2726,11 @@
 </file>
 
 <file path=ppt/notesSlides/notesSlide3.xml><?xml version="1.0" encoding="utf-8"?>
-<p:notes xmlns:a="http://schemas.openxmlformats.org/drawingml/2006/main" xmlns:r="http://schemas.openxmlformats.org/officeDocument/2006/relationships" xmlns:mc="http://schemas.openxmlformats.org/markup-compatibility/2006" xmlns:mv="urn:schemas-microsoft-com:mac:vml" xmlns:p="http://schemas.openxmlformats.org/presentationml/2006/main" xmlns:c="http://schemas.openxmlformats.org/drawingml/2006/chart" xmlns:dgm="http://schemas.openxmlformats.org/drawingml/2006/diagram" xmlns:o="urn:schemas-microsoft-com:office:office" xmlns:v="urn:schemas-microsoft-com:vml" xmlns:pvml="urn:schemas-microsoft-com:office:powerpoint" xmlns:com="http://schemas.openxmlformats.org/drawingml/2006/compatibility" xmlns:p14="http://schemas.microsoft.com/office/powerpoint/2010/main" xmlns:p15="http://schemas.microsoft.com/office/powerpoint/2012/main" xmlns:ahyp="http://schemas.microsoft.com/office/drawing/2018/hyperlinkcolor" showMasterPhAnim="0" showMasterSp="0">
+<p:notes xmlns:a="http://schemas.openxmlformats.org/drawingml/2006/main" xmlns:r="http://schemas.openxmlformats.org/officeDocument/2006/relationships" xmlns:p="http://schemas.openxmlformats.org/presentationml/2006/main" showMasterSp="0" showMasterPhAnim="0">
   <p:cSld>
     <p:spTree>
       <p:nvGrpSpPr>
-        <p:cNvPr id="94" name="Shape 94"/>
+        <p:cNvPr id="1" name="Shape 94"/>
         <p:cNvGrpSpPr/>
         <p:nvPr/>
       </p:nvGrpSpPr>
@@ -2628,9 +2745,11 @@
       <p:sp>
         <p:nvSpPr>
           <p:cNvPr id="95" name="Google Shape;95;g261d2ea2bc8_3_14:notes"/>
-          <p:cNvSpPr/>
+          <p:cNvSpPr>
+            <a:spLocks noGrp="1" noRot="1" noChangeAspect="1"/>
+          </p:cNvSpPr>
           <p:nvPr>
-            <p:ph idx="2" type="sldImg"/>
+            <p:ph type="sldImg" idx="2"/>
           </p:nvPr>
         </p:nvSpPr>
         <p:spPr>
@@ -2639,9 +2758,13 @@
             <a:ext cx="6096000" cy="3429000"/>
           </a:xfrm>
           <a:custGeom>
-            <a:rect b="b" l="l" r="r" t="t"/>
+            <a:avLst/>
+            <a:gdLst/>
+            <a:ahLst/>
+            <a:cxnLst/>
+            <a:rect l="l" t="t" r="r" b="b"/>
             <a:pathLst>
-              <a:path extrusionOk="0" h="120000" w="120000">
+              <a:path w="120000" h="120000" extrusionOk="0">
                 <a:moveTo>
                   <a:pt x="0" y="0"/>
                 </a:moveTo>
@@ -2663,9 +2786,11 @@
       <p:sp>
         <p:nvSpPr>
           <p:cNvPr id="96" name="Google Shape;96;g261d2ea2bc8_3_14:notes"/>
-          <p:cNvSpPr txBox="1"/>
+          <p:cNvSpPr txBox="1">
+            <a:spLocks noGrp="1"/>
+          </p:cNvSpPr>
           <p:nvPr>
-            <p:ph idx="1" type="body"/>
+            <p:ph type="body" idx="1"/>
           </p:nvPr>
         </p:nvSpPr>
         <p:spPr>
@@ -2678,12 +2803,12 @@
           </a:prstGeom>
         </p:spPr>
         <p:txBody>
-          <a:bodyPr anchorCtr="0" anchor="t" bIns="91425" lIns="91425" spcFirstLastPara="1" rIns="91425" wrap="square" tIns="91425">
+          <a:bodyPr spcFirstLastPara="1" wrap="square" lIns="91425" tIns="91425" rIns="91425" bIns="91425" anchor="t" anchorCtr="0">
             <a:noAutofit/>
           </a:bodyPr>
           <a:lstStyle/>
           <a:p>
-            <a:pPr indent="0" lvl="0" marL="0" rtl="0" algn="l">
+            <a:pPr marL="0" lvl="0" indent="0" algn="l" rtl="0">
               <a:spcBef>
                 <a:spcPts val="0"/>
               </a:spcBef>
@@ -2692,9 +2817,6 @@
               </a:spcAft>
               <a:buNone/>
             </a:pPr>
-            <a:r>
-              <a:t/>
-            </a:r>
             <a:endParaRPr/>
           </a:p>
         </p:txBody>
@@ -2708,11 +2830,11 @@
 </file>
 
 <file path=ppt/notesSlides/notesSlide4.xml><?xml version="1.0" encoding="utf-8"?>
-<p:notes xmlns:a="http://schemas.openxmlformats.org/drawingml/2006/main" xmlns:r="http://schemas.openxmlformats.org/officeDocument/2006/relationships" xmlns:mc="http://schemas.openxmlformats.org/markup-compatibility/2006" xmlns:mv="urn:schemas-microsoft-com:mac:vml" xmlns:p="http://schemas.openxmlformats.org/presentationml/2006/main" xmlns:c="http://schemas.openxmlformats.org/drawingml/2006/chart" xmlns:dgm="http://schemas.openxmlformats.org/drawingml/2006/diagram" xmlns:o="urn:schemas-microsoft-com:office:office" xmlns:v="urn:schemas-microsoft-com:vml" xmlns:pvml="urn:schemas-microsoft-com:office:powerpoint" xmlns:com="http://schemas.openxmlformats.org/drawingml/2006/compatibility" xmlns:p14="http://schemas.microsoft.com/office/powerpoint/2010/main" xmlns:p15="http://schemas.microsoft.com/office/powerpoint/2012/main" xmlns:ahyp="http://schemas.microsoft.com/office/drawing/2018/hyperlinkcolor" showMasterPhAnim="0" showMasterSp="0">
+<p:notes xmlns:a="http://schemas.openxmlformats.org/drawingml/2006/main" xmlns:r="http://schemas.openxmlformats.org/officeDocument/2006/relationships" xmlns:p="http://schemas.openxmlformats.org/presentationml/2006/main" showMasterSp="0" showMasterPhAnim="0">
   <p:cSld>
     <p:spTree>
       <p:nvGrpSpPr>
-        <p:cNvPr id="99" name="Shape 99"/>
+        <p:cNvPr id="1" name="Shape 99"/>
         <p:cNvGrpSpPr/>
         <p:nvPr/>
       </p:nvGrpSpPr>
@@ -2727,9 +2849,11 @@
       <p:sp>
         <p:nvSpPr>
           <p:cNvPr id="100" name="Google Shape;100;g261d2ea2bc8_3_8:notes"/>
-          <p:cNvSpPr/>
+          <p:cNvSpPr>
+            <a:spLocks noGrp="1" noRot="1" noChangeAspect="1"/>
+          </p:cNvSpPr>
           <p:nvPr>
-            <p:ph idx="2" type="sldImg"/>
+            <p:ph type="sldImg" idx="2"/>
           </p:nvPr>
         </p:nvSpPr>
         <p:spPr>
@@ -2738,9 +2862,13 @@
             <a:ext cx="6096000" cy="3429000"/>
           </a:xfrm>
           <a:custGeom>
-            <a:rect b="b" l="l" r="r" t="t"/>
+            <a:avLst/>
+            <a:gdLst/>
+            <a:ahLst/>
+            <a:cxnLst/>
+            <a:rect l="l" t="t" r="r" b="b"/>
             <a:pathLst>
-              <a:path extrusionOk="0" h="120000" w="120000">
+              <a:path w="120000" h="120000" extrusionOk="0">
                 <a:moveTo>
                   <a:pt x="0" y="0"/>
                 </a:moveTo>
@@ -2762,9 +2890,11 @@
       <p:sp>
         <p:nvSpPr>
           <p:cNvPr id="101" name="Google Shape;101;g261d2ea2bc8_3_8:notes"/>
-          <p:cNvSpPr txBox="1"/>
+          <p:cNvSpPr txBox="1">
+            <a:spLocks noGrp="1"/>
+          </p:cNvSpPr>
           <p:nvPr>
-            <p:ph idx="1" type="body"/>
+            <p:ph type="body" idx="1"/>
           </p:nvPr>
         </p:nvSpPr>
         <p:spPr>
@@ -2777,12 +2907,12 @@
           </a:prstGeom>
         </p:spPr>
         <p:txBody>
-          <a:bodyPr anchorCtr="0" anchor="t" bIns="91425" lIns="91425" spcFirstLastPara="1" rIns="91425" wrap="square" tIns="91425">
+          <a:bodyPr spcFirstLastPara="1" wrap="square" lIns="91425" tIns="91425" rIns="91425" bIns="91425" anchor="t" anchorCtr="0">
             <a:noAutofit/>
           </a:bodyPr>
           <a:lstStyle/>
           <a:p>
-            <a:pPr indent="0" lvl="0" marL="0" rtl="0" algn="l">
+            <a:pPr marL="0" lvl="0" indent="0" algn="l" rtl="0">
               <a:spcBef>
                 <a:spcPts val="0"/>
               </a:spcBef>
@@ -2791,9 +2921,6 @@
               </a:spcAft>
               <a:buNone/>
             </a:pPr>
-            <a:r>
-              <a:t/>
-            </a:r>
             <a:endParaRPr/>
           </a:p>
         </p:txBody>
@@ -2807,11 +2934,11 @@
 </file>
 
 <file path=ppt/notesSlides/notesSlide5.xml><?xml version="1.0" encoding="utf-8"?>
-<p:notes xmlns:a="http://schemas.openxmlformats.org/drawingml/2006/main" xmlns:r="http://schemas.openxmlformats.org/officeDocument/2006/relationships" xmlns:mc="http://schemas.openxmlformats.org/markup-compatibility/2006" xmlns:mv="urn:schemas-microsoft-com:mac:vml" xmlns:p="http://schemas.openxmlformats.org/presentationml/2006/main" xmlns:c="http://schemas.openxmlformats.org/drawingml/2006/chart" xmlns:dgm="http://schemas.openxmlformats.org/drawingml/2006/diagram" xmlns:o="urn:schemas-microsoft-com:office:office" xmlns:v="urn:schemas-microsoft-com:vml" xmlns:pvml="urn:schemas-microsoft-com:office:powerpoint" xmlns:com="http://schemas.openxmlformats.org/drawingml/2006/compatibility" xmlns:p14="http://schemas.microsoft.com/office/powerpoint/2010/main" xmlns:p15="http://schemas.microsoft.com/office/powerpoint/2012/main" xmlns:ahyp="http://schemas.microsoft.com/office/drawing/2018/hyperlinkcolor" showMasterPhAnim="0" showMasterSp="0">
+<p:notes xmlns:a="http://schemas.openxmlformats.org/drawingml/2006/main" xmlns:r="http://schemas.openxmlformats.org/officeDocument/2006/relationships" xmlns:p="http://schemas.openxmlformats.org/presentationml/2006/main" showMasterSp="0" showMasterPhAnim="0">
   <p:cSld>
     <p:spTree>
       <p:nvGrpSpPr>
-        <p:cNvPr id="105" name="Shape 105"/>
+        <p:cNvPr id="1" name="Shape 105"/>
         <p:cNvGrpSpPr/>
         <p:nvPr/>
       </p:nvGrpSpPr>
@@ -2826,9 +2953,11 @@
       <p:sp>
         <p:nvSpPr>
           <p:cNvPr id="106" name="Google Shape;106;g261d2ea2bc8_3_1:notes"/>
-          <p:cNvSpPr/>
+          <p:cNvSpPr>
+            <a:spLocks noGrp="1" noRot="1" noChangeAspect="1"/>
+          </p:cNvSpPr>
           <p:nvPr>
-            <p:ph idx="2" type="sldImg"/>
+            <p:ph type="sldImg" idx="2"/>
           </p:nvPr>
         </p:nvSpPr>
         <p:spPr>
@@ -2837,9 +2966,13 @@
             <a:ext cx="6096000" cy="3429000"/>
           </a:xfrm>
           <a:custGeom>
-            <a:rect b="b" l="l" r="r" t="t"/>
+            <a:avLst/>
+            <a:gdLst/>
+            <a:ahLst/>
+            <a:cxnLst/>
+            <a:rect l="l" t="t" r="r" b="b"/>
             <a:pathLst>
-              <a:path extrusionOk="0" h="120000" w="120000">
+              <a:path w="120000" h="120000" extrusionOk="0">
                 <a:moveTo>
                   <a:pt x="0" y="0"/>
                 </a:moveTo>
@@ -2861,9 +2994,11 @@
       <p:sp>
         <p:nvSpPr>
           <p:cNvPr id="107" name="Google Shape;107;g261d2ea2bc8_3_1:notes"/>
-          <p:cNvSpPr txBox="1"/>
+          <p:cNvSpPr txBox="1">
+            <a:spLocks noGrp="1"/>
+          </p:cNvSpPr>
           <p:nvPr>
-            <p:ph idx="1" type="body"/>
+            <p:ph type="body" idx="1"/>
           </p:nvPr>
         </p:nvSpPr>
         <p:spPr>
@@ -2876,12 +3011,12 @@
           </a:prstGeom>
         </p:spPr>
         <p:txBody>
-          <a:bodyPr anchorCtr="0" anchor="t" bIns="91425" lIns="91425" spcFirstLastPara="1" rIns="91425" wrap="square" tIns="91425">
+          <a:bodyPr spcFirstLastPara="1" wrap="square" lIns="91425" tIns="91425" rIns="91425" bIns="91425" anchor="t" anchorCtr="0">
             <a:noAutofit/>
           </a:bodyPr>
           <a:lstStyle/>
           <a:p>
-            <a:pPr indent="0" lvl="0" marL="0" rtl="0" algn="l">
+            <a:pPr marL="0" lvl="0" indent="0" algn="l" rtl="0">
               <a:spcBef>
                 <a:spcPts val="0"/>
               </a:spcBef>
@@ -2890,9 +3025,6 @@
               </a:spcAft>
               <a:buNone/>
             </a:pPr>
-            <a:r>
-              <a:t/>
-            </a:r>
             <a:endParaRPr/>
           </a:p>
         </p:txBody>
@@ -2906,11 +3038,11 @@
 </file>
 
 <file path=ppt/notesSlides/notesSlide6.xml><?xml version="1.0" encoding="utf-8"?>
-<p:notes xmlns:a="http://schemas.openxmlformats.org/drawingml/2006/main" xmlns:r="http://schemas.openxmlformats.org/officeDocument/2006/relationships" xmlns:mc="http://schemas.openxmlformats.org/markup-compatibility/2006" xmlns:mv="urn:schemas-microsoft-com:mac:vml" xmlns:p="http://schemas.openxmlformats.org/presentationml/2006/main" xmlns:c="http://schemas.openxmlformats.org/drawingml/2006/chart" xmlns:dgm="http://schemas.openxmlformats.org/drawingml/2006/diagram" xmlns:o="urn:schemas-microsoft-com:office:office" xmlns:v="urn:schemas-microsoft-com:vml" xmlns:pvml="urn:schemas-microsoft-com:office:powerpoint" xmlns:com="http://schemas.openxmlformats.org/drawingml/2006/compatibility" xmlns:p14="http://schemas.microsoft.com/office/powerpoint/2010/main" xmlns:p15="http://schemas.microsoft.com/office/powerpoint/2012/main" xmlns:ahyp="http://schemas.microsoft.com/office/drawing/2018/hyperlinkcolor" showMasterPhAnim="0" showMasterSp="0">
+<p:notes xmlns:a="http://schemas.openxmlformats.org/drawingml/2006/main" xmlns:r="http://schemas.openxmlformats.org/officeDocument/2006/relationships" xmlns:p="http://schemas.openxmlformats.org/presentationml/2006/main" showMasterSp="0" showMasterPhAnim="0">
   <p:cSld>
     <p:spTree>
       <p:nvGrpSpPr>
-        <p:cNvPr id="111" name="Shape 111"/>
+        <p:cNvPr id="1" name="Shape 111"/>
         <p:cNvGrpSpPr/>
         <p:nvPr/>
       </p:nvGrpSpPr>
@@ -2925,20 +3057,26 @@
       <p:sp>
         <p:nvSpPr>
           <p:cNvPr id="112" name="Google Shape;112;g261bfa69d2c_0_17:notes"/>
-          <p:cNvSpPr/>
+          <p:cNvSpPr>
+            <a:spLocks noGrp="1" noRot="1" noChangeAspect="1"/>
+          </p:cNvSpPr>
           <p:nvPr>
-            <p:ph idx="2" type="sldImg"/>
+            <p:ph type="sldImg" idx="2"/>
           </p:nvPr>
         </p:nvSpPr>
         <p:spPr>
           <a:xfrm>
-            <a:off x="381300" y="685800"/>
+            <a:off x="381000" y="685800"/>
             <a:ext cx="6096000" cy="3429000"/>
           </a:xfrm>
           <a:custGeom>
-            <a:rect b="b" l="l" r="r" t="t"/>
+            <a:avLst/>
+            <a:gdLst/>
+            <a:ahLst/>
+            <a:cxnLst/>
+            <a:rect l="l" t="t" r="r" b="b"/>
             <a:pathLst>
-              <a:path extrusionOk="0" h="120000" w="120000">
+              <a:path w="120000" h="120000" extrusionOk="0">
                 <a:moveTo>
                   <a:pt x="0" y="0"/>
                 </a:moveTo>
@@ -2960,9 +3098,11 @@
       <p:sp>
         <p:nvSpPr>
           <p:cNvPr id="113" name="Google Shape;113;g261bfa69d2c_0_17:notes"/>
-          <p:cNvSpPr txBox="1"/>
+          <p:cNvSpPr txBox="1">
+            <a:spLocks noGrp="1"/>
+          </p:cNvSpPr>
           <p:nvPr>
-            <p:ph idx="1" type="body"/>
+            <p:ph type="body" idx="1"/>
           </p:nvPr>
         </p:nvSpPr>
         <p:spPr>
@@ -2975,12 +3115,12 @@
           </a:prstGeom>
         </p:spPr>
         <p:txBody>
-          <a:bodyPr anchorCtr="0" anchor="t" bIns="91425" lIns="91425" spcFirstLastPara="1" rIns="91425" wrap="square" tIns="91425">
+          <a:bodyPr spcFirstLastPara="1" wrap="square" lIns="91425" tIns="91425" rIns="91425" bIns="91425" anchor="t" anchorCtr="0">
             <a:noAutofit/>
           </a:bodyPr>
           <a:lstStyle/>
           <a:p>
-            <a:pPr indent="0" lvl="0" marL="0" rtl="0" algn="l">
+            <a:pPr marL="0" lvl="0" indent="0" algn="l" rtl="0">
               <a:spcBef>
                 <a:spcPts val="0"/>
               </a:spcBef>
@@ -2989,9 +3129,6 @@
               </a:spcAft>
               <a:buNone/>
             </a:pPr>
-            <a:r>
-              <a:t/>
-            </a:r>
             <a:endParaRPr/>
           </a:p>
         </p:txBody>
@@ -3005,11 +3142,11 @@
 </file>
 
 <file path=ppt/notesSlides/notesSlide7.xml><?xml version="1.0" encoding="utf-8"?>
-<p:notes xmlns:a="http://schemas.openxmlformats.org/drawingml/2006/main" xmlns:r="http://schemas.openxmlformats.org/officeDocument/2006/relationships" xmlns:mc="http://schemas.openxmlformats.org/markup-compatibility/2006" xmlns:mv="urn:schemas-microsoft-com:mac:vml" xmlns:p="http://schemas.openxmlformats.org/presentationml/2006/main" xmlns:c="http://schemas.openxmlformats.org/drawingml/2006/chart" xmlns:dgm="http://schemas.openxmlformats.org/drawingml/2006/diagram" xmlns:o="urn:schemas-microsoft-com:office:office" xmlns:v="urn:schemas-microsoft-com:vml" xmlns:pvml="urn:schemas-microsoft-com:office:powerpoint" xmlns:com="http://schemas.openxmlformats.org/drawingml/2006/compatibility" xmlns:p14="http://schemas.microsoft.com/office/powerpoint/2010/main" xmlns:p15="http://schemas.microsoft.com/office/powerpoint/2012/main" xmlns:ahyp="http://schemas.microsoft.com/office/drawing/2018/hyperlinkcolor" showMasterPhAnim="0" showMasterSp="0">
+<p:notes xmlns:a="http://schemas.openxmlformats.org/drawingml/2006/main" xmlns:r="http://schemas.openxmlformats.org/officeDocument/2006/relationships" xmlns:p="http://schemas.openxmlformats.org/presentationml/2006/main" showMasterSp="0" showMasterPhAnim="0">
   <p:cSld>
     <p:spTree>
       <p:nvGrpSpPr>
-        <p:cNvPr id="117" name="Shape 117"/>
+        <p:cNvPr id="1" name="Shape 117"/>
         <p:cNvGrpSpPr/>
         <p:nvPr/>
       </p:nvGrpSpPr>
@@ -3024,9 +3161,11 @@
       <p:sp>
         <p:nvSpPr>
           <p:cNvPr id="118" name="Google Shape;118;g261bfa69d2c_0_24:notes"/>
-          <p:cNvSpPr/>
+          <p:cNvSpPr>
+            <a:spLocks noGrp="1" noRot="1" noChangeAspect="1"/>
+          </p:cNvSpPr>
           <p:nvPr>
-            <p:ph idx="2" type="sldImg"/>
+            <p:ph type="sldImg" idx="2"/>
           </p:nvPr>
         </p:nvSpPr>
         <p:spPr>
@@ -3035,9 +3174,13 @@
             <a:ext cx="6096000" cy="3429000"/>
           </a:xfrm>
           <a:custGeom>
-            <a:rect b="b" l="l" r="r" t="t"/>
+            <a:avLst/>
+            <a:gdLst/>
+            <a:ahLst/>
+            <a:cxnLst/>
+            <a:rect l="l" t="t" r="r" b="b"/>
             <a:pathLst>
-              <a:path extrusionOk="0" h="120000" w="120000">
+              <a:path w="120000" h="120000" extrusionOk="0">
                 <a:moveTo>
                   <a:pt x="0" y="0"/>
                 </a:moveTo>
@@ -3059,9 +3202,11 @@
       <p:sp>
         <p:nvSpPr>
           <p:cNvPr id="119" name="Google Shape;119;g261bfa69d2c_0_24:notes"/>
-          <p:cNvSpPr txBox="1"/>
+          <p:cNvSpPr txBox="1">
+            <a:spLocks noGrp="1"/>
+          </p:cNvSpPr>
           <p:nvPr>
-            <p:ph idx="1" type="body"/>
+            <p:ph type="body" idx="1"/>
           </p:nvPr>
         </p:nvSpPr>
         <p:spPr>
@@ -3074,12 +3219,12 @@
           </a:prstGeom>
         </p:spPr>
         <p:txBody>
-          <a:bodyPr anchorCtr="0" anchor="t" bIns="91425" lIns="91425" spcFirstLastPara="1" rIns="91425" wrap="square" tIns="91425">
+          <a:bodyPr spcFirstLastPara="1" wrap="square" lIns="91425" tIns="91425" rIns="91425" bIns="91425" anchor="t" anchorCtr="0">
             <a:noAutofit/>
           </a:bodyPr>
           <a:lstStyle/>
           <a:p>
-            <a:pPr indent="0" lvl="0" marL="0" rtl="0" algn="l">
+            <a:pPr marL="0" lvl="0" indent="0" algn="l" rtl="0">
               <a:spcBef>
                 <a:spcPts val="0"/>
               </a:spcBef>
@@ -3088,9 +3233,6 @@
               </a:spcAft>
               <a:buNone/>
             </a:pPr>
-            <a:r>
-              <a:t/>
-            </a:r>
             <a:endParaRPr/>
           </a:p>
         </p:txBody>
@@ -3104,11 +3246,11 @@
 </file>
 
 <file path=ppt/notesSlides/notesSlide8.xml><?xml version="1.0" encoding="utf-8"?>
-<p:notes xmlns:a="http://schemas.openxmlformats.org/drawingml/2006/main" xmlns:r="http://schemas.openxmlformats.org/officeDocument/2006/relationships" xmlns:mc="http://schemas.openxmlformats.org/markup-compatibility/2006" xmlns:mv="urn:schemas-microsoft-com:mac:vml" xmlns:p="http://schemas.openxmlformats.org/presentationml/2006/main" xmlns:c="http://schemas.openxmlformats.org/drawingml/2006/chart" xmlns:dgm="http://schemas.openxmlformats.org/drawingml/2006/diagram" xmlns:o="urn:schemas-microsoft-com:office:office" xmlns:v="urn:schemas-microsoft-com:vml" xmlns:pvml="urn:schemas-microsoft-com:office:powerpoint" xmlns:com="http://schemas.openxmlformats.org/drawingml/2006/compatibility" xmlns:p14="http://schemas.microsoft.com/office/powerpoint/2010/main" xmlns:p15="http://schemas.microsoft.com/office/powerpoint/2012/main" xmlns:ahyp="http://schemas.microsoft.com/office/drawing/2018/hyperlinkcolor" showMasterPhAnim="0" showMasterSp="0">
+<p:notes xmlns:a="http://schemas.openxmlformats.org/drawingml/2006/main" xmlns:r="http://schemas.openxmlformats.org/officeDocument/2006/relationships" xmlns:p="http://schemas.openxmlformats.org/presentationml/2006/main" showMasterSp="0" showMasterPhAnim="0">
   <p:cSld>
     <p:spTree>
       <p:nvGrpSpPr>
-        <p:cNvPr id="123" name="Shape 123"/>
+        <p:cNvPr id="1" name="Shape 123"/>
         <p:cNvGrpSpPr/>
         <p:nvPr/>
       </p:nvGrpSpPr>
@@ -3123,9 +3265,11 @@
       <p:sp>
         <p:nvSpPr>
           <p:cNvPr id="124" name="Google Shape;124;g261bfa69d2c_0_30:notes"/>
-          <p:cNvSpPr/>
+          <p:cNvSpPr>
+            <a:spLocks noGrp="1" noRot="1" noChangeAspect="1"/>
+          </p:cNvSpPr>
           <p:nvPr>
-            <p:ph idx="2" type="sldImg"/>
+            <p:ph type="sldImg" idx="2"/>
           </p:nvPr>
         </p:nvSpPr>
         <p:spPr>
@@ -3134,9 +3278,13 @@
             <a:ext cx="6096000" cy="3429000"/>
           </a:xfrm>
           <a:custGeom>
-            <a:rect b="b" l="l" r="r" t="t"/>
+            <a:avLst/>
+            <a:gdLst/>
+            <a:ahLst/>
+            <a:cxnLst/>
+            <a:rect l="l" t="t" r="r" b="b"/>
             <a:pathLst>
-              <a:path extrusionOk="0" h="120000" w="120000">
+              <a:path w="120000" h="120000" extrusionOk="0">
                 <a:moveTo>
                   <a:pt x="0" y="0"/>
                 </a:moveTo>
@@ -3158,9 +3306,11 @@
       <p:sp>
         <p:nvSpPr>
           <p:cNvPr id="125" name="Google Shape;125;g261bfa69d2c_0_30:notes"/>
-          <p:cNvSpPr txBox="1"/>
+          <p:cNvSpPr txBox="1">
+            <a:spLocks noGrp="1"/>
+          </p:cNvSpPr>
           <p:nvPr>
-            <p:ph idx="1" type="body"/>
+            <p:ph type="body" idx="1"/>
           </p:nvPr>
         </p:nvSpPr>
         <p:spPr>
@@ -3173,12 +3323,12 @@
           </a:prstGeom>
         </p:spPr>
         <p:txBody>
-          <a:bodyPr anchorCtr="0" anchor="t" bIns="91425" lIns="91425" spcFirstLastPara="1" rIns="91425" wrap="square" tIns="91425">
+          <a:bodyPr spcFirstLastPara="1" wrap="square" lIns="91425" tIns="91425" rIns="91425" bIns="91425" anchor="t" anchorCtr="0">
             <a:noAutofit/>
           </a:bodyPr>
           <a:lstStyle/>
           <a:p>
-            <a:pPr indent="0" lvl="0" marL="0" rtl="0" algn="l">
+            <a:pPr marL="0" lvl="0" indent="0" algn="l" rtl="0">
               <a:spcBef>
                 <a:spcPts val="0"/>
               </a:spcBef>
@@ -3187,9 +3337,6 @@
               </a:spcAft>
               <a:buNone/>
             </a:pPr>
-            <a:r>
-              <a:t/>
-            </a:r>
             <a:endParaRPr/>
           </a:p>
         </p:txBody>
@@ -3203,11 +3350,11 @@
 </file>
 
 <file path=ppt/notesSlides/notesSlide9.xml><?xml version="1.0" encoding="utf-8"?>
-<p:notes xmlns:a="http://schemas.openxmlformats.org/drawingml/2006/main" xmlns:r="http://schemas.openxmlformats.org/officeDocument/2006/relationships" xmlns:mc="http://schemas.openxmlformats.org/markup-compatibility/2006" xmlns:mv="urn:schemas-microsoft-com:mac:vml" xmlns:p="http://schemas.openxmlformats.org/presentationml/2006/main" xmlns:c="http://schemas.openxmlformats.org/drawingml/2006/chart" xmlns:dgm="http://schemas.openxmlformats.org/drawingml/2006/diagram" xmlns:o="urn:schemas-microsoft-com:office:office" xmlns:v="urn:schemas-microsoft-com:vml" xmlns:pvml="urn:schemas-microsoft-com:office:powerpoint" xmlns:com="http://schemas.openxmlformats.org/drawingml/2006/compatibility" xmlns:p14="http://schemas.microsoft.com/office/powerpoint/2010/main" xmlns:p15="http://schemas.microsoft.com/office/powerpoint/2012/main" xmlns:ahyp="http://schemas.microsoft.com/office/drawing/2018/hyperlinkcolor" showMasterPhAnim="0" showMasterSp="0">
+<p:notes xmlns:a="http://schemas.openxmlformats.org/drawingml/2006/main" xmlns:r="http://schemas.openxmlformats.org/officeDocument/2006/relationships" xmlns:p="http://schemas.openxmlformats.org/presentationml/2006/main" showMasterSp="0" showMasterPhAnim="0">
   <p:cSld>
     <p:spTree>
       <p:nvGrpSpPr>
-        <p:cNvPr id="131" name="Shape 131"/>
+        <p:cNvPr id="1" name="Shape 131"/>
         <p:cNvGrpSpPr/>
         <p:nvPr/>
       </p:nvGrpSpPr>
@@ -3222,9 +3369,11 @@
       <p:sp>
         <p:nvSpPr>
           <p:cNvPr id="132" name="Google Shape;132;g261bfa69d2c_0_35:notes"/>
-          <p:cNvSpPr/>
+          <p:cNvSpPr>
+            <a:spLocks noGrp="1" noRot="1" noChangeAspect="1"/>
+          </p:cNvSpPr>
           <p:nvPr>
-            <p:ph idx="2" type="sldImg"/>
+            <p:ph type="sldImg" idx="2"/>
           </p:nvPr>
         </p:nvSpPr>
         <p:spPr>
@@ -3233,9 +3382,13 @@
             <a:ext cx="6096000" cy="3429000"/>
           </a:xfrm>
           <a:custGeom>
-            <a:rect b="b" l="l" r="r" t="t"/>
+            <a:avLst/>
+            <a:gdLst/>
+            <a:ahLst/>
+            <a:cxnLst/>
+            <a:rect l="l" t="t" r="r" b="b"/>
             <a:pathLst>
-              <a:path extrusionOk="0" h="120000" w="120000">
+              <a:path w="120000" h="120000" extrusionOk="0">
                 <a:moveTo>
                   <a:pt x="0" y="0"/>
                 </a:moveTo>
@@ -3257,9 +3410,11 @@
       <p:sp>
         <p:nvSpPr>
           <p:cNvPr id="133" name="Google Shape;133;g261bfa69d2c_0_35:notes"/>
-          <p:cNvSpPr txBox="1"/>
+          <p:cNvSpPr txBox="1">
+            <a:spLocks noGrp="1"/>
+          </p:cNvSpPr>
           <p:nvPr>
-            <p:ph idx="1" type="body"/>
+            <p:ph type="body" idx="1"/>
           </p:nvPr>
         </p:nvSpPr>
         <p:spPr>
@@ -3272,12 +3427,12 @@
           </a:prstGeom>
         </p:spPr>
         <p:txBody>
-          <a:bodyPr anchorCtr="0" anchor="t" bIns="91425" lIns="91425" spcFirstLastPara="1" rIns="91425" wrap="square" tIns="91425">
+          <a:bodyPr spcFirstLastPara="1" wrap="square" lIns="91425" tIns="91425" rIns="91425" bIns="91425" anchor="t" anchorCtr="0">
             <a:noAutofit/>
           </a:bodyPr>
           <a:lstStyle/>
           <a:p>
-            <a:pPr indent="0" lvl="0" marL="0" rtl="0" algn="l">
+            <a:pPr marL="0" lvl="0" indent="0" algn="l" rtl="0">
               <a:spcBef>
                 <a:spcPts val="0"/>
               </a:spcBef>
@@ -3286,9 +3441,6 @@
               </a:spcAft>
               <a:buNone/>
             </a:pPr>
-            <a:r>
-              <a:t/>
-            </a:r>
             <a:endParaRPr/>
           </a:p>
         </p:txBody>
@@ -3302,18 +3454,19 @@
 </file>
 
 <file path=ppt/slideLayouts/slideLayout1.xml><?xml version="1.0" encoding="utf-8"?>
-<p:sldLayout xmlns:a="http://schemas.openxmlformats.org/drawingml/2006/main" xmlns:r="http://schemas.openxmlformats.org/officeDocument/2006/relationships" xmlns:mc="http://schemas.openxmlformats.org/markup-compatibility/2006" xmlns:mv="urn:schemas-microsoft-com:mac:vml" xmlns:p="http://schemas.openxmlformats.org/presentationml/2006/main" xmlns:c="http://schemas.openxmlformats.org/drawingml/2006/chart" xmlns:dgm="http://schemas.openxmlformats.org/drawingml/2006/diagram" xmlns:o="urn:schemas-microsoft-com:office:office" xmlns:v="urn:schemas-microsoft-com:vml" xmlns:pvml="urn:schemas-microsoft-com:office:powerpoint" xmlns:com="http://schemas.openxmlformats.org/drawingml/2006/compatibility" xmlns:p14="http://schemas.microsoft.com/office/powerpoint/2010/main" xmlns:p15="http://schemas.microsoft.com/office/powerpoint/2012/main" xmlns:ahyp="http://schemas.microsoft.com/office/drawing/2018/hyperlinkcolor" matchingName="Title slide" type="title">
+<p:sldLayout xmlns:a="http://schemas.openxmlformats.org/drawingml/2006/main" xmlns:r="http://schemas.openxmlformats.org/officeDocument/2006/relationships" xmlns:p="http://schemas.openxmlformats.org/presentationml/2006/main" matchingName="Title slide" type="title">
   <p:cSld name="TITLE">
     <p:bg>
       <p:bgPr>
         <a:solidFill>
           <a:schemeClr val="lt2"/>
         </a:solidFill>
+        <a:effectLst/>
       </p:bgPr>
     </p:bg>
     <p:spTree>
       <p:nvGrpSpPr>
-        <p:cNvPr id="9" name="Shape 9"/>
+        <p:cNvPr id="1" name="Shape 9"/>
         <p:cNvGrpSpPr/>
         <p:nvPr/>
       </p:nvGrpSpPr>
@@ -3347,12 +3500,12 @@
           </a:ln>
         </p:spPr>
         <p:txBody>
-          <a:bodyPr anchorCtr="0" anchor="ctr" bIns="91425" lIns="91425" spcFirstLastPara="1" rIns="91425" wrap="square" tIns="91425">
+          <a:bodyPr spcFirstLastPara="1" wrap="square" lIns="91425" tIns="91425" rIns="91425" bIns="91425" anchor="ctr" anchorCtr="0">
             <a:noAutofit/>
           </a:bodyPr>
           <a:lstStyle/>
           <a:p>
-            <a:pPr indent="0" lvl="0" marL="0" rtl="0" algn="l">
+            <a:pPr marL="0" lvl="0" indent="0" algn="l" rtl="0">
               <a:spcBef>
                 <a:spcPts val="0"/>
               </a:spcBef>
@@ -3361,9 +3514,6 @@
               </a:spcAft>
               <a:buNone/>
             </a:pPr>
-            <a:r>
-              <a:t/>
-            </a:r>
             <a:endParaRPr/>
           </a:p>
         </p:txBody>
@@ -3404,12 +3554,12 @@
             </a:ln>
           </p:spPr>
           <p:txBody>
-            <a:bodyPr anchorCtr="0" anchor="ctr" bIns="91425" lIns="91425" spcFirstLastPara="1" rIns="91425" wrap="square" tIns="91425">
+            <a:bodyPr spcFirstLastPara="1" wrap="square" lIns="91425" tIns="91425" rIns="91425" bIns="91425" anchor="ctr" anchorCtr="0">
               <a:noAutofit/>
             </a:bodyPr>
             <a:lstStyle/>
             <a:p>
-              <a:pPr indent="0" lvl="0" marL="0" rtl="0" algn="l">
+              <a:pPr marL="0" lvl="0" indent="0" algn="l" rtl="0">
                 <a:spcBef>
                   <a:spcPts val="0"/>
                 </a:spcBef>
@@ -3418,9 +3568,6 @@
                 </a:spcAft>
                 <a:buNone/>
               </a:pPr>
-              <a:r>
-                <a:t/>
-              </a:r>
               <a:endParaRPr/>
             </a:p>
           </p:txBody>
@@ -3447,12 +3594,12 @@
             </a:ln>
           </p:spPr>
           <p:txBody>
-            <a:bodyPr anchorCtr="0" anchor="ctr" bIns="91425" lIns="91425" spcFirstLastPara="1" rIns="91425" wrap="square" tIns="91425">
+            <a:bodyPr spcFirstLastPara="1" wrap="square" lIns="91425" tIns="91425" rIns="91425" bIns="91425" anchor="ctr" anchorCtr="0">
               <a:noAutofit/>
             </a:bodyPr>
             <a:lstStyle/>
             <a:p>
-              <a:pPr indent="0" lvl="0" marL="0" rtl="0" algn="l">
+              <a:pPr marL="0" lvl="0" indent="0" algn="l" rtl="0">
                 <a:spcBef>
                   <a:spcPts val="0"/>
                 </a:spcBef>
@@ -3461,9 +3608,6 @@
                 </a:spcAft>
                 <a:buNone/>
               </a:pPr>
-              <a:r>
-                <a:t/>
-              </a:r>
               <a:endParaRPr/>
             </a:p>
           </p:txBody>
@@ -3472,7 +3616,9 @@
       <p:sp>
         <p:nvSpPr>
           <p:cNvPr id="14" name="Google Shape;14;p2"/>
-          <p:cNvSpPr txBox="1"/>
+          <p:cNvSpPr txBox="1">
+            <a:spLocks noGrp="1"/>
+          </p:cNvSpPr>
           <p:nvPr>
             <p:ph type="ctrTitle"/>
           </p:nvPr>
@@ -3487,7 +3633,7 @@
           </a:prstGeom>
         </p:spPr>
         <p:txBody>
-          <a:bodyPr anchorCtr="0" anchor="t" bIns="91425" lIns="91425" spcFirstLastPara="1" rIns="91425" wrap="square" tIns="91425">
+          <a:bodyPr spcFirstLastPara="1" wrap="square" lIns="91425" tIns="91425" rIns="91425" bIns="91425" anchor="t" anchorCtr="0">
             <a:normAutofit/>
           </a:bodyPr>
           <a:lstStyle>
@@ -3591,15 +3737,19 @@
               <a:defRPr sz="4200"/>
             </a:lvl9pPr>
           </a:lstStyle>
-          <a:p/>
+          <a:p>
+            <a:endParaRPr/>
+          </a:p>
         </p:txBody>
       </p:sp>
       <p:sp>
         <p:nvSpPr>
           <p:cNvPr id="15" name="Google Shape;15;p2"/>
-          <p:cNvSpPr txBox="1"/>
+          <p:cNvSpPr txBox="1">
+            <a:spLocks noGrp="1"/>
+          </p:cNvSpPr>
           <p:nvPr>
-            <p:ph idx="1" type="subTitle"/>
+            <p:ph type="subTitle" idx="1"/>
           </p:nvPr>
         </p:nvSpPr>
         <p:spPr>
@@ -3612,7 +3762,7 @@
           </a:prstGeom>
         </p:spPr>
         <p:txBody>
-          <a:bodyPr anchorCtr="0" anchor="t" bIns="91425" lIns="91425" spcFirstLastPara="1" rIns="91425" wrap="square" tIns="91425">
+          <a:bodyPr spcFirstLastPara="1" wrap="square" lIns="91425" tIns="91425" rIns="91425" bIns="91425" anchor="t" anchorCtr="0">
             <a:normAutofit/>
           </a:bodyPr>
           <a:lstStyle>
@@ -3743,15 +3893,19 @@
               <a:defRPr sz="1600"/>
             </a:lvl9pPr>
           </a:lstStyle>
-          <a:p/>
+          <a:p>
+            <a:endParaRPr/>
+          </a:p>
         </p:txBody>
       </p:sp>
       <p:sp>
         <p:nvSpPr>
           <p:cNvPr id="16" name="Google Shape;16;p2"/>
-          <p:cNvSpPr txBox="1"/>
+          <p:cNvSpPr txBox="1">
+            <a:spLocks noGrp="1"/>
+          </p:cNvSpPr>
           <p:nvPr>
-            <p:ph idx="12" type="sldNum"/>
+            <p:ph type="sldNum" idx="12"/>
           </p:nvPr>
         </p:nvSpPr>
         <p:spPr>
@@ -3764,7 +3918,7 @@
           </a:prstGeom>
         </p:spPr>
         <p:txBody>
-          <a:bodyPr anchorCtr="0" anchor="ctr" bIns="91425" lIns="91425" spcFirstLastPara="1" rIns="91425" wrap="square" tIns="91425">
+          <a:bodyPr spcFirstLastPara="1" wrap="square" lIns="91425" tIns="91425" rIns="91425" bIns="91425" anchor="ctr" anchorCtr="0">
             <a:normAutofit/>
           </a:bodyPr>
           <a:lstStyle>
@@ -3806,7 +3960,7 @@
             </a:lvl9pPr>
           </a:lstStyle>
           <a:p>
-            <a:pPr indent="0" lvl="0" marL="0" rtl="0" algn="r">
+            <a:pPr marL="0" lvl="0" indent="0" algn="r" rtl="0">
               <a:spcBef>
                 <a:spcPts val="0"/>
               </a:spcBef>
@@ -3832,18 +3986,19 @@
 </file>
 
 <file path=ppt/slideLayouts/slideLayout10.xml><?xml version="1.0" encoding="utf-8"?>
-<p:sldLayout xmlns:a="http://schemas.openxmlformats.org/drawingml/2006/main" xmlns:r="http://schemas.openxmlformats.org/officeDocument/2006/relationships" xmlns:mc="http://schemas.openxmlformats.org/markup-compatibility/2006" xmlns:mv="urn:schemas-microsoft-com:mac:vml" xmlns:p="http://schemas.openxmlformats.org/presentationml/2006/main" xmlns:c="http://schemas.openxmlformats.org/drawingml/2006/chart" xmlns:dgm="http://schemas.openxmlformats.org/drawingml/2006/diagram" xmlns:o="urn:schemas-microsoft-com:office:office" xmlns:v="urn:schemas-microsoft-com:vml" xmlns:pvml="urn:schemas-microsoft-com:office:powerpoint" xmlns:com="http://schemas.openxmlformats.org/drawingml/2006/compatibility" xmlns:p14="http://schemas.microsoft.com/office/powerpoint/2010/main" xmlns:p15="http://schemas.microsoft.com/office/powerpoint/2012/main" xmlns:ahyp="http://schemas.microsoft.com/office/drawing/2018/hyperlinkcolor" matchingName="Big number">
+<p:sldLayout xmlns:a="http://schemas.openxmlformats.org/drawingml/2006/main" xmlns:r="http://schemas.openxmlformats.org/officeDocument/2006/relationships" xmlns:p="http://schemas.openxmlformats.org/presentationml/2006/main" matchingName="Big number">
   <p:cSld name="BIG_NUMBER">
     <p:bg>
       <p:bgPr>
         <a:solidFill>
           <a:schemeClr val="dk1"/>
         </a:solidFill>
+        <a:effectLst/>
       </p:bgPr>
     </p:bg>
     <p:spTree>
       <p:nvGrpSpPr>
-        <p:cNvPr id="73" name="Shape 73"/>
+        <p:cNvPr id="1" name="Shape 73"/>
         <p:cNvGrpSpPr/>
         <p:nvPr/>
       </p:nvGrpSpPr>
@@ -3891,12 +4046,12 @@
             </a:ln>
           </p:spPr>
           <p:txBody>
-            <a:bodyPr anchorCtr="0" anchor="ctr" bIns="91425" lIns="91425" spcFirstLastPara="1" rIns="91425" wrap="square" tIns="91425">
+            <a:bodyPr spcFirstLastPara="1" wrap="square" lIns="91425" tIns="91425" rIns="91425" bIns="91425" anchor="ctr" anchorCtr="0">
               <a:noAutofit/>
             </a:bodyPr>
             <a:lstStyle/>
             <a:p>
-              <a:pPr indent="0" lvl="0" marL="0" rtl="0" algn="l">
+              <a:pPr marL="0" lvl="0" indent="0" algn="l" rtl="0">
                 <a:spcBef>
                   <a:spcPts val="0"/>
                 </a:spcBef>
@@ -3905,9 +4060,6 @@
                 </a:spcAft>
                 <a:buNone/>
               </a:pPr>
-              <a:r>
-                <a:t/>
-              </a:r>
               <a:endParaRPr/>
             </a:p>
           </p:txBody>
@@ -3934,12 +4086,12 @@
             </a:ln>
           </p:spPr>
           <p:txBody>
-            <a:bodyPr anchorCtr="0" anchor="ctr" bIns="91425" lIns="91425" spcFirstLastPara="1" rIns="91425" wrap="square" tIns="91425">
+            <a:bodyPr spcFirstLastPara="1" wrap="square" lIns="91425" tIns="91425" rIns="91425" bIns="91425" anchor="ctr" anchorCtr="0">
               <a:noAutofit/>
             </a:bodyPr>
             <a:lstStyle/>
             <a:p>
-              <a:pPr indent="0" lvl="0" marL="0" rtl="0" algn="l">
+              <a:pPr marL="0" lvl="0" indent="0" algn="l" rtl="0">
                 <a:spcBef>
                   <a:spcPts val="0"/>
                 </a:spcBef>
@@ -3948,9 +4100,6 @@
                 </a:spcAft>
                 <a:buNone/>
               </a:pPr>
-              <a:r>
-                <a:t/>
-              </a:r>
               <a:endParaRPr/>
             </a:p>
           </p:txBody>
@@ -3959,9 +4108,11 @@
       <p:sp>
         <p:nvSpPr>
           <p:cNvPr id="77" name="Google Shape;77;p11"/>
-          <p:cNvSpPr txBox="1"/>
+          <p:cNvSpPr txBox="1">
+            <a:spLocks noGrp="1"/>
+          </p:cNvSpPr>
           <p:nvPr>
-            <p:ph hasCustomPrompt="1" type="title"/>
+            <p:ph type="title" hasCustomPrompt="1"/>
           </p:nvPr>
         </p:nvSpPr>
         <p:spPr>
@@ -3974,7 +4125,7 @@
           </a:prstGeom>
         </p:spPr>
         <p:txBody>
-          <a:bodyPr anchorCtr="0" anchor="t" bIns="91425" lIns="91425" spcFirstLastPara="1" rIns="91425" wrap="square" tIns="91425">
+          <a:bodyPr spcFirstLastPara="1" wrap="square" lIns="91425" tIns="91425" rIns="91425" bIns="91425" anchor="t" anchorCtr="0">
             <a:normAutofit/>
           </a:bodyPr>
           <a:lstStyle>
@@ -4151,9 +4302,11 @@
       <p:sp>
         <p:nvSpPr>
           <p:cNvPr id="78" name="Google Shape;78;p11"/>
-          <p:cNvSpPr txBox="1"/>
+          <p:cNvSpPr txBox="1">
+            <a:spLocks noGrp="1"/>
+          </p:cNvSpPr>
           <p:nvPr>
-            <p:ph idx="1" type="body"/>
+            <p:ph type="body" idx="1"/>
           </p:nvPr>
         </p:nvSpPr>
         <p:spPr>
@@ -4166,11 +4319,11 @@
           </a:prstGeom>
         </p:spPr>
         <p:txBody>
-          <a:bodyPr anchorCtr="0" anchor="t" bIns="91425" lIns="91425" spcFirstLastPara="1" rIns="91425" wrap="square" tIns="91425">
+          <a:bodyPr spcFirstLastPara="1" wrap="square" lIns="91425" tIns="91425" rIns="91425" bIns="91425" anchor="t" anchorCtr="0">
             <a:normAutofit/>
           </a:bodyPr>
           <a:lstStyle>
-            <a:lvl1pPr indent="-311150" lvl="0" marL="457200">
+            <a:lvl1pPr marL="457200" lvl="0" indent="-311150">
               <a:spcBef>
                 <a:spcPts val="0"/>
               </a:spcBef>
@@ -4188,7 +4341,7 @@
                 </a:solidFill>
               </a:defRPr>
             </a:lvl1pPr>
-            <a:lvl2pPr indent="-298450" lvl="1" marL="914400">
+            <a:lvl2pPr marL="914400" lvl="1" indent="-298450">
               <a:spcBef>
                 <a:spcPts val="0"/>
               </a:spcBef>
@@ -4206,7 +4359,7 @@
                 </a:solidFill>
               </a:defRPr>
             </a:lvl2pPr>
-            <a:lvl3pPr indent="-298450" lvl="2" marL="1371600">
+            <a:lvl3pPr marL="1371600" lvl="2" indent="-298450">
               <a:spcBef>
                 <a:spcPts val="0"/>
               </a:spcBef>
@@ -4224,7 +4377,7 @@
                 </a:solidFill>
               </a:defRPr>
             </a:lvl3pPr>
-            <a:lvl4pPr indent="-298450" lvl="3" marL="1828800">
+            <a:lvl4pPr marL="1828800" lvl="3" indent="-298450">
               <a:spcBef>
                 <a:spcPts val="0"/>
               </a:spcBef>
@@ -4242,7 +4395,7 @@
                 </a:solidFill>
               </a:defRPr>
             </a:lvl4pPr>
-            <a:lvl5pPr indent="-298450" lvl="4" marL="2286000">
+            <a:lvl5pPr marL="2286000" lvl="4" indent="-298450">
               <a:spcBef>
                 <a:spcPts val="0"/>
               </a:spcBef>
@@ -4260,7 +4413,7 @@
                 </a:solidFill>
               </a:defRPr>
             </a:lvl5pPr>
-            <a:lvl6pPr indent="-298450" lvl="5" marL="2743200">
+            <a:lvl6pPr marL="2743200" lvl="5" indent="-298450">
               <a:spcBef>
                 <a:spcPts val="0"/>
               </a:spcBef>
@@ -4278,7 +4431,7 @@
                 </a:solidFill>
               </a:defRPr>
             </a:lvl6pPr>
-            <a:lvl7pPr indent="-298450" lvl="6" marL="3200400">
+            <a:lvl7pPr marL="3200400" lvl="6" indent="-298450">
               <a:spcBef>
                 <a:spcPts val="0"/>
               </a:spcBef>
@@ -4296,7 +4449,7 @@
                 </a:solidFill>
               </a:defRPr>
             </a:lvl7pPr>
-            <a:lvl8pPr indent="-298450" lvl="7" marL="3657600">
+            <a:lvl8pPr marL="3657600" lvl="7" indent="-298450">
               <a:spcBef>
                 <a:spcPts val="0"/>
               </a:spcBef>
@@ -4314,7 +4467,7 @@
                 </a:solidFill>
               </a:defRPr>
             </a:lvl8pPr>
-            <a:lvl9pPr indent="-298450" lvl="8" marL="4114800">
+            <a:lvl9pPr marL="4114800" lvl="8" indent="-298450">
               <a:spcBef>
                 <a:spcPts val="0"/>
               </a:spcBef>
@@ -4333,15 +4486,19 @@
               </a:defRPr>
             </a:lvl9pPr>
           </a:lstStyle>
-          <a:p/>
+          <a:p>
+            <a:endParaRPr/>
+          </a:p>
         </p:txBody>
       </p:sp>
       <p:sp>
         <p:nvSpPr>
           <p:cNvPr id="79" name="Google Shape;79;p11"/>
-          <p:cNvSpPr txBox="1"/>
+          <p:cNvSpPr txBox="1">
+            <a:spLocks noGrp="1"/>
+          </p:cNvSpPr>
           <p:nvPr>
-            <p:ph idx="12" type="sldNum"/>
+            <p:ph type="sldNum" idx="12"/>
           </p:nvPr>
         </p:nvSpPr>
         <p:spPr>
@@ -4354,7 +4511,7 @@
           </a:prstGeom>
         </p:spPr>
         <p:txBody>
-          <a:bodyPr anchorCtr="0" anchor="ctr" bIns="91425" lIns="91425" spcFirstLastPara="1" rIns="91425" wrap="square" tIns="91425">
+          <a:bodyPr spcFirstLastPara="1" wrap="square" lIns="91425" tIns="91425" rIns="91425" bIns="91425" anchor="ctr" anchorCtr="0">
             <a:normAutofit/>
           </a:bodyPr>
           <a:lstStyle>
@@ -4432,7 +4589,7 @@
             </a:lvl9pPr>
           </a:lstStyle>
           <a:p>
-            <a:pPr indent="0" lvl="0" marL="0" rtl="0" algn="r">
+            <a:pPr marL="0" lvl="0" indent="0" algn="r" rtl="0">
               <a:spcBef>
                 <a:spcPts val="0"/>
               </a:spcBef>
@@ -4458,11 +4615,11 @@
 </file>
 
 <file path=ppt/slideLayouts/slideLayout11.xml><?xml version="1.0" encoding="utf-8"?>
-<p:sldLayout xmlns:a="http://schemas.openxmlformats.org/drawingml/2006/main" xmlns:r="http://schemas.openxmlformats.org/officeDocument/2006/relationships" xmlns:mc="http://schemas.openxmlformats.org/markup-compatibility/2006" xmlns:mv="urn:schemas-microsoft-com:mac:vml" xmlns:p="http://schemas.openxmlformats.org/presentationml/2006/main" xmlns:c="http://schemas.openxmlformats.org/drawingml/2006/chart" xmlns:dgm="http://schemas.openxmlformats.org/drawingml/2006/diagram" xmlns:o="urn:schemas-microsoft-com:office:office" xmlns:v="urn:schemas-microsoft-com:vml" xmlns:pvml="urn:schemas-microsoft-com:office:powerpoint" xmlns:com="http://schemas.openxmlformats.org/drawingml/2006/compatibility" xmlns:p14="http://schemas.microsoft.com/office/powerpoint/2010/main" xmlns:p15="http://schemas.microsoft.com/office/powerpoint/2012/main" xmlns:ahyp="http://schemas.microsoft.com/office/drawing/2018/hyperlinkcolor" matchingName="Blank" type="blank">
+<p:sldLayout xmlns:a="http://schemas.openxmlformats.org/drawingml/2006/main" xmlns:r="http://schemas.openxmlformats.org/officeDocument/2006/relationships" xmlns:p="http://schemas.openxmlformats.org/presentationml/2006/main" matchingName="Blank" type="blank">
   <p:cSld name="BLANK">
     <p:spTree>
       <p:nvGrpSpPr>
-        <p:cNvPr id="80" name="Shape 80"/>
+        <p:cNvPr id="1" name="Shape 80"/>
         <p:cNvGrpSpPr/>
         <p:nvPr/>
       </p:nvGrpSpPr>
@@ -4477,9 +4634,11 @@
       <p:sp>
         <p:nvSpPr>
           <p:cNvPr id="81" name="Google Shape;81;p12"/>
-          <p:cNvSpPr txBox="1"/>
+          <p:cNvSpPr txBox="1">
+            <a:spLocks noGrp="1"/>
+          </p:cNvSpPr>
           <p:nvPr>
-            <p:ph idx="12" type="sldNum"/>
+            <p:ph type="sldNum" idx="12"/>
           </p:nvPr>
         </p:nvSpPr>
         <p:spPr>
@@ -4492,7 +4651,7 @@
           </a:prstGeom>
         </p:spPr>
         <p:txBody>
-          <a:bodyPr anchorCtr="0" anchor="ctr" bIns="91425" lIns="91425" spcFirstLastPara="1" rIns="91425" wrap="square" tIns="91425">
+          <a:bodyPr spcFirstLastPara="1" wrap="square" lIns="91425" tIns="91425" rIns="91425" bIns="91425" anchor="ctr" anchorCtr="0">
             <a:normAutofit/>
           </a:bodyPr>
           <a:lstStyle>
@@ -4534,7 +4693,7 @@
             </a:lvl9pPr>
           </a:lstStyle>
           <a:p>
-            <a:pPr indent="0" lvl="0" marL="0" rtl="0" algn="r">
+            <a:pPr marL="0" lvl="0" indent="0" algn="r" rtl="0">
               <a:spcBef>
                 <a:spcPts val="0"/>
               </a:spcBef>
@@ -4560,18 +4719,19 @@
 </file>
 
 <file path=ppt/slideLayouts/slideLayout2.xml><?xml version="1.0" encoding="utf-8"?>
-<p:sldLayout xmlns:a="http://schemas.openxmlformats.org/drawingml/2006/main" xmlns:r="http://schemas.openxmlformats.org/officeDocument/2006/relationships" xmlns:mc="http://schemas.openxmlformats.org/markup-compatibility/2006" xmlns:mv="urn:schemas-microsoft-com:mac:vml" xmlns:p="http://schemas.openxmlformats.org/presentationml/2006/main" xmlns:c="http://schemas.openxmlformats.org/drawingml/2006/chart" xmlns:dgm="http://schemas.openxmlformats.org/drawingml/2006/diagram" xmlns:o="urn:schemas-microsoft-com:office:office" xmlns:v="urn:schemas-microsoft-com:vml" xmlns:pvml="urn:schemas-microsoft-com:office:powerpoint" xmlns:com="http://schemas.openxmlformats.org/drawingml/2006/compatibility" xmlns:p14="http://schemas.microsoft.com/office/powerpoint/2010/main" xmlns:p15="http://schemas.microsoft.com/office/powerpoint/2012/main" xmlns:ahyp="http://schemas.microsoft.com/office/drawing/2018/hyperlinkcolor" matchingName="Section header" type="secHead">
+<p:sldLayout xmlns:a="http://schemas.openxmlformats.org/drawingml/2006/main" xmlns:r="http://schemas.openxmlformats.org/officeDocument/2006/relationships" xmlns:p="http://schemas.openxmlformats.org/presentationml/2006/main" matchingName="Section header" type="secHead">
   <p:cSld name="SECTION_HEADER">
     <p:bg>
       <p:bgPr>
         <a:solidFill>
           <a:schemeClr val="dk1"/>
         </a:solidFill>
+        <a:effectLst/>
       </p:bgPr>
     </p:bg>
     <p:spTree>
       <p:nvGrpSpPr>
-        <p:cNvPr id="17" name="Shape 17"/>
+        <p:cNvPr id="1" name="Shape 17"/>
         <p:cNvGrpSpPr/>
         <p:nvPr/>
       </p:nvGrpSpPr>
@@ -4619,12 +4779,12 @@
             </a:ln>
           </p:spPr>
           <p:txBody>
-            <a:bodyPr anchorCtr="0" anchor="ctr" bIns="91425" lIns="91425" spcFirstLastPara="1" rIns="91425" wrap="square" tIns="91425">
+            <a:bodyPr spcFirstLastPara="1" wrap="square" lIns="91425" tIns="91425" rIns="91425" bIns="91425" anchor="ctr" anchorCtr="0">
               <a:noAutofit/>
             </a:bodyPr>
             <a:lstStyle/>
             <a:p>
-              <a:pPr indent="0" lvl="0" marL="0" rtl="0" algn="l">
+              <a:pPr marL="0" lvl="0" indent="0" algn="l" rtl="0">
                 <a:spcBef>
                   <a:spcPts val="0"/>
                 </a:spcBef>
@@ -4633,9 +4793,6 @@
                 </a:spcAft>
                 <a:buNone/>
               </a:pPr>
-              <a:r>
-                <a:t/>
-              </a:r>
               <a:endParaRPr/>
             </a:p>
           </p:txBody>
@@ -4662,12 +4819,12 @@
             </a:ln>
           </p:spPr>
           <p:txBody>
-            <a:bodyPr anchorCtr="0" anchor="ctr" bIns="91425" lIns="91425" spcFirstLastPara="1" rIns="91425" wrap="square" tIns="91425">
+            <a:bodyPr spcFirstLastPara="1" wrap="square" lIns="91425" tIns="91425" rIns="91425" bIns="91425" anchor="ctr" anchorCtr="0">
               <a:noAutofit/>
             </a:bodyPr>
             <a:lstStyle/>
             <a:p>
-              <a:pPr indent="0" lvl="0" marL="0" rtl="0" algn="l">
+              <a:pPr marL="0" lvl="0" indent="0" algn="l" rtl="0">
                 <a:spcBef>
                   <a:spcPts val="0"/>
                 </a:spcBef>
@@ -4676,9 +4833,6 @@
                 </a:spcAft>
                 <a:buNone/>
               </a:pPr>
-              <a:r>
-                <a:t/>
-              </a:r>
               <a:endParaRPr/>
             </a:p>
           </p:txBody>
@@ -4687,7 +4841,9 @@
       <p:sp>
         <p:nvSpPr>
           <p:cNvPr id="21" name="Google Shape;21;p3"/>
-          <p:cNvSpPr txBox="1"/>
+          <p:cNvSpPr txBox="1">
+            <a:spLocks noGrp="1"/>
+          </p:cNvSpPr>
           <p:nvPr>
             <p:ph type="title"/>
           </p:nvPr>
@@ -4702,7 +4858,7 @@
           </a:prstGeom>
         </p:spPr>
         <p:txBody>
-          <a:bodyPr anchorCtr="0" anchor="t" bIns="91425" lIns="91425" spcFirstLastPara="1" rIns="91425" wrap="square" tIns="91425">
+          <a:bodyPr spcFirstLastPara="1" wrap="square" lIns="91425" tIns="91425" rIns="91425" bIns="91425" anchor="t" anchorCtr="0">
             <a:normAutofit/>
           </a:bodyPr>
           <a:lstStyle>
@@ -4869,15 +5025,19 @@
               </a:defRPr>
             </a:lvl9pPr>
           </a:lstStyle>
-          <a:p/>
+          <a:p>
+            <a:endParaRPr/>
+          </a:p>
         </p:txBody>
       </p:sp>
       <p:sp>
         <p:nvSpPr>
           <p:cNvPr id="22" name="Google Shape;22;p3"/>
-          <p:cNvSpPr txBox="1"/>
+          <p:cNvSpPr txBox="1">
+            <a:spLocks noGrp="1"/>
+          </p:cNvSpPr>
           <p:nvPr>
-            <p:ph idx="12" type="sldNum"/>
+            <p:ph type="sldNum" idx="12"/>
           </p:nvPr>
         </p:nvSpPr>
         <p:spPr>
@@ -4890,7 +5050,7 @@
           </a:prstGeom>
         </p:spPr>
         <p:txBody>
-          <a:bodyPr anchorCtr="0" anchor="ctr" bIns="91425" lIns="91425" spcFirstLastPara="1" rIns="91425" wrap="square" tIns="91425">
+          <a:bodyPr spcFirstLastPara="1" wrap="square" lIns="91425" tIns="91425" rIns="91425" bIns="91425" anchor="ctr" anchorCtr="0">
             <a:normAutofit/>
           </a:bodyPr>
           <a:lstStyle>
@@ -4968,7 +5128,7 @@
             </a:lvl9pPr>
           </a:lstStyle>
           <a:p>
-            <a:pPr indent="0" lvl="0" marL="0" rtl="0" algn="r">
+            <a:pPr marL="0" lvl="0" indent="0" algn="r" rtl="0">
               <a:spcBef>
                 <a:spcPts val="0"/>
               </a:spcBef>
@@ -4994,11 +5154,11 @@
 </file>
 
 <file path=ppt/slideLayouts/slideLayout3.xml><?xml version="1.0" encoding="utf-8"?>
-<p:sldLayout xmlns:a="http://schemas.openxmlformats.org/drawingml/2006/main" xmlns:r="http://schemas.openxmlformats.org/officeDocument/2006/relationships" xmlns:mc="http://schemas.openxmlformats.org/markup-compatibility/2006" xmlns:mv="urn:schemas-microsoft-com:mac:vml" xmlns:p="http://schemas.openxmlformats.org/presentationml/2006/main" xmlns:c="http://schemas.openxmlformats.org/drawingml/2006/chart" xmlns:dgm="http://schemas.openxmlformats.org/drawingml/2006/diagram" xmlns:o="urn:schemas-microsoft-com:office:office" xmlns:v="urn:schemas-microsoft-com:vml" xmlns:pvml="urn:schemas-microsoft-com:office:powerpoint" xmlns:com="http://schemas.openxmlformats.org/drawingml/2006/compatibility" xmlns:p14="http://schemas.microsoft.com/office/powerpoint/2010/main" xmlns:p15="http://schemas.microsoft.com/office/powerpoint/2012/main" xmlns:ahyp="http://schemas.microsoft.com/office/drawing/2018/hyperlinkcolor" matchingName="Title and body" type="tx">
+<p:sldLayout xmlns:a="http://schemas.openxmlformats.org/drawingml/2006/main" xmlns:r="http://schemas.openxmlformats.org/officeDocument/2006/relationships" xmlns:p="http://schemas.openxmlformats.org/presentationml/2006/main" matchingName="Title and body" type="tx">
   <p:cSld name="TITLE_AND_BODY">
     <p:spTree>
       <p:nvGrpSpPr>
-        <p:cNvPr id="23" name="Shape 23"/>
+        <p:cNvPr id="1" name="Shape 23"/>
         <p:cNvGrpSpPr/>
         <p:nvPr/>
       </p:nvGrpSpPr>
@@ -5032,12 +5192,12 @@
           </a:ln>
         </p:spPr>
         <p:txBody>
-          <a:bodyPr anchorCtr="0" anchor="ctr" bIns="91425" lIns="91425" spcFirstLastPara="1" rIns="91425" wrap="square" tIns="91425">
+          <a:bodyPr spcFirstLastPara="1" wrap="square" lIns="91425" tIns="91425" rIns="91425" bIns="91425" anchor="ctr" anchorCtr="0">
             <a:noAutofit/>
           </a:bodyPr>
           <a:lstStyle/>
           <a:p>
-            <a:pPr indent="0" lvl="0" marL="0" rtl="0" algn="l">
+            <a:pPr marL="0" lvl="0" indent="0" algn="l" rtl="0">
               <a:spcBef>
                 <a:spcPts val="0"/>
               </a:spcBef>
@@ -5046,9 +5206,6 @@
               </a:spcAft>
               <a:buNone/>
             </a:pPr>
-            <a:r>
-              <a:t/>
-            </a:r>
             <a:endParaRPr/>
           </a:p>
         </p:txBody>
@@ -5089,12 +5246,12 @@
             </a:ln>
           </p:spPr>
           <p:txBody>
-            <a:bodyPr anchorCtr="0" anchor="ctr" bIns="91425" lIns="91425" spcFirstLastPara="1" rIns="91425" wrap="square" tIns="91425">
+            <a:bodyPr spcFirstLastPara="1" wrap="square" lIns="91425" tIns="91425" rIns="91425" bIns="91425" anchor="ctr" anchorCtr="0">
               <a:noAutofit/>
             </a:bodyPr>
             <a:lstStyle/>
             <a:p>
-              <a:pPr indent="0" lvl="0" marL="0" rtl="0" algn="l">
+              <a:pPr marL="0" lvl="0" indent="0" algn="l" rtl="0">
                 <a:spcBef>
                   <a:spcPts val="0"/>
                 </a:spcBef>
@@ -5103,9 +5260,6 @@
                 </a:spcAft>
                 <a:buNone/>
               </a:pPr>
-              <a:r>
-                <a:t/>
-              </a:r>
               <a:endParaRPr/>
             </a:p>
           </p:txBody>
@@ -5132,12 +5286,12 @@
             </a:ln>
           </p:spPr>
           <p:txBody>
-            <a:bodyPr anchorCtr="0" anchor="ctr" bIns="91425" lIns="91425" spcFirstLastPara="1" rIns="91425" wrap="square" tIns="91425">
+            <a:bodyPr spcFirstLastPara="1" wrap="square" lIns="91425" tIns="91425" rIns="91425" bIns="91425" anchor="ctr" anchorCtr="0">
               <a:noAutofit/>
             </a:bodyPr>
             <a:lstStyle/>
             <a:p>
-              <a:pPr indent="0" lvl="0" marL="0" rtl="0" algn="l">
+              <a:pPr marL="0" lvl="0" indent="0" algn="l" rtl="0">
                 <a:spcBef>
                   <a:spcPts val="0"/>
                 </a:spcBef>
@@ -5146,9 +5300,6 @@
                 </a:spcAft>
                 <a:buNone/>
               </a:pPr>
-              <a:r>
-                <a:t/>
-              </a:r>
               <a:endParaRPr/>
             </a:p>
           </p:txBody>
@@ -5157,7 +5308,9 @@
       <p:sp>
         <p:nvSpPr>
           <p:cNvPr id="28" name="Google Shape;28;p4"/>
-          <p:cNvSpPr txBox="1"/>
+          <p:cNvSpPr txBox="1">
+            <a:spLocks noGrp="1"/>
+          </p:cNvSpPr>
           <p:nvPr>
             <p:ph type="title"/>
           </p:nvPr>
@@ -5172,7 +5325,7 @@
           </a:prstGeom>
         </p:spPr>
         <p:txBody>
-          <a:bodyPr anchorCtr="0" anchor="t" bIns="91425" lIns="91425" spcFirstLastPara="1" rIns="91425" wrap="square" tIns="91425">
+          <a:bodyPr spcFirstLastPara="1" wrap="square" lIns="91425" tIns="91425" rIns="91425" bIns="91425" anchor="t" anchorCtr="0">
             <a:normAutofit/>
           </a:bodyPr>
           <a:lstStyle>
@@ -5276,15 +5429,19 @@
               <a:defRPr sz="2600"/>
             </a:lvl9pPr>
           </a:lstStyle>
-          <a:p/>
+          <a:p>
+            <a:endParaRPr/>
+          </a:p>
         </p:txBody>
       </p:sp>
       <p:sp>
         <p:nvSpPr>
           <p:cNvPr id="29" name="Google Shape;29;p4"/>
-          <p:cNvSpPr txBox="1"/>
+          <p:cNvSpPr txBox="1">
+            <a:spLocks noGrp="1"/>
+          </p:cNvSpPr>
           <p:nvPr>
-            <p:ph idx="1" type="body"/>
+            <p:ph type="body" idx="1"/>
           </p:nvPr>
         </p:nvSpPr>
         <p:spPr>
@@ -5297,11 +5454,11 @@
           </a:prstGeom>
         </p:spPr>
         <p:txBody>
-          <a:bodyPr anchorCtr="0" anchor="t" bIns="91425" lIns="91425" spcFirstLastPara="1" rIns="91425" wrap="square" tIns="91425">
+          <a:bodyPr spcFirstLastPara="1" wrap="square" lIns="91425" tIns="91425" rIns="91425" bIns="91425" anchor="t" anchorCtr="0">
             <a:normAutofit/>
           </a:bodyPr>
           <a:lstStyle>
-            <a:lvl1pPr indent="-311150" lvl="0" marL="457200">
+            <a:lvl1pPr marL="457200" lvl="0" indent="-311150">
               <a:spcBef>
                 <a:spcPts val="0"/>
               </a:spcBef>
@@ -5312,7 +5469,7 @@
               <a:buChar char="●"/>
               <a:defRPr/>
             </a:lvl1pPr>
-            <a:lvl2pPr indent="-298450" lvl="1" marL="914400">
+            <a:lvl2pPr marL="914400" lvl="1" indent="-298450">
               <a:spcBef>
                 <a:spcPts val="0"/>
               </a:spcBef>
@@ -5323,7 +5480,7 @@
               <a:buChar char="○"/>
               <a:defRPr/>
             </a:lvl2pPr>
-            <a:lvl3pPr indent="-298450" lvl="2" marL="1371600">
+            <a:lvl3pPr marL="1371600" lvl="2" indent="-298450">
               <a:spcBef>
                 <a:spcPts val="0"/>
               </a:spcBef>
@@ -5334,7 +5491,7 @@
               <a:buChar char="■"/>
               <a:defRPr/>
             </a:lvl3pPr>
-            <a:lvl4pPr indent="-298450" lvl="3" marL="1828800">
+            <a:lvl4pPr marL="1828800" lvl="3" indent="-298450">
               <a:spcBef>
                 <a:spcPts val="0"/>
               </a:spcBef>
@@ -5345,7 +5502,7 @@
               <a:buChar char="●"/>
               <a:defRPr/>
             </a:lvl4pPr>
-            <a:lvl5pPr indent="-298450" lvl="4" marL="2286000">
+            <a:lvl5pPr marL="2286000" lvl="4" indent="-298450">
               <a:spcBef>
                 <a:spcPts val="0"/>
               </a:spcBef>
@@ -5356,7 +5513,7 @@
               <a:buChar char="○"/>
               <a:defRPr/>
             </a:lvl5pPr>
-            <a:lvl6pPr indent="-298450" lvl="5" marL="2743200">
+            <a:lvl6pPr marL="2743200" lvl="5" indent="-298450">
               <a:spcBef>
                 <a:spcPts val="0"/>
               </a:spcBef>
@@ -5367,7 +5524,7 @@
               <a:buChar char="■"/>
               <a:defRPr/>
             </a:lvl6pPr>
-            <a:lvl7pPr indent="-298450" lvl="6" marL="3200400">
+            <a:lvl7pPr marL="3200400" lvl="6" indent="-298450">
               <a:spcBef>
                 <a:spcPts val="0"/>
               </a:spcBef>
@@ -5378,7 +5535,7 @@
               <a:buChar char="●"/>
               <a:defRPr/>
             </a:lvl7pPr>
-            <a:lvl8pPr indent="-298450" lvl="7" marL="3657600">
+            <a:lvl8pPr marL="3657600" lvl="7" indent="-298450">
               <a:spcBef>
                 <a:spcPts val="0"/>
               </a:spcBef>
@@ -5389,7 +5546,7 @@
               <a:buChar char="○"/>
               <a:defRPr/>
             </a:lvl8pPr>
-            <a:lvl9pPr indent="-298450" lvl="8" marL="4114800">
+            <a:lvl9pPr marL="4114800" lvl="8" indent="-298450">
               <a:spcBef>
                 <a:spcPts val="0"/>
               </a:spcBef>
@@ -5401,15 +5558,19 @@
               <a:defRPr/>
             </a:lvl9pPr>
           </a:lstStyle>
-          <a:p/>
+          <a:p>
+            <a:endParaRPr/>
+          </a:p>
         </p:txBody>
       </p:sp>
       <p:sp>
         <p:nvSpPr>
           <p:cNvPr id="30" name="Google Shape;30;p4"/>
-          <p:cNvSpPr txBox="1"/>
+          <p:cNvSpPr txBox="1">
+            <a:spLocks noGrp="1"/>
+          </p:cNvSpPr>
           <p:nvPr>
-            <p:ph idx="12" type="sldNum"/>
+            <p:ph type="sldNum" idx="12"/>
           </p:nvPr>
         </p:nvSpPr>
         <p:spPr>
@@ -5422,7 +5583,7 @@
           </a:prstGeom>
         </p:spPr>
         <p:txBody>
-          <a:bodyPr anchorCtr="0" anchor="ctr" bIns="91425" lIns="91425" spcFirstLastPara="1" rIns="91425" wrap="square" tIns="91425">
+          <a:bodyPr spcFirstLastPara="1" wrap="square" lIns="91425" tIns="91425" rIns="91425" bIns="91425" anchor="ctr" anchorCtr="0">
             <a:normAutofit/>
           </a:bodyPr>
           <a:lstStyle>
@@ -5464,7 +5625,7 @@
             </a:lvl9pPr>
           </a:lstStyle>
           <a:p>
-            <a:pPr indent="0" lvl="0" marL="0" rtl="0" algn="r">
+            <a:pPr marL="0" lvl="0" indent="0" algn="r" rtl="0">
               <a:spcBef>
                 <a:spcPts val="0"/>
               </a:spcBef>
@@ -5490,11 +5651,11 @@
 </file>
 
 <file path=ppt/slideLayouts/slideLayout4.xml><?xml version="1.0" encoding="utf-8"?>
-<p:sldLayout xmlns:a="http://schemas.openxmlformats.org/drawingml/2006/main" xmlns:r="http://schemas.openxmlformats.org/officeDocument/2006/relationships" xmlns:mc="http://schemas.openxmlformats.org/markup-compatibility/2006" xmlns:mv="urn:schemas-microsoft-com:mac:vml" xmlns:p="http://schemas.openxmlformats.org/presentationml/2006/main" xmlns:c="http://schemas.openxmlformats.org/drawingml/2006/chart" xmlns:dgm="http://schemas.openxmlformats.org/drawingml/2006/diagram" xmlns:o="urn:schemas-microsoft-com:office:office" xmlns:v="urn:schemas-microsoft-com:vml" xmlns:pvml="urn:schemas-microsoft-com:office:powerpoint" xmlns:com="http://schemas.openxmlformats.org/drawingml/2006/compatibility" xmlns:p14="http://schemas.microsoft.com/office/powerpoint/2010/main" xmlns:p15="http://schemas.microsoft.com/office/powerpoint/2012/main" xmlns:ahyp="http://schemas.microsoft.com/office/drawing/2018/hyperlinkcolor" matchingName="Title and two columns" type="twoColTx">
+<p:sldLayout xmlns:a="http://schemas.openxmlformats.org/drawingml/2006/main" xmlns:r="http://schemas.openxmlformats.org/officeDocument/2006/relationships" xmlns:p="http://schemas.openxmlformats.org/presentationml/2006/main" matchingName="Title and two columns" type="twoColTx">
   <p:cSld name="TITLE_AND_TWO_COLUMNS">
     <p:spTree>
       <p:nvGrpSpPr>
-        <p:cNvPr id="31" name="Shape 31"/>
+        <p:cNvPr id="1" name="Shape 31"/>
         <p:cNvGrpSpPr/>
         <p:nvPr/>
       </p:nvGrpSpPr>
@@ -5528,12 +5689,12 @@
           </a:ln>
         </p:spPr>
         <p:txBody>
-          <a:bodyPr anchorCtr="0" anchor="ctr" bIns="91425" lIns="91425" spcFirstLastPara="1" rIns="91425" wrap="square" tIns="91425">
+          <a:bodyPr spcFirstLastPara="1" wrap="square" lIns="91425" tIns="91425" rIns="91425" bIns="91425" anchor="ctr" anchorCtr="0">
             <a:noAutofit/>
           </a:bodyPr>
           <a:lstStyle/>
           <a:p>
-            <a:pPr indent="0" lvl="0" marL="0" rtl="0" algn="l">
+            <a:pPr marL="0" lvl="0" indent="0" algn="l" rtl="0">
               <a:spcBef>
                 <a:spcPts val="0"/>
               </a:spcBef>
@@ -5542,9 +5703,6 @@
               </a:spcAft>
               <a:buNone/>
             </a:pPr>
-            <a:r>
-              <a:t/>
-            </a:r>
             <a:endParaRPr/>
           </a:p>
         </p:txBody>
@@ -5585,12 +5743,12 @@
             </a:ln>
           </p:spPr>
           <p:txBody>
-            <a:bodyPr anchorCtr="0" anchor="ctr" bIns="91425" lIns="91425" spcFirstLastPara="1" rIns="91425" wrap="square" tIns="91425">
+            <a:bodyPr spcFirstLastPara="1" wrap="square" lIns="91425" tIns="91425" rIns="91425" bIns="91425" anchor="ctr" anchorCtr="0">
               <a:noAutofit/>
             </a:bodyPr>
             <a:lstStyle/>
             <a:p>
-              <a:pPr indent="0" lvl="0" marL="0" rtl="0" algn="l">
+              <a:pPr marL="0" lvl="0" indent="0" algn="l" rtl="0">
                 <a:spcBef>
                   <a:spcPts val="0"/>
                 </a:spcBef>
@@ -5599,9 +5757,6 @@
                 </a:spcAft>
                 <a:buNone/>
               </a:pPr>
-              <a:r>
-                <a:t/>
-              </a:r>
               <a:endParaRPr/>
             </a:p>
           </p:txBody>
@@ -5628,12 +5783,12 @@
             </a:ln>
           </p:spPr>
           <p:txBody>
-            <a:bodyPr anchorCtr="0" anchor="ctr" bIns="91425" lIns="91425" spcFirstLastPara="1" rIns="91425" wrap="square" tIns="91425">
+            <a:bodyPr spcFirstLastPara="1" wrap="square" lIns="91425" tIns="91425" rIns="91425" bIns="91425" anchor="ctr" anchorCtr="0">
               <a:noAutofit/>
             </a:bodyPr>
             <a:lstStyle/>
             <a:p>
-              <a:pPr indent="0" lvl="0" marL="0" rtl="0" algn="l">
+              <a:pPr marL="0" lvl="0" indent="0" algn="l" rtl="0">
                 <a:spcBef>
                   <a:spcPts val="0"/>
                 </a:spcBef>
@@ -5642,9 +5797,6 @@
                 </a:spcAft>
                 <a:buNone/>
               </a:pPr>
-              <a:r>
-                <a:t/>
-              </a:r>
               <a:endParaRPr/>
             </a:p>
           </p:txBody>
@@ -5653,7 +5805,9 @@
       <p:sp>
         <p:nvSpPr>
           <p:cNvPr id="36" name="Google Shape;36;p5"/>
-          <p:cNvSpPr txBox="1"/>
+          <p:cNvSpPr txBox="1">
+            <a:spLocks noGrp="1"/>
+          </p:cNvSpPr>
           <p:nvPr>
             <p:ph type="title"/>
           </p:nvPr>
@@ -5668,7 +5822,7 @@
           </a:prstGeom>
         </p:spPr>
         <p:txBody>
-          <a:bodyPr anchorCtr="0" anchor="t" bIns="91425" lIns="91425" spcFirstLastPara="1" rIns="91425" wrap="square" tIns="91425">
+          <a:bodyPr spcFirstLastPara="1" wrap="square" lIns="91425" tIns="91425" rIns="91425" bIns="91425" anchor="t" anchorCtr="0">
             <a:normAutofit/>
           </a:bodyPr>
           <a:lstStyle>
@@ -5772,15 +5926,19 @@
               <a:defRPr sz="2600"/>
             </a:lvl9pPr>
           </a:lstStyle>
-          <a:p/>
+          <a:p>
+            <a:endParaRPr/>
+          </a:p>
         </p:txBody>
       </p:sp>
       <p:sp>
         <p:nvSpPr>
           <p:cNvPr id="37" name="Google Shape;37;p5"/>
-          <p:cNvSpPr txBox="1"/>
+          <p:cNvSpPr txBox="1">
+            <a:spLocks noGrp="1"/>
+          </p:cNvSpPr>
           <p:nvPr>
-            <p:ph idx="1" type="body"/>
+            <p:ph type="body" idx="1"/>
           </p:nvPr>
         </p:nvSpPr>
         <p:spPr>
@@ -5793,11 +5951,11 @@
           </a:prstGeom>
         </p:spPr>
         <p:txBody>
-          <a:bodyPr anchorCtr="0" anchor="t" bIns="91425" lIns="91425" spcFirstLastPara="1" rIns="91425" wrap="square" tIns="91425">
+          <a:bodyPr spcFirstLastPara="1" wrap="square" lIns="91425" tIns="91425" rIns="91425" bIns="91425" anchor="t" anchorCtr="0">
             <a:normAutofit/>
           </a:bodyPr>
           <a:lstStyle>
-            <a:lvl1pPr indent="-311150" lvl="0" marL="457200">
+            <a:lvl1pPr marL="457200" lvl="0" indent="-311150">
               <a:spcBef>
                 <a:spcPts val="0"/>
               </a:spcBef>
@@ -5808,7 +5966,7 @@
               <a:buChar char="●"/>
               <a:defRPr/>
             </a:lvl1pPr>
-            <a:lvl2pPr indent="-298450" lvl="1" marL="914400">
+            <a:lvl2pPr marL="914400" lvl="1" indent="-298450">
               <a:spcBef>
                 <a:spcPts val="0"/>
               </a:spcBef>
@@ -5819,7 +5977,7 @@
               <a:buChar char="○"/>
               <a:defRPr/>
             </a:lvl2pPr>
-            <a:lvl3pPr indent="-298450" lvl="2" marL="1371600">
+            <a:lvl3pPr marL="1371600" lvl="2" indent="-298450">
               <a:spcBef>
                 <a:spcPts val="0"/>
               </a:spcBef>
@@ -5830,7 +5988,7 @@
               <a:buChar char="■"/>
               <a:defRPr/>
             </a:lvl3pPr>
-            <a:lvl4pPr indent="-298450" lvl="3" marL="1828800">
+            <a:lvl4pPr marL="1828800" lvl="3" indent="-298450">
               <a:spcBef>
                 <a:spcPts val="0"/>
               </a:spcBef>
@@ -5841,7 +5999,7 @@
               <a:buChar char="●"/>
               <a:defRPr/>
             </a:lvl4pPr>
-            <a:lvl5pPr indent="-298450" lvl="4" marL="2286000">
+            <a:lvl5pPr marL="2286000" lvl="4" indent="-298450">
               <a:spcBef>
                 <a:spcPts val="0"/>
               </a:spcBef>
@@ -5852,7 +6010,7 @@
               <a:buChar char="○"/>
               <a:defRPr/>
             </a:lvl5pPr>
-            <a:lvl6pPr indent="-298450" lvl="5" marL="2743200">
+            <a:lvl6pPr marL="2743200" lvl="5" indent="-298450">
               <a:spcBef>
                 <a:spcPts val="0"/>
               </a:spcBef>
@@ -5863,7 +6021,7 @@
               <a:buChar char="■"/>
               <a:defRPr/>
             </a:lvl6pPr>
-            <a:lvl7pPr indent="-298450" lvl="6" marL="3200400">
+            <a:lvl7pPr marL="3200400" lvl="6" indent="-298450">
               <a:spcBef>
                 <a:spcPts val="0"/>
               </a:spcBef>
@@ -5874,7 +6032,7 @@
               <a:buChar char="●"/>
               <a:defRPr/>
             </a:lvl7pPr>
-            <a:lvl8pPr indent="-298450" lvl="7" marL="3657600">
+            <a:lvl8pPr marL="3657600" lvl="7" indent="-298450">
               <a:spcBef>
                 <a:spcPts val="0"/>
               </a:spcBef>
@@ -5885,7 +6043,7 @@
               <a:buChar char="○"/>
               <a:defRPr/>
             </a:lvl8pPr>
-            <a:lvl9pPr indent="-298450" lvl="8" marL="4114800">
+            <a:lvl9pPr marL="4114800" lvl="8" indent="-298450">
               <a:spcBef>
                 <a:spcPts val="0"/>
               </a:spcBef>
@@ -5897,15 +6055,19 @@
               <a:defRPr/>
             </a:lvl9pPr>
           </a:lstStyle>
-          <a:p/>
+          <a:p>
+            <a:endParaRPr/>
+          </a:p>
         </p:txBody>
       </p:sp>
       <p:sp>
         <p:nvSpPr>
           <p:cNvPr id="38" name="Google Shape;38;p5"/>
-          <p:cNvSpPr txBox="1"/>
+          <p:cNvSpPr txBox="1">
+            <a:spLocks noGrp="1"/>
+          </p:cNvSpPr>
           <p:nvPr>
-            <p:ph idx="2" type="body"/>
+            <p:ph type="body" idx="2"/>
           </p:nvPr>
         </p:nvSpPr>
         <p:spPr>
@@ -5918,11 +6080,11 @@
           </a:prstGeom>
         </p:spPr>
         <p:txBody>
-          <a:bodyPr anchorCtr="0" anchor="t" bIns="91425" lIns="91425" spcFirstLastPara="1" rIns="91425" wrap="square" tIns="91425">
+          <a:bodyPr spcFirstLastPara="1" wrap="square" lIns="91425" tIns="91425" rIns="91425" bIns="91425" anchor="t" anchorCtr="0">
             <a:normAutofit/>
           </a:bodyPr>
           <a:lstStyle>
-            <a:lvl1pPr indent="-311150" lvl="0" marL="457200">
+            <a:lvl1pPr marL="457200" lvl="0" indent="-311150">
               <a:spcBef>
                 <a:spcPts val="0"/>
               </a:spcBef>
@@ -5933,7 +6095,7 @@
               <a:buChar char="●"/>
               <a:defRPr/>
             </a:lvl1pPr>
-            <a:lvl2pPr indent="-298450" lvl="1" marL="914400">
+            <a:lvl2pPr marL="914400" lvl="1" indent="-298450">
               <a:spcBef>
                 <a:spcPts val="0"/>
               </a:spcBef>
@@ -5944,7 +6106,7 @@
               <a:buChar char="○"/>
               <a:defRPr/>
             </a:lvl2pPr>
-            <a:lvl3pPr indent="-298450" lvl="2" marL="1371600">
+            <a:lvl3pPr marL="1371600" lvl="2" indent="-298450">
               <a:spcBef>
                 <a:spcPts val="0"/>
               </a:spcBef>
@@ -5955,7 +6117,7 @@
               <a:buChar char="■"/>
               <a:defRPr/>
             </a:lvl3pPr>
-            <a:lvl4pPr indent="-298450" lvl="3" marL="1828800">
+            <a:lvl4pPr marL="1828800" lvl="3" indent="-298450">
               <a:spcBef>
                 <a:spcPts val="0"/>
               </a:spcBef>
@@ -5966,7 +6128,7 @@
               <a:buChar char="●"/>
               <a:defRPr/>
             </a:lvl4pPr>
-            <a:lvl5pPr indent="-298450" lvl="4" marL="2286000">
+            <a:lvl5pPr marL="2286000" lvl="4" indent="-298450">
               <a:spcBef>
                 <a:spcPts val="0"/>
               </a:spcBef>
@@ -5977,7 +6139,7 @@
               <a:buChar char="○"/>
               <a:defRPr/>
             </a:lvl5pPr>
-            <a:lvl6pPr indent="-298450" lvl="5" marL="2743200">
+            <a:lvl6pPr marL="2743200" lvl="5" indent="-298450">
               <a:spcBef>
                 <a:spcPts val="0"/>
               </a:spcBef>
@@ -5988,7 +6150,7 @@
               <a:buChar char="■"/>
               <a:defRPr/>
             </a:lvl6pPr>
-            <a:lvl7pPr indent="-298450" lvl="6" marL="3200400">
+            <a:lvl7pPr marL="3200400" lvl="6" indent="-298450">
               <a:spcBef>
                 <a:spcPts val="0"/>
               </a:spcBef>
@@ -5999,7 +6161,7 @@
               <a:buChar char="●"/>
               <a:defRPr/>
             </a:lvl7pPr>
-            <a:lvl8pPr indent="-298450" lvl="7" marL="3657600">
+            <a:lvl8pPr marL="3657600" lvl="7" indent="-298450">
               <a:spcBef>
                 <a:spcPts val="0"/>
               </a:spcBef>
@@ -6010,7 +6172,7 @@
               <a:buChar char="○"/>
               <a:defRPr/>
             </a:lvl8pPr>
-            <a:lvl9pPr indent="-298450" lvl="8" marL="4114800">
+            <a:lvl9pPr marL="4114800" lvl="8" indent="-298450">
               <a:spcBef>
                 <a:spcPts val="0"/>
               </a:spcBef>
@@ -6022,15 +6184,19 @@
               <a:defRPr/>
             </a:lvl9pPr>
           </a:lstStyle>
-          <a:p/>
+          <a:p>
+            <a:endParaRPr/>
+          </a:p>
         </p:txBody>
       </p:sp>
       <p:sp>
         <p:nvSpPr>
           <p:cNvPr id="39" name="Google Shape;39;p5"/>
-          <p:cNvSpPr txBox="1"/>
+          <p:cNvSpPr txBox="1">
+            <a:spLocks noGrp="1"/>
+          </p:cNvSpPr>
           <p:nvPr>
-            <p:ph idx="12" type="sldNum"/>
+            <p:ph type="sldNum" idx="12"/>
           </p:nvPr>
         </p:nvSpPr>
         <p:spPr>
@@ -6043,7 +6209,7 @@
           </a:prstGeom>
         </p:spPr>
         <p:txBody>
-          <a:bodyPr anchorCtr="0" anchor="ctr" bIns="91425" lIns="91425" spcFirstLastPara="1" rIns="91425" wrap="square" tIns="91425">
+          <a:bodyPr spcFirstLastPara="1" wrap="square" lIns="91425" tIns="91425" rIns="91425" bIns="91425" anchor="ctr" anchorCtr="0">
             <a:normAutofit/>
           </a:bodyPr>
           <a:lstStyle>
@@ -6085,7 +6251,7 @@
             </a:lvl9pPr>
           </a:lstStyle>
           <a:p>
-            <a:pPr indent="0" lvl="0" marL="0" rtl="0" algn="r">
+            <a:pPr marL="0" lvl="0" indent="0" algn="r" rtl="0">
               <a:spcBef>
                 <a:spcPts val="0"/>
               </a:spcBef>
@@ -6111,11 +6277,11 @@
 </file>
 
 <file path=ppt/slideLayouts/slideLayout5.xml><?xml version="1.0" encoding="utf-8"?>
-<p:sldLayout xmlns:a="http://schemas.openxmlformats.org/drawingml/2006/main" xmlns:r="http://schemas.openxmlformats.org/officeDocument/2006/relationships" xmlns:mc="http://schemas.openxmlformats.org/markup-compatibility/2006" xmlns:mv="urn:schemas-microsoft-com:mac:vml" xmlns:p="http://schemas.openxmlformats.org/presentationml/2006/main" xmlns:c="http://schemas.openxmlformats.org/drawingml/2006/chart" xmlns:dgm="http://schemas.openxmlformats.org/drawingml/2006/diagram" xmlns:o="urn:schemas-microsoft-com:office:office" xmlns:v="urn:schemas-microsoft-com:vml" xmlns:pvml="urn:schemas-microsoft-com:office:powerpoint" xmlns:com="http://schemas.openxmlformats.org/drawingml/2006/compatibility" xmlns:p14="http://schemas.microsoft.com/office/powerpoint/2010/main" xmlns:p15="http://schemas.microsoft.com/office/powerpoint/2012/main" xmlns:ahyp="http://schemas.microsoft.com/office/drawing/2018/hyperlinkcolor" matchingName="Title only" type="titleOnly">
+<p:sldLayout xmlns:a="http://schemas.openxmlformats.org/drawingml/2006/main" xmlns:r="http://schemas.openxmlformats.org/officeDocument/2006/relationships" xmlns:p="http://schemas.openxmlformats.org/presentationml/2006/main" matchingName="Title only" type="titleOnly">
   <p:cSld name="TITLE_ONLY">
     <p:spTree>
       <p:nvGrpSpPr>
-        <p:cNvPr id="40" name="Shape 40"/>
+        <p:cNvPr id="1" name="Shape 40"/>
         <p:cNvGrpSpPr/>
         <p:nvPr/>
       </p:nvGrpSpPr>
@@ -6149,12 +6315,12 @@
           </a:ln>
         </p:spPr>
         <p:txBody>
-          <a:bodyPr anchorCtr="0" anchor="ctr" bIns="91425" lIns="91425" spcFirstLastPara="1" rIns="91425" wrap="square" tIns="91425">
+          <a:bodyPr spcFirstLastPara="1" wrap="square" lIns="91425" tIns="91425" rIns="91425" bIns="91425" anchor="ctr" anchorCtr="0">
             <a:noAutofit/>
           </a:bodyPr>
           <a:lstStyle/>
           <a:p>
-            <a:pPr indent="0" lvl="0" marL="0" rtl="0" algn="l">
+            <a:pPr marL="0" lvl="0" indent="0" algn="l" rtl="0">
               <a:spcBef>
                 <a:spcPts val="0"/>
               </a:spcBef>
@@ -6163,9 +6329,6 @@
               </a:spcAft>
               <a:buNone/>
             </a:pPr>
-            <a:r>
-              <a:t/>
-            </a:r>
             <a:endParaRPr/>
           </a:p>
         </p:txBody>
@@ -6206,12 +6369,12 @@
             </a:ln>
           </p:spPr>
           <p:txBody>
-            <a:bodyPr anchorCtr="0" anchor="ctr" bIns="91425" lIns="91425" spcFirstLastPara="1" rIns="91425" wrap="square" tIns="91425">
+            <a:bodyPr spcFirstLastPara="1" wrap="square" lIns="91425" tIns="91425" rIns="91425" bIns="91425" anchor="ctr" anchorCtr="0">
               <a:noAutofit/>
             </a:bodyPr>
             <a:lstStyle/>
             <a:p>
-              <a:pPr indent="0" lvl="0" marL="0" rtl="0" algn="l">
+              <a:pPr marL="0" lvl="0" indent="0" algn="l" rtl="0">
                 <a:spcBef>
                   <a:spcPts val="0"/>
                 </a:spcBef>
@@ -6220,9 +6383,6 @@
                 </a:spcAft>
                 <a:buNone/>
               </a:pPr>
-              <a:r>
-                <a:t/>
-              </a:r>
               <a:endParaRPr/>
             </a:p>
           </p:txBody>
@@ -6249,12 +6409,12 @@
             </a:ln>
           </p:spPr>
           <p:txBody>
-            <a:bodyPr anchorCtr="0" anchor="ctr" bIns="91425" lIns="91425" spcFirstLastPara="1" rIns="91425" wrap="square" tIns="91425">
+            <a:bodyPr spcFirstLastPara="1" wrap="square" lIns="91425" tIns="91425" rIns="91425" bIns="91425" anchor="ctr" anchorCtr="0">
               <a:noAutofit/>
             </a:bodyPr>
             <a:lstStyle/>
             <a:p>
-              <a:pPr indent="0" lvl="0" marL="0" rtl="0" algn="l">
+              <a:pPr marL="0" lvl="0" indent="0" algn="l" rtl="0">
                 <a:spcBef>
                   <a:spcPts val="0"/>
                 </a:spcBef>
@@ -6263,9 +6423,6 @@
                 </a:spcAft>
                 <a:buNone/>
               </a:pPr>
-              <a:r>
-                <a:t/>
-              </a:r>
               <a:endParaRPr/>
             </a:p>
           </p:txBody>
@@ -6274,7 +6431,9 @@
       <p:sp>
         <p:nvSpPr>
           <p:cNvPr id="45" name="Google Shape;45;p6"/>
-          <p:cNvSpPr txBox="1"/>
+          <p:cNvSpPr txBox="1">
+            <a:spLocks noGrp="1"/>
+          </p:cNvSpPr>
           <p:nvPr>
             <p:ph type="title"/>
           </p:nvPr>
@@ -6289,7 +6448,7 @@
           </a:prstGeom>
         </p:spPr>
         <p:txBody>
-          <a:bodyPr anchorCtr="0" anchor="t" bIns="91425" lIns="91425" spcFirstLastPara="1" rIns="91425" wrap="square" tIns="91425">
+          <a:bodyPr spcFirstLastPara="1" wrap="square" lIns="91425" tIns="91425" rIns="91425" bIns="91425" anchor="t" anchorCtr="0">
             <a:normAutofit/>
           </a:bodyPr>
           <a:lstStyle>
@@ -6393,15 +6552,19 @@
               <a:defRPr sz="2600"/>
             </a:lvl9pPr>
           </a:lstStyle>
-          <a:p/>
+          <a:p>
+            <a:endParaRPr/>
+          </a:p>
         </p:txBody>
       </p:sp>
       <p:sp>
         <p:nvSpPr>
           <p:cNvPr id="46" name="Google Shape;46;p6"/>
-          <p:cNvSpPr txBox="1"/>
+          <p:cNvSpPr txBox="1">
+            <a:spLocks noGrp="1"/>
+          </p:cNvSpPr>
           <p:nvPr>
-            <p:ph idx="12" type="sldNum"/>
+            <p:ph type="sldNum" idx="12"/>
           </p:nvPr>
         </p:nvSpPr>
         <p:spPr>
@@ -6414,7 +6577,7 @@
           </a:prstGeom>
         </p:spPr>
         <p:txBody>
-          <a:bodyPr anchorCtr="0" anchor="ctr" bIns="91425" lIns="91425" spcFirstLastPara="1" rIns="91425" wrap="square" tIns="91425">
+          <a:bodyPr spcFirstLastPara="1" wrap="square" lIns="91425" tIns="91425" rIns="91425" bIns="91425" anchor="ctr" anchorCtr="0">
             <a:normAutofit/>
           </a:bodyPr>
           <a:lstStyle>
@@ -6456,7 +6619,7 @@
             </a:lvl9pPr>
           </a:lstStyle>
           <a:p>
-            <a:pPr indent="0" lvl="0" marL="0" rtl="0" algn="r">
+            <a:pPr marL="0" lvl="0" indent="0" algn="r" rtl="0">
               <a:spcBef>
                 <a:spcPts val="0"/>
               </a:spcBef>
@@ -6482,11 +6645,11 @@
 </file>
 
 <file path=ppt/slideLayouts/slideLayout6.xml><?xml version="1.0" encoding="utf-8"?>
-<p:sldLayout xmlns:a="http://schemas.openxmlformats.org/drawingml/2006/main" xmlns:r="http://schemas.openxmlformats.org/officeDocument/2006/relationships" xmlns:mc="http://schemas.openxmlformats.org/markup-compatibility/2006" xmlns:mv="urn:schemas-microsoft-com:mac:vml" xmlns:p="http://schemas.openxmlformats.org/presentationml/2006/main" xmlns:c="http://schemas.openxmlformats.org/drawingml/2006/chart" xmlns:dgm="http://schemas.openxmlformats.org/drawingml/2006/diagram" xmlns:o="urn:schemas-microsoft-com:office:office" xmlns:v="urn:schemas-microsoft-com:vml" xmlns:pvml="urn:schemas-microsoft-com:office:powerpoint" xmlns:com="http://schemas.openxmlformats.org/drawingml/2006/compatibility" xmlns:p14="http://schemas.microsoft.com/office/powerpoint/2010/main" xmlns:p15="http://schemas.microsoft.com/office/powerpoint/2012/main" xmlns:ahyp="http://schemas.microsoft.com/office/drawing/2018/hyperlinkcolor" matchingName="One column text">
+<p:sldLayout xmlns:a="http://schemas.openxmlformats.org/drawingml/2006/main" xmlns:r="http://schemas.openxmlformats.org/officeDocument/2006/relationships" xmlns:p="http://schemas.openxmlformats.org/presentationml/2006/main" matchingName="One column text">
   <p:cSld name="ONE_COLUMN_TEXT">
     <p:spTree>
       <p:nvGrpSpPr>
-        <p:cNvPr id="47" name="Shape 47"/>
+        <p:cNvPr id="1" name="Shape 47"/>
         <p:cNvGrpSpPr/>
         <p:nvPr/>
       </p:nvGrpSpPr>
@@ -6520,12 +6683,12 @@
           </a:ln>
         </p:spPr>
         <p:txBody>
-          <a:bodyPr anchorCtr="0" anchor="ctr" bIns="91425" lIns="91425" spcFirstLastPara="1" rIns="91425" wrap="square" tIns="91425">
+          <a:bodyPr spcFirstLastPara="1" wrap="square" lIns="91425" tIns="91425" rIns="91425" bIns="91425" anchor="ctr" anchorCtr="0">
             <a:noAutofit/>
           </a:bodyPr>
           <a:lstStyle/>
           <a:p>
-            <a:pPr indent="0" lvl="0" marL="0" rtl="0" algn="l">
+            <a:pPr marL="0" lvl="0" indent="0" algn="l" rtl="0">
               <a:spcBef>
                 <a:spcPts val="0"/>
               </a:spcBef>
@@ -6534,9 +6697,6 @@
               </a:spcAft>
               <a:buNone/>
             </a:pPr>
-            <a:r>
-              <a:t/>
-            </a:r>
             <a:endParaRPr/>
           </a:p>
         </p:txBody>
@@ -6577,12 +6737,12 @@
             </a:ln>
           </p:spPr>
           <p:txBody>
-            <a:bodyPr anchorCtr="0" anchor="ctr" bIns="91425" lIns="91425" spcFirstLastPara="1" rIns="91425" wrap="square" tIns="91425">
+            <a:bodyPr spcFirstLastPara="1" wrap="square" lIns="91425" tIns="91425" rIns="91425" bIns="91425" anchor="ctr" anchorCtr="0">
               <a:noAutofit/>
             </a:bodyPr>
             <a:lstStyle/>
             <a:p>
-              <a:pPr indent="0" lvl="0" marL="0" rtl="0" algn="l">
+              <a:pPr marL="0" lvl="0" indent="0" algn="l" rtl="0">
                 <a:spcBef>
                   <a:spcPts val="0"/>
                 </a:spcBef>
@@ -6591,9 +6751,6 @@
                 </a:spcAft>
                 <a:buNone/>
               </a:pPr>
-              <a:r>
-                <a:t/>
-              </a:r>
               <a:endParaRPr/>
             </a:p>
           </p:txBody>
@@ -6620,12 +6777,12 @@
             </a:ln>
           </p:spPr>
           <p:txBody>
-            <a:bodyPr anchorCtr="0" anchor="ctr" bIns="91425" lIns="91425" spcFirstLastPara="1" rIns="91425" wrap="square" tIns="91425">
+            <a:bodyPr spcFirstLastPara="1" wrap="square" lIns="91425" tIns="91425" rIns="91425" bIns="91425" anchor="ctr" anchorCtr="0">
               <a:noAutofit/>
             </a:bodyPr>
             <a:lstStyle/>
             <a:p>
-              <a:pPr indent="0" lvl="0" marL="0" rtl="0" algn="l">
+              <a:pPr marL="0" lvl="0" indent="0" algn="l" rtl="0">
                 <a:spcBef>
                   <a:spcPts val="0"/>
                 </a:spcBef>
@@ -6634,9 +6791,6 @@
                 </a:spcAft>
                 <a:buNone/>
               </a:pPr>
-              <a:r>
-                <a:t/>
-              </a:r>
               <a:endParaRPr/>
             </a:p>
           </p:txBody>
@@ -6645,7 +6799,9 @@
       <p:sp>
         <p:nvSpPr>
           <p:cNvPr id="52" name="Google Shape;52;p7"/>
-          <p:cNvSpPr txBox="1"/>
+          <p:cNvSpPr txBox="1">
+            <a:spLocks noGrp="1"/>
+          </p:cNvSpPr>
           <p:nvPr>
             <p:ph type="title"/>
           </p:nvPr>
@@ -6660,7 +6816,7 @@
           </a:prstGeom>
         </p:spPr>
         <p:txBody>
-          <a:bodyPr anchorCtr="0" anchor="t" bIns="91425" lIns="91425" spcFirstLastPara="1" rIns="91425" wrap="square" tIns="91425">
+          <a:bodyPr spcFirstLastPara="1" wrap="square" lIns="91425" tIns="91425" rIns="91425" bIns="91425" anchor="t" anchorCtr="0">
             <a:normAutofit/>
           </a:bodyPr>
           <a:lstStyle>
@@ -6764,15 +6920,19 @@
               <a:defRPr sz="2600"/>
             </a:lvl9pPr>
           </a:lstStyle>
-          <a:p/>
+          <a:p>
+            <a:endParaRPr/>
+          </a:p>
         </p:txBody>
       </p:sp>
       <p:sp>
         <p:nvSpPr>
           <p:cNvPr id="53" name="Google Shape;53;p7"/>
-          <p:cNvSpPr txBox="1"/>
+          <p:cNvSpPr txBox="1">
+            <a:spLocks noGrp="1"/>
+          </p:cNvSpPr>
           <p:nvPr>
-            <p:ph idx="1" type="body"/>
+            <p:ph type="body" idx="1"/>
           </p:nvPr>
         </p:nvSpPr>
         <p:spPr>
@@ -6785,11 +6945,11 @@
           </a:prstGeom>
         </p:spPr>
         <p:txBody>
-          <a:bodyPr anchorCtr="0" anchor="t" bIns="91425" lIns="91425" spcFirstLastPara="1" rIns="91425" wrap="square" tIns="91425">
+          <a:bodyPr spcFirstLastPara="1" wrap="square" lIns="91425" tIns="91425" rIns="91425" bIns="91425" anchor="t" anchorCtr="0">
             <a:normAutofit/>
           </a:bodyPr>
           <a:lstStyle>
-            <a:lvl1pPr indent="-311150" lvl="0" marL="457200">
+            <a:lvl1pPr marL="457200" lvl="0" indent="-311150">
               <a:spcBef>
                 <a:spcPts val="0"/>
               </a:spcBef>
@@ -6800,7 +6960,7 @@
               <a:buChar char="●"/>
               <a:defRPr/>
             </a:lvl1pPr>
-            <a:lvl2pPr indent="-298450" lvl="1" marL="914400">
+            <a:lvl2pPr marL="914400" lvl="1" indent="-298450">
               <a:spcBef>
                 <a:spcPts val="0"/>
               </a:spcBef>
@@ -6811,7 +6971,7 @@
               <a:buChar char="○"/>
               <a:defRPr/>
             </a:lvl2pPr>
-            <a:lvl3pPr indent="-298450" lvl="2" marL="1371600">
+            <a:lvl3pPr marL="1371600" lvl="2" indent="-298450">
               <a:spcBef>
                 <a:spcPts val="0"/>
               </a:spcBef>
@@ -6822,7 +6982,7 @@
               <a:buChar char="■"/>
               <a:defRPr/>
             </a:lvl3pPr>
-            <a:lvl4pPr indent="-298450" lvl="3" marL="1828800">
+            <a:lvl4pPr marL="1828800" lvl="3" indent="-298450">
               <a:spcBef>
                 <a:spcPts val="0"/>
               </a:spcBef>
@@ -6833,7 +6993,7 @@
               <a:buChar char="●"/>
               <a:defRPr/>
             </a:lvl4pPr>
-            <a:lvl5pPr indent="-298450" lvl="4" marL="2286000">
+            <a:lvl5pPr marL="2286000" lvl="4" indent="-298450">
               <a:spcBef>
                 <a:spcPts val="0"/>
               </a:spcBef>
@@ -6844,7 +7004,7 @@
               <a:buChar char="○"/>
               <a:defRPr/>
             </a:lvl5pPr>
-            <a:lvl6pPr indent="-298450" lvl="5" marL="2743200">
+            <a:lvl6pPr marL="2743200" lvl="5" indent="-298450">
               <a:spcBef>
                 <a:spcPts val="0"/>
               </a:spcBef>
@@ -6855,7 +7015,7 @@
               <a:buChar char="■"/>
               <a:defRPr/>
             </a:lvl6pPr>
-            <a:lvl7pPr indent="-298450" lvl="6" marL="3200400">
+            <a:lvl7pPr marL="3200400" lvl="6" indent="-298450">
               <a:spcBef>
                 <a:spcPts val="0"/>
               </a:spcBef>
@@ -6866,7 +7026,7 @@
               <a:buChar char="●"/>
               <a:defRPr/>
             </a:lvl7pPr>
-            <a:lvl8pPr indent="-298450" lvl="7" marL="3657600">
+            <a:lvl8pPr marL="3657600" lvl="7" indent="-298450">
               <a:spcBef>
                 <a:spcPts val="0"/>
               </a:spcBef>
@@ -6877,7 +7037,7 @@
               <a:buChar char="○"/>
               <a:defRPr/>
             </a:lvl8pPr>
-            <a:lvl9pPr indent="-298450" lvl="8" marL="4114800">
+            <a:lvl9pPr marL="4114800" lvl="8" indent="-298450">
               <a:spcBef>
                 <a:spcPts val="0"/>
               </a:spcBef>
@@ -6889,15 +7049,19 @@
               <a:defRPr/>
             </a:lvl9pPr>
           </a:lstStyle>
-          <a:p/>
+          <a:p>
+            <a:endParaRPr/>
+          </a:p>
         </p:txBody>
       </p:sp>
       <p:sp>
         <p:nvSpPr>
           <p:cNvPr id="54" name="Google Shape;54;p7"/>
-          <p:cNvSpPr txBox="1"/>
+          <p:cNvSpPr txBox="1">
+            <a:spLocks noGrp="1"/>
+          </p:cNvSpPr>
           <p:nvPr>
-            <p:ph idx="12" type="sldNum"/>
+            <p:ph type="sldNum" idx="12"/>
           </p:nvPr>
         </p:nvSpPr>
         <p:spPr>
@@ -6910,7 +7074,7 @@
           </a:prstGeom>
         </p:spPr>
         <p:txBody>
-          <a:bodyPr anchorCtr="0" anchor="ctr" bIns="91425" lIns="91425" spcFirstLastPara="1" rIns="91425" wrap="square" tIns="91425">
+          <a:bodyPr spcFirstLastPara="1" wrap="square" lIns="91425" tIns="91425" rIns="91425" bIns="91425" anchor="ctr" anchorCtr="0">
             <a:normAutofit/>
           </a:bodyPr>
           <a:lstStyle>
@@ -6952,7 +7116,7 @@
             </a:lvl9pPr>
           </a:lstStyle>
           <a:p>
-            <a:pPr indent="0" lvl="0" marL="0" rtl="0" algn="r">
+            <a:pPr marL="0" lvl="0" indent="0" algn="r" rtl="0">
               <a:spcBef>
                 <a:spcPts val="0"/>
               </a:spcBef>
@@ -6978,18 +7142,19 @@
 </file>
 
 <file path=ppt/slideLayouts/slideLayout7.xml><?xml version="1.0" encoding="utf-8"?>
-<p:sldLayout xmlns:a="http://schemas.openxmlformats.org/drawingml/2006/main" xmlns:r="http://schemas.openxmlformats.org/officeDocument/2006/relationships" xmlns:mc="http://schemas.openxmlformats.org/markup-compatibility/2006" xmlns:mv="urn:schemas-microsoft-com:mac:vml" xmlns:p="http://schemas.openxmlformats.org/presentationml/2006/main" xmlns:c="http://schemas.openxmlformats.org/drawingml/2006/chart" xmlns:dgm="http://schemas.openxmlformats.org/drawingml/2006/diagram" xmlns:o="urn:schemas-microsoft-com:office:office" xmlns:v="urn:schemas-microsoft-com:vml" xmlns:pvml="urn:schemas-microsoft-com:office:powerpoint" xmlns:com="http://schemas.openxmlformats.org/drawingml/2006/compatibility" xmlns:p14="http://schemas.microsoft.com/office/powerpoint/2010/main" xmlns:p15="http://schemas.microsoft.com/office/powerpoint/2012/main" xmlns:ahyp="http://schemas.microsoft.com/office/drawing/2018/hyperlinkcolor" matchingName="Main point">
+<p:sldLayout xmlns:a="http://schemas.openxmlformats.org/drawingml/2006/main" xmlns:r="http://schemas.openxmlformats.org/officeDocument/2006/relationships" xmlns:p="http://schemas.openxmlformats.org/presentationml/2006/main" matchingName="Main point">
   <p:cSld name="MAIN_POINT">
     <p:bg>
       <p:bgPr>
         <a:solidFill>
           <a:schemeClr val="accent3"/>
         </a:solidFill>
+        <a:effectLst/>
       </p:bgPr>
     </p:bg>
     <p:spTree>
       <p:nvGrpSpPr>
-        <p:cNvPr id="55" name="Shape 55"/>
+        <p:cNvPr id="1" name="Shape 55"/>
         <p:cNvGrpSpPr/>
         <p:nvPr/>
       </p:nvGrpSpPr>
@@ -7037,12 +7202,12 @@
             </a:ln>
           </p:spPr>
           <p:txBody>
-            <a:bodyPr anchorCtr="0" anchor="ctr" bIns="91425" lIns="91425" spcFirstLastPara="1" rIns="91425" wrap="square" tIns="91425">
+            <a:bodyPr spcFirstLastPara="1" wrap="square" lIns="91425" tIns="91425" rIns="91425" bIns="91425" anchor="ctr" anchorCtr="0">
               <a:noAutofit/>
             </a:bodyPr>
             <a:lstStyle/>
             <a:p>
-              <a:pPr indent="0" lvl="0" marL="0" rtl="0" algn="l">
+              <a:pPr marL="0" lvl="0" indent="0" algn="l" rtl="0">
                 <a:spcBef>
                   <a:spcPts val="0"/>
                 </a:spcBef>
@@ -7051,9 +7216,6 @@
                 </a:spcAft>
                 <a:buNone/>
               </a:pPr>
-              <a:r>
-                <a:t/>
-              </a:r>
               <a:endParaRPr/>
             </a:p>
           </p:txBody>
@@ -7080,12 +7242,12 @@
             </a:ln>
           </p:spPr>
           <p:txBody>
-            <a:bodyPr anchorCtr="0" anchor="ctr" bIns="91425" lIns="91425" spcFirstLastPara="1" rIns="91425" wrap="square" tIns="91425">
+            <a:bodyPr spcFirstLastPara="1" wrap="square" lIns="91425" tIns="91425" rIns="91425" bIns="91425" anchor="ctr" anchorCtr="0">
               <a:noAutofit/>
             </a:bodyPr>
             <a:lstStyle/>
             <a:p>
-              <a:pPr indent="0" lvl="0" marL="0" rtl="0" algn="l">
+              <a:pPr marL="0" lvl="0" indent="0" algn="l" rtl="0">
                 <a:spcBef>
                   <a:spcPts val="0"/>
                 </a:spcBef>
@@ -7094,9 +7256,6 @@
                 </a:spcAft>
                 <a:buNone/>
               </a:pPr>
-              <a:r>
-                <a:t/>
-              </a:r>
               <a:endParaRPr/>
             </a:p>
           </p:txBody>
@@ -7105,7 +7264,9 @@
       <p:sp>
         <p:nvSpPr>
           <p:cNvPr id="59" name="Google Shape;59;p8"/>
-          <p:cNvSpPr txBox="1"/>
+          <p:cNvSpPr txBox="1">
+            <a:spLocks noGrp="1"/>
+          </p:cNvSpPr>
           <p:nvPr>
             <p:ph type="title"/>
           </p:nvPr>
@@ -7120,7 +7281,7 @@
           </a:prstGeom>
         </p:spPr>
         <p:txBody>
-          <a:bodyPr anchorCtr="0" anchor="ctr" bIns="91425" lIns="91425" spcFirstLastPara="1" rIns="91425" wrap="square" tIns="91425">
+          <a:bodyPr spcFirstLastPara="1" wrap="square" lIns="91425" tIns="91425" rIns="91425" bIns="91425" anchor="ctr" anchorCtr="0">
             <a:normAutofit/>
           </a:bodyPr>
           <a:lstStyle>
@@ -7287,15 +7448,19 @@
               </a:defRPr>
             </a:lvl9pPr>
           </a:lstStyle>
-          <a:p/>
+          <a:p>
+            <a:endParaRPr/>
+          </a:p>
         </p:txBody>
       </p:sp>
       <p:sp>
         <p:nvSpPr>
           <p:cNvPr id="60" name="Google Shape;60;p8"/>
-          <p:cNvSpPr txBox="1"/>
+          <p:cNvSpPr txBox="1">
+            <a:spLocks noGrp="1"/>
+          </p:cNvSpPr>
           <p:nvPr>
-            <p:ph idx="12" type="sldNum"/>
+            <p:ph type="sldNum" idx="12"/>
           </p:nvPr>
         </p:nvSpPr>
         <p:spPr>
@@ -7308,7 +7473,7 @@
           </a:prstGeom>
         </p:spPr>
         <p:txBody>
-          <a:bodyPr anchorCtr="0" anchor="ctr" bIns="91425" lIns="91425" spcFirstLastPara="1" rIns="91425" wrap="square" tIns="91425">
+          <a:bodyPr spcFirstLastPara="1" wrap="square" lIns="91425" tIns="91425" rIns="91425" bIns="91425" anchor="ctr" anchorCtr="0">
             <a:normAutofit/>
           </a:bodyPr>
           <a:lstStyle>
@@ -7386,7 +7551,7 @@
             </a:lvl9pPr>
           </a:lstStyle>
           <a:p>
-            <a:pPr indent="0" lvl="0" marL="0" rtl="0" algn="r">
+            <a:pPr marL="0" lvl="0" indent="0" algn="r" rtl="0">
               <a:spcBef>
                 <a:spcPts val="0"/>
               </a:spcBef>
@@ -7412,11 +7577,11 @@
 </file>
 
 <file path=ppt/slideLayouts/slideLayout8.xml><?xml version="1.0" encoding="utf-8"?>
-<p:sldLayout xmlns:a="http://schemas.openxmlformats.org/drawingml/2006/main" xmlns:r="http://schemas.openxmlformats.org/officeDocument/2006/relationships" xmlns:mc="http://schemas.openxmlformats.org/markup-compatibility/2006" xmlns:mv="urn:schemas-microsoft-com:mac:vml" xmlns:p="http://schemas.openxmlformats.org/presentationml/2006/main" xmlns:c="http://schemas.openxmlformats.org/drawingml/2006/chart" xmlns:dgm="http://schemas.openxmlformats.org/drawingml/2006/diagram" xmlns:o="urn:schemas-microsoft-com:office:office" xmlns:v="urn:schemas-microsoft-com:vml" xmlns:pvml="urn:schemas-microsoft-com:office:powerpoint" xmlns:com="http://schemas.openxmlformats.org/drawingml/2006/compatibility" xmlns:p14="http://schemas.microsoft.com/office/powerpoint/2010/main" xmlns:p15="http://schemas.microsoft.com/office/powerpoint/2012/main" xmlns:ahyp="http://schemas.microsoft.com/office/drawing/2018/hyperlinkcolor" matchingName="Section title and description">
+<p:sldLayout xmlns:a="http://schemas.openxmlformats.org/drawingml/2006/main" xmlns:r="http://schemas.openxmlformats.org/officeDocument/2006/relationships" xmlns:p="http://schemas.openxmlformats.org/presentationml/2006/main" matchingName="Section title and description">
   <p:cSld name="SECTION_TITLE_AND_DESCRIPTION">
     <p:spTree>
       <p:nvGrpSpPr>
-        <p:cNvPr id="61" name="Shape 61"/>
+        <p:cNvPr id="1" name="Shape 61"/>
         <p:cNvGrpSpPr/>
         <p:nvPr/>
       </p:nvGrpSpPr>
@@ -7450,12 +7615,12 @@
           </a:ln>
         </p:spPr>
         <p:txBody>
-          <a:bodyPr anchorCtr="0" anchor="ctr" bIns="91425" lIns="91425" spcFirstLastPara="1" rIns="91425" wrap="square" tIns="91425">
+          <a:bodyPr spcFirstLastPara="1" wrap="square" lIns="91425" tIns="91425" rIns="91425" bIns="91425" anchor="ctr" anchorCtr="0">
             <a:noAutofit/>
           </a:bodyPr>
           <a:lstStyle/>
           <a:p>
-            <a:pPr indent="0" lvl="0" marL="0" rtl="0" algn="l">
+            <a:pPr marL="0" lvl="0" indent="0" algn="l" rtl="0">
               <a:spcBef>
                 <a:spcPts val="0"/>
               </a:spcBef>
@@ -7464,9 +7629,6 @@
               </a:spcAft>
               <a:buNone/>
             </a:pPr>
-            <a:r>
-              <a:t/>
-            </a:r>
             <a:endParaRPr/>
           </a:p>
         </p:txBody>
@@ -7507,12 +7669,12 @@
             </a:ln>
           </p:spPr>
           <p:txBody>
-            <a:bodyPr anchorCtr="0" anchor="ctr" bIns="91425" lIns="91425" spcFirstLastPara="1" rIns="91425" wrap="square" tIns="91425">
+            <a:bodyPr spcFirstLastPara="1" wrap="square" lIns="91425" tIns="91425" rIns="91425" bIns="91425" anchor="ctr" anchorCtr="0">
               <a:noAutofit/>
             </a:bodyPr>
             <a:lstStyle/>
             <a:p>
-              <a:pPr indent="0" lvl="0" marL="0" rtl="0" algn="l">
+              <a:pPr marL="0" lvl="0" indent="0" algn="l" rtl="0">
                 <a:spcBef>
                   <a:spcPts val="0"/>
                 </a:spcBef>
@@ -7521,9 +7683,6 @@
                 </a:spcAft>
                 <a:buNone/>
               </a:pPr>
-              <a:r>
-                <a:t/>
-              </a:r>
               <a:endParaRPr/>
             </a:p>
           </p:txBody>
@@ -7550,12 +7709,12 @@
             </a:ln>
           </p:spPr>
           <p:txBody>
-            <a:bodyPr anchorCtr="0" anchor="ctr" bIns="91425" lIns="91425" spcFirstLastPara="1" rIns="91425" wrap="square" tIns="91425">
+            <a:bodyPr spcFirstLastPara="1" wrap="square" lIns="91425" tIns="91425" rIns="91425" bIns="91425" anchor="ctr" anchorCtr="0">
               <a:noAutofit/>
             </a:bodyPr>
             <a:lstStyle/>
             <a:p>
-              <a:pPr indent="0" lvl="0" marL="0" rtl="0" algn="l">
+              <a:pPr marL="0" lvl="0" indent="0" algn="l" rtl="0">
                 <a:spcBef>
                   <a:spcPts val="0"/>
                 </a:spcBef>
@@ -7564,9 +7723,6 @@
                 </a:spcAft>
                 <a:buNone/>
               </a:pPr>
-              <a:r>
-                <a:t/>
-              </a:r>
               <a:endParaRPr/>
             </a:p>
           </p:txBody>
@@ -7575,7 +7731,9 @@
       <p:sp>
         <p:nvSpPr>
           <p:cNvPr id="66" name="Google Shape;66;p9"/>
-          <p:cNvSpPr txBox="1"/>
+          <p:cNvSpPr txBox="1">
+            <a:spLocks noGrp="1"/>
+          </p:cNvSpPr>
           <p:nvPr>
             <p:ph type="title"/>
           </p:nvPr>
@@ -7590,7 +7748,7 @@
           </a:prstGeom>
         </p:spPr>
         <p:txBody>
-          <a:bodyPr anchorCtr="0" anchor="t" bIns="91425" lIns="91425" spcFirstLastPara="1" rIns="91425" wrap="square" tIns="91425">
+          <a:bodyPr spcFirstLastPara="1" wrap="square" lIns="91425" tIns="91425" rIns="91425" bIns="91425" anchor="t" anchorCtr="0">
             <a:normAutofit/>
           </a:bodyPr>
           <a:lstStyle>
@@ -7694,15 +7852,19 @@
               <a:defRPr sz="2600"/>
             </a:lvl9pPr>
           </a:lstStyle>
-          <a:p/>
+          <a:p>
+            <a:endParaRPr/>
+          </a:p>
         </p:txBody>
       </p:sp>
       <p:sp>
         <p:nvSpPr>
           <p:cNvPr id="67" name="Google Shape;67;p9"/>
-          <p:cNvSpPr txBox="1"/>
+          <p:cNvSpPr txBox="1">
+            <a:spLocks noGrp="1"/>
+          </p:cNvSpPr>
           <p:nvPr>
-            <p:ph idx="1" type="subTitle"/>
+            <p:ph type="subTitle" idx="1"/>
           </p:nvPr>
         </p:nvSpPr>
         <p:spPr>
@@ -7715,7 +7877,7 @@
           </a:prstGeom>
         </p:spPr>
         <p:txBody>
-          <a:bodyPr anchorCtr="0" anchor="t" bIns="91425" lIns="91425" spcFirstLastPara="1" rIns="91425" wrap="square" tIns="91425">
+          <a:bodyPr spcFirstLastPara="1" wrap="square" lIns="91425" tIns="91425" rIns="91425" bIns="91425" anchor="t" anchorCtr="0">
             <a:normAutofit/>
           </a:bodyPr>
           <a:lstStyle>
@@ -7846,15 +8008,19 @@
               <a:defRPr sz="1600"/>
             </a:lvl9pPr>
           </a:lstStyle>
-          <a:p/>
+          <a:p>
+            <a:endParaRPr/>
+          </a:p>
         </p:txBody>
       </p:sp>
       <p:sp>
         <p:nvSpPr>
           <p:cNvPr id="68" name="Google Shape;68;p9"/>
-          <p:cNvSpPr txBox="1"/>
+          <p:cNvSpPr txBox="1">
+            <a:spLocks noGrp="1"/>
+          </p:cNvSpPr>
           <p:nvPr>
-            <p:ph idx="2" type="body"/>
+            <p:ph type="body" idx="2"/>
           </p:nvPr>
         </p:nvSpPr>
         <p:spPr>
@@ -7867,11 +8033,11 @@
           </a:prstGeom>
         </p:spPr>
         <p:txBody>
-          <a:bodyPr anchorCtr="0" anchor="t" bIns="91425" lIns="91425" spcFirstLastPara="1" rIns="91425" wrap="square" tIns="91425">
+          <a:bodyPr spcFirstLastPara="1" wrap="square" lIns="91425" tIns="91425" rIns="91425" bIns="91425" anchor="t" anchorCtr="0">
             <a:normAutofit/>
           </a:bodyPr>
           <a:lstStyle>
-            <a:lvl1pPr indent="-311150" lvl="0" marL="457200">
+            <a:lvl1pPr marL="457200" lvl="0" indent="-311150">
               <a:spcBef>
                 <a:spcPts val="0"/>
               </a:spcBef>
@@ -7882,7 +8048,7 @@
               <a:buChar char="●"/>
               <a:defRPr/>
             </a:lvl1pPr>
-            <a:lvl2pPr indent="-298450" lvl="1" marL="914400">
+            <a:lvl2pPr marL="914400" lvl="1" indent="-298450">
               <a:spcBef>
                 <a:spcPts val="0"/>
               </a:spcBef>
@@ -7893,7 +8059,7 @@
               <a:buChar char="○"/>
               <a:defRPr/>
             </a:lvl2pPr>
-            <a:lvl3pPr indent="-298450" lvl="2" marL="1371600">
+            <a:lvl3pPr marL="1371600" lvl="2" indent="-298450">
               <a:spcBef>
                 <a:spcPts val="0"/>
               </a:spcBef>
@@ -7904,7 +8070,7 @@
               <a:buChar char="■"/>
               <a:defRPr/>
             </a:lvl3pPr>
-            <a:lvl4pPr indent="-298450" lvl="3" marL="1828800">
+            <a:lvl4pPr marL="1828800" lvl="3" indent="-298450">
               <a:spcBef>
                 <a:spcPts val="0"/>
               </a:spcBef>
@@ -7915,7 +8081,7 @@
               <a:buChar char="●"/>
               <a:defRPr/>
             </a:lvl4pPr>
-            <a:lvl5pPr indent="-298450" lvl="4" marL="2286000">
+            <a:lvl5pPr marL="2286000" lvl="4" indent="-298450">
               <a:spcBef>
                 <a:spcPts val="0"/>
               </a:spcBef>
@@ -7926,7 +8092,7 @@
               <a:buChar char="○"/>
               <a:defRPr/>
             </a:lvl5pPr>
-            <a:lvl6pPr indent="-298450" lvl="5" marL="2743200">
+            <a:lvl6pPr marL="2743200" lvl="5" indent="-298450">
               <a:spcBef>
                 <a:spcPts val="0"/>
               </a:spcBef>
@@ -7937,7 +8103,7 @@
               <a:buChar char="■"/>
               <a:defRPr/>
             </a:lvl6pPr>
-            <a:lvl7pPr indent="-298450" lvl="6" marL="3200400">
+            <a:lvl7pPr marL="3200400" lvl="6" indent="-298450">
               <a:spcBef>
                 <a:spcPts val="0"/>
               </a:spcBef>
@@ -7948,7 +8114,7 @@
               <a:buChar char="●"/>
               <a:defRPr/>
             </a:lvl7pPr>
-            <a:lvl8pPr indent="-298450" lvl="7" marL="3657600">
+            <a:lvl8pPr marL="3657600" lvl="7" indent="-298450">
               <a:spcBef>
                 <a:spcPts val="0"/>
               </a:spcBef>
@@ -7959,7 +8125,7 @@
               <a:buChar char="○"/>
               <a:defRPr/>
             </a:lvl8pPr>
-            <a:lvl9pPr indent="-298450" lvl="8" marL="4114800">
+            <a:lvl9pPr marL="4114800" lvl="8" indent="-298450">
               <a:spcBef>
                 <a:spcPts val="0"/>
               </a:spcBef>
@@ -7971,15 +8137,19 @@
               <a:defRPr/>
             </a:lvl9pPr>
           </a:lstStyle>
-          <a:p/>
+          <a:p>
+            <a:endParaRPr/>
+          </a:p>
         </p:txBody>
       </p:sp>
       <p:sp>
         <p:nvSpPr>
           <p:cNvPr id="69" name="Google Shape;69;p9"/>
-          <p:cNvSpPr txBox="1"/>
+          <p:cNvSpPr txBox="1">
+            <a:spLocks noGrp="1"/>
+          </p:cNvSpPr>
           <p:nvPr>
-            <p:ph idx="12" type="sldNum"/>
+            <p:ph type="sldNum" idx="12"/>
           </p:nvPr>
         </p:nvSpPr>
         <p:spPr>
@@ -7992,7 +8162,7 @@
           </a:prstGeom>
         </p:spPr>
         <p:txBody>
-          <a:bodyPr anchorCtr="0" anchor="ctr" bIns="91425" lIns="91425" spcFirstLastPara="1" rIns="91425" wrap="square" tIns="91425">
+          <a:bodyPr spcFirstLastPara="1" wrap="square" lIns="91425" tIns="91425" rIns="91425" bIns="91425" anchor="ctr" anchorCtr="0">
             <a:normAutofit/>
           </a:bodyPr>
           <a:lstStyle>
@@ -8034,7 +8204,7 @@
             </a:lvl9pPr>
           </a:lstStyle>
           <a:p>
-            <a:pPr indent="0" lvl="0" marL="0" rtl="0" algn="r">
+            <a:pPr marL="0" lvl="0" indent="0" algn="r" rtl="0">
               <a:spcBef>
                 <a:spcPts val="0"/>
               </a:spcBef>
@@ -8060,11 +8230,11 @@
 </file>
 
 <file path=ppt/slideLayouts/slideLayout9.xml><?xml version="1.0" encoding="utf-8"?>
-<p:sldLayout xmlns:a="http://schemas.openxmlformats.org/drawingml/2006/main" xmlns:r="http://schemas.openxmlformats.org/officeDocument/2006/relationships" xmlns:mc="http://schemas.openxmlformats.org/markup-compatibility/2006" xmlns:mv="urn:schemas-microsoft-com:mac:vml" xmlns:p="http://schemas.openxmlformats.org/presentationml/2006/main" xmlns:c="http://schemas.openxmlformats.org/drawingml/2006/chart" xmlns:dgm="http://schemas.openxmlformats.org/drawingml/2006/diagram" xmlns:o="urn:schemas-microsoft-com:office:office" xmlns:v="urn:schemas-microsoft-com:vml" xmlns:pvml="urn:schemas-microsoft-com:office:powerpoint" xmlns:com="http://schemas.openxmlformats.org/drawingml/2006/compatibility" xmlns:p14="http://schemas.microsoft.com/office/powerpoint/2010/main" xmlns:p15="http://schemas.microsoft.com/office/powerpoint/2012/main" xmlns:ahyp="http://schemas.microsoft.com/office/drawing/2018/hyperlinkcolor" matchingName="Caption">
+<p:sldLayout xmlns:a="http://schemas.openxmlformats.org/drawingml/2006/main" xmlns:r="http://schemas.openxmlformats.org/officeDocument/2006/relationships" xmlns:p="http://schemas.openxmlformats.org/presentationml/2006/main" matchingName="Caption">
   <p:cSld name="CAPTION_ONLY">
     <p:spTree>
       <p:nvGrpSpPr>
-        <p:cNvPr id="70" name="Shape 70"/>
+        <p:cNvPr id="1" name="Shape 70"/>
         <p:cNvGrpSpPr/>
         <p:nvPr/>
       </p:nvGrpSpPr>
@@ -8079,9 +8249,11 @@
       <p:sp>
         <p:nvSpPr>
           <p:cNvPr id="71" name="Google Shape;71;p10"/>
-          <p:cNvSpPr txBox="1"/>
+          <p:cNvSpPr txBox="1">
+            <a:spLocks noGrp="1"/>
+          </p:cNvSpPr>
           <p:nvPr>
-            <p:ph idx="1" type="body"/>
+            <p:ph type="body" idx="1"/>
           </p:nvPr>
         </p:nvSpPr>
         <p:spPr>
@@ -8094,11 +8266,11 @@
           </a:prstGeom>
         </p:spPr>
         <p:txBody>
-          <a:bodyPr anchorCtr="0" anchor="ctr" bIns="91425" lIns="91425" spcFirstLastPara="1" rIns="91425" wrap="square" tIns="91425">
+          <a:bodyPr spcFirstLastPara="1" wrap="square" lIns="91425" tIns="91425" rIns="91425" bIns="91425" anchor="ctr" anchorCtr="0">
             <a:normAutofit/>
           </a:bodyPr>
           <a:lstStyle>
-            <a:lvl1pPr indent="-228600" lvl="0" marL="457200">
+            <a:lvl1pPr marL="457200" lvl="0" indent="-228600">
               <a:lnSpc>
                 <a:spcPct val="100000"/>
               </a:lnSpc>
@@ -8113,15 +8285,19 @@
               <a:defRPr/>
             </a:lvl1pPr>
           </a:lstStyle>
-          <a:p/>
+          <a:p>
+            <a:endParaRPr/>
+          </a:p>
         </p:txBody>
       </p:sp>
       <p:sp>
         <p:nvSpPr>
           <p:cNvPr id="72" name="Google Shape;72;p10"/>
-          <p:cNvSpPr txBox="1"/>
+          <p:cNvSpPr txBox="1">
+            <a:spLocks noGrp="1"/>
+          </p:cNvSpPr>
           <p:nvPr>
-            <p:ph idx="12" type="sldNum"/>
+            <p:ph type="sldNum" idx="12"/>
           </p:nvPr>
         </p:nvSpPr>
         <p:spPr>
@@ -8134,7 +8310,7 @@
           </a:prstGeom>
         </p:spPr>
         <p:txBody>
-          <a:bodyPr anchorCtr="0" anchor="ctr" bIns="91425" lIns="91425" spcFirstLastPara="1" rIns="91425" wrap="square" tIns="91425">
+          <a:bodyPr spcFirstLastPara="1" wrap="square" lIns="91425" tIns="91425" rIns="91425" bIns="91425" anchor="ctr" anchorCtr="0">
             <a:normAutofit/>
           </a:bodyPr>
           <a:lstStyle>
@@ -8176,7 +8352,7 @@
             </a:lvl9pPr>
           </a:lstStyle>
           <a:p>
-            <a:pPr indent="0" lvl="0" marL="0" rtl="0" algn="r">
+            <a:pPr marL="0" lvl="0" indent="0" algn="r" rtl="0">
               <a:spcBef>
                 <a:spcPts val="0"/>
               </a:spcBef>
@@ -8202,18 +8378,19 @@
 </file>
 
 <file path=ppt/slideMasters/slideMaster1.xml><?xml version="1.0" encoding="utf-8"?>
-<p:sldMaster xmlns:a="http://schemas.openxmlformats.org/drawingml/2006/main" xmlns:r="http://schemas.openxmlformats.org/officeDocument/2006/relationships" xmlns:mc="http://schemas.openxmlformats.org/markup-compatibility/2006" xmlns:mv="urn:schemas-microsoft-com:mac:vml" xmlns:p="http://schemas.openxmlformats.org/presentationml/2006/main" xmlns:c="http://schemas.openxmlformats.org/drawingml/2006/chart" xmlns:dgm="http://schemas.openxmlformats.org/drawingml/2006/diagram" xmlns:o="urn:schemas-microsoft-com:office:office" xmlns:v="urn:schemas-microsoft-com:vml" xmlns:pvml="urn:schemas-microsoft-com:office:powerpoint" xmlns:com="http://schemas.openxmlformats.org/drawingml/2006/compatibility" xmlns:p14="http://schemas.microsoft.com/office/powerpoint/2010/main" xmlns:p15="http://schemas.microsoft.com/office/powerpoint/2012/main" xmlns:ahyp="http://schemas.microsoft.com/office/drawing/2018/hyperlinkcolor">
+<p:sldMaster xmlns:a="http://schemas.openxmlformats.org/drawingml/2006/main" xmlns:r="http://schemas.openxmlformats.org/officeDocument/2006/relationships" xmlns:p="http://schemas.openxmlformats.org/presentationml/2006/main">
   <p:cSld name="streamline">
     <p:bg>
       <p:bgPr>
         <a:solidFill>
           <a:schemeClr val="lt1"/>
         </a:solidFill>
+        <a:effectLst/>
       </p:bgPr>
     </p:bg>
     <p:spTree>
       <p:nvGrpSpPr>
-        <p:cNvPr id="5" name="Shape 5"/>
+        <p:cNvPr id="1" name="Shape 5"/>
         <p:cNvGrpSpPr/>
         <p:nvPr/>
       </p:nvGrpSpPr>
@@ -8228,7 +8405,9 @@
       <p:sp>
         <p:nvSpPr>
           <p:cNvPr id="6" name="Google Shape;6;p1"/>
-          <p:cNvSpPr txBox="1"/>
+          <p:cNvSpPr txBox="1">
+            <a:spLocks noGrp="1"/>
+          </p:cNvSpPr>
           <p:nvPr>
             <p:ph type="title"/>
           </p:nvPr>
@@ -8247,7 +8426,7 @@
           </a:ln>
         </p:spPr>
         <p:txBody>
-          <a:bodyPr anchorCtr="0" anchor="t" bIns="91425" lIns="91425" spcFirstLastPara="1" rIns="91425" wrap="square" tIns="91425">
+          <a:bodyPr spcFirstLastPara="1" wrap="square" lIns="91425" tIns="91425" rIns="91425" bIns="91425" anchor="t" anchorCtr="0">
             <a:normAutofit/>
           </a:bodyPr>
           <a:lstStyle>
@@ -8264,7 +8443,7 @@
               <a:buSzPts val="2800"/>
               <a:buFont typeface="Raleway"/>
               <a:buNone/>
-              <a:defRPr b="1" sz="2800">
+              <a:defRPr sz="2800" b="1">
                 <a:solidFill>
                   <a:schemeClr val="dk2"/>
                 </a:solidFill>
@@ -8287,7 +8466,7 @@
               <a:buSzPts val="2800"/>
               <a:buFont typeface="Raleway"/>
               <a:buNone/>
-              <a:defRPr b="1" sz="2800">
+              <a:defRPr sz="2800" b="1">
                 <a:solidFill>
                   <a:schemeClr val="dk2"/>
                 </a:solidFill>
@@ -8310,7 +8489,7 @@
               <a:buSzPts val="2800"/>
               <a:buFont typeface="Raleway"/>
               <a:buNone/>
-              <a:defRPr b="1" sz="2800">
+              <a:defRPr sz="2800" b="1">
                 <a:solidFill>
                   <a:schemeClr val="dk2"/>
                 </a:solidFill>
@@ -8333,7 +8512,7 @@
               <a:buSzPts val="2800"/>
               <a:buFont typeface="Raleway"/>
               <a:buNone/>
-              <a:defRPr b="1" sz="2800">
+              <a:defRPr sz="2800" b="1">
                 <a:solidFill>
                   <a:schemeClr val="dk2"/>
                 </a:solidFill>
@@ -8356,7 +8535,7 @@
               <a:buSzPts val="2800"/>
               <a:buFont typeface="Raleway"/>
               <a:buNone/>
-              <a:defRPr b="1" sz="2800">
+              <a:defRPr sz="2800" b="1">
                 <a:solidFill>
                   <a:schemeClr val="dk2"/>
                 </a:solidFill>
@@ -8379,7 +8558,7 @@
               <a:buSzPts val="2800"/>
               <a:buFont typeface="Raleway"/>
               <a:buNone/>
-              <a:defRPr b="1" sz="2800">
+              <a:defRPr sz="2800" b="1">
                 <a:solidFill>
                   <a:schemeClr val="dk2"/>
                 </a:solidFill>
@@ -8402,7 +8581,7 @@
               <a:buSzPts val="2800"/>
               <a:buFont typeface="Raleway"/>
               <a:buNone/>
-              <a:defRPr b="1" sz="2800">
+              <a:defRPr sz="2800" b="1">
                 <a:solidFill>
                   <a:schemeClr val="dk2"/>
                 </a:solidFill>
@@ -8425,7 +8604,7 @@
               <a:buSzPts val="2800"/>
               <a:buFont typeface="Raleway"/>
               <a:buNone/>
-              <a:defRPr b="1" sz="2800">
+              <a:defRPr sz="2800" b="1">
                 <a:solidFill>
                   <a:schemeClr val="dk2"/>
                 </a:solidFill>
@@ -8448,7 +8627,7 @@
               <a:buSzPts val="2800"/>
               <a:buFont typeface="Raleway"/>
               <a:buNone/>
-              <a:defRPr b="1" sz="2800">
+              <a:defRPr sz="2800" b="1">
                 <a:solidFill>
                   <a:schemeClr val="dk2"/>
                 </a:solidFill>
@@ -8459,15 +8638,19 @@
               </a:defRPr>
             </a:lvl9pPr>
           </a:lstStyle>
-          <a:p/>
+          <a:p>
+            <a:endParaRPr/>
+          </a:p>
         </p:txBody>
       </p:sp>
       <p:sp>
         <p:nvSpPr>
           <p:cNvPr id="7" name="Google Shape;7;p1"/>
-          <p:cNvSpPr txBox="1"/>
+          <p:cNvSpPr txBox="1">
+            <a:spLocks noGrp="1"/>
+          </p:cNvSpPr>
           <p:nvPr>
-            <p:ph idx="1" type="body"/>
+            <p:ph type="body" idx="1"/>
           </p:nvPr>
         </p:nvSpPr>
         <p:spPr>
@@ -8484,11 +8667,11 @@
           </a:ln>
         </p:spPr>
         <p:txBody>
-          <a:bodyPr anchorCtr="0" anchor="t" bIns="91425" lIns="91425" spcFirstLastPara="1" rIns="91425" wrap="square" tIns="91425">
+          <a:bodyPr spcFirstLastPara="1" wrap="square" lIns="91425" tIns="91425" rIns="91425" bIns="91425" anchor="t" anchorCtr="0">
             <a:normAutofit/>
           </a:bodyPr>
           <a:lstStyle>
-            <a:lvl1pPr indent="-311150" lvl="0" marL="457200">
+            <a:lvl1pPr marL="457200" lvl="0" indent="-311150">
               <a:lnSpc>
                 <a:spcPct val="115000"/>
               </a:lnSpc>
@@ -8514,7 +8697,7 @@
                 <a:sym typeface="Lato"/>
               </a:defRPr>
             </a:lvl1pPr>
-            <a:lvl2pPr indent="-298450" lvl="1" marL="914400">
+            <a:lvl2pPr marL="914400" lvl="1" indent="-298450">
               <a:lnSpc>
                 <a:spcPct val="115000"/>
               </a:lnSpc>
@@ -8540,7 +8723,7 @@
                 <a:sym typeface="Lato"/>
               </a:defRPr>
             </a:lvl2pPr>
-            <a:lvl3pPr indent="-298450" lvl="2" marL="1371600">
+            <a:lvl3pPr marL="1371600" lvl="2" indent="-298450">
               <a:lnSpc>
                 <a:spcPct val="115000"/>
               </a:lnSpc>
@@ -8566,7 +8749,7 @@
                 <a:sym typeface="Lato"/>
               </a:defRPr>
             </a:lvl3pPr>
-            <a:lvl4pPr indent="-298450" lvl="3" marL="1828800">
+            <a:lvl4pPr marL="1828800" lvl="3" indent="-298450">
               <a:lnSpc>
                 <a:spcPct val="115000"/>
               </a:lnSpc>
@@ -8592,7 +8775,7 @@
                 <a:sym typeface="Lato"/>
               </a:defRPr>
             </a:lvl4pPr>
-            <a:lvl5pPr indent="-298450" lvl="4" marL="2286000">
+            <a:lvl5pPr marL="2286000" lvl="4" indent="-298450">
               <a:lnSpc>
                 <a:spcPct val="115000"/>
               </a:lnSpc>
@@ -8618,7 +8801,7 @@
                 <a:sym typeface="Lato"/>
               </a:defRPr>
             </a:lvl5pPr>
-            <a:lvl6pPr indent="-298450" lvl="5" marL="2743200">
+            <a:lvl6pPr marL="2743200" lvl="5" indent="-298450">
               <a:lnSpc>
                 <a:spcPct val="115000"/>
               </a:lnSpc>
@@ -8644,7 +8827,7 @@
                 <a:sym typeface="Lato"/>
               </a:defRPr>
             </a:lvl6pPr>
-            <a:lvl7pPr indent="-298450" lvl="6" marL="3200400">
+            <a:lvl7pPr marL="3200400" lvl="6" indent="-298450">
               <a:lnSpc>
                 <a:spcPct val="115000"/>
               </a:lnSpc>
@@ -8670,7 +8853,7 @@
                 <a:sym typeface="Lato"/>
               </a:defRPr>
             </a:lvl7pPr>
-            <a:lvl8pPr indent="-298450" lvl="7" marL="3657600">
+            <a:lvl8pPr marL="3657600" lvl="7" indent="-298450">
               <a:lnSpc>
                 <a:spcPct val="115000"/>
               </a:lnSpc>
@@ -8696,7 +8879,7 @@
                 <a:sym typeface="Lato"/>
               </a:defRPr>
             </a:lvl8pPr>
-            <a:lvl9pPr indent="-298450" lvl="8" marL="4114800">
+            <a:lvl9pPr marL="4114800" lvl="8" indent="-298450">
               <a:lnSpc>
                 <a:spcPct val="115000"/>
               </a:lnSpc>
@@ -8723,15 +8906,19 @@
               </a:defRPr>
             </a:lvl9pPr>
           </a:lstStyle>
-          <a:p/>
+          <a:p>
+            <a:endParaRPr/>
+          </a:p>
         </p:txBody>
       </p:sp>
       <p:sp>
         <p:nvSpPr>
           <p:cNvPr id="8" name="Google Shape;8;p1"/>
-          <p:cNvSpPr txBox="1"/>
+          <p:cNvSpPr txBox="1">
+            <a:spLocks noGrp="1"/>
+          </p:cNvSpPr>
           <p:nvPr>
-            <p:ph idx="12" type="sldNum"/>
+            <p:ph type="sldNum" idx="12"/>
           </p:nvPr>
         </p:nvSpPr>
         <p:spPr>
@@ -8748,7 +8935,7 @@
           </a:ln>
         </p:spPr>
         <p:txBody>
-          <a:bodyPr anchorCtr="0" anchor="ctr" bIns="91425" lIns="91425" spcFirstLastPara="1" rIns="91425" wrap="square" tIns="91425">
+          <a:bodyPr spcFirstLastPara="1" wrap="square" lIns="91425" tIns="91425" rIns="91425" bIns="91425" anchor="ctr" anchorCtr="0">
             <a:normAutofit/>
           </a:bodyPr>
           <a:lstStyle>
@@ -8862,7 +9049,7 @@
             </a:lvl9pPr>
           </a:lstStyle>
           <a:p>
-            <a:pPr indent="0" lvl="0" marL="0" rtl="0" algn="r">
+            <a:pPr marL="0" lvl="0" indent="0" algn="r" rtl="0">
               <a:spcBef>
                 <a:spcPts val="0"/>
               </a:spcBef>
@@ -8881,7 +9068,7 @@
       </p:sp>
     </p:spTree>
   </p:cSld>
-  <p:clrMap accent1="accent1" accent2="accent2" accent3="accent3" accent4="accent4" accent5="accent5" accent6="accent6" bg1="lt1" bg2="dk2" tx1="dk1" tx2="lt2" folHlink="folHlink" hlink="hlink"/>
+  <p:clrMap bg1="lt1" tx1="dk1" bg2="dk2" tx2="lt2" accent1="accent1" accent2="accent2" accent3="accent3" accent4="accent4" accent5="accent5" accent6="accent6" hlink="hlink" folHlink="folHlink"/>
   <p:sldLayoutIdLst>
     <p:sldLayoutId id="2147483648" r:id="rId1"/>
     <p:sldLayoutId id="2147483649" r:id="rId2"/>
@@ -8895,10 +9082,10 @@
     <p:sldLayoutId id="2147483657" r:id="rId10"/>
     <p:sldLayoutId id="2147483658" r:id="rId11"/>
   </p:sldLayoutIdLst>
-  <p:hf dt="0" ftr="0" hdr="0" sldNum="0"/>
+  <p:hf sldNum="0" hdr="0" ftr="0" dt="0"/>
   <p:txStyles>
     <p:titleStyle>
-      <a:defPPr lvl="0" marR="0" rtl="0" algn="l">
+      <a:defPPr marR="0" lvl="0" algn="l" rtl="0">
         <a:lnSpc>
           <a:spcPct val="100000"/>
         </a:lnSpc>
@@ -8909,7 +9096,7 @@
           <a:spcPts val="0"/>
         </a:spcAft>
       </a:defPPr>
-      <a:lvl1pPr lvl="0" marR="0" rtl="0" algn="l">
+      <a:lvl1pPr marR="0" lvl="0" algn="l" rtl="0">
         <a:lnSpc>
           <a:spcPct val="100000"/>
         </a:lnSpc>
@@ -8923,7 +9110,7 @@
           <a:srgbClr val="000000"/>
         </a:buClr>
         <a:buFont typeface="Arial"/>
-        <a:defRPr b="0" i="0" sz="1400" u="none" cap="none" strike="noStrike">
+        <a:defRPr sz="1400" b="0" i="0" u="none" strike="noStrike" cap="none">
           <a:solidFill>
             <a:srgbClr val="000000"/>
           </a:solidFill>
@@ -8933,7 +9120,7 @@
           <a:sym typeface="Arial"/>
         </a:defRPr>
       </a:lvl1pPr>
-      <a:lvl2pPr lvl="1" marR="0" rtl="0" algn="l">
+      <a:lvl2pPr marR="0" lvl="1" algn="l" rtl="0">
         <a:lnSpc>
           <a:spcPct val="100000"/>
         </a:lnSpc>
@@ -8947,7 +9134,7 @@
           <a:srgbClr val="000000"/>
         </a:buClr>
         <a:buFont typeface="Arial"/>
-        <a:defRPr b="0" i="0" sz="1400" u="none" cap="none" strike="noStrike">
+        <a:defRPr sz="1400" b="0" i="0" u="none" strike="noStrike" cap="none">
           <a:solidFill>
             <a:srgbClr val="000000"/>
           </a:solidFill>
@@ -8957,7 +9144,7 @@
           <a:sym typeface="Arial"/>
         </a:defRPr>
       </a:lvl2pPr>
-      <a:lvl3pPr lvl="2" marR="0" rtl="0" algn="l">
+      <a:lvl3pPr marR="0" lvl="2" algn="l" rtl="0">
         <a:lnSpc>
           <a:spcPct val="100000"/>
         </a:lnSpc>
@@ -8971,7 +9158,7 @@
           <a:srgbClr val="000000"/>
         </a:buClr>
         <a:buFont typeface="Arial"/>
-        <a:defRPr b="0" i="0" sz="1400" u="none" cap="none" strike="noStrike">
+        <a:defRPr sz="1400" b="0" i="0" u="none" strike="noStrike" cap="none">
           <a:solidFill>
             <a:srgbClr val="000000"/>
           </a:solidFill>
@@ -8981,7 +9168,7 @@
           <a:sym typeface="Arial"/>
         </a:defRPr>
       </a:lvl3pPr>
-      <a:lvl4pPr lvl="3" marR="0" rtl="0" algn="l">
+      <a:lvl4pPr marR="0" lvl="3" algn="l" rtl="0">
         <a:lnSpc>
           <a:spcPct val="100000"/>
         </a:lnSpc>
@@ -8995,7 +9182,7 @@
           <a:srgbClr val="000000"/>
         </a:buClr>
         <a:buFont typeface="Arial"/>
-        <a:defRPr b="0" i="0" sz="1400" u="none" cap="none" strike="noStrike">
+        <a:defRPr sz="1400" b="0" i="0" u="none" strike="noStrike" cap="none">
           <a:solidFill>
             <a:srgbClr val="000000"/>
           </a:solidFill>
@@ -9005,7 +9192,7 @@
           <a:sym typeface="Arial"/>
         </a:defRPr>
       </a:lvl4pPr>
-      <a:lvl5pPr lvl="4" marR="0" rtl="0" algn="l">
+      <a:lvl5pPr marR="0" lvl="4" algn="l" rtl="0">
         <a:lnSpc>
           <a:spcPct val="100000"/>
         </a:lnSpc>
@@ -9019,7 +9206,7 @@
           <a:srgbClr val="000000"/>
         </a:buClr>
         <a:buFont typeface="Arial"/>
-        <a:defRPr b="0" i="0" sz="1400" u="none" cap="none" strike="noStrike">
+        <a:defRPr sz="1400" b="0" i="0" u="none" strike="noStrike" cap="none">
           <a:solidFill>
             <a:srgbClr val="000000"/>
           </a:solidFill>
@@ -9029,7 +9216,7 @@
           <a:sym typeface="Arial"/>
         </a:defRPr>
       </a:lvl5pPr>
-      <a:lvl6pPr lvl="5" marR="0" rtl="0" algn="l">
+      <a:lvl6pPr marR="0" lvl="5" algn="l" rtl="0">
         <a:lnSpc>
           <a:spcPct val="100000"/>
         </a:lnSpc>
@@ -9043,7 +9230,7 @@
           <a:srgbClr val="000000"/>
         </a:buClr>
         <a:buFont typeface="Arial"/>
-        <a:defRPr b="0" i="0" sz="1400" u="none" cap="none" strike="noStrike">
+        <a:defRPr sz="1400" b="0" i="0" u="none" strike="noStrike" cap="none">
           <a:solidFill>
             <a:srgbClr val="000000"/>
           </a:solidFill>
@@ -9053,7 +9240,7 @@
           <a:sym typeface="Arial"/>
         </a:defRPr>
       </a:lvl6pPr>
-      <a:lvl7pPr lvl="6" marR="0" rtl="0" algn="l">
+      <a:lvl7pPr marR="0" lvl="6" algn="l" rtl="0">
         <a:lnSpc>
           <a:spcPct val="100000"/>
         </a:lnSpc>
@@ -9067,7 +9254,7 @@
           <a:srgbClr val="000000"/>
         </a:buClr>
         <a:buFont typeface="Arial"/>
-        <a:defRPr b="0" i="0" sz="1400" u="none" cap="none" strike="noStrike">
+        <a:defRPr sz="1400" b="0" i="0" u="none" strike="noStrike" cap="none">
           <a:solidFill>
             <a:srgbClr val="000000"/>
           </a:solidFill>
@@ -9077,7 +9264,7 @@
           <a:sym typeface="Arial"/>
         </a:defRPr>
       </a:lvl7pPr>
-      <a:lvl8pPr lvl="7" marR="0" rtl="0" algn="l">
+      <a:lvl8pPr marR="0" lvl="7" algn="l" rtl="0">
         <a:lnSpc>
           <a:spcPct val="100000"/>
         </a:lnSpc>
@@ -9091,7 +9278,7 @@
           <a:srgbClr val="000000"/>
         </a:buClr>
         <a:buFont typeface="Arial"/>
-        <a:defRPr b="0" i="0" sz="1400" u="none" cap="none" strike="noStrike">
+        <a:defRPr sz="1400" b="0" i="0" u="none" strike="noStrike" cap="none">
           <a:solidFill>
             <a:srgbClr val="000000"/>
           </a:solidFill>
@@ -9101,7 +9288,7 @@
           <a:sym typeface="Arial"/>
         </a:defRPr>
       </a:lvl8pPr>
-      <a:lvl9pPr lvl="8" marR="0" rtl="0" algn="l">
+      <a:lvl9pPr marR="0" lvl="8" algn="l" rtl="0">
         <a:lnSpc>
           <a:spcPct val="100000"/>
         </a:lnSpc>
@@ -9115,7 +9302,7 @@
           <a:srgbClr val="000000"/>
         </a:buClr>
         <a:buFont typeface="Arial"/>
-        <a:defRPr b="0" i="0" sz="1400" u="none" cap="none" strike="noStrike">
+        <a:defRPr sz="1400" b="0" i="0" u="none" strike="noStrike" cap="none">
           <a:solidFill>
             <a:srgbClr val="000000"/>
           </a:solidFill>
@@ -9127,7 +9314,7 @@
       </a:lvl9pPr>
     </p:titleStyle>
     <p:bodyStyle>
-      <a:defPPr lvl="0" marR="0" rtl="0" algn="l">
+      <a:defPPr marR="0" lvl="0" algn="l" rtl="0">
         <a:lnSpc>
           <a:spcPct val="100000"/>
         </a:lnSpc>
@@ -9138,7 +9325,7 @@
           <a:spcPts val="0"/>
         </a:spcAft>
       </a:defPPr>
-      <a:lvl1pPr lvl="0" marR="0" rtl="0" algn="l">
+      <a:lvl1pPr marR="0" lvl="0" algn="l" rtl="0">
         <a:lnSpc>
           <a:spcPct val="100000"/>
         </a:lnSpc>
@@ -9152,7 +9339,7 @@
           <a:srgbClr val="000000"/>
         </a:buClr>
         <a:buFont typeface="Arial"/>
-        <a:defRPr b="0" i="0" sz="1400" u="none" cap="none" strike="noStrike">
+        <a:defRPr sz="1400" b="0" i="0" u="none" strike="noStrike" cap="none">
           <a:solidFill>
             <a:srgbClr val="000000"/>
           </a:solidFill>
@@ -9162,7 +9349,7 @@
           <a:sym typeface="Arial"/>
         </a:defRPr>
       </a:lvl1pPr>
-      <a:lvl2pPr lvl="1" marR="0" rtl="0" algn="l">
+      <a:lvl2pPr marR="0" lvl="1" algn="l" rtl="0">
         <a:lnSpc>
           <a:spcPct val="100000"/>
         </a:lnSpc>
@@ -9176,7 +9363,7 @@
           <a:srgbClr val="000000"/>
         </a:buClr>
         <a:buFont typeface="Arial"/>
-        <a:defRPr b="0" i="0" sz="1400" u="none" cap="none" strike="noStrike">
+        <a:defRPr sz="1400" b="0" i="0" u="none" strike="noStrike" cap="none">
           <a:solidFill>
             <a:srgbClr val="000000"/>
           </a:solidFill>
@@ -9186,7 +9373,7 @@
           <a:sym typeface="Arial"/>
         </a:defRPr>
       </a:lvl2pPr>
-      <a:lvl3pPr lvl="2" marR="0" rtl="0" algn="l">
+      <a:lvl3pPr marR="0" lvl="2" algn="l" rtl="0">
         <a:lnSpc>
           <a:spcPct val="100000"/>
         </a:lnSpc>
@@ -9200,7 +9387,7 @@
           <a:srgbClr val="000000"/>
         </a:buClr>
         <a:buFont typeface="Arial"/>
-        <a:defRPr b="0" i="0" sz="1400" u="none" cap="none" strike="noStrike">
+        <a:defRPr sz="1400" b="0" i="0" u="none" strike="noStrike" cap="none">
           <a:solidFill>
             <a:srgbClr val="000000"/>
           </a:solidFill>
@@ -9210,7 +9397,7 @@
           <a:sym typeface="Arial"/>
         </a:defRPr>
       </a:lvl3pPr>
-      <a:lvl4pPr lvl="3" marR="0" rtl="0" algn="l">
+      <a:lvl4pPr marR="0" lvl="3" algn="l" rtl="0">
         <a:lnSpc>
           <a:spcPct val="100000"/>
         </a:lnSpc>
@@ -9224,7 +9411,7 @@
           <a:srgbClr val="000000"/>
         </a:buClr>
         <a:buFont typeface="Arial"/>
-        <a:defRPr b="0" i="0" sz="1400" u="none" cap="none" strike="noStrike">
+        <a:defRPr sz="1400" b="0" i="0" u="none" strike="noStrike" cap="none">
           <a:solidFill>
             <a:srgbClr val="000000"/>
           </a:solidFill>
@@ -9234,7 +9421,7 @@
           <a:sym typeface="Arial"/>
         </a:defRPr>
       </a:lvl4pPr>
-      <a:lvl5pPr lvl="4" marR="0" rtl="0" algn="l">
+      <a:lvl5pPr marR="0" lvl="4" algn="l" rtl="0">
         <a:lnSpc>
           <a:spcPct val="100000"/>
         </a:lnSpc>
@@ -9248,7 +9435,7 @@
           <a:srgbClr val="000000"/>
         </a:buClr>
         <a:buFont typeface="Arial"/>
-        <a:defRPr b="0" i="0" sz="1400" u="none" cap="none" strike="noStrike">
+        <a:defRPr sz="1400" b="0" i="0" u="none" strike="noStrike" cap="none">
           <a:solidFill>
             <a:srgbClr val="000000"/>
           </a:solidFill>
@@ -9258,7 +9445,7 @@
           <a:sym typeface="Arial"/>
         </a:defRPr>
       </a:lvl5pPr>
-      <a:lvl6pPr lvl="5" marR="0" rtl="0" algn="l">
+      <a:lvl6pPr marR="0" lvl="5" algn="l" rtl="0">
         <a:lnSpc>
           <a:spcPct val="100000"/>
         </a:lnSpc>
@@ -9272,7 +9459,7 @@
           <a:srgbClr val="000000"/>
         </a:buClr>
         <a:buFont typeface="Arial"/>
-        <a:defRPr b="0" i="0" sz="1400" u="none" cap="none" strike="noStrike">
+        <a:defRPr sz="1400" b="0" i="0" u="none" strike="noStrike" cap="none">
           <a:solidFill>
             <a:srgbClr val="000000"/>
           </a:solidFill>
@@ -9282,7 +9469,7 @@
           <a:sym typeface="Arial"/>
         </a:defRPr>
       </a:lvl6pPr>
-      <a:lvl7pPr lvl="6" marR="0" rtl="0" algn="l">
+      <a:lvl7pPr marR="0" lvl="6" algn="l" rtl="0">
         <a:lnSpc>
           <a:spcPct val="100000"/>
         </a:lnSpc>
@@ -9296,7 +9483,7 @@
           <a:srgbClr val="000000"/>
         </a:buClr>
         <a:buFont typeface="Arial"/>
-        <a:defRPr b="0" i="0" sz="1400" u="none" cap="none" strike="noStrike">
+        <a:defRPr sz="1400" b="0" i="0" u="none" strike="noStrike" cap="none">
           <a:solidFill>
             <a:srgbClr val="000000"/>
           </a:solidFill>
@@ -9306,7 +9493,7 @@
           <a:sym typeface="Arial"/>
         </a:defRPr>
       </a:lvl7pPr>
-      <a:lvl8pPr lvl="7" marR="0" rtl="0" algn="l">
+      <a:lvl8pPr marR="0" lvl="7" algn="l" rtl="0">
         <a:lnSpc>
           <a:spcPct val="100000"/>
         </a:lnSpc>
@@ -9320,7 +9507,7 @@
           <a:srgbClr val="000000"/>
         </a:buClr>
         <a:buFont typeface="Arial"/>
-        <a:defRPr b="0" i="0" sz="1400" u="none" cap="none" strike="noStrike">
+        <a:defRPr sz="1400" b="0" i="0" u="none" strike="noStrike" cap="none">
           <a:solidFill>
             <a:srgbClr val="000000"/>
           </a:solidFill>
@@ -9330,7 +9517,7 @@
           <a:sym typeface="Arial"/>
         </a:defRPr>
       </a:lvl8pPr>
-      <a:lvl9pPr lvl="8" marR="0" rtl="0" algn="l">
+      <a:lvl9pPr marR="0" lvl="8" algn="l" rtl="0">
         <a:lnSpc>
           <a:spcPct val="100000"/>
         </a:lnSpc>
@@ -9344,7 +9531,7 @@
           <a:srgbClr val="000000"/>
         </a:buClr>
         <a:buFont typeface="Arial"/>
-        <a:defRPr b="0" i="0" sz="1400" u="none" cap="none" strike="noStrike">
+        <a:defRPr sz="1400" b="0" i="0" u="none" strike="noStrike" cap="none">
           <a:solidFill>
             <a:srgbClr val="000000"/>
           </a:solidFill>
@@ -9356,7 +9543,7 @@
       </a:lvl9pPr>
     </p:bodyStyle>
     <p:otherStyle>
-      <a:defPPr lvl="0" marR="0" rtl="0" algn="l">
+      <a:defPPr marR="0" lvl="0" algn="l" rtl="0">
         <a:lnSpc>
           <a:spcPct val="100000"/>
         </a:lnSpc>
@@ -9367,7 +9554,7 @@
           <a:spcPts val="0"/>
         </a:spcAft>
       </a:defPPr>
-      <a:lvl1pPr lvl="0" marR="0" rtl="0" algn="l">
+      <a:lvl1pPr marR="0" lvl="0" algn="l" rtl="0">
         <a:lnSpc>
           <a:spcPct val="100000"/>
         </a:lnSpc>
@@ -9381,7 +9568,7 @@
           <a:srgbClr val="000000"/>
         </a:buClr>
         <a:buFont typeface="Arial"/>
-        <a:defRPr b="0" i="0" sz="1400" u="none" cap="none" strike="noStrike">
+        <a:defRPr sz="1400" b="0" i="0" u="none" strike="noStrike" cap="none">
           <a:solidFill>
             <a:srgbClr val="000000"/>
           </a:solidFill>
@@ -9391,7 +9578,7 @@
           <a:sym typeface="Arial"/>
         </a:defRPr>
       </a:lvl1pPr>
-      <a:lvl2pPr lvl="1" marR="0" rtl="0" algn="l">
+      <a:lvl2pPr marR="0" lvl="1" algn="l" rtl="0">
         <a:lnSpc>
           <a:spcPct val="100000"/>
         </a:lnSpc>
@@ -9405,7 +9592,7 @@
           <a:srgbClr val="000000"/>
         </a:buClr>
         <a:buFont typeface="Arial"/>
-        <a:defRPr b="0" i="0" sz="1400" u="none" cap="none" strike="noStrike">
+        <a:defRPr sz="1400" b="0" i="0" u="none" strike="noStrike" cap="none">
           <a:solidFill>
             <a:srgbClr val="000000"/>
           </a:solidFill>
@@ -9415,7 +9602,7 @@
           <a:sym typeface="Arial"/>
         </a:defRPr>
       </a:lvl2pPr>
-      <a:lvl3pPr lvl="2" marR="0" rtl="0" algn="l">
+      <a:lvl3pPr marR="0" lvl="2" algn="l" rtl="0">
         <a:lnSpc>
           <a:spcPct val="100000"/>
         </a:lnSpc>
@@ -9429,7 +9616,7 @@
           <a:srgbClr val="000000"/>
         </a:buClr>
         <a:buFont typeface="Arial"/>
-        <a:defRPr b="0" i="0" sz="1400" u="none" cap="none" strike="noStrike">
+        <a:defRPr sz="1400" b="0" i="0" u="none" strike="noStrike" cap="none">
           <a:solidFill>
             <a:srgbClr val="000000"/>
           </a:solidFill>
@@ -9439,7 +9626,7 @@
           <a:sym typeface="Arial"/>
         </a:defRPr>
       </a:lvl3pPr>
-      <a:lvl4pPr lvl="3" marR="0" rtl="0" algn="l">
+      <a:lvl4pPr marR="0" lvl="3" algn="l" rtl="0">
         <a:lnSpc>
           <a:spcPct val="100000"/>
         </a:lnSpc>
@@ -9453,7 +9640,7 @@
           <a:srgbClr val="000000"/>
         </a:buClr>
         <a:buFont typeface="Arial"/>
-        <a:defRPr b="0" i="0" sz="1400" u="none" cap="none" strike="noStrike">
+        <a:defRPr sz="1400" b="0" i="0" u="none" strike="noStrike" cap="none">
           <a:solidFill>
             <a:srgbClr val="000000"/>
           </a:solidFill>
@@ -9463,7 +9650,7 @@
           <a:sym typeface="Arial"/>
         </a:defRPr>
       </a:lvl4pPr>
-      <a:lvl5pPr lvl="4" marR="0" rtl="0" algn="l">
+      <a:lvl5pPr marR="0" lvl="4" algn="l" rtl="0">
         <a:lnSpc>
           <a:spcPct val="100000"/>
         </a:lnSpc>
@@ -9477,7 +9664,7 @@
           <a:srgbClr val="000000"/>
         </a:buClr>
         <a:buFont typeface="Arial"/>
-        <a:defRPr b="0" i="0" sz="1400" u="none" cap="none" strike="noStrike">
+        <a:defRPr sz="1400" b="0" i="0" u="none" strike="noStrike" cap="none">
           <a:solidFill>
             <a:srgbClr val="000000"/>
           </a:solidFill>
@@ -9487,7 +9674,7 @@
           <a:sym typeface="Arial"/>
         </a:defRPr>
       </a:lvl5pPr>
-      <a:lvl6pPr lvl="5" marR="0" rtl="0" algn="l">
+      <a:lvl6pPr marR="0" lvl="5" algn="l" rtl="0">
         <a:lnSpc>
           <a:spcPct val="100000"/>
         </a:lnSpc>
@@ -9501,7 +9688,7 @@
           <a:srgbClr val="000000"/>
         </a:buClr>
         <a:buFont typeface="Arial"/>
-        <a:defRPr b="0" i="0" sz="1400" u="none" cap="none" strike="noStrike">
+        <a:defRPr sz="1400" b="0" i="0" u="none" strike="noStrike" cap="none">
           <a:solidFill>
             <a:srgbClr val="000000"/>
           </a:solidFill>
@@ -9511,7 +9698,7 @@
           <a:sym typeface="Arial"/>
         </a:defRPr>
       </a:lvl6pPr>
-      <a:lvl7pPr lvl="6" marR="0" rtl="0" algn="l">
+      <a:lvl7pPr marR="0" lvl="6" algn="l" rtl="0">
         <a:lnSpc>
           <a:spcPct val="100000"/>
         </a:lnSpc>
@@ -9525,7 +9712,7 @@
           <a:srgbClr val="000000"/>
         </a:buClr>
         <a:buFont typeface="Arial"/>
-        <a:defRPr b="0" i="0" sz="1400" u="none" cap="none" strike="noStrike">
+        <a:defRPr sz="1400" b="0" i="0" u="none" strike="noStrike" cap="none">
           <a:solidFill>
             <a:srgbClr val="000000"/>
           </a:solidFill>
@@ -9535,7 +9722,7 @@
           <a:sym typeface="Arial"/>
         </a:defRPr>
       </a:lvl7pPr>
-      <a:lvl8pPr lvl="7" marR="0" rtl="0" algn="l">
+      <a:lvl8pPr marR="0" lvl="7" algn="l" rtl="0">
         <a:lnSpc>
           <a:spcPct val="100000"/>
         </a:lnSpc>
@@ -9549,7 +9736,7 @@
           <a:srgbClr val="000000"/>
         </a:buClr>
         <a:buFont typeface="Arial"/>
-        <a:defRPr b="0" i="0" sz="1400" u="none" cap="none" strike="noStrike">
+        <a:defRPr sz="1400" b="0" i="0" u="none" strike="noStrike" cap="none">
           <a:solidFill>
             <a:srgbClr val="000000"/>
           </a:solidFill>
@@ -9559,7 +9746,7 @@
           <a:sym typeface="Arial"/>
         </a:defRPr>
       </a:lvl8pPr>
-      <a:lvl9pPr lvl="8" marR="0" rtl="0" algn="l">
+      <a:lvl9pPr marR="0" lvl="8" algn="l" rtl="0">
         <a:lnSpc>
           <a:spcPct val="100000"/>
         </a:lnSpc>
@@ -9573,7 +9760,7 @@
           <a:srgbClr val="000000"/>
         </a:buClr>
         <a:buFont typeface="Arial"/>
-        <a:defRPr b="0" i="0" sz="1400" u="none" cap="none" strike="noStrike">
+        <a:defRPr sz="1400" b="0" i="0" u="none" strike="noStrike" cap="none">
           <a:solidFill>
             <a:srgbClr val="000000"/>
           </a:solidFill>
@@ -9589,11 +9776,11 @@
 </file>
 
 <file path=ppt/slides/slide1.xml><?xml version="1.0" encoding="utf-8"?>
-<p:sld xmlns:a="http://schemas.openxmlformats.org/drawingml/2006/main" xmlns:r="http://schemas.openxmlformats.org/officeDocument/2006/relationships" xmlns:mc="http://schemas.openxmlformats.org/markup-compatibility/2006" xmlns:mv="urn:schemas-microsoft-com:mac:vml" xmlns:p="http://schemas.openxmlformats.org/presentationml/2006/main" xmlns:c="http://schemas.openxmlformats.org/drawingml/2006/chart" xmlns:dgm="http://schemas.openxmlformats.org/drawingml/2006/diagram" xmlns:o="urn:schemas-microsoft-com:office:office" xmlns:v="urn:schemas-microsoft-com:vml" xmlns:pvml="urn:schemas-microsoft-com:office:powerpoint" xmlns:com="http://schemas.openxmlformats.org/drawingml/2006/compatibility" xmlns:p14="http://schemas.microsoft.com/office/powerpoint/2010/main" xmlns:p15="http://schemas.microsoft.com/office/powerpoint/2012/main" xmlns:ahyp="http://schemas.microsoft.com/office/drawing/2018/hyperlinkcolor">
+<p:sld xmlns:a="http://schemas.openxmlformats.org/drawingml/2006/main" xmlns:r="http://schemas.openxmlformats.org/officeDocument/2006/relationships" xmlns:p="http://schemas.openxmlformats.org/presentationml/2006/main">
   <p:cSld>
     <p:spTree>
       <p:nvGrpSpPr>
-        <p:cNvPr id="85" name="Shape 85"/>
+        <p:cNvPr id="1" name="Shape 85"/>
         <p:cNvGrpSpPr/>
         <p:nvPr/>
       </p:nvGrpSpPr>
@@ -9608,7 +9795,9 @@
       <p:sp>
         <p:nvSpPr>
           <p:cNvPr id="86" name="Google Shape;86;p13"/>
-          <p:cNvSpPr txBox="1"/>
+          <p:cNvSpPr txBox="1">
+            <a:spLocks noGrp="1"/>
+          </p:cNvSpPr>
           <p:nvPr>
             <p:ph type="ctrTitle"/>
           </p:nvPr>
@@ -9623,12 +9812,12 @@
           </a:prstGeom>
         </p:spPr>
         <p:txBody>
-          <a:bodyPr anchorCtr="0" anchor="t" bIns="91425" lIns="91425" spcFirstLastPara="1" rIns="91425" wrap="square" tIns="91425">
+          <a:bodyPr spcFirstLastPara="1" wrap="square" lIns="91425" tIns="91425" rIns="91425" bIns="91425" anchor="t" anchorCtr="0">
             <a:normAutofit/>
           </a:bodyPr>
           <a:lstStyle/>
           <a:p>
-            <a:pPr indent="0" lvl="0" marL="0" rtl="0" algn="l">
+            <a:pPr marL="0" lvl="0" indent="0" algn="l" rtl="0">
               <a:spcBef>
                 <a:spcPts val="0"/>
               </a:spcBef>
@@ -9639,7 +9828,7 @@
               <a:buNone/>
             </a:pPr>
             <a:r>
-              <a:rPr lang="zh-TW" sz="4100">
+              <a:rPr lang="zh-TW" sz="4100" dirty="0">
                 <a:solidFill>
                   <a:srgbClr val="000000"/>
                 </a:solidFill>
@@ -9647,21 +9836,21 @@
               <a:t>透</a:t>
             </a:r>
             <a:r>
-              <a:rPr b="1" lang="zh-TW" sz="4100">
+              <a:rPr lang="zh-TW" sz="4100" b="1" dirty="0">
                 <a:solidFill>
                   <a:srgbClr val="000000"/>
                 </a:solidFill>
               </a:rPr>
               <a:t>過加法器</a:t>
             </a:r>
-            <a:endParaRPr b="1" sz="4100">
+            <a:endParaRPr sz="4100" b="1" dirty="0">
               <a:solidFill>
                 <a:srgbClr val="000000"/>
               </a:solidFill>
             </a:endParaRPr>
           </a:p>
           <a:p>
-            <a:pPr indent="0" lvl="0" marL="0" rtl="0" algn="ctr">
+            <a:pPr marL="0" lvl="0" indent="0" algn="ctr" rtl="0">
               <a:spcBef>
                 <a:spcPts val="0"/>
               </a:spcBef>
@@ -9672,7 +9861,7 @@
               <a:buNone/>
             </a:pPr>
             <a:r>
-              <a:rPr b="1" lang="zh-TW" sz="4100">
+              <a:rPr lang="zh-TW" sz="4100" b="1" dirty="0">
                 <a:solidFill>
                   <a:srgbClr val="000000"/>
                 </a:solidFill>
@@ -9680,14 +9869,14 @@
               <a:t>在IBM量子電路上實現糾錯算法</a:t>
             </a:r>
             <a:r>
-              <a:rPr lang="zh-TW" sz="4100">
+              <a:rPr lang="zh-TW" sz="4100" dirty="0">
                 <a:solidFill>
                   <a:srgbClr val="FFFFFF"/>
                 </a:solidFill>
               </a:rPr>
               <a:t>​</a:t>
             </a:r>
-            <a:endParaRPr sz="2480">
+            <a:endParaRPr sz="2480" dirty="0">
               <a:solidFill>
                 <a:srgbClr val="FFFFFF"/>
               </a:solidFill>
@@ -9698,9 +9887,11 @@
       <p:sp>
         <p:nvSpPr>
           <p:cNvPr id="87" name="Google Shape;87;p13"/>
-          <p:cNvSpPr txBox="1"/>
+          <p:cNvSpPr txBox="1">
+            <a:spLocks noGrp="1"/>
+          </p:cNvSpPr>
           <p:nvPr>
-            <p:ph idx="1" type="subTitle"/>
+            <p:ph type="subTitle" idx="1"/>
           </p:nvPr>
         </p:nvSpPr>
         <p:spPr>
@@ -9713,12 +9904,12 @@
           </a:prstGeom>
         </p:spPr>
         <p:txBody>
-          <a:bodyPr anchorCtr="0" anchor="t" bIns="91425" lIns="91425" spcFirstLastPara="1" rIns="91425" wrap="square" tIns="91425">
+          <a:bodyPr spcFirstLastPara="1" wrap="square" lIns="91425" tIns="91425" rIns="91425" bIns="91425" anchor="t" anchorCtr="0">
             <a:normAutofit fontScale="77500"/>
           </a:bodyPr>
           <a:lstStyle/>
           <a:p>
-            <a:pPr indent="0" lvl="0" marL="0" rtl="0" algn="l">
+            <a:pPr marL="0" lvl="0" indent="0" algn="l" rtl="0">
               <a:lnSpc>
                 <a:spcPct val="115000"/>
               </a:lnSpc>
@@ -9736,7 +9927,7 @@
               <a:buNone/>
             </a:pPr>
             <a:r>
-              <a:rPr lang="zh-TW" sz="2400">
+              <a:rPr lang="zh-TW" sz="2400" dirty="0">
                 <a:solidFill>
                   <a:srgbClr val="000000"/>
                 </a:solidFill>
@@ -9750,7 +9941,7 @@
               </a:rPr>
               <a:t>曾品元 江庭瑄</a:t>
             </a:r>
-            <a:endParaRPr/>
+            <a:endParaRPr dirty="0"/>
           </a:p>
         </p:txBody>
       </p:sp>
@@ -9763,11 +9954,11 @@
 </file>
 
 <file path=ppt/slides/slide10.xml><?xml version="1.0" encoding="utf-8"?>
-<p:sld xmlns:a="http://schemas.openxmlformats.org/drawingml/2006/main" xmlns:r="http://schemas.openxmlformats.org/officeDocument/2006/relationships" xmlns:mc="http://schemas.openxmlformats.org/markup-compatibility/2006" xmlns:mv="urn:schemas-microsoft-com:mac:vml" xmlns:p="http://schemas.openxmlformats.org/presentationml/2006/main" xmlns:c="http://schemas.openxmlformats.org/drawingml/2006/chart" xmlns:dgm="http://schemas.openxmlformats.org/drawingml/2006/diagram" xmlns:o="urn:schemas-microsoft-com:office:office" xmlns:v="urn:schemas-microsoft-com:vml" xmlns:pvml="urn:schemas-microsoft-com:office:powerpoint" xmlns:com="http://schemas.openxmlformats.org/drawingml/2006/compatibility" xmlns:p14="http://schemas.microsoft.com/office/powerpoint/2010/main" xmlns:p15="http://schemas.microsoft.com/office/powerpoint/2012/main" xmlns:ahyp="http://schemas.microsoft.com/office/drawing/2018/hyperlinkcolor">
+<p:sld xmlns:a="http://schemas.openxmlformats.org/drawingml/2006/main" xmlns:r="http://schemas.openxmlformats.org/officeDocument/2006/relationships" xmlns:p="http://schemas.openxmlformats.org/presentationml/2006/main">
   <p:cSld>
     <p:spTree>
       <p:nvGrpSpPr>
-        <p:cNvPr id="141" name="Shape 141"/>
+        <p:cNvPr id="1" name="Shape 141"/>
         <p:cNvGrpSpPr/>
         <p:nvPr/>
       </p:nvGrpSpPr>
@@ -9782,7 +9973,9 @@
       <p:sp>
         <p:nvSpPr>
           <p:cNvPr id="142" name="Google Shape;142;p22"/>
-          <p:cNvSpPr txBox="1"/>
+          <p:cNvSpPr txBox="1">
+            <a:spLocks noGrp="1"/>
+          </p:cNvSpPr>
           <p:nvPr>
             <p:ph type="title"/>
           </p:nvPr>
@@ -9797,12 +9990,12 @@
           </a:prstGeom>
         </p:spPr>
         <p:txBody>
-          <a:bodyPr anchorCtr="0" anchor="t" bIns="91425" lIns="91425" spcFirstLastPara="1" rIns="91425" wrap="square" tIns="91425">
+          <a:bodyPr spcFirstLastPara="1" wrap="square" lIns="91425" tIns="91425" rIns="91425" bIns="91425" anchor="t" anchorCtr="0">
             <a:normAutofit fontScale="90000"/>
           </a:bodyPr>
           <a:lstStyle/>
           <a:p>
-            <a:pPr indent="0" lvl="0" marL="0" rtl="0" algn="l">
+            <a:pPr marL="0" lvl="0" indent="0" algn="l" rtl="0">
               <a:spcBef>
                 <a:spcPts val="0"/>
               </a:spcBef>
@@ -9828,7 +10021,7 @@
             </a:endParaRPr>
           </a:p>
           <a:p>
-            <a:pPr indent="0" lvl="0" marL="0" rtl="0" algn="l">
+            <a:pPr marL="0" lvl="0" indent="0" algn="l" rtl="0">
               <a:spcBef>
                 <a:spcPts val="0"/>
               </a:spcBef>
@@ -9837,9 +10030,6 @@
               </a:spcAft>
               <a:buNone/>
             </a:pPr>
-            <a:r>
-              <a:t/>
-            </a:r>
             <a:endParaRPr/>
           </a:p>
         </p:txBody>
@@ -9854,7 +10044,7 @@
           <a:blip r:embed="rId3">
             <a:alphaModFix/>
           </a:blip>
-          <a:srcRect b="2559" l="8600" r="0" t="8559"/>
+          <a:srcRect l="8600" t="8559" b="2559"/>
           <a:stretch/>
         </p:blipFill>
         <p:spPr>
@@ -9880,11 +10070,11 @@
 </file>
 
 <file path=ppt/slides/slide11.xml><?xml version="1.0" encoding="utf-8"?>
-<p:sld xmlns:a="http://schemas.openxmlformats.org/drawingml/2006/main" xmlns:r="http://schemas.openxmlformats.org/officeDocument/2006/relationships" xmlns:mc="http://schemas.openxmlformats.org/markup-compatibility/2006" xmlns:mv="urn:schemas-microsoft-com:mac:vml" xmlns:p="http://schemas.openxmlformats.org/presentationml/2006/main" xmlns:c="http://schemas.openxmlformats.org/drawingml/2006/chart" xmlns:dgm="http://schemas.openxmlformats.org/drawingml/2006/diagram" xmlns:o="urn:schemas-microsoft-com:office:office" xmlns:v="urn:schemas-microsoft-com:vml" xmlns:pvml="urn:schemas-microsoft-com:office:powerpoint" xmlns:com="http://schemas.openxmlformats.org/drawingml/2006/compatibility" xmlns:p14="http://schemas.microsoft.com/office/powerpoint/2010/main" xmlns:p15="http://schemas.microsoft.com/office/powerpoint/2012/main" xmlns:ahyp="http://schemas.microsoft.com/office/drawing/2018/hyperlinkcolor">
+<p:sld xmlns:a="http://schemas.openxmlformats.org/drawingml/2006/main" xmlns:r="http://schemas.openxmlformats.org/officeDocument/2006/relationships" xmlns:p="http://schemas.openxmlformats.org/presentationml/2006/main">
   <p:cSld>
     <p:spTree>
       <p:nvGrpSpPr>
-        <p:cNvPr id="147" name="Shape 147"/>
+        <p:cNvPr id="1" name="Shape 147"/>
         <p:cNvGrpSpPr/>
         <p:nvPr/>
       </p:nvGrpSpPr>
@@ -9899,7 +10089,9 @@
       <p:sp>
         <p:nvSpPr>
           <p:cNvPr id="148" name="Google Shape;148;p23"/>
-          <p:cNvSpPr txBox="1"/>
+          <p:cNvSpPr txBox="1">
+            <a:spLocks noGrp="1"/>
+          </p:cNvSpPr>
           <p:nvPr>
             <p:ph type="title"/>
           </p:nvPr>
@@ -9914,12 +10106,12 @@
           </a:prstGeom>
         </p:spPr>
         <p:txBody>
-          <a:bodyPr anchorCtr="0" anchor="t" bIns="91425" lIns="91425" spcFirstLastPara="1" rIns="91425" wrap="square" tIns="91425">
+          <a:bodyPr spcFirstLastPara="1" wrap="square" lIns="91425" tIns="91425" rIns="91425" bIns="91425" anchor="t" anchorCtr="0">
             <a:normAutofit fontScale="90000"/>
           </a:bodyPr>
           <a:lstStyle/>
           <a:p>
-            <a:pPr indent="0" lvl="0" marL="0" rtl="0" algn="l">
+            <a:pPr marL="0" lvl="0" indent="0" algn="l" rtl="0">
               <a:spcBef>
                 <a:spcPts val="0"/>
               </a:spcBef>
@@ -9973,11 +10165,11 @@
 </file>
 
 <file path=ppt/slides/slide12.xml><?xml version="1.0" encoding="utf-8"?>
-<p:sld xmlns:a="http://schemas.openxmlformats.org/drawingml/2006/main" xmlns:r="http://schemas.openxmlformats.org/officeDocument/2006/relationships" xmlns:mc="http://schemas.openxmlformats.org/markup-compatibility/2006" xmlns:mv="urn:schemas-microsoft-com:mac:vml" xmlns:p="http://schemas.openxmlformats.org/presentationml/2006/main" xmlns:c="http://schemas.openxmlformats.org/drawingml/2006/chart" xmlns:dgm="http://schemas.openxmlformats.org/drawingml/2006/diagram" xmlns:o="urn:schemas-microsoft-com:office:office" xmlns:v="urn:schemas-microsoft-com:vml" xmlns:pvml="urn:schemas-microsoft-com:office:powerpoint" xmlns:com="http://schemas.openxmlformats.org/drawingml/2006/compatibility" xmlns:p14="http://schemas.microsoft.com/office/powerpoint/2010/main" xmlns:p15="http://schemas.microsoft.com/office/powerpoint/2012/main" xmlns:ahyp="http://schemas.microsoft.com/office/drawing/2018/hyperlinkcolor">
+<p:sld xmlns:a="http://schemas.openxmlformats.org/drawingml/2006/main" xmlns:r="http://schemas.openxmlformats.org/officeDocument/2006/relationships" xmlns:p="http://schemas.openxmlformats.org/presentationml/2006/main">
   <p:cSld>
     <p:spTree>
       <p:nvGrpSpPr>
-        <p:cNvPr id="153" name="Shape 153"/>
+        <p:cNvPr id="1" name="Shape 153"/>
         <p:cNvGrpSpPr/>
         <p:nvPr/>
       </p:nvGrpSpPr>
@@ -9992,14 +10184,16 @@
       <p:sp>
         <p:nvSpPr>
           <p:cNvPr id="154" name="Google Shape;154;p24"/>
-          <p:cNvSpPr txBox="1"/>
+          <p:cNvSpPr txBox="1">
+            <a:spLocks noGrp="1"/>
+          </p:cNvSpPr>
           <p:nvPr>
             <p:ph type="title"/>
           </p:nvPr>
         </p:nvSpPr>
         <p:spPr>
           <a:xfrm>
-            <a:off x="729450" y="1318650"/>
+            <a:off x="729450" y="1374255"/>
             <a:ext cx="7688700" cy="535200"/>
           </a:xfrm>
           <a:prstGeom prst="rect">
@@ -10007,12 +10201,12 @@
           </a:prstGeom>
         </p:spPr>
         <p:txBody>
-          <a:bodyPr anchorCtr="0" anchor="t" bIns="91425" lIns="91425" spcFirstLastPara="1" rIns="91425" wrap="square" tIns="91425">
+          <a:bodyPr spcFirstLastPara="1" wrap="square" lIns="91425" tIns="91425" rIns="91425" bIns="91425" anchor="t" anchorCtr="0">
             <a:normAutofit fontScale="90000"/>
           </a:bodyPr>
           <a:lstStyle/>
           <a:p>
-            <a:pPr indent="0" lvl="0" marL="0" rtl="0" algn="l">
+            <a:pPr marL="0" lvl="0" indent="0" algn="l" rtl="0">
               <a:spcBef>
                 <a:spcPts val="0"/>
               </a:spcBef>
@@ -10038,7 +10232,7 @@
             </a:endParaRPr>
           </a:p>
           <a:p>
-            <a:pPr indent="0" lvl="0" marL="0" rtl="0" algn="l">
+            <a:pPr marL="0" lvl="0" indent="0" algn="l" rtl="0">
               <a:spcBef>
                 <a:spcPts val="0"/>
               </a:spcBef>
@@ -10047,9 +10241,6 @@
               </a:spcAft>
               <a:buNone/>
             </a:pPr>
-            <a:r>
-              <a:t/>
-            </a:r>
             <a:endParaRPr/>
           </a:p>
         </p:txBody>
@@ -10057,9 +10248,11 @@
       <p:sp>
         <p:nvSpPr>
           <p:cNvPr id="155" name="Google Shape;155;p24"/>
-          <p:cNvSpPr txBox="1"/>
+          <p:cNvSpPr txBox="1">
+            <a:spLocks noGrp="1"/>
+          </p:cNvSpPr>
           <p:nvPr>
-            <p:ph idx="1" type="body"/>
+            <p:ph type="body" idx="1"/>
           </p:nvPr>
         </p:nvSpPr>
         <p:spPr>
@@ -10072,12 +10265,12 @@
           </a:prstGeom>
         </p:spPr>
         <p:txBody>
-          <a:bodyPr anchorCtr="0" anchor="t" bIns="91425" lIns="91425" spcFirstLastPara="1" rIns="91425" wrap="square" tIns="91425">
+          <a:bodyPr spcFirstLastPara="1" wrap="square" lIns="91425" tIns="91425" rIns="91425" bIns="91425" anchor="t" anchorCtr="0">
             <a:noAutofit/>
           </a:bodyPr>
           <a:lstStyle/>
           <a:p>
-            <a:pPr indent="0" lvl="0" marL="0" rtl="0" algn="l">
+            <a:pPr marL="0" lvl="0" indent="0" algn="l" rtl="0">
               <a:spcBef>
                 <a:spcPts val="0"/>
               </a:spcBef>
@@ -10087,7 +10280,7 @@
               <a:buNone/>
             </a:pPr>
             <a:r>
-              <a:rPr lang="zh-TW" sz="2300">
+              <a:rPr lang="zh-TW" sz="2300" dirty="0">
                 <a:solidFill>
                   <a:srgbClr val="666666"/>
                 </a:solidFill>
@@ -10098,7 +10291,7 @@
               </a:rPr>
               <a:t>000101 -&gt; 000000</a:t>
             </a:r>
-            <a:endParaRPr sz="2300">
+            <a:endParaRPr sz="2300" dirty="0">
               <a:solidFill>
                 <a:srgbClr val="666666"/>
               </a:solidFill>
@@ -10109,7 +10302,7 @@
             </a:endParaRPr>
           </a:p>
           <a:p>
-            <a:pPr indent="0" lvl="0" marL="0" rtl="0" algn="l">
+            <a:pPr marL="0" lvl="0" indent="0" algn="l" rtl="0">
               <a:spcBef>
                 <a:spcPts val="1200"/>
               </a:spcBef>
@@ -10119,7 +10312,7 @@
               <a:buNone/>
             </a:pPr>
             <a:r>
-              <a:rPr lang="zh-TW" sz="2300">
+              <a:rPr lang="zh-TW" sz="2300" dirty="0">
                 <a:solidFill>
                   <a:srgbClr val="666666"/>
                 </a:solidFill>
@@ -10128,21 +10321,9 @@
                 <a:cs typeface="Comic Sans MS"/>
                 <a:sym typeface="Comic Sans MS"/>
               </a:rPr>
-              <a:t>000110 -&gt; </a:t>
+              <a:t>000110 -&gt; 000110 (Error)</a:t>
             </a:r>
-            <a:r>
-              <a:rPr lang="zh-TW" sz="2300">
-                <a:solidFill>
-                  <a:srgbClr val="666666"/>
-                </a:solidFill>
-                <a:latin typeface="Comic Sans MS"/>
-                <a:ea typeface="Comic Sans MS"/>
-                <a:cs typeface="Comic Sans MS"/>
-                <a:sym typeface="Comic Sans MS"/>
-              </a:rPr>
-              <a:t>000110 (Error)</a:t>
-            </a:r>
-            <a:endParaRPr sz="2000">
+            <a:endParaRPr sz="2000" dirty="0">
               <a:solidFill>
                 <a:srgbClr val="666666"/>
               </a:solidFill>
@@ -10163,11 +10344,11 @@
 </file>
 
 <file path=ppt/slides/slide13.xml><?xml version="1.0" encoding="utf-8"?>
-<p:sld xmlns:a="http://schemas.openxmlformats.org/drawingml/2006/main" xmlns:r="http://schemas.openxmlformats.org/officeDocument/2006/relationships" xmlns:mc="http://schemas.openxmlformats.org/markup-compatibility/2006" xmlns:mv="urn:schemas-microsoft-com:mac:vml" xmlns:p="http://schemas.openxmlformats.org/presentationml/2006/main" xmlns:c="http://schemas.openxmlformats.org/drawingml/2006/chart" xmlns:dgm="http://schemas.openxmlformats.org/drawingml/2006/diagram" xmlns:o="urn:schemas-microsoft-com:office:office" xmlns:v="urn:schemas-microsoft-com:vml" xmlns:pvml="urn:schemas-microsoft-com:office:powerpoint" xmlns:com="http://schemas.openxmlformats.org/drawingml/2006/compatibility" xmlns:p14="http://schemas.microsoft.com/office/powerpoint/2010/main" xmlns:p15="http://schemas.microsoft.com/office/powerpoint/2012/main" xmlns:ahyp="http://schemas.microsoft.com/office/drawing/2018/hyperlinkcolor">
+<p:sld xmlns:a="http://schemas.openxmlformats.org/drawingml/2006/main" xmlns:r="http://schemas.openxmlformats.org/officeDocument/2006/relationships" xmlns:p="http://schemas.openxmlformats.org/presentationml/2006/main">
   <p:cSld>
     <p:spTree>
       <p:nvGrpSpPr>
-        <p:cNvPr id="159" name="Shape 159"/>
+        <p:cNvPr id="1" name="Shape 159"/>
         <p:cNvGrpSpPr/>
         <p:nvPr/>
       </p:nvGrpSpPr>
@@ -10182,7 +10363,9 @@
       <p:sp>
         <p:nvSpPr>
           <p:cNvPr id="160" name="Google Shape;160;p25"/>
-          <p:cNvSpPr txBox="1"/>
+          <p:cNvSpPr txBox="1">
+            <a:spLocks noGrp="1"/>
+          </p:cNvSpPr>
           <p:nvPr>
             <p:ph type="title"/>
           </p:nvPr>
@@ -10197,12 +10380,12 @@
           </a:prstGeom>
         </p:spPr>
         <p:txBody>
-          <a:bodyPr anchorCtr="0" anchor="t" bIns="91425" lIns="91425" spcFirstLastPara="1" rIns="91425" wrap="square" tIns="91425">
+          <a:bodyPr spcFirstLastPara="1" wrap="square" lIns="91425" tIns="91425" rIns="91425" bIns="91425" anchor="t" anchorCtr="0">
             <a:normAutofit fontScale="90000"/>
           </a:bodyPr>
           <a:lstStyle/>
           <a:p>
-            <a:pPr indent="0" lvl="0" marL="0" rtl="0" algn="l">
+            <a:pPr marL="0" lvl="0" indent="0" algn="l" rtl="0">
               <a:spcBef>
                 <a:spcPts val="0"/>
               </a:spcBef>
@@ -10212,7 +10395,7 @@
               <a:buNone/>
             </a:pPr>
             <a:r>
-              <a:rPr lang="zh-TW">
+              <a:rPr lang="zh-TW" dirty="0">
                 <a:latin typeface="Arial"/>
                 <a:ea typeface="Arial"/>
                 <a:cs typeface="Arial"/>
@@ -10221,14 +10404,14 @@
               <a:t>use bias [-2, 0, 1]：</a:t>
             </a:r>
             <a:r>
-              <a:rPr lang="zh-TW" sz="2822">
+              <a:rPr lang="zh-TW" sz="2822" dirty="0">
                 <a:solidFill>
                   <a:srgbClr val="666666"/>
                 </a:solidFill>
               </a:rPr>
               <a:t>000110 -&gt; 000100 -&gt; 000000</a:t>
             </a:r>
-            <a:endParaRPr sz="3822"/>
+            <a:endParaRPr sz="3822" dirty="0"/>
           </a:p>
         </p:txBody>
       </p:sp>
@@ -10269,11 +10452,11 @@
 </file>
 
 <file path=ppt/slides/slide14.xml><?xml version="1.0" encoding="utf-8"?>
-<p:sld xmlns:a="http://schemas.openxmlformats.org/drawingml/2006/main" xmlns:r="http://schemas.openxmlformats.org/officeDocument/2006/relationships" xmlns:mc="http://schemas.openxmlformats.org/markup-compatibility/2006" xmlns:mv="urn:schemas-microsoft-com:mac:vml" xmlns:p="http://schemas.openxmlformats.org/presentationml/2006/main" xmlns:c="http://schemas.openxmlformats.org/drawingml/2006/chart" xmlns:dgm="http://schemas.openxmlformats.org/drawingml/2006/diagram" xmlns:o="urn:schemas-microsoft-com:office:office" xmlns:v="urn:schemas-microsoft-com:vml" xmlns:pvml="urn:schemas-microsoft-com:office:powerpoint" xmlns:com="http://schemas.openxmlformats.org/drawingml/2006/compatibility" xmlns:p14="http://schemas.microsoft.com/office/powerpoint/2010/main" xmlns:p15="http://schemas.microsoft.com/office/powerpoint/2012/main" xmlns:ahyp="http://schemas.microsoft.com/office/drawing/2018/hyperlinkcolor">
+<p:sld xmlns:a="http://schemas.openxmlformats.org/drawingml/2006/main" xmlns:r="http://schemas.openxmlformats.org/officeDocument/2006/relationships" xmlns:p="http://schemas.openxmlformats.org/presentationml/2006/main">
   <p:cSld>
     <p:spTree>
       <p:nvGrpSpPr>
-        <p:cNvPr id="165" name="Shape 165"/>
+        <p:cNvPr id="1" name="Shape 165"/>
         <p:cNvGrpSpPr/>
         <p:nvPr/>
       </p:nvGrpSpPr>
@@ -10295,7 +10478,7 @@
           <a:blip r:embed="rId3">
             <a:alphaModFix/>
           </a:blip>
-          <a:srcRect b="0" l="7902" r="8916" t="0"/>
+          <a:srcRect l="7902" r="8916"/>
           <a:stretch/>
         </p:blipFill>
         <p:spPr>
@@ -10322,7 +10505,7 @@
           <a:blip r:embed="rId4">
             <a:alphaModFix/>
           </a:blip>
-          <a:srcRect b="0" l="7547" r="7555" t="0"/>
+          <a:srcRect l="7547" r="7555"/>
           <a:stretch/>
         </p:blipFill>
         <p:spPr>
@@ -10348,11 +10531,11 @@
 </file>
 
 <file path=ppt/slides/slide15.xml><?xml version="1.0" encoding="utf-8"?>
-<p:sld xmlns:a="http://schemas.openxmlformats.org/drawingml/2006/main" xmlns:r="http://schemas.openxmlformats.org/officeDocument/2006/relationships" xmlns:mc="http://schemas.openxmlformats.org/markup-compatibility/2006" xmlns:mv="urn:schemas-microsoft-com:mac:vml" xmlns:p="http://schemas.openxmlformats.org/presentationml/2006/main" xmlns:c="http://schemas.openxmlformats.org/drawingml/2006/chart" xmlns:dgm="http://schemas.openxmlformats.org/drawingml/2006/diagram" xmlns:o="urn:schemas-microsoft-com:office:office" xmlns:v="urn:schemas-microsoft-com:vml" xmlns:pvml="urn:schemas-microsoft-com:office:powerpoint" xmlns:com="http://schemas.openxmlformats.org/drawingml/2006/compatibility" xmlns:p14="http://schemas.microsoft.com/office/powerpoint/2010/main" xmlns:p15="http://schemas.microsoft.com/office/powerpoint/2012/main" xmlns:ahyp="http://schemas.microsoft.com/office/drawing/2018/hyperlinkcolor">
+<p:sld xmlns:a="http://schemas.openxmlformats.org/drawingml/2006/main" xmlns:r="http://schemas.openxmlformats.org/officeDocument/2006/relationships" xmlns:p="http://schemas.openxmlformats.org/presentationml/2006/main">
   <p:cSld>
     <p:spTree>
       <p:nvGrpSpPr>
-        <p:cNvPr id="171" name="Shape 171"/>
+        <p:cNvPr id="1" name="Shape 171"/>
         <p:cNvGrpSpPr/>
         <p:nvPr/>
       </p:nvGrpSpPr>
@@ -10367,7 +10550,9 @@
       <p:sp>
         <p:nvSpPr>
           <p:cNvPr id="172" name="Google Shape;172;p27"/>
-          <p:cNvSpPr txBox="1"/>
+          <p:cNvSpPr txBox="1">
+            <a:spLocks noGrp="1"/>
+          </p:cNvSpPr>
           <p:nvPr>
             <p:ph type="title"/>
           </p:nvPr>
@@ -10382,12 +10567,12 @@
           </a:prstGeom>
         </p:spPr>
         <p:txBody>
-          <a:bodyPr anchorCtr="0" anchor="t" bIns="91425" lIns="91425" spcFirstLastPara="1" rIns="91425" wrap="square" tIns="91425">
+          <a:bodyPr spcFirstLastPara="1" wrap="square" lIns="91425" tIns="91425" rIns="91425" bIns="91425" anchor="t" anchorCtr="0">
             <a:normAutofit fontScale="90000"/>
           </a:bodyPr>
           <a:lstStyle/>
           <a:p>
-            <a:pPr indent="0" lvl="0" marL="0" rtl="0" algn="l">
+            <a:pPr marL="0" lvl="0" indent="0" algn="l" rtl="0">
               <a:spcBef>
                 <a:spcPts val="0"/>
               </a:spcBef>
@@ -10397,19 +10582,21 @@
               <a:buNone/>
             </a:pPr>
             <a:r>
-              <a:rPr lang="zh-TW"/>
+              <a:rPr lang="zh-TW" dirty="0"/>
               <a:t>virous problem</a:t>
             </a:r>
-            <a:endParaRPr/>
+            <a:endParaRPr dirty="0"/>
           </a:p>
         </p:txBody>
       </p:sp>
       <p:sp>
         <p:nvSpPr>
           <p:cNvPr id="173" name="Google Shape;173;p27"/>
-          <p:cNvSpPr txBox="1"/>
+          <p:cNvSpPr txBox="1">
+            <a:spLocks noGrp="1"/>
+          </p:cNvSpPr>
           <p:nvPr>
-            <p:ph idx="1" type="body"/>
+            <p:ph type="body" idx="1"/>
           </p:nvPr>
         </p:nvSpPr>
         <p:spPr>
@@ -10422,12 +10609,12 @@
           </a:prstGeom>
         </p:spPr>
         <p:txBody>
-          <a:bodyPr anchorCtr="0" anchor="t" bIns="91425" lIns="91425" spcFirstLastPara="1" rIns="91425" wrap="square" tIns="91425">
-            <a:normAutofit lnSpcReduction="10000"/>
+          <a:bodyPr spcFirstLastPara="1" wrap="square" lIns="91425" tIns="91425" rIns="91425" bIns="91425" anchor="t" anchorCtr="0">
+            <a:normAutofit fontScale="92500" lnSpcReduction="20000"/>
           </a:bodyPr>
           <a:lstStyle/>
           <a:p>
-            <a:pPr indent="0" lvl="0" marL="0" rtl="0" algn="l">
+            <a:pPr marL="0" lvl="0" indent="0" algn="l" rtl="0">
               <a:spcBef>
                 <a:spcPts val="0"/>
               </a:spcBef>
@@ -10437,17 +10624,45 @@
               <a:buNone/>
             </a:pPr>
             <a:r>
-              <a:rPr b="1" lang="zh-TW" sz="1700"/>
-              <a:t>take [-1,0,1] as an </a:t>
+              <a:rPr lang="zh-TW" sz="1700" b="1" dirty="0"/>
+              <a:t>take [-</a:t>
             </a:r>
             <a:r>
-              <a:rPr b="1" lang="zh-TW" sz="1700"/>
-              <a:t>example(start from index 0)：</a:t>
+              <a:rPr lang="en-US" altLang="zh-TW" sz="1700" b="1" dirty="0"/>
+              <a:t>2</a:t>
             </a:r>
-            <a:endParaRPr b="1" sz="1700"/>
+            <a:r>
+              <a:rPr lang="zh-TW" sz="1700" b="1" dirty="0"/>
+              <a:t>,</a:t>
+            </a:r>
+            <a:r>
+              <a:rPr lang="en-US" altLang="zh-TW" sz="1700" b="1" dirty="0"/>
+              <a:t>-1</a:t>
+            </a:r>
+            <a:r>
+              <a:rPr lang="zh-TW" sz="1700" b="1" dirty="0"/>
+              <a:t>,</a:t>
+            </a:r>
+            <a:r>
+              <a:rPr lang="en-US" altLang="zh-TW" sz="1700" b="1" dirty="0"/>
+              <a:t>0</a:t>
+            </a:r>
+            <a:r>
+              <a:rPr lang="zh-TW" sz="1700" b="1" dirty="0"/>
+              <a:t>] </a:t>
+            </a:r>
+            <a:r>
+              <a:rPr lang="en-US" altLang="zh-TW" sz="1700" b="1" dirty="0"/>
+              <a:t>correct 0 </a:t>
+            </a:r>
+            <a:r>
+              <a:rPr lang="zh-TW" sz="1700" b="1" dirty="0"/>
+              <a:t>as an example(start from index 0)：</a:t>
+            </a:r>
+            <a:endParaRPr sz="1700" b="1" dirty="0"/>
           </a:p>
           <a:p>
-            <a:pPr indent="0" lvl="0" marL="0" rtl="0" algn="l">
+            <a:pPr marL="0" lvl="0" indent="0" algn="l" rtl="0">
               <a:spcBef>
                 <a:spcPts val="1200"/>
               </a:spcBef>
@@ -10457,21 +10672,21 @@
               <a:buNone/>
             </a:pPr>
             <a:r>
-              <a:rPr lang="zh-TW" sz="1800">
+              <a:rPr lang="zh-TW" sz="1800" dirty="0">
                 <a:solidFill>
                   <a:srgbClr val="666666"/>
                 </a:solidFill>
               </a:rPr>
               <a:t>100001</a:t>
             </a:r>
-            <a:endParaRPr sz="1800">
+            <a:endParaRPr sz="1800" dirty="0">
               <a:solidFill>
                 <a:srgbClr val="666666"/>
               </a:solidFill>
             </a:endParaRPr>
           </a:p>
           <a:p>
-            <a:pPr indent="0" lvl="0" marL="0" rtl="0" algn="l">
+            <a:pPr marL="0" lvl="0" indent="0" algn="l" rtl="0">
               <a:spcBef>
                 <a:spcPts val="1200"/>
               </a:spcBef>
@@ -10481,21 +10696,21 @@
               <a:buNone/>
             </a:pPr>
             <a:r>
-              <a:rPr lang="zh-TW" sz="1800">
+              <a:rPr lang="zh-TW" sz="1800" dirty="0">
                 <a:solidFill>
                   <a:srgbClr val="666666"/>
                 </a:solidFill>
               </a:rPr>
               <a:t>-&gt;100001</a:t>
             </a:r>
-            <a:endParaRPr sz="1800">
+            <a:endParaRPr sz="1800" dirty="0">
               <a:solidFill>
                 <a:srgbClr val="666666"/>
               </a:solidFill>
             </a:endParaRPr>
           </a:p>
           <a:p>
-            <a:pPr indent="0" lvl="0" marL="0" rtl="0" algn="l">
+            <a:pPr marL="0" lvl="0" indent="0" algn="l" rtl="0">
               <a:spcBef>
                 <a:spcPts val="1200"/>
               </a:spcBef>
@@ -10505,21 +10720,21 @@
               <a:buNone/>
             </a:pPr>
             <a:r>
-              <a:rPr lang="zh-TW" sz="1800">
+              <a:rPr lang="zh-TW" sz="1800" dirty="0">
                 <a:solidFill>
                   <a:srgbClr val="666666"/>
                 </a:solidFill>
               </a:rPr>
               <a:t>-&gt;110001</a:t>
             </a:r>
-            <a:endParaRPr sz="1800">
+            <a:endParaRPr sz="1800" dirty="0">
               <a:solidFill>
                 <a:srgbClr val="666666"/>
               </a:solidFill>
             </a:endParaRPr>
           </a:p>
           <a:p>
-            <a:pPr indent="0" lvl="0" marL="0" rtl="0" algn="l">
+            <a:pPr marL="0" lvl="0" indent="0" algn="l" rtl="0">
               <a:spcBef>
                 <a:spcPts val="1200"/>
               </a:spcBef>
@@ -10529,14 +10744,14 @@
               <a:buNone/>
             </a:pPr>
             <a:r>
-              <a:rPr lang="zh-TW" sz="1800">
+              <a:rPr lang="zh-TW" sz="1800" dirty="0">
                 <a:solidFill>
                   <a:srgbClr val="666666"/>
                 </a:solidFill>
               </a:rPr>
               <a:t>-&gt;111001 …..</a:t>
             </a:r>
-            <a:endParaRPr sz="1800">
+            <a:endParaRPr sz="1800" dirty="0">
               <a:solidFill>
                 <a:srgbClr val="666666"/>
               </a:solidFill>
@@ -10553,11 +10768,11 @@
 </file>
 
 <file path=ppt/slides/slide16.xml><?xml version="1.0" encoding="utf-8"?>
-<p:sld xmlns:a="http://schemas.openxmlformats.org/drawingml/2006/main" xmlns:r="http://schemas.openxmlformats.org/officeDocument/2006/relationships" xmlns:mc="http://schemas.openxmlformats.org/markup-compatibility/2006" xmlns:mv="urn:schemas-microsoft-com:mac:vml" xmlns:p="http://schemas.openxmlformats.org/presentationml/2006/main" xmlns:c="http://schemas.openxmlformats.org/drawingml/2006/chart" xmlns:dgm="http://schemas.openxmlformats.org/drawingml/2006/diagram" xmlns:o="urn:schemas-microsoft-com:office:office" xmlns:v="urn:schemas-microsoft-com:vml" xmlns:pvml="urn:schemas-microsoft-com:office:powerpoint" xmlns:com="http://schemas.openxmlformats.org/drawingml/2006/compatibility" xmlns:p14="http://schemas.microsoft.com/office/powerpoint/2010/main" xmlns:p15="http://schemas.microsoft.com/office/powerpoint/2012/main" xmlns:ahyp="http://schemas.microsoft.com/office/drawing/2018/hyperlinkcolor">
+<p:sld xmlns:a="http://schemas.openxmlformats.org/drawingml/2006/main" xmlns:r="http://schemas.openxmlformats.org/officeDocument/2006/relationships" xmlns:p="http://schemas.openxmlformats.org/presentationml/2006/main">
   <p:cSld>
     <p:spTree>
       <p:nvGrpSpPr>
-        <p:cNvPr id="177" name="Shape 177"/>
+        <p:cNvPr id="1" name="Shape 177"/>
         <p:cNvGrpSpPr/>
         <p:nvPr/>
       </p:nvGrpSpPr>
@@ -10572,7 +10787,9 @@
       <p:sp>
         <p:nvSpPr>
           <p:cNvPr id="178" name="Google Shape;178;p28"/>
-          <p:cNvSpPr txBox="1"/>
+          <p:cNvSpPr txBox="1">
+            <a:spLocks noGrp="1"/>
+          </p:cNvSpPr>
           <p:nvPr>
             <p:ph type="title"/>
           </p:nvPr>
@@ -10587,12 +10804,12 @@
           </a:prstGeom>
         </p:spPr>
         <p:txBody>
-          <a:bodyPr anchorCtr="0" anchor="t" bIns="91425" lIns="91425" spcFirstLastPara="1" rIns="91425" wrap="square" tIns="91425">
+          <a:bodyPr spcFirstLastPara="1" wrap="square" lIns="91425" tIns="91425" rIns="91425" bIns="91425" anchor="t" anchorCtr="0">
             <a:normAutofit fontScale="90000"/>
           </a:bodyPr>
           <a:lstStyle/>
           <a:p>
-            <a:pPr indent="0" lvl="0" marL="0" rtl="0" algn="l">
+            <a:pPr marL="0" lvl="0" indent="0" algn="l" rtl="0">
               <a:spcBef>
                 <a:spcPts val="0"/>
               </a:spcBef>
@@ -10612,9 +10829,11 @@
       <p:sp>
         <p:nvSpPr>
           <p:cNvPr id="179" name="Google Shape;179;p28"/>
-          <p:cNvSpPr txBox="1"/>
+          <p:cNvSpPr txBox="1">
+            <a:spLocks noGrp="1"/>
+          </p:cNvSpPr>
           <p:nvPr>
-            <p:ph idx="1" type="body"/>
+            <p:ph type="body" idx="1"/>
           </p:nvPr>
         </p:nvSpPr>
         <p:spPr>
@@ -10627,12 +10846,12 @@
           </a:prstGeom>
         </p:spPr>
         <p:txBody>
-          <a:bodyPr anchorCtr="0" anchor="t" bIns="91425" lIns="91425" spcFirstLastPara="1" rIns="91425" wrap="square" tIns="91425">
+          <a:bodyPr spcFirstLastPara="1" wrap="square" lIns="91425" tIns="91425" rIns="91425" bIns="91425" anchor="t" anchorCtr="0">
             <a:noAutofit/>
           </a:bodyPr>
           <a:lstStyle/>
           <a:p>
-            <a:pPr indent="0" lvl="0" marL="0" rtl="0" algn="l">
+            <a:pPr marL="0" lvl="0" indent="0" algn="l" rtl="0">
               <a:lnSpc>
                 <a:spcPct val="95000"/>
               </a:lnSpc>
@@ -10646,29 +10865,13 @@
               <a:buNone/>
             </a:pPr>
             <a:r>
-              <a:rPr lang="zh-TW" sz="1505"/>
-              <a:t>wait until all </a:t>
+              <a:rPr lang="zh-TW" sz="1505" dirty="0"/>
+              <a:t>wait until all calculations are completed, write back (use [-2,0,1] bias)</a:t>
             </a:r>
-            <a:r>
-              <a:rPr lang="zh-TW" sz="1505"/>
-              <a:t>calculations are</a:t>
-            </a:r>
-            <a:r>
-              <a:rPr lang="zh-TW" sz="1505"/>
-              <a:t> </a:t>
-            </a:r>
-            <a:r>
-              <a:rPr lang="zh-TW" sz="1505"/>
-              <a:t>completed,</a:t>
-            </a:r>
-            <a:r>
-              <a:rPr lang="zh-TW" sz="1505"/>
-              <a:t> write back (use [-2,0,1] bias)</a:t>
-            </a:r>
-            <a:endParaRPr sz="1505"/>
+            <a:endParaRPr sz="1505" dirty="0"/>
           </a:p>
           <a:p>
-            <a:pPr indent="0" lvl="0" marL="0" rtl="0" algn="l">
+            <a:pPr marL="0" lvl="0" indent="0" algn="l" rtl="0">
               <a:lnSpc>
                 <a:spcPct val="95000"/>
               </a:lnSpc>
@@ -10682,13 +10885,13 @@
               <a:buNone/>
             </a:pPr>
             <a:r>
-              <a:rPr lang="zh-TW" sz="1505"/>
+              <a:rPr lang="zh-TW" sz="1505" dirty="0"/>
               <a:t>date qubit:       100001</a:t>
             </a:r>
-            <a:endParaRPr sz="1505"/>
+            <a:endParaRPr sz="1505" dirty="0"/>
           </a:p>
           <a:p>
-            <a:pPr indent="0" lvl="0" marL="0" rtl="0" algn="l">
+            <a:pPr marL="0" lvl="0" indent="0" algn="l" rtl="0">
               <a:lnSpc>
                 <a:spcPct val="95000"/>
               </a:lnSpc>
@@ -10702,17 +10905,13 @@
               <a:buNone/>
             </a:pPr>
             <a:r>
-              <a:rPr lang="zh-TW" sz="1505"/>
-              <a:t>support qubit:000000    </a:t>
+              <a:rPr lang="zh-TW" sz="1505" dirty="0"/>
+              <a:t>support qubit:000000    calculate-&gt;</a:t>
             </a:r>
-            <a:r>
-              <a:rPr lang="zh-TW" sz="1505"/>
-              <a:t>calculate-&gt;</a:t>
-            </a:r>
-            <a:endParaRPr sz="1505"/>
+            <a:endParaRPr sz="1505" dirty="0"/>
           </a:p>
           <a:p>
-            <a:pPr indent="0" lvl="0" marL="0" rtl="0" algn="l">
+            <a:pPr marL="0" lvl="0" indent="0" algn="l" rtl="0">
               <a:lnSpc>
                 <a:spcPct val="95000"/>
               </a:lnSpc>
@@ -10726,13 +10925,13 @@
               <a:buNone/>
             </a:pPr>
             <a:r>
-              <a:rPr lang="zh-TW" sz="1505"/>
+              <a:rPr lang="zh-TW" sz="1505" dirty="0"/>
               <a:t>date qubit:       100001</a:t>
             </a:r>
-            <a:endParaRPr sz="1505"/>
+            <a:endParaRPr sz="1505" dirty="0"/>
           </a:p>
           <a:p>
-            <a:pPr indent="0" lvl="0" marL="0" rtl="0" algn="l">
+            <a:pPr marL="0" lvl="0" indent="0" algn="l" rtl="0">
               <a:lnSpc>
                 <a:spcPct val="95000"/>
               </a:lnSpc>
@@ -10746,13 +10945,13 @@
               <a:buNone/>
             </a:pPr>
             <a:r>
-              <a:rPr lang="zh-TW" sz="1505"/>
+              <a:rPr lang="zh-TW" sz="1505" dirty="0"/>
               <a:t>support qubit:000001    copy(write back)</a:t>
             </a:r>
-            <a:endParaRPr sz="1505"/>
+            <a:endParaRPr sz="1505" dirty="0"/>
           </a:p>
           <a:p>
-            <a:pPr indent="0" lvl="0" marL="0" rtl="0" algn="l">
+            <a:pPr marL="0" lvl="0" indent="0" algn="l" rtl="0">
               <a:lnSpc>
                 <a:spcPct val="95000"/>
               </a:lnSpc>
@@ -10766,13 +10965,13 @@
               <a:buNone/>
             </a:pPr>
             <a:r>
-              <a:rPr lang="zh-TW" sz="1505"/>
+              <a:rPr lang="zh-TW" sz="1505" dirty="0"/>
               <a:t>date qubit:       000001</a:t>
             </a:r>
-            <a:endParaRPr sz="1505"/>
+            <a:endParaRPr sz="1505" dirty="0"/>
           </a:p>
           <a:p>
-            <a:pPr indent="0" lvl="0" marL="0" rtl="0" algn="l">
+            <a:pPr marL="0" lvl="0" indent="0" algn="l" rtl="0">
               <a:lnSpc>
                 <a:spcPct val="95000"/>
               </a:lnSpc>
@@ -10786,10 +10985,10 @@
               <a:buNone/>
             </a:pPr>
             <a:r>
-              <a:rPr lang="zh-TW" sz="1505"/>
+              <a:rPr lang="zh-TW" sz="1505" dirty="0"/>
               <a:t>support qubit:000001</a:t>
             </a:r>
-            <a:endParaRPr sz="1505"/>
+            <a:endParaRPr sz="1505" dirty="0"/>
           </a:p>
         </p:txBody>
       </p:sp>
@@ -10802,11 +11001,11 @@
 </file>
 
 <file path=ppt/slides/slide17.xml><?xml version="1.0" encoding="utf-8"?>
-<p:sld xmlns:a="http://schemas.openxmlformats.org/drawingml/2006/main" xmlns:r="http://schemas.openxmlformats.org/officeDocument/2006/relationships" xmlns:mc="http://schemas.openxmlformats.org/markup-compatibility/2006" xmlns:mv="urn:schemas-microsoft-com:mac:vml" xmlns:p="http://schemas.openxmlformats.org/presentationml/2006/main" xmlns:c="http://schemas.openxmlformats.org/drawingml/2006/chart" xmlns:dgm="http://schemas.openxmlformats.org/drawingml/2006/diagram" xmlns:o="urn:schemas-microsoft-com:office:office" xmlns:v="urn:schemas-microsoft-com:vml" xmlns:pvml="urn:schemas-microsoft-com:office:powerpoint" xmlns:com="http://schemas.openxmlformats.org/drawingml/2006/compatibility" xmlns:p14="http://schemas.microsoft.com/office/powerpoint/2010/main" xmlns:p15="http://schemas.microsoft.com/office/powerpoint/2012/main" xmlns:ahyp="http://schemas.microsoft.com/office/drawing/2018/hyperlinkcolor">
+<p:sld xmlns:a="http://schemas.openxmlformats.org/drawingml/2006/main" xmlns:r="http://schemas.openxmlformats.org/officeDocument/2006/relationships" xmlns:p="http://schemas.openxmlformats.org/presentationml/2006/main">
   <p:cSld>
     <p:spTree>
       <p:nvGrpSpPr>
-        <p:cNvPr id="183" name="Shape 183"/>
+        <p:cNvPr id="1" name="Shape 183"/>
         <p:cNvGrpSpPr/>
         <p:nvPr/>
       </p:nvGrpSpPr>
@@ -10828,7 +11027,7 @@
           <a:blip r:embed="rId3">
             <a:alphaModFix/>
           </a:blip>
-          <a:srcRect b="0" l="7118" r="7731" t="0"/>
+          <a:srcRect l="7118" r="7731"/>
           <a:stretch/>
         </p:blipFill>
         <p:spPr>
@@ -10855,7 +11054,7 @@
           <a:blip r:embed="rId4">
             <a:alphaModFix/>
           </a:blip>
-          <a:srcRect b="0" l="7981" r="8174" t="0"/>
+          <a:srcRect l="7981" r="8174"/>
           <a:stretch/>
         </p:blipFill>
         <p:spPr>
@@ -10881,11 +11080,11 @@
 </file>
 
 <file path=ppt/slides/slide18.xml><?xml version="1.0" encoding="utf-8"?>
-<p:sld xmlns:a="http://schemas.openxmlformats.org/drawingml/2006/main" xmlns:r="http://schemas.openxmlformats.org/officeDocument/2006/relationships" xmlns:mc="http://schemas.openxmlformats.org/markup-compatibility/2006" xmlns:mv="urn:schemas-microsoft-com:mac:vml" xmlns:p="http://schemas.openxmlformats.org/presentationml/2006/main" xmlns:c="http://schemas.openxmlformats.org/drawingml/2006/chart" xmlns:dgm="http://schemas.openxmlformats.org/drawingml/2006/diagram" xmlns:o="urn:schemas-microsoft-com:office:office" xmlns:v="urn:schemas-microsoft-com:vml" xmlns:pvml="urn:schemas-microsoft-com:office:powerpoint" xmlns:com="http://schemas.openxmlformats.org/drawingml/2006/compatibility" xmlns:p14="http://schemas.microsoft.com/office/powerpoint/2010/main" xmlns:p15="http://schemas.microsoft.com/office/powerpoint/2012/main" xmlns:ahyp="http://schemas.microsoft.com/office/drawing/2018/hyperlinkcolor">
+<p:sld xmlns:a="http://schemas.openxmlformats.org/drawingml/2006/main" xmlns:r="http://schemas.openxmlformats.org/officeDocument/2006/relationships" xmlns:p="http://schemas.openxmlformats.org/presentationml/2006/main">
   <p:cSld>
     <p:spTree>
       <p:nvGrpSpPr>
-        <p:cNvPr id="189" name="Shape 189"/>
+        <p:cNvPr id="1" name="Shape 189"/>
         <p:cNvGrpSpPr/>
         <p:nvPr/>
       </p:nvGrpSpPr>
@@ -10962,11 +11161,11 @@
 </file>
 
 <file path=ppt/slides/slide19.xml><?xml version="1.0" encoding="utf-8"?>
-<p:sld xmlns:a="http://schemas.openxmlformats.org/drawingml/2006/main" xmlns:r="http://schemas.openxmlformats.org/officeDocument/2006/relationships" xmlns:mc="http://schemas.openxmlformats.org/markup-compatibility/2006" xmlns:mv="urn:schemas-microsoft-com:mac:vml" xmlns:p="http://schemas.openxmlformats.org/presentationml/2006/main" xmlns:c="http://schemas.openxmlformats.org/drawingml/2006/chart" xmlns:dgm="http://schemas.openxmlformats.org/drawingml/2006/diagram" xmlns:o="urn:schemas-microsoft-com:office:office" xmlns:v="urn:schemas-microsoft-com:vml" xmlns:pvml="urn:schemas-microsoft-com:office:powerpoint" xmlns:com="http://schemas.openxmlformats.org/drawingml/2006/compatibility" xmlns:p14="http://schemas.microsoft.com/office/powerpoint/2010/main" xmlns:p15="http://schemas.microsoft.com/office/powerpoint/2012/main" xmlns:ahyp="http://schemas.microsoft.com/office/drawing/2018/hyperlinkcolor">
+<p:sld xmlns:a="http://schemas.openxmlformats.org/drawingml/2006/main" xmlns:r="http://schemas.openxmlformats.org/officeDocument/2006/relationships" xmlns:p="http://schemas.openxmlformats.org/presentationml/2006/main">
   <p:cSld>
     <p:spTree>
       <p:nvGrpSpPr>
-        <p:cNvPr id="195" name="Shape 195"/>
+        <p:cNvPr id="1" name="Shape 195"/>
         <p:cNvGrpSpPr/>
         <p:nvPr/>
       </p:nvGrpSpPr>
@@ -10981,7 +11180,9 @@
       <p:sp>
         <p:nvSpPr>
           <p:cNvPr id="196" name="Google Shape;196;p31"/>
-          <p:cNvSpPr txBox="1"/>
+          <p:cNvSpPr txBox="1">
+            <a:spLocks noGrp="1"/>
+          </p:cNvSpPr>
           <p:nvPr>
             <p:ph type="title"/>
           </p:nvPr>
@@ -10996,12 +11197,12 @@
           </a:prstGeom>
         </p:spPr>
         <p:txBody>
-          <a:bodyPr anchorCtr="0" anchor="t" bIns="91425" lIns="91425" spcFirstLastPara="1" rIns="91425" wrap="square" tIns="91425">
+          <a:bodyPr spcFirstLastPara="1" wrap="square" lIns="91425" tIns="91425" rIns="91425" bIns="91425" anchor="t" anchorCtr="0">
             <a:normAutofit fontScale="90000"/>
           </a:bodyPr>
           <a:lstStyle/>
           <a:p>
-            <a:pPr indent="0" lvl="0" marL="0" rtl="0" algn="l">
+            <a:pPr marL="0" lvl="0" indent="0" algn="l" rtl="0">
               <a:spcBef>
                 <a:spcPts val="0"/>
               </a:spcBef>
@@ -11055,11 +11256,11 @@
 </file>
 
 <file path=ppt/slides/slide2.xml><?xml version="1.0" encoding="utf-8"?>
-<p:sld xmlns:a="http://schemas.openxmlformats.org/drawingml/2006/main" xmlns:r="http://schemas.openxmlformats.org/officeDocument/2006/relationships" xmlns:mc="http://schemas.openxmlformats.org/markup-compatibility/2006" xmlns:mv="urn:schemas-microsoft-com:mac:vml" xmlns:p="http://schemas.openxmlformats.org/presentationml/2006/main" xmlns:c="http://schemas.openxmlformats.org/drawingml/2006/chart" xmlns:dgm="http://schemas.openxmlformats.org/drawingml/2006/diagram" xmlns:o="urn:schemas-microsoft-com:office:office" xmlns:v="urn:schemas-microsoft-com:vml" xmlns:pvml="urn:schemas-microsoft-com:office:powerpoint" xmlns:com="http://schemas.openxmlformats.org/drawingml/2006/compatibility" xmlns:p14="http://schemas.microsoft.com/office/powerpoint/2010/main" xmlns:p15="http://schemas.microsoft.com/office/powerpoint/2012/main" xmlns:ahyp="http://schemas.microsoft.com/office/drawing/2018/hyperlinkcolor">
+<p:sld xmlns:a="http://schemas.openxmlformats.org/drawingml/2006/main" xmlns:r="http://schemas.openxmlformats.org/officeDocument/2006/relationships" xmlns:p="http://schemas.openxmlformats.org/presentationml/2006/main">
   <p:cSld>
     <p:spTree>
       <p:nvGrpSpPr>
-        <p:cNvPr id="91" name="Shape 91"/>
+        <p:cNvPr id="1" name="Shape 91"/>
         <p:cNvGrpSpPr/>
         <p:nvPr/>
       </p:nvGrpSpPr>
@@ -11074,7 +11275,9 @@
       <p:sp>
         <p:nvSpPr>
           <p:cNvPr id="92" name="Google Shape;92;p14"/>
-          <p:cNvSpPr txBox="1"/>
+          <p:cNvSpPr txBox="1">
+            <a:spLocks noGrp="1"/>
+          </p:cNvSpPr>
           <p:nvPr>
             <p:ph type="title"/>
           </p:nvPr>
@@ -11089,12 +11292,12 @@
           </a:prstGeom>
         </p:spPr>
         <p:txBody>
-          <a:bodyPr anchorCtr="0" anchor="t" bIns="91425" lIns="91425" spcFirstLastPara="1" rIns="91425" wrap="square" tIns="91425">
+          <a:bodyPr spcFirstLastPara="1" wrap="square" lIns="91425" tIns="91425" rIns="91425" bIns="91425" anchor="t" anchorCtr="0">
             <a:normAutofit fontScale="90000"/>
           </a:bodyPr>
           <a:lstStyle/>
           <a:p>
-            <a:pPr indent="0" lvl="0" marL="0" rtl="0" algn="l">
+            <a:pPr marL="0" lvl="0" indent="0" algn="l" rtl="0">
               <a:spcBef>
                 <a:spcPts val="0"/>
               </a:spcBef>
@@ -11117,9 +11320,11 @@
       <p:sp>
         <p:nvSpPr>
           <p:cNvPr id="93" name="Google Shape;93;p14"/>
-          <p:cNvSpPr txBox="1"/>
+          <p:cNvSpPr txBox="1">
+            <a:spLocks noGrp="1"/>
+          </p:cNvSpPr>
           <p:nvPr>
-            <p:ph idx="1" type="body"/>
+            <p:ph type="body" idx="1"/>
           </p:nvPr>
         </p:nvSpPr>
         <p:spPr>
@@ -11132,12 +11337,12 @@
           </a:prstGeom>
         </p:spPr>
         <p:txBody>
-          <a:bodyPr anchorCtr="0" anchor="t" bIns="91425" lIns="91425" spcFirstLastPara="1" rIns="91425" wrap="square" tIns="91425">
+          <a:bodyPr spcFirstLastPara="1" wrap="square" lIns="91425" tIns="91425" rIns="91425" bIns="91425" anchor="t" anchorCtr="0">
             <a:noAutofit/>
           </a:bodyPr>
           <a:lstStyle/>
           <a:p>
-            <a:pPr indent="-336550" lvl="0" marL="457200" rtl="0" algn="l">
+            <a:pPr marL="457200" lvl="0" indent="-336550" algn="l" rtl="0">
               <a:lnSpc>
                 <a:spcPct val="150000"/>
               </a:lnSpc>
@@ -11151,13 +11356,13 @@
               <a:buChar char="●"/>
             </a:pPr>
             <a:r>
-              <a:rPr lang="zh-TW" sz="1700"/>
+              <a:rPr lang="zh-TW" sz="1700" dirty="0"/>
               <a:t>Because the qubit of a quantum computer is very sensitive, any external interference may cause errors or decoherence.</a:t>
             </a:r>
-            <a:endParaRPr sz="1700"/>
+            <a:endParaRPr sz="1700" dirty="0"/>
           </a:p>
           <a:p>
-            <a:pPr indent="-336550" lvl="0" marL="457200" rtl="0" algn="l">
+            <a:pPr marL="457200" lvl="0" indent="-336550" algn="l" rtl="0">
               <a:lnSpc>
                 <a:spcPct val="150000"/>
               </a:lnSpc>
@@ -11171,13 +11376,13 @@
               <a:buChar char="●"/>
             </a:pPr>
             <a:r>
-              <a:rPr lang="zh-TW" sz="1700"/>
+              <a:rPr lang="zh-TW" sz="1700" dirty="0"/>
               <a:t>Classical computers also have error correction algorithms, such as ECC (error correction/correcting code).</a:t>
             </a:r>
-            <a:endParaRPr sz="1700"/>
+            <a:endParaRPr sz="1700" dirty="0"/>
           </a:p>
           <a:p>
-            <a:pPr indent="-311150" lvl="0" marL="457200" rtl="0" algn="l">
+            <a:pPr marL="457200" lvl="0" indent="-311150" algn="l" rtl="0">
               <a:lnSpc>
                 <a:spcPct val="150000"/>
               </a:lnSpc>
@@ -11191,11 +11396,11 @@
               <a:buChar char="●"/>
             </a:pPr>
             <a:r>
-              <a:rPr lang="zh-TW" sz="1700"/>
+              <a:rPr lang="zh-TW" sz="1700" dirty="0"/>
               <a:t>Quantum computers have error rates on the order of </a:t>
             </a:r>
             <a:r>
-              <a:rPr lang="zh-TW" sz="1800">
+              <a:rPr lang="zh-TW" sz="1800" dirty="0">
                 <a:solidFill>
                   <a:srgbClr val="000000"/>
                 </a:solidFill>
@@ -11207,7 +11412,7 @@
               <a:t>10</a:t>
             </a:r>
             <a:r>
-              <a:rPr baseline="30000" lang="zh-TW" sz="1800">
+              <a:rPr lang="zh-TW" sz="1800" baseline="30000" dirty="0">
                 <a:solidFill>
                   <a:srgbClr val="000000"/>
                 </a:solidFill>
@@ -11219,11 +11424,11 @@
               <a:t>2</a:t>
             </a:r>
             <a:r>
-              <a:rPr lang="zh-TW" sz="1700"/>
+              <a:rPr lang="zh-TW" sz="1700" dirty="0"/>
               <a:t>到</a:t>
             </a:r>
             <a:r>
-              <a:rPr lang="zh-TW" sz="1800">
+              <a:rPr lang="zh-TW" sz="1800" dirty="0">
                 <a:solidFill>
                   <a:srgbClr val="000000"/>
                 </a:solidFill>
@@ -11235,7 +11440,7 @@
               <a:t>10</a:t>
             </a:r>
             <a:r>
-              <a:rPr baseline="30000" lang="zh-TW" sz="1800">
+              <a:rPr lang="zh-TW" sz="1800" baseline="30000" dirty="0">
                 <a:solidFill>
                   <a:srgbClr val="000000"/>
                 </a:solidFill>
@@ -11246,7 +11451,7 @@
               </a:rPr>
               <a:t>3</a:t>
             </a:r>
-            <a:endParaRPr sz="2300"/>
+            <a:endParaRPr sz="2300" dirty="0"/>
           </a:p>
         </p:txBody>
       </p:sp>
@@ -11259,11 +11464,11 @@
 </file>
 
 <file path=ppt/slides/slide20.xml><?xml version="1.0" encoding="utf-8"?>
-<p:sld xmlns:a="http://schemas.openxmlformats.org/drawingml/2006/main" xmlns:r="http://schemas.openxmlformats.org/officeDocument/2006/relationships" xmlns:mc="http://schemas.openxmlformats.org/markup-compatibility/2006" xmlns:mv="urn:schemas-microsoft-com:mac:vml" xmlns:p="http://schemas.openxmlformats.org/presentationml/2006/main" xmlns:c="http://schemas.openxmlformats.org/drawingml/2006/chart" xmlns:dgm="http://schemas.openxmlformats.org/drawingml/2006/diagram" xmlns:o="urn:schemas-microsoft-com:office:office" xmlns:v="urn:schemas-microsoft-com:vml" xmlns:pvml="urn:schemas-microsoft-com:office:powerpoint" xmlns:com="http://schemas.openxmlformats.org/drawingml/2006/compatibility" xmlns:p14="http://schemas.microsoft.com/office/powerpoint/2010/main" xmlns:p15="http://schemas.microsoft.com/office/powerpoint/2012/main" xmlns:ahyp="http://schemas.microsoft.com/office/drawing/2018/hyperlinkcolor">
+<p:sld xmlns:a="http://schemas.openxmlformats.org/drawingml/2006/main" xmlns:r="http://schemas.openxmlformats.org/officeDocument/2006/relationships" xmlns:p="http://schemas.openxmlformats.org/presentationml/2006/main">
   <p:cSld>
     <p:spTree>
       <p:nvGrpSpPr>
-        <p:cNvPr id="201" name="Shape 201"/>
+        <p:cNvPr id="1" name="Shape 201"/>
         <p:cNvGrpSpPr/>
         <p:nvPr/>
       </p:nvGrpSpPr>
@@ -11312,11 +11517,11 @@
 </file>
 
 <file path=ppt/slides/slide21.xml><?xml version="1.0" encoding="utf-8"?>
-<p:sld xmlns:a="http://schemas.openxmlformats.org/drawingml/2006/main" xmlns:r="http://schemas.openxmlformats.org/officeDocument/2006/relationships" xmlns:mc="http://schemas.openxmlformats.org/markup-compatibility/2006" xmlns:mv="urn:schemas-microsoft-com:mac:vml" xmlns:p="http://schemas.openxmlformats.org/presentationml/2006/main" xmlns:c="http://schemas.openxmlformats.org/drawingml/2006/chart" xmlns:dgm="http://schemas.openxmlformats.org/drawingml/2006/diagram" xmlns:o="urn:schemas-microsoft-com:office:office" xmlns:v="urn:schemas-microsoft-com:vml" xmlns:pvml="urn:schemas-microsoft-com:office:powerpoint" xmlns:com="http://schemas.openxmlformats.org/drawingml/2006/compatibility" xmlns:p14="http://schemas.microsoft.com/office/powerpoint/2010/main" xmlns:p15="http://schemas.microsoft.com/office/powerpoint/2012/main" xmlns:ahyp="http://schemas.microsoft.com/office/drawing/2018/hyperlinkcolor">
+<p:sld xmlns:a="http://schemas.openxmlformats.org/drawingml/2006/main" xmlns:r="http://schemas.openxmlformats.org/officeDocument/2006/relationships" xmlns:p="http://schemas.openxmlformats.org/presentationml/2006/main">
   <p:cSld>
     <p:spTree>
       <p:nvGrpSpPr>
-        <p:cNvPr id="206" name="Shape 206"/>
+        <p:cNvPr id="1" name="Shape 206"/>
         <p:cNvGrpSpPr/>
         <p:nvPr/>
       </p:nvGrpSpPr>
@@ -11365,11 +11570,11 @@
 </file>
 
 <file path=ppt/slides/slide22.xml><?xml version="1.0" encoding="utf-8"?>
-<p:sld xmlns:a="http://schemas.openxmlformats.org/drawingml/2006/main" xmlns:r="http://schemas.openxmlformats.org/officeDocument/2006/relationships" xmlns:mc="http://schemas.openxmlformats.org/markup-compatibility/2006" xmlns:mv="urn:schemas-microsoft-com:mac:vml" xmlns:p="http://schemas.openxmlformats.org/presentationml/2006/main" xmlns:c="http://schemas.openxmlformats.org/drawingml/2006/chart" xmlns:dgm="http://schemas.openxmlformats.org/drawingml/2006/diagram" xmlns:o="urn:schemas-microsoft-com:office:office" xmlns:v="urn:schemas-microsoft-com:vml" xmlns:pvml="urn:schemas-microsoft-com:office:powerpoint" xmlns:com="http://schemas.openxmlformats.org/drawingml/2006/compatibility" xmlns:p14="http://schemas.microsoft.com/office/powerpoint/2010/main" xmlns:p15="http://schemas.microsoft.com/office/powerpoint/2012/main" xmlns:ahyp="http://schemas.microsoft.com/office/drawing/2018/hyperlinkcolor">
+<p:sld xmlns:a="http://schemas.openxmlformats.org/drawingml/2006/main" xmlns:r="http://schemas.openxmlformats.org/officeDocument/2006/relationships" xmlns:p="http://schemas.openxmlformats.org/presentationml/2006/main">
   <p:cSld>
     <p:spTree>
       <p:nvGrpSpPr>
-        <p:cNvPr id="211" name="Shape 211"/>
+        <p:cNvPr id="1" name="Shape 211"/>
         <p:cNvGrpSpPr/>
         <p:nvPr/>
       </p:nvGrpSpPr>
@@ -11384,7 +11589,9 @@
       <p:sp>
         <p:nvSpPr>
           <p:cNvPr id="212" name="Google Shape;212;p34"/>
-          <p:cNvSpPr txBox="1"/>
+          <p:cNvSpPr txBox="1">
+            <a:spLocks noGrp="1"/>
+          </p:cNvSpPr>
           <p:nvPr>
             <p:ph type="title"/>
           </p:nvPr>
@@ -11399,12 +11606,12 @@
           </a:prstGeom>
         </p:spPr>
         <p:txBody>
-          <a:bodyPr anchorCtr="0" anchor="t" bIns="91425" lIns="91425" spcFirstLastPara="1" rIns="91425" wrap="square" tIns="91425">
+          <a:bodyPr spcFirstLastPara="1" wrap="square" lIns="91425" tIns="91425" rIns="91425" bIns="91425" anchor="t" anchorCtr="0">
             <a:normAutofit fontScale="90000"/>
           </a:bodyPr>
           <a:lstStyle/>
           <a:p>
-            <a:pPr indent="0" lvl="0" marL="0" rtl="0" algn="l">
+            <a:pPr marL="0" lvl="0" indent="0" algn="l" rtl="0">
               <a:spcBef>
                 <a:spcPts val="0"/>
               </a:spcBef>
@@ -11424,9 +11631,11 @@
       <p:sp>
         <p:nvSpPr>
           <p:cNvPr id="213" name="Google Shape;213;p34"/>
-          <p:cNvSpPr txBox="1"/>
+          <p:cNvSpPr txBox="1">
+            <a:spLocks noGrp="1"/>
+          </p:cNvSpPr>
           <p:nvPr>
-            <p:ph idx="1" type="body"/>
+            <p:ph type="body" idx="1"/>
           </p:nvPr>
         </p:nvSpPr>
         <p:spPr>
@@ -11439,12 +11648,12 @@
           </a:prstGeom>
         </p:spPr>
         <p:txBody>
-          <a:bodyPr anchorCtr="0" anchor="t" bIns="91425" lIns="91425" spcFirstLastPara="1" rIns="91425" wrap="square" tIns="91425">
+          <a:bodyPr spcFirstLastPara="1" wrap="square" lIns="91425" tIns="91425" rIns="91425" bIns="91425" anchor="t" anchorCtr="0">
             <a:normAutofit/>
           </a:bodyPr>
           <a:lstStyle/>
           <a:p>
-            <a:pPr indent="0" lvl="0" marL="0" rtl="0" algn="l">
+            <a:pPr marL="0" lvl="0" indent="0" algn="l" rtl="0">
               <a:spcBef>
                 <a:spcPts val="0"/>
               </a:spcBef>
@@ -11454,10 +11663,10 @@
               <a:buNone/>
             </a:pPr>
             <a:r>
-              <a:rPr lang="zh-TW" sz="1600"/>
+              <a:rPr lang="zh-TW" sz="1600" dirty="0"/>
               <a:t>[(1, 3, 25), (1, 5, 7), (1, 23, 27), (2, 4, 29), (3, 5, 27), (3, 7, 29), (4, 6, 7), (5, 6, 29), (8, 9, 13), (8, 10, 11), (8, 12, 14), (8, 20, 28), (9, 10, 12), (9, 18, 20), (10, 12, 17), (10, 14, 16), (10, 21, 28), (11, 16, 18), (12, 14, 15), (12, 16, 18), (12, 19, 21), (13, 14, 16), (14, 17, 19), (14, 18, 20), (15, 16, 17), (16, 20, 28), (18, 21, 28), (19, 20, 21), (22, 25, 27), (23, 24, 25)]</a:t>
             </a:r>
-            <a:endParaRPr sz="1600"/>
+            <a:endParaRPr sz="1600" dirty="0"/>
           </a:p>
         </p:txBody>
       </p:sp>
@@ -11470,11 +11679,11 @@
 </file>
 
 <file path=ppt/slides/slide23.xml><?xml version="1.0" encoding="utf-8"?>
-<p:sld xmlns:a="http://schemas.openxmlformats.org/drawingml/2006/main" xmlns:r="http://schemas.openxmlformats.org/officeDocument/2006/relationships" xmlns:mc="http://schemas.openxmlformats.org/markup-compatibility/2006" xmlns:mv="urn:schemas-microsoft-com:mac:vml" xmlns:p="http://schemas.openxmlformats.org/presentationml/2006/main" xmlns:c="http://schemas.openxmlformats.org/drawingml/2006/chart" xmlns:dgm="http://schemas.openxmlformats.org/drawingml/2006/diagram" xmlns:o="urn:schemas-microsoft-com:office:office" xmlns:v="urn:schemas-microsoft-com:vml" xmlns:pvml="urn:schemas-microsoft-com:office:powerpoint" xmlns:com="http://schemas.openxmlformats.org/drawingml/2006/compatibility" xmlns:p14="http://schemas.microsoft.com/office/powerpoint/2010/main" xmlns:p15="http://schemas.microsoft.com/office/powerpoint/2012/main" xmlns:ahyp="http://schemas.microsoft.com/office/drawing/2018/hyperlinkcolor">
+<p:sld xmlns:a="http://schemas.openxmlformats.org/drawingml/2006/main" xmlns:r="http://schemas.openxmlformats.org/officeDocument/2006/relationships" xmlns:p="http://schemas.openxmlformats.org/presentationml/2006/main">
   <p:cSld>
     <p:spTree>
       <p:nvGrpSpPr>
-        <p:cNvPr id="217" name="Shape 217"/>
+        <p:cNvPr id="1" name="Shape 217"/>
         <p:cNvGrpSpPr/>
         <p:nvPr/>
       </p:nvGrpSpPr>
@@ -11496,7 +11705,7 @@
           <a:blip r:embed="rId3">
             <a:alphaModFix/>
           </a:blip>
-          <a:srcRect b="4938" l="8591" r="9117" t="8421"/>
+          <a:srcRect l="8591" t="8421" r="9117" b="4938"/>
           <a:stretch/>
         </p:blipFill>
         <p:spPr>
@@ -11522,11 +11731,11 @@
 </file>
 
 <file path=ppt/slides/slide24.xml><?xml version="1.0" encoding="utf-8"?>
-<p:sld xmlns:a="http://schemas.openxmlformats.org/drawingml/2006/main" xmlns:r="http://schemas.openxmlformats.org/officeDocument/2006/relationships" xmlns:mc="http://schemas.openxmlformats.org/markup-compatibility/2006" xmlns:mv="urn:schemas-microsoft-com:mac:vml" xmlns:p="http://schemas.openxmlformats.org/presentationml/2006/main" xmlns:c="http://schemas.openxmlformats.org/drawingml/2006/chart" xmlns:dgm="http://schemas.openxmlformats.org/drawingml/2006/diagram" xmlns:o="urn:schemas-microsoft-com:office:office" xmlns:v="urn:schemas-microsoft-com:vml" xmlns:pvml="urn:schemas-microsoft-com:office:powerpoint" xmlns:com="http://schemas.openxmlformats.org/drawingml/2006/compatibility" xmlns:p14="http://schemas.microsoft.com/office/powerpoint/2010/main" xmlns:p15="http://schemas.microsoft.com/office/powerpoint/2012/main" xmlns:ahyp="http://schemas.microsoft.com/office/drawing/2018/hyperlinkcolor">
+<p:sld xmlns:a="http://schemas.openxmlformats.org/drawingml/2006/main" xmlns:r="http://schemas.openxmlformats.org/officeDocument/2006/relationships" xmlns:p="http://schemas.openxmlformats.org/presentationml/2006/main">
   <p:cSld>
     <p:spTree>
       <p:nvGrpSpPr>
-        <p:cNvPr id="222" name="Shape 222"/>
+        <p:cNvPr id="1" name="Shape 222"/>
         <p:cNvGrpSpPr/>
         <p:nvPr/>
       </p:nvGrpSpPr>
@@ -11541,7 +11750,9 @@
       <p:sp>
         <p:nvSpPr>
           <p:cNvPr id="223" name="Google Shape;223;p36"/>
-          <p:cNvSpPr txBox="1"/>
+          <p:cNvSpPr txBox="1">
+            <a:spLocks noGrp="1"/>
+          </p:cNvSpPr>
           <p:nvPr>
             <p:ph type="title"/>
           </p:nvPr>
@@ -11556,12 +11767,12 @@
           </a:prstGeom>
         </p:spPr>
         <p:txBody>
-          <a:bodyPr anchorCtr="0" anchor="t" bIns="91425" lIns="91425" spcFirstLastPara="1" rIns="91425" wrap="square" tIns="91425">
+          <a:bodyPr spcFirstLastPara="1" wrap="square" lIns="91425" tIns="91425" rIns="91425" bIns="91425" anchor="t" anchorCtr="0">
             <a:normAutofit fontScale="90000"/>
           </a:bodyPr>
           <a:lstStyle/>
           <a:p>
-            <a:pPr indent="0" lvl="0" marL="0" rtl="0" algn="l">
+            <a:pPr marL="0" lvl="0" indent="0" algn="l" rtl="0">
               <a:spcBef>
                 <a:spcPts val="0"/>
               </a:spcBef>
@@ -11570,9 +11781,6 @@
               </a:spcAft>
               <a:buNone/>
             </a:pPr>
-            <a:r>
-              <a:t/>
-            </a:r>
             <a:endParaRPr/>
           </a:p>
         </p:txBody>
@@ -11580,9 +11788,11 @@
       <p:sp>
         <p:nvSpPr>
           <p:cNvPr id="224" name="Google Shape;224;p36"/>
-          <p:cNvSpPr txBox="1"/>
+          <p:cNvSpPr txBox="1">
+            <a:spLocks noGrp="1"/>
+          </p:cNvSpPr>
           <p:nvPr>
-            <p:ph idx="1" type="body"/>
+            <p:ph type="body" idx="1"/>
           </p:nvPr>
         </p:nvSpPr>
         <p:spPr>
@@ -11595,12 +11805,12 @@
           </a:prstGeom>
         </p:spPr>
         <p:txBody>
-          <a:bodyPr anchorCtr="0" anchor="t" bIns="91425" lIns="91425" spcFirstLastPara="1" rIns="91425" wrap="square" tIns="91425">
+          <a:bodyPr spcFirstLastPara="1" wrap="square" lIns="91425" tIns="91425" rIns="91425" bIns="91425" anchor="t" anchorCtr="0">
             <a:normAutofit/>
           </a:bodyPr>
           <a:lstStyle/>
           <a:p>
-            <a:pPr indent="0" lvl="0" marL="0" rtl="0" algn="l">
+            <a:pPr marL="0" lvl="0" indent="0" algn="l" rtl="0">
               <a:spcBef>
                 <a:spcPts val="0"/>
               </a:spcBef>
@@ -11609,9 +11819,6 @@
               </a:spcAft>
               <a:buNone/>
             </a:pPr>
-            <a:r>
-              <a:t/>
-            </a:r>
             <a:endParaRPr/>
           </a:p>
         </p:txBody>
@@ -11626,7 +11833,7 @@
           <a:blip r:embed="rId3">
             <a:alphaModFix/>
           </a:blip>
-          <a:srcRect b="0" l="0" r="0" t="-10059"/>
+          <a:srcRect t="-10059"/>
           <a:stretch/>
         </p:blipFill>
         <p:spPr>
@@ -11652,11 +11859,11 @@
 </file>
 
 <file path=ppt/slides/slide25.xml><?xml version="1.0" encoding="utf-8"?>
-<p:sld xmlns:a="http://schemas.openxmlformats.org/drawingml/2006/main" xmlns:r="http://schemas.openxmlformats.org/officeDocument/2006/relationships" xmlns:mc="http://schemas.openxmlformats.org/markup-compatibility/2006" xmlns:mv="urn:schemas-microsoft-com:mac:vml" xmlns:p="http://schemas.openxmlformats.org/presentationml/2006/main" xmlns:c="http://schemas.openxmlformats.org/drawingml/2006/chart" xmlns:dgm="http://schemas.openxmlformats.org/drawingml/2006/diagram" xmlns:o="urn:schemas-microsoft-com:office:office" xmlns:v="urn:schemas-microsoft-com:vml" xmlns:pvml="urn:schemas-microsoft-com:office:powerpoint" xmlns:com="http://schemas.openxmlformats.org/drawingml/2006/compatibility" xmlns:p14="http://schemas.microsoft.com/office/powerpoint/2010/main" xmlns:p15="http://schemas.microsoft.com/office/powerpoint/2012/main" xmlns:ahyp="http://schemas.microsoft.com/office/drawing/2018/hyperlinkcolor">
+<p:sld xmlns:a="http://schemas.openxmlformats.org/drawingml/2006/main" xmlns:r="http://schemas.openxmlformats.org/officeDocument/2006/relationships" xmlns:p="http://schemas.openxmlformats.org/presentationml/2006/main">
   <p:cSld>
     <p:spTree>
       <p:nvGrpSpPr>
-        <p:cNvPr id="229" name="Shape 229"/>
+        <p:cNvPr id="1" name="Shape 229"/>
         <p:cNvGrpSpPr/>
         <p:nvPr/>
       </p:nvGrpSpPr>
@@ -11671,7 +11878,9 @@
       <p:sp>
         <p:nvSpPr>
           <p:cNvPr id="230" name="Google Shape;230;p37"/>
-          <p:cNvSpPr txBox="1"/>
+          <p:cNvSpPr txBox="1">
+            <a:spLocks noGrp="1"/>
+          </p:cNvSpPr>
           <p:nvPr>
             <p:ph type="title"/>
           </p:nvPr>
@@ -11686,12 +11895,12 @@
           </a:prstGeom>
         </p:spPr>
         <p:txBody>
-          <a:bodyPr anchorCtr="0" anchor="t" bIns="91425" lIns="91425" spcFirstLastPara="1" rIns="91425" wrap="square" tIns="91425">
+          <a:bodyPr spcFirstLastPara="1" wrap="square" lIns="91425" tIns="91425" rIns="91425" bIns="91425" anchor="t" anchorCtr="0">
             <a:normAutofit fontScale="90000"/>
           </a:bodyPr>
           <a:lstStyle/>
           <a:p>
-            <a:pPr indent="0" lvl="0" marL="0" rtl="0" algn="l">
+            <a:pPr marL="0" lvl="0" indent="0" algn="l" rtl="0">
               <a:spcBef>
                 <a:spcPts val="0"/>
               </a:spcBef>
@@ -11700,9 +11909,6 @@
               </a:spcAft>
               <a:buNone/>
             </a:pPr>
-            <a:r>
-              <a:t/>
-            </a:r>
             <a:endParaRPr/>
           </a:p>
         </p:txBody>
@@ -11710,9 +11916,11 @@
       <p:sp>
         <p:nvSpPr>
           <p:cNvPr id="231" name="Google Shape;231;p37"/>
-          <p:cNvSpPr txBox="1"/>
+          <p:cNvSpPr txBox="1">
+            <a:spLocks noGrp="1"/>
+          </p:cNvSpPr>
           <p:nvPr>
-            <p:ph idx="1" type="body"/>
+            <p:ph type="body" idx="1"/>
           </p:nvPr>
         </p:nvSpPr>
         <p:spPr>
@@ -11725,12 +11933,12 @@
           </a:prstGeom>
         </p:spPr>
         <p:txBody>
-          <a:bodyPr anchorCtr="0" anchor="t" bIns="91425" lIns="91425" spcFirstLastPara="1" rIns="91425" wrap="square" tIns="91425">
+          <a:bodyPr spcFirstLastPara="1" wrap="square" lIns="91425" tIns="91425" rIns="91425" bIns="91425" anchor="t" anchorCtr="0">
             <a:normAutofit/>
           </a:bodyPr>
           <a:lstStyle/>
           <a:p>
-            <a:pPr indent="0" lvl="0" marL="0" rtl="0" algn="l">
+            <a:pPr marL="0" lvl="0" indent="0" algn="l" rtl="0">
               <a:spcBef>
                 <a:spcPts val="0"/>
               </a:spcBef>
@@ -11739,9 +11947,6 @@
               </a:spcAft>
               <a:buNone/>
             </a:pPr>
-            <a:r>
-              <a:t/>
-            </a:r>
             <a:endParaRPr/>
           </a:p>
         </p:txBody>
@@ -11783,11 +11988,11 @@
 </file>
 
 <file path=ppt/slides/slide26.xml><?xml version="1.0" encoding="utf-8"?>
-<p:sld xmlns:a="http://schemas.openxmlformats.org/drawingml/2006/main" xmlns:r="http://schemas.openxmlformats.org/officeDocument/2006/relationships" xmlns:mc="http://schemas.openxmlformats.org/markup-compatibility/2006" xmlns:mv="urn:schemas-microsoft-com:mac:vml" xmlns:p="http://schemas.openxmlformats.org/presentationml/2006/main" xmlns:c="http://schemas.openxmlformats.org/drawingml/2006/chart" xmlns:dgm="http://schemas.openxmlformats.org/drawingml/2006/diagram" xmlns:o="urn:schemas-microsoft-com:office:office" xmlns:v="urn:schemas-microsoft-com:vml" xmlns:pvml="urn:schemas-microsoft-com:office:powerpoint" xmlns:com="http://schemas.openxmlformats.org/drawingml/2006/compatibility" xmlns:p14="http://schemas.microsoft.com/office/powerpoint/2010/main" xmlns:p15="http://schemas.microsoft.com/office/powerpoint/2012/main" xmlns:ahyp="http://schemas.microsoft.com/office/drawing/2018/hyperlinkcolor">
+<p:sld xmlns:a="http://schemas.openxmlformats.org/drawingml/2006/main" xmlns:r="http://schemas.openxmlformats.org/officeDocument/2006/relationships" xmlns:p="http://schemas.openxmlformats.org/presentationml/2006/main">
   <p:cSld>
     <p:spTree>
       <p:nvGrpSpPr>
-        <p:cNvPr id="236" name="Shape 236"/>
+        <p:cNvPr id="1" name="Shape 236"/>
         <p:cNvGrpSpPr/>
         <p:nvPr/>
       </p:nvGrpSpPr>
@@ -11802,7 +12007,9 @@
       <p:sp>
         <p:nvSpPr>
           <p:cNvPr id="237" name="Google Shape;237;p38"/>
-          <p:cNvSpPr txBox="1"/>
+          <p:cNvSpPr txBox="1">
+            <a:spLocks noGrp="1"/>
+          </p:cNvSpPr>
           <p:nvPr>
             <p:ph type="title"/>
           </p:nvPr>
@@ -11817,12 +12024,12 @@
           </a:prstGeom>
         </p:spPr>
         <p:txBody>
-          <a:bodyPr anchorCtr="0" anchor="t" bIns="91425" lIns="91425" spcFirstLastPara="1" rIns="91425" wrap="square" tIns="91425">
+          <a:bodyPr spcFirstLastPara="1" wrap="square" lIns="91425" tIns="91425" rIns="91425" bIns="91425" anchor="t" anchorCtr="0">
             <a:normAutofit fontScale="90000"/>
           </a:bodyPr>
           <a:lstStyle/>
           <a:p>
-            <a:pPr indent="0" lvl="0" marL="0" rtl="0" algn="l">
+            <a:pPr marL="0" lvl="0" indent="0" algn="l" rtl="0">
               <a:spcBef>
                 <a:spcPts val="0"/>
               </a:spcBef>
@@ -11831,9 +12038,6 @@
               </a:spcAft>
               <a:buNone/>
             </a:pPr>
-            <a:r>
-              <a:t/>
-            </a:r>
             <a:endParaRPr/>
           </a:p>
         </p:txBody>
@@ -11841,9 +12045,11 @@
       <p:sp>
         <p:nvSpPr>
           <p:cNvPr id="238" name="Google Shape;238;p38"/>
-          <p:cNvSpPr txBox="1"/>
+          <p:cNvSpPr txBox="1">
+            <a:spLocks noGrp="1"/>
+          </p:cNvSpPr>
           <p:nvPr>
-            <p:ph idx="1" type="body"/>
+            <p:ph type="body" idx="1"/>
           </p:nvPr>
         </p:nvSpPr>
         <p:spPr>
@@ -11856,12 +12062,12 @@
           </a:prstGeom>
         </p:spPr>
         <p:txBody>
-          <a:bodyPr anchorCtr="0" anchor="t" bIns="91425" lIns="91425" spcFirstLastPara="1" rIns="91425" wrap="square" tIns="91425">
+          <a:bodyPr spcFirstLastPara="1" wrap="square" lIns="91425" tIns="91425" rIns="91425" bIns="91425" anchor="t" anchorCtr="0">
             <a:normAutofit/>
           </a:bodyPr>
           <a:lstStyle/>
           <a:p>
-            <a:pPr indent="0" lvl="0" marL="0" rtl="0" algn="l">
+            <a:pPr marL="0" lvl="0" indent="0" algn="l" rtl="0">
               <a:spcBef>
                 <a:spcPts val="0"/>
               </a:spcBef>
@@ -11870,9 +12076,6 @@
               </a:spcAft>
               <a:buNone/>
             </a:pPr>
-            <a:r>
-              <a:t/>
-            </a:r>
             <a:endParaRPr/>
           </a:p>
         </p:txBody>
@@ -11886,11 +12089,11 @@
 </file>
 
 <file path=ppt/slides/slide3.xml><?xml version="1.0" encoding="utf-8"?>
-<p:sld xmlns:a="http://schemas.openxmlformats.org/drawingml/2006/main" xmlns:r="http://schemas.openxmlformats.org/officeDocument/2006/relationships" xmlns:mc="http://schemas.openxmlformats.org/markup-compatibility/2006" xmlns:mv="urn:schemas-microsoft-com:mac:vml" xmlns:p="http://schemas.openxmlformats.org/presentationml/2006/main" xmlns:c="http://schemas.openxmlformats.org/drawingml/2006/chart" xmlns:dgm="http://schemas.openxmlformats.org/drawingml/2006/diagram" xmlns:o="urn:schemas-microsoft-com:office:office" xmlns:v="urn:schemas-microsoft-com:vml" xmlns:pvml="urn:schemas-microsoft-com:office:powerpoint" xmlns:com="http://schemas.openxmlformats.org/drawingml/2006/compatibility" xmlns:p14="http://schemas.microsoft.com/office/powerpoint/2010/main" xmlns:p15="http://schemas.microsoft.com/office/powerpoint/2012/main" xmlns:ahyp="http://schemas.microsoft.com/office/drawing/2018/hyperlinkcolor">
+<p:sld xmlns:a="http://schemas.openxmlformats.org/drawingml/2006/main" xmlns:r="http://schemas.openxmlformats.org/officeDocument/2006/relationships" xmlns:p="http://schemas.openxmlformats.org/presentationml/2006/main">
   <p:cSld>
     <p:spTree>
       <p:nvGrpSpPr>
-        <p:cNvPr id="97" name="Shape 97"/>
+        <p:cNvPr id="1" name="Shape 97"/>
         <p:cNvGrpSpPr/>
         <p:nvPr/>
       </p:nvGrpSpPr>
@@ -11912,7 +12115,7 @@
           <a:blip r:embed="rId3">
             <a:alphaModFix/>
           </a:blip>
-          <a:srcRect b="4639" l="8056" r="8548" t="8313"/>
+          <a:srcRect l="8056" t="8313" r="8548" b="4639"/>
           <a:stretch/>
         </p:blipFill>
         <p:spPr>
@@ -11938,11 +12141,11 @@
 </file>
 
 <file path=ppt/slides/slide4.xml><?xml version="1.0" encoding="utf-8"?>
-<p:sld xmlns:a="http://schemas.openxmlformats.org/drawingml/2006/main" xmlns:r="http://schemas.openxmlformats.org/officeDocument/2006/relationships" xmlns:mc="http://schemas.openxmlformats.org/markup-compatibility/2006" xmlns:mv="urn:schemas-microsoft-com:mac:vml" xmlns:p="http://schemas.openxmlformats.org/presentationml/2006/main" xmlns:c="http://schemas.openxmlformats.org/drawingml/2006/chart" xmlns:dgm="http://schemas.openxmlformats.org/drawingml/2006/diagram" xmlns:o="urn:schemas-microsoft-com:office:office" xmlns:v="urn:schemas-microsoft-com:vml" xmlns:pvml="urn:schemas-microsoft-com:office:powerpoint" xmlns:com="http://schemas.openxmlformats.org/drawingml/2006/compatibility" xmlns:p14="http://schemas.microsoft.com/office/powerpoint/2010/main" xmlns:p15="http://schemas.microsoft.com/office/powerpoint/2012/main" xmlns:ahyp="http://schemas.microsoft.com/office/drawing/2018/hyperlinkcolor">
+<p:sld xmlns:a="http://schemas.openxmlformats.org/drawingml/2006/main" xmlns:r="http://schemas.openxmlformats.org/officeDocument/2006/relationships" xmlns:p="http://schemas.openxmlformats.org/presentationml/2006/main">
   <p:cSld>
     <p:spTree>
       <p:nvGrpSpPr>
-        <p:cNvPr id="102" name="Shape 102"/>
+        <p:cNvPr id="1" name="Shape 102"/>
         <p:cNvGrpSpPr/>
         <p:nvPr/>
       </p:nvGrpSpPr>
@@ -11957,7 +12160,9 @@
       <p:sp>
         <p:nvSpPr>
           <p:cNvPr id="103" name="Google Shape;103;p16"/>
-          <p:cNvSpPr txBox="1"/>
+          <p:cNvSpPr txBox="1">
+            <a:spLocks noGrp="1"/>
+          </p:cNvSpPr>
           <p:nvPr>
             <p:ph type="title"/>
           </p:nvPr>
@@ -11972,12 +12177,12 @@
           </a:prstGeom>
         </p:spPr>
         <p:txBody>
-          <a:bodyPr anchorCtr="0" anchor="t" bIns="91425" lIns="91425" spcFirstLastPara="1" rIns="91425" wrap="square" tIns="91425">
+          <a:bodyPr spcFirstLastPara="1" wrap="square" lIns="91425" tIns="91425" rIns="91425" bIns="91425" anchor="t" anchorCtr="0">
             <a:noAutofit/>
           </a:bodyPr>
           <a:lstStyle/>
           <a:p>
-            <a:pPr indent="0" lvl="0" marL="0" rtl="0" algn="l">
+            <a:pPr marL="0" lvl="0" indent="0" algn="l" rtl="0">
               <a:lnSpc>
                 <a:spcPct val="115000"/>
               </a:lnSpc>
@@ -12000,19 +12205,7 @@
                 <a:cs typeface="Lato"/>
                 <a:sym typeface="Lato"/>
               </a:rPr>
-              <a:t>W</a:t>
-            </a:r>
-            <a:r>
-              <a:rPr lang="zh-TW" sz="2170">
-                <a:solidFill>
-                  <a:srgbClr val="000000"/>
-                </a:solidFill>
-                <a:latin typeface="Lato"/>
-                <a:ea typeface="Lato"/>
-                <a:cs typeface="Lato"/>
-                <a:sym typeface="Lato"/>
-              </a:rPr>
-              <a:t>hat Should We Pay Attention to in Error correction Algorithms For Quantum Computers?</a:t>
+              <a:t>What Should We Pay Attention to in Error correction Algorithms For Quantum Computers?</a:t>
             </a:r>
             <a:endParaRPr sz="2170">
               <a:solidFill>
@@ -12025,7 +12218,7 @@
             </a:endParaRPr>
           </a:p>
           <a:p>
-            <a:pPr indent="0" lvl="0" marL="0" rtl="0" algn="l">
+            <a:pPr marL="0" lvl="0" indent="0" algn="l" rtl="0">
               <a:lnSpc>
                 <a:spcPct val="115000"/>
               </a:lnSpc>
@@ -12038,9 +12231,6 @@
               <a:buSzPts val="990"/>
               <a:buNone/>
             </a:pPr>
-            <a:r>
-              <a:t/>
-            </a:r>
             <a:endParaRPr sz="2170">
               <a:solidFill>
                 <a:srgbClr val="000000"/>
@@ -12056,9 +12246,11 @@
       <p:sp>
         <p:nvSpPr>
           <p:cNvPr id="104" name="Google Shape;104;p16"/>
-          <p:cNvSpPr txBox="1"/>
+          <p:cNvSpPr txBox="1">
+            <a:spLocks noGrp="1"/>
+          </p:cNvSpPr>
           <p:nvPr>
-            <p:ph idx="1" type="body"/>
+            <p:ph type="body" idx="1"/>
           </p:nvPr>
         </p:nvSpPr>
         <p:spPr>
@@ -12071,12 +12263,12 @@
           </a:prstGeom>
         </p:spPr>
         <p:txBody>
-          <a:bodyPr anchorCtr="0" anchor="t" bIns="91425" lIns="91425" spcFirstLastPara="1" rIns="91425" wrap="square" tIns="91425">
+          <a:bodyPr spcFirstLastPara="1" wrap="square" lIns="91425" tIns="91425" rIns="91425" bIns="91425" anchor="t" anchorCtr="0">
             <a:normAutofit/>
           </a:bodyPr>
           <a:lstStyle/>
           <a:p>
-            <a:pPr indent="-349250" lvl="0" marL="457200" rtl="0" algn="l">
+            <a:pPr marL="457200" lvl="0" indent="-349250" algn="l" rtl="0">
               <a:lnSpc>
                 <a:spcPct val="150000"/>
               </a:lnSpc>
@@ -12094,7 +12286,7 @@
               <a:buAutoNum type="arabicPeriod"/>
             </a:pPr>
             <a:r>
-              <a:rPr lang="zh-TW" sz="1900">
+              <a:rPr lang="zh-TW" sz="1900" dirty="0">
                 <a:solidFill>
                   <a:srgbClr val="666666"/>
                 </a:solidFill>
@@ -12105,7 +12297,7 @@
               </a:rPr>
               <a:t>quantum operation error rate(per gate)</a:t>
             </a:r>
-            <a:endParaRPr sz="1900">
+            <a:endParaRPr sz="1900" dirty="0">
               <a:solidFill>
                 <a:srgbClr val="666666"/>
               </a:solidFill>
@@ -12116,7 +12308,7 @@
             </a:endParaRPr>
           </a:p>
           <a:p>
-            <a:pPr indent="-349250" lvl="0" marL="457200" rtl="0" algn="l">
+            <a:pPr marL="457200" lvl="0" indent="-349250" algn="l" rtl="0">
               <a:lnSpc>
                 <a:spcPct val="150000"/>
               </a:lnSpc>
@@ -12134,7 +12326,7 @@
               <a:buAutoNum type="arabicPeriod"/>
             </a:pPr>
             <a:r>
-              <a:rPr lang="zh-TW" sz="1900">
+              <a:rPr lang="zh-TW" sz="1900" dirty="0">
                 <a:solidFill>
                   <a:srgbClr val="666666"/>
                 </a:solidFill>
@@ -12145,7 +12337,7 @@
               </a:rPr>
               <a:t>qubit map</a:t>
             </a:r>
-            <a:endParaRPr sz="1900">
+            <a:endParaRPr sz="1900" dirty="0">
               <a:solidFill>
                 <a:srgbClr val="666666"/>
               </a:solidFill>
@@ -12156,7 +12348,7 @@
             </a:endParaRPr>
           </a:p>
           <a:p>
-            <a:pPr indent="-349250" lvl="0" marL="457200" rtl="0" algn="l">
+            <a:pPr marL="457200" lvl="0" indent="-349250" algn="l" rtl="0">
               <a:lnSpc>
                 <a:spcPct val="150000"/>
               </a:lnSpc>
@@ -12174,7 +12366,7 @@
               <a:buAutoNum type="arabicPeriod"/>
             </a:pPr>
             <a:r>
-              <a:rPr lang="zh-TW" sz="1900">
+              <a:rPr lang="zh-TW" sz="1900" dirty="0">
                 <a:solidFill>
                   <a:srgbClr val="666666"/>
                 </a:solidFill>
@@ -12185,7 +12377,7 @@
               </a:rPr>
               <a:t>qubit amount</a:t>
             </a:r>
-            <a:endParaRPr sz="1600"/>
+            <a:endParaRPr sz="1600" dirty="0"/>
           </a:p>
         </p:txBody>
       </p:sp>
@@ -12198,11 +12390,11 @@
 </file>
 
 <file path=ppt/slides/slide5.xml><?xml version="1.0" encoding="utf-8"?>
-<p:sld xmlns:a="http://schemas.openxmlformats.org/drawingml/2006/main" xmlns:r="http://schemas.openxmlformats.org/officeDocument/2006/relationships" xmlns:mc="http://schemas.openxmlformats.org/markup-compatibility/2006" xmlns:mv="urn:schemas-microsoft-com:mac:vml" xmlns:p="http://schemas.openxmlformats.org/presentationml/2006/main" xmlns:c="http://schemas.openxmlformats.org/drawingml/2006/chart" xmlns:dgm="http://schemas.openxmlformats.org/drawingml/2006/diagram" xmlns:o="urn:schemas-microsoft-com:office:office" xmlns:v="urn:schemas-microsoft-com:vml" xmlns:pvml="urn:schemas-microsoft-com:office:powerpoint" xmlns:com="http://schemas.openxmlformats.org/drawingml/2006/compatibility" xmlns:p14="http://schemas.microsoft.com/office/powerpoint/2010/main" xmlns:p15="http://schemas.microsoft.com/office/powerpoint/2012/main" xmlns:ahyp="http://schemas.microsoft.com/office/drawing/2018/hyperlinkcolor">
+<p:sld xmlns:a="http://schemas.openxmlformats.org/drawingml/2006/main" xmlns:r="http://schemas.openxmlformats.org/officeDocument/2006/relationships" xmlns:p="http://schemas.openxmlformats.org/presentationml/2006/main">
   <p:cSld>
     <p:spTree>
       <p:nvGrpSpPr>
-        <p:cNvPr id="108" name="Shape 108"/>
+        <p:cNvPr id="1" name="Shape 108"/>
         <p:cNvGrpSpPr/>
         <p:nvPr/>
       </p:nvGrpSpPr>
@@ -12217,7 +12409,9 @@
       <p:sp>
         <p:nvSpPr>
           <p:cNvPr id="109" name="Google Shape;109;p17"/>
-          <p:cNvSpPr txBox="1"/>
+          <p:cNvSpPr txBox="1">
+            <a:spLocks noGrp="1"/>
+          </p:cNvSpPr>
           <p:nvPr>
             <p:ph type="title"/>
           </p:nvPr>
@@ -12232,12 +12426,12 @@
           </a:prstGeom>
         </p:spPr>
         <p:txBody>
-          <a:bodyPr anchorCtr="0" anchor="t" bIns="91425" lIns="91425" spcFirstLastPara="1" rIns="91425" wrap="square" tIns="91425">
+          <a:bodyPr spcFirstLastPara="1" wrap="square" lIns="91425" tIns="91425" rIns="91425" bIns="91425" anchor="t" anchorCtr="0">
             <a:normAutofit fontScale="90000"/>
           </a:bodyPr>
           <a:lstStyle/>
           <a:p>
-            <a:pPr indent="0" lvl="0" marL="0" rtl="0" algn="l">
+            <a:pPr marL="0" lvl="0" indent="0" algn="l" rtl="0">
               <a:spcBef>
                 <a:spcPts val="0"/>
               </a:spcBef>
@@ -12291,11 +12485,11 @@
 </file>
 
 <file path=ppt/slides/slide6.xml><?xml version="1.0" encoding="utf-8"?>
-<p:sld xmlns:a="http://schemas.openxmlformats.org/drawingml/2006/main" xmlns:r="http://schemas.openxmlformats.org/officeDocument/2006/relationships" xmlns:mc="http://schemas.openxmlformats.org/markup-compatibility/2006" xmlns:mv="urn:schemas-microsoft-com:mac:vml" xmlns:p="http://schemas.openxmlformats.org/presentationml/2006/main" xmlns:c="http://schemas.openxmlformats.org/drawingml/2006/chart" xmlns:dgm="http://schemas.openxmlformats.org/drawingml/2006/diagram" xmlns:o="urn:schemas-microsoft-com:office:office" xmlns:v="urn:schemas-microsoft-com:vml" xmlns:pvml="urn:schemas-microsoft-com:office:powerpoint" xmlns:com="http://schemas.openxmlformats.org/drawingml/2006/compatibility" xmlns:p14="http://schemas.microsoft.com/office/powerpoint/2010/main" xmlns:p15="http://schemas.microsoft.com/office/powerpoint/2012/main" xmlns:ahyp="http://schemas.microsoft.com/office/drawing/2018/hyperlinkcolor">
+<p:sld xmlns:a="http://schemas.openxmlformats.org/drawingml/2006/main" xmlns:r="http://schemas.openxmlformats.org/officeDocument/2006/relationships" xmlns:p="http://schemas.openxmlformats.org/presentationml/2006/main">
   <p:cSld>
     <p:spTree>
       <p:nvGrpSpPr>
-        <p:cNvPr id="114" name="Shape 114"/>
+        <p:cNvPr id="1" name="Shape 114"/>
         <p:cNvGrpSpPr/>
         <p:nvPr/>
       </p:nvGrpSpPr>
@@ -12310,7 +12504,9 @@
       <p:sp>
         <p:nvSpPr>
           <p:cNvPr id="115" name="Google Shape;115;p18"/>
-          <p:cNvSpPr txBox="1"/>
+          <p:cNvSpPr txBox="1">
+            <a:spLocks noGrp="1"/>
+          </p:cNvSpPr>
           <p:nvPr>
             <p:ph type="title"/>
           </p:nvPr>
@@ -12325,12 +12521,12 @@
           </a:prstGeom>
         </p:spPr>
         <p:txBody>
-          <a:bodyPr anchorCtr="0" anchor="t" bIns="91425" lIns="91425" spcFirstLastPara="1" rIns="91425" wrap="square" tIns="91425">
+          <a:bodyPr spcFirstLastPara="1" wrap="square" lIns="91425" tIns="91425" rIns="91425" bIns="91425" anchor="t" anchorCtr="0">
             <a:normAutofit fontScale="90000"/>
           </a:bodyPr>
           <a:lstStyle/>
           <a:p>
-            <a:pPr indent="0" lvl="0" marL="0" rtl="0" algn="l">
+            <a:pPr marL="0" lvl="0" indent="0" algn="l" rtl="0">
               <a:lnSpc>
                 <a:spcPct val="128572"/>
               </a:lnSpc>
@@ -12371,7 +12567,7 @@
             </a:endParaRPr>
           </a:p>
           <a:p>
-            <a:pPr indent="0" lvl="0" marL="0" rtl="0" algn="l">
+            <a:pPr marL="0" lvl="0" indent="0" algn="l" rtl="0">
               <a:spcBef>
                 <a:spcPts val="0"/>
               </a:spcBef>
@@ -12380,9 +12576,6 @@
               </a:spcAft>
               <a:buNone/>
             </a:pPr>
-            <a:r>
-              <a:t/>
-            </a:r>
             <a:endParaRPr/>
           </a:p>
         </p:txBody>
@@ -12424,11 +12617,11 @@
 </file>
 
 <file path=ppt/slides/slide7.xml><?xml version="1.0" encoding="utf-8"?>
-<p:sld xmlns:a="http://schemas.openxmlformats.org/drawingml/2006/main" xmlns:r="http://schemas.openxmlformats.org/officeDocument/2006/relationships" xmlns:mc="http://schemas.openxmlformats.org/markup-compatibility/2006" xmlns:mv="urn:schemas-microsoft-com:mac:vml" xmlns:p="http://schemas.openxmlformats.org/presentationml/2006/main" xmlns:c="http://schemas.openxmlformats.org/drawingml/2006/chart" xmlns:dgm="http://schemas.openxmlformats.org/drawingml/2006/diagram" xmlns:o="urn:schemas-microsoft-com:office:office" xmlns:v="urn:schemas-microsoft-com:vml" xmlns:pvml="urn:schemas-microsoft-com:office:powerpoint" xmlns:com="http://schemas.openxmlformats.org/drawingml/2006/compatibility" xmlns:p14="http://schemas.microsoft.com/office/powerpoint/2010/main" xmlns:p15="http://schemas.microsoft.com/office/powerpoint/2012/main" xmlns:ahyp="http://schemas.microsoft.com/office/drawing/2018/hyperlinkcolor">
+<p:sld xmlns:a="http://schemas.openxmlformats.org/drawingml/2006/main" xmlns:r="http://schemas.openxmlformats.org/officeDocument/2006/relationships" xmlns:p="http://schemas.openxmlformats.org/presentationml/2006/main">
   <p:cSld>
     <p:spTree>
       <p:nvGrpSpPr>
-        <p:cNvPr id="120" name="Shape 120"/>
+        <p:cNvPr id="1" name="Shape 120"/>
         <p:cNvGrpSpPr/>
         <p:nvPr/>
       </p:nvGrpSpPr>
@@ -12443,7 +12636,9 @@
       <p:sp>
         <p:nvSpPr>
           <p:cNvPr id="121" name="Google Shape;121;p19"/>
-          <p:cNvSpPr txBox="1"/>
+          <p:cNvSpPr txBox="1">
+            <a:spLocks noGrp="1"/>
+          </p:cNvSpPr>
           <p:nvPr>
             <p:ph type="title"/>
           </p:nvPr>
@@ -12458,12 +12653,12 @@
           </a:prstGeom>
         </p:spPr>
         <p:txBody>
-          <a:bodyPr anchorCtr="0" anchor="t" bIns="91425" lIns="91425" spcFirstLastPara="1" rIns="91425" wrap="square" tIns="91425">
+          <a:bodyPr spcFirstLastPara="1" wrap="square" lIns="91425" tIns="91425" rIns="91425" bIns="91425" anchor="t" anchorCtr="0">
             <a:normAutofit fontScale="90000"/>
           </a:bodyPr>
           <a:lstStyle/>
           <a:p>
-            <a:pPr indent="0" lvl="0" marL="0" rtl="0" algn="l">
+            <a:pPr marL="0" lvl="0" indent="0" algn="l" rtl="0">
               <a:spcBef>
                 <a:spcPts val="0"/>
               </a:spcBef>
@@ -12483,9 +12678,11 @@
       <p:sp>
         <p:nvSpPr>
           <p:cNvPr id="122" name="Google Shape;122;p19"/>
-          <p:cNvSpPr txBox="1"/>
+          <p:cNvSpPr txBox="1">
+            <a:spLocks noGrp="1"/>
+          </p:cNvSpPr>
           <p:nvPr>
-            <p:ph idx="1" type="body"/>
+            <p:ph type="body" idx="1"/>
           </p:nvPr>
         </p:nvSpPr>
         <p:spPr>
@@ -12498,12 +12695,12 @@
           </a:prstGeom>
         </p:spPr>
         <p:txBody>
-          <a:bodyPr anchorCtr="0" anchor="t" bIns="91425" lIns="91425" spcFirstLastPara="1" rIns="91425" wrap="square" tIns="91425">
+          <a:bodyPr spcFirstLastPara="1" wrap="square" lIns="91425" tIns="91425" rIns="91425" bIns="91425" anchor="t" anchorCtr="0">
             <a:noAutofit/>
           </a:bodyPr>
           <a:lstStyle/>
           <a:p>
-            <a:pPr indent="0" lvl="0" marL="0" rtl="0" algn="l">
+            <a:pPr marL="0" lvl="0" indent="0" algn="l" rtl="0">
               <a:spcBef>
                 <a:spcPts val="0"/>
               </a:spcBef>
@@ -12513,21 +12710,21 @@
               <a:buNone/>
             </a:pPr>
             <a:r>
-              <a:rPr b="1" lang="zh-TW" sz="1900">
+              <a:rPr lang="zh-TW" sz="1900" b="1" dirty="0">
                 <a:solidFill>
                   <a:srgbClr val="666666"/>
                 </a:solidFill>
               </a:rPr>
               <a:t>1 -&gt; 111</a:t>
             </a:r>
-            <a:endParaRPr b="1" sz="1900">
+            <a:endParaRPr sz="1900" b="1" dirty="0">
               <a:solidFill>
                 <a:srgbClr val="666666"/>
               </a:solidFill>
             </a:endParaRPr>
           </a:p>
           <a:p>
-            <a:pPr indent="0" lvl="0" marL="0" rtl="0" algn="l">
+            <a:pPr marL="0" lvl="0" indent="0" algn="l" rtl="0">
               <a:spcBef>
                 <a:spcPts val="1200"/>
               </a:spcBef>
@@ -12537,21 +12734,21 @@
               <a:buNone/>
             </a:pPr>
             <a:r>
-              <a:rPr b="1" lang="zh-TW" sz="1900">
+              <a:rPr lang="zh-TW" sz="1900" b="1" dirty="0">
                 <a:solidFill>
                   <a:srgbClr val="666666"/>
                 </a:solidFill>
               </a:rPr>
               <a:t>0 -&gt; 000</a:t>
             </a:r>
-            <a:endParaRPr b="1" sz="1900">
+            <a:endParaRPr sz="1900" b="1" dirty="0">
               <a:solidFill>
                 <a:srgbClr val="666666"/>
               </a:solidFill>
             </a:endParaRPr>
           </a:p>
           <a:p>
-            <a:pPr indent="0" lvl="0" marL="0" rtl="0" algn="l">
+            <a:pPr marL="0" lvl="0" indent="0" algn="l" rtl="0">
               <a:spcBef>
                 <a:spcPts val="1200"/>
               </a:spcBef>
@@ -12561,21 +12758,21 @@
               <a:buNone/>
             </a:pPr>
             <a:r>
-              <a:rPr b="1" lang="zh-TW" sz="1900">
+              <a:rPr lang="zh-TW" sz="1900" b="1" dirty="0">
                 <a:solidFill>
                   <a:srgbClr val="666666"/>
                 </a:solidFill>
               </a:rPr>
               <a:t>000,001,010,100 -&gt; 0</a:t>
             </a:r>
-            <a:endParaRPr b="1" sz="1900">
+            <a:endParaRPr sz="1900" b="1" dirty="0">
               <a:solidFill>
                 <a:srgbClr val="666666"/>
               </a:solidFill>
             </a:endParaRPr>
           </a:p>
           <a:p>
-            <a:pPr indent="0" lvl="0" marL="0" rtl="0" algn="l">
+            <a:pPr marL="0" lvl="0" indent="0" algn="l" rtl="0">
               <a:spcBef>
                 <a:spcPts val="1200"/>
               </a:spcBef>
@@ -12585,14 +12782,14 @@
               <a:buNone/>
             </a:pPr>
             <a:r>
-              <a:rPr b="1" lang="zh-TW" sz="1900">
+              <a:rPr lang="zh-TW" sz="1900" b="1" dirty="0">
                 <a:solidFill>
                   <a:srgbClr val="666666"/>
                 </a:solidFill>
               </a:rPr>
               <a:t>111,110,101,011 -&gt; 1</a:t>
             </a:r>
-            <a:endParaRPr b="1" sz="1900">
+            <a:endParaRPr sz="1900" b="1" dirty="0">
               <a:solidFill>
                 <a:srgbClr val="666666"/>
               </a:solidFill>
@@ -12609,11 +12806,11 @@
 </file>
 
 <file path=ppt/slides/slide8.xml><?xml version="1.0" encoding="utf-8"?>
-<p:sld xmlns:a="http://schemas.openxmlformats.org/drawingml/2006/main" xmlns:r="http://schemas.openxmlformats.org/officeDocument/2006/relationships" xmlns:mc="http://schemas.openxmlformats.org/markup-compatibility/2006" xmlns:mv="urn:schemas-microsoft-com:mac:vml" xmlns:p="http://schemas.openxmlformats.org/presentationml/2006/main" xmlns:c="http://schemas.openxmlformats.org/drawingml/2006/chart" xmlns:dgm="http://schemas.openxmlformats.org/drawingml/2006/diagram" xmlns:o="urn:schemas-microsoft-com:office:office" xmlns:v="urn:schemas-microsoft-com:vml" xmlns:pvml="urn:schemas-microsoft-com:office:powerpoint" xmlns:com="http://schemas.openxmlformats.org/drawingml/2006/compatibility" xmlns:p14="http://schemas.microsoft.com/office/powerpoint/2010/main" xmlns:p15="http://schemas.microsoft.com/office/powerpoint/2012/main" xmlns:ahyp="http://schemas.microsoft.com/office/drawing/2018/hyperlinkcolor">
+<p:sld xmlns:a="http://schemas.openxmlformats.org/drawingml/2006/main" xmlns:r="http://schemas.openxmlformats.org/officeDocument/2006/relationships" xmlns:p="http://schemas.openxmlformats.org/presentationml/2006/main">
   <p:cSld>
     <p:spTree>
       <p:nvGrpSpPr>
-        <p:cNvPr id="126" name="Shape 126"/>
+        <p:cNvPr id="1" name="Shape 126"/>
         <p:cNvGrpSpPr/>
         <p:nvPr/>
       </p:nvGrpSpPr>
@@ -12628,7 +12825,9 @@
       <p:sp>
         <p:nvSpPr>
           <p:cNvPr id="127" name="Google Shape;127;p20"/>
-          <p:cNvSpPr txBox="1"/>
+          <p:cNvSpPr txBox="1">
+            <a:spLocks noGrp="1"/>
+          </p:cNvSpPr>
           <p:nvPr>
             <p:ph type="title"/>
           </p:nvPr>
@@ -12643,12 +12842,12 @@
           </a:prstGeom>
         </p:spPr>
         <p:txBody>
-          <a:bodyPr anchorCtr="0" anchor="t" bIns="91425" lIns="91425" spcFirstLastPara="1" rIns="91425" wrap="square" tIns="91425">
+          <a:bodyPr spcFirstLastPara="1" wrap="square" lIns="91425" tIns="91425" rIns="91425" bIns="91425" anchor="t" anchorCtr="0">
             <a:normAutofit fontScale="90000"/>
           </a:bodyPr>
           <a:lstStyle/>
           <a:p>
-            <a:pPr indent="0" lvl="0" marL="0" rtl="0" algn="l">
+            <a:pPr marL="0" lvl="0" indent="0" algn="l" rtl="0">
               <a:spcBef>
                 <a:spcPts val="0"/>
               </a:spcBef>
@@ -12713,12 +12912,12 @@
           </a:ln>
         </p:spPr>
         <p:txBody>
-          <a:bodyPr anchorCtr="0" anchor="t" bIns="91425" lIns="91425" spcFirstLastPara="1" rIns="91425" wrap="square" tIns="91425">
+          <a:bodyPr spcFirstLastPara="1" wrap="square" lIns="91425" tIns="91425" rIns="91425" bIns="91425" anchor="t" anchorCtr="0">
             <a:spAutoFit/>
           </a:bodyPr>
           <a:lstStyle/>
           <a:p>
-            <a:pPr indent="0" lvl="0" marL="0" rtl="0" algn="l">
+            <a:pPr marL="0" lvl="0" indent="0" algn="l" rtl="0">
               <a:spcBef>
                 <a:spcPts val="0"/>
               </a:spcBef>
@@ -12758,23 +12957,23 @@
             <a:avLst/>
           </a:prstGeom>
           <a:noFill/>
-          <a:ln cap="flat" cmpd="sng" w="9525">
+          <a:ln w="9525" cap="flat" cmpd="sng">
             <a:solidFill>
               <a:schemeClr val="accent3"/>
             </a:solidFill>
             <a:prstDash val="solid"/>
             <a:round/>
-            <a:headEnd len="sm" w="sm" type="none"/>
-            <a:tailEnd len="sm" w="sm" type="none"/>
+            <a:headEnd type="none" w="sm" len="sm"/>
+            <a:tailEnd type="none" w="sm" len="sm"/>
           </a:ln>
         </p:spPr>
         <p:txBody>
-          <a:bodyPr anchorCtr="0" anchor="ctr" bIns="91425" lIns="91425" spcFirstLastPara="1" rIns="91425" wrap="square" tIns="91425">
+          <a:bodyPr spcFirstLastPara="1" wrap="square" lIns="91425" tIns="91425" rIns="91425" bIns="91425" anchor="ctr" anchorCtr="0">
             <a:noAutofit/>
           </a:bodyPr>
           <a:lstStyle/>
           <a:p>
-            <a:pPr indent="0" lvl="0" marL="0" rtl="0" algn="ctr">
+            <a:pPr marL="0" lvl="0" indent="0" algn="ctr" rtl="0">
               <a:spcBef>
                 <a:spcPts val="0"/>
               </a:spcBef>
@@ -12783,9 +12982,6 @@
               </a:spcAft>
               <a:buNone/>
             </a:pPr>
-            <a:r>
-              <a:t/>
-            </a:r>
             <a:endParaRPr>
               <a:latin typeface="Lato"/>
               <a:ea typeface="Lato"/>
@@ -12804,11 +13000,11 @@
 </file>
 
 <file path=ppt/slides/slide9.xml><?xml version="1.0" encoding="utf-8"?>
-<p:sld xmlns:a="http://schemas.openxmlformats.org/drawingml/2006/main" xmlns:r="http://schemas.openxmlformats.org/officeDocument/2006/relationships" xmlns:mc="http://schemas.openxmlformats.org/markup-compatibility/2006" xmlns:mv="urn:schemas-microsoft-com:mac:vml" xmlns:p="http://schemas.openxmlformats.org/presentationml/2006/main" xmlns:c="http://schemas.openxmlformats.org/drawingml/2006/chart" xmlns:dgm="http://schemas.openxmlformats.org/drawingml/2006/diagram" xmlns:o="urn:schemas-microsoft-com:office:office" xmlns:v="urn:schemas-microsoft-com:vml" xmlns:pvml="urn:schemas-microsoft-com:office:powerpoint" xmlns:com="http://schemas.openxmlformats.org/drawingml/2006/compatibility" xmlns:p14="http://schemas.microsoft.com/office/powerpoint/2010/main" xmlns:p15="http://schemas.microsoft.com/office/powerpoint/2012/main" xmlns:ahyp="http://schemas.microsoft.com/office/drawing/2018/hyperlinkcolor">
+<p:sld xmlns:a="http://schemas.openxmlformats.org/drawingml/2006/main" xmlns:r="http://schemas.openxmlformats.org/officeDocument/2006/relationships" xmlns:p="http://schemas.openxmlformats.org/presentationml/2006/main">
   <p:cSld>
     <p:spTree>
       <p:nvGrpSpPr>
-        <p:cNvPr id="134" name="Shape 134"/>
+        <p:cNvPr id="1" name="Shape 134"/>
         <p:cNvGrpSpPr/>
         <p:nvPr/>
       </p:nvGrpSpPr>
@@ -12823,7 +13019,9 @@
       <p:sp>
         <p:nvSpPr>
           <p:cNvPr id="135" name="Google Shape;135;p21"/>
-          <p:cNvSpPr txBox="1"/>
+          <p:cNvSpPr txBox="1">
+            <a:spLocks noGrp="1"/>
+          </p:cNvSpPr>
           <p:nvPr>
             <p:ph type="title"/>
           </p:nvPr>
@@ -12838,12 +13036,12 @@
           </a:prstGeom>
         </p:spPr>
         <p:txBody>
-          <a:bodyPr anchorCtr="0" anchor="t" bIns="91425" lIns="91425" spcFirstLastPara="1" rIns="91425" wrap="square" tIns="91425">
+          <a:bodyPr spcFirstLastPara="1" wrap="square" lIns="91425" tIns="91425" rIns="91425" bIns="91425" anchor="t" anchorCtr="0">
             <a:normAutofit fontScale="90000"/>
           </a:bodyPr>
           <a:lstStyle/>
           <a:p>
-            <a:pPr indent="0" lvl="0" marL="0" rtl="0" algn="l">
+            <a:pPr marL="0" lvl="0" indent="0" algn="l" rtl="0">
               <a:spcBef>
                 <a:spcPts val="0"/>
               </a:spcBef>
@@ -12863,9 +13061,11 @@
       <p:sp>
         <p:nvSpPr>
           <p:cNvPr id="136" name="Google Shape;136;p21"/>
-          <p:cNvSpPr txBox="1"/>
+          <p:cNvSpPr txBox="1">
+            <a:spLocks noGrp="1"/>
+          </p:cNvSpPr>
           <p:nvPr>
-            <p:ph idx="1" type="body"/>
+            <p:ph type="body" idx="1"/>
           </p:nvPr>
         </p:nvSpPr>
         <p:spPr>
@@ -12878,12 +13078,12 @@
           </a:prstGeom>
         </p:spPr>
         <p:txBody>
-          <a:bodyPr anchorCtr="0" anchor="t" bIns="91425" lIns="91425" spcFirstLastPara="1" rIns="91425" wrap="square" tIns="91425">
+          <a:bodyPr spcFirstLastPara="1" wrap="square" lIns="91425" tIns="91425" rIns="91425" bIns="91425" anchor="t" anchorCtr="0">
             <a:normAutofit/>
           </a:bodyPr>
           <a:lstStyle/>
           <a:p>
-            <a:pPr indent="0" lvl="0" marL="0" rtl="0" algn="l">
+            <a:pPr marL="0" lvl="0" indent="0" algn="l" rtl="0">
               <a:spcBef>
                 <a:spcPts val="0"/>
               </a:spcBef>
@@ -12899,7 +13099,7 @@
             <a:endParaRPr sz="1600"/>
           </a:p>
           <a:p>
-            <a:pPr indent="0" lvl="0" marL="0" rtl="0" algn="l">
+            <a:pPr marL="0" lvl="0" indent="0" algn="l" rtl="0">
               <a:spcBef>
                 <a:spcPts val="1200"/>
               </a:spcBef>
@@ -12926,7 +13126,7 @@
           <a:blip r:embed="rId3">
             <a:alphaModFix/>
           </a:blip>
-          <a:srcRect b="8786" l="12982" r="0" t="15985"/>
+          <a:srcRect l="12982" t="15985" b="8786"/>
           <a:stretch/>
         </p:blipFill>
         <p:spPr>
@@ -12952,7 +13152,7 @@
 </file>
 
 <file path=ppt/theme/theme1.xml><?xml version="1.0" encoding="utf-8"?>
-<a:theme xmlns:a="http://schemas.openxmlformats.org/drawingml/2006/main" xmlns:r="http://schemas.openxmlformats.org/officeDocument/2006/relationships" name="Streamline">
+<a:theme xmlns:a="http://schemas.openxmlformats.org/drawingml/2006/main" name="Streamline">
   <a:themeElements>
     <a:clrScheme name="Streamline">
       <a:dk1>
@@ -13227,11 +13427,13 @@
       </a:bgFillStyleLst>
     </a:fmtScheme>
   </a:themeElements>
+  <a:objectDefaults/>
+  <a:extraClrSchemeLst/>
 </a:theme>
 </file>
 
 <file path=ppt/theme/theme2.xml><?xml version="1.0" encoding="utf-8"?>
-<a:theme xmlns:a="http://schemas.openxmlformats.org/drawingml/2006/main" xmlns:r="http://schemas.openxmlformats.org/officeDocument/2006/relationships">
+<a:theme xmlns:a="http://schemas.openxmlformats.org/drawingml/2006/main">
   <a:themeElements>
     <a:clrScheme name="Default">
       <a:dk1>
@@ -13506,5 +13708,7 @@
       </a:bgFillStyleLst>
     </a:fmtScheme>
   </a:themeElements>
+  <a:objectDefaults/>
+  <a:extraClrSchemeLst/>
 </a:theme>
 </file>